--- a/auca/Sem-3/ICP/Assignment/Solution/Control_Structure.pptx
+++ b/auca/Sem-3/ICP/Assignment/Solution/Control_Structure.pptx
@@ -3156,22 +3156,13 @@
                   </a:outerShdw>
                 </a:effectLst>
               </a:rPr>
-              <a:t>00000</a:t>
-            </a:r>
-            <a:endParaRPr lang="en-US" b="1" dirty="0">
-              <a:effectLst>
-                <a:outerShdw blurRad="38100" dist="38100" dir="2700000" algn="tl">
-                  <a:srgbClr val="000000">
-                    <a:alpha val="43137"/>
-                  </a:srgbClr>
-                </a:outerShdw>
-              </a:effectLst>
-            </a:endParaRPr>
+              <a:t>28862</a:t>
+            </a:r>
           </a:p>
           <a:p>
             <a:pPr algn="ctr"/>
             <a:r>
-              <a:rPr lang="en-US" b="1" dirty="0" err="1">
+              <a:rPr lang="en-US" b="1" dirty="0" err="1" smtClean="0">
                 <a:effectLst>
                   <a:outerShdw blurRad="38100" dist="38100" dir="2700000" algn="tl">
                     <a:srgbClr val="000000">
@@ -3181,6 +3172,18 @@
                 </a:effectLst>
               </a:rPr>
               <a:t>Mbonizana</a:t>
+            </a:r>
+            <a:r>
+              <a:rPr lang="en-US" b="1" dirty="0" smtClean="0">
+                <a:effectLst>
+                  <a:outerShdw blurRad="38100" dist="38100" dir="2700000" algn="tl">
+                    <a:srgbClr val="000000">
+                      <a:alpha val="43137"/>
+                    </a:srgbClr>
+                  </a:outerShdw>
+                </a:effectLst>
+              </a:rPr>
+              <a:t> </a:t>
             </a:r>
             <a:r>
               <a:rPr lang="en-US" b="1" dirty="0">
@@ -3192,17 +3195,8 @@
                   </a:outerShdw>
                 </a:effectLst>
               </a:rPr>
-              <a:t> Augustin</a:t>
-            </a:r>
-            <a:endParaRPr lang="en-US" b="1" dirty="0">
-              <a:effectLst>
-                <a:outerShdw blurRad="38100" dist="38100" dir="2700000" algn="tl">
-                  <a:srgbClr val="000000">
-                    <a:alpha val="43137"/>
-                  </a:srgbClr>
-                </a:outerShdw>
-              </a:effectLst>
-            </a:endParaRPr>
+              <a:t>Augustin</a:t>
+            </a:r>
           </a:p>
         </p:txBody>
       </p:sp>
@@ -3214,8 +3208,8 @@
         </p:nvSpPr>
         <p:spPr>
           <a:xfrm>
-            <a:off x="9282375" y="1999991"/>
-            <a:ext cx="2257412" cy="844711"/>
+            <a:off x="9282375" y="1991244"/>
+            <a:ext cx="2257412" cy="917989"/>
           </a:xfrm>
           <a:prstGeom prst="roundRect">
             <a:avLst/>
@@ -3302,15 +3296,6 @@
               </a:rPr>
               <a:t> Gloria</a:t>
             </a:r>
-            <a:endParaRPr lang="en-US" b="1" dirty="0">
-              <a:effectLst>
-                <a:outerShdw blurRad="38100" dist="38100" dir="2700000" algn="tl">
-                  <a:srgbClr val="000000">
-                    <a:alpha val="43137"/>
-                  </a:srgbClr>
-                </a:outerShdw>
-              </a:effectLst>
-            </a:endParaRPr>
           </a:p>
         </p:txBody>
       </p:sp>
@@ -3629,15 +3614,6 @@
               </a:rPr>
               <a:t>NISHIMWE Prosper</a:t>
             </a:r>
-            <a:endParaRPr lang="en-US" b="1" dirty="0">
-              <a:effectLst>
-                <a:outerShdw blurRad="38100" dist="38100" dir="2700000" algn="tl">
-                  <a:srgbClr val="000000">
-                    <a:alpha val="43137"/>
-                  </a:srgbClr>
-                </a:outerShdw>
-              </a:effectLst>
-            </a:endParaRPr>
           </a:p>
         </p:txBody>
       </p:sp>
@@ -3690,7 +3666,7 @@
           <a:p>
             <a:pPr algn="ctr"/>
             <a:r>
-              <a:rPr lang="en-US" b="1" dirty="0" smtClean="0">
+              <a:rPr lang="en-US" b="1" dirty="0">
                 <a:effectLst>
                   <a:outerShdw blurRad="38100" dist="38100" dir="2700000" algn="tl">
                     <a:srgbClr val="000000">
@@ -3699,7 +3675,7 @@
                   </a:outerShdw>
                 </a:effectLst>
               </a:rPr>
-              <a:t>00000</a:t>
+              <a:t>28929</a:t>
             </a:r>
             <a:endParaRPr lang="en-US" b="1" dirty="0">
               <a:effectLst>
@@ -3737,15 +3713,6 @@
               </a:rPr>
               <a:t> Annabelle Marie Pierre</a:t>
             </a:r>
-            <a:endParaRPr lang="en-US" b="1" dirty="0">
-              <a:effectLst>
-                <a:outerShdw blurRad="38100" dist="38100" dir="2700000" algn="tl">
-                  <a:srgbClr val="000000">
-                    <a:alpha val="43137"/>
-                  </a:srgbClr>
-                </a:outerShdw>
-              </a:effectLst>
-            </a:endParaRPr>
           </a:p>
         </p:txBody>
       </p:sp>
@@ -3758,7 +3725,7 @@
         <p:spPr>
           <a:xfrm>
             <a:off x="8577916" y="5422911"/>
-            <a:ext cx="2961871" cy="1049870"/>
+            <a:ext cx="2961871" cy="893048"/>
           </a:xfrm>
           <a:prstGeom prst="roundRect">
             <a:avLst/>
@@ -3857,15 +3824,6 @@
               </a:rPr>
               <a:t> Dan Brian</a:t>
             </a:r>
-            <a:endParaRPr lang="en-US" b="1" dirty="0">
-              <a:effectLst>
-                <a:outerShdw blurRad="38100" dist="38100" dir="2700000" algn="tl">
-                  <a:srgbClr val="000000">
-                    <a:alpha val="43137"/>
-                  </a:srgbClr>
-                </a:outerShdw>
-              </a:effectLst>
-            </a:endParaRPr>
           </a:p>
         </p:txBody>
       </p:sp>
@@ -3878,7 +3836,7 @@
         <p:spPr>
           <a:xfrm>
             <a:off x="4275340" y="5410709"/>
-            <a:ext cx="3476081" cy="1062072"/>
+            <a:ext cx="3476081" cy="905250"/>
           </a:xfrm>
           <a:prstGeom prst="roundRect">
             <a:avLst/>
@@ -4034,7 +3992,7 @@
         <p:spPr>
           <a:xfrm>
             <a:off x="461705" y="5448832"/>
-            <a:ext cx="3036373" cy="1109685"/>
+            <a:ext cx="3036373" cy="942541"/>
           </a:xfrm>
           <a:prstGeom prst="roundRect">
             <a:avLst/>
@@ -4354,8 +4312,8 @@
         </p:nvSpPr>
         <p:spPr>
           <a:xfrm>
-            <a:off x="774911" y="848381"/>
-            <a:ext cx="9918619" cy="515953"/>
+            <a:off x="1621317" y="857496"/>
+            <a:ext cx="8955464" cy="515953"/>
           </a:xfrm>
           <a:prstGeom prst="rect">
             <a:avLst/>
@@ -4629,7 +4587,7 @@
         </p:blipFill>
         <p:spPr>
           <a:xfrm>
-            <a:off x="10733162" y="1652345"/>
+            <a:off x="10704561" y="1627356"/>
             <a:ext cx="952412" cy="890698"/>
           </a:xfrm>
           <a:prstGeom prst="ellipse">
@@ -4837,7 +4795,7 @@
         </p:blipFill>
         <p:spPr>
           <a:xfrm>
-            <a:off x="1494866" y="4843419"/>
+            <a:off x="1434050" y="4800937"/>
             <a:ext cx="1000449" cy="1000449"/>
           </a:xfrm>
           <a:prstGeom prst="ellipse">
@@ -4889,7 +4847,7 @@
         </p:blipFill>
         <p:spPr>
           <a:xfrm>
-            <a:off x="5529502" y="4829311"/>
+            <a:off x="5511697" y="4783563"/>
             <a:ext cx="1016989" cy="984900"/>
           </a:xfrm>
           <a:prstGeom prst="ellipse">
@@ -4941,8 +4899,8 @@
         </p:blipFill>
         <p:spPr>
           <a:xfrm>
-            <a:off x="9531446" y="4752029"/>
-            <a:ext cx="1076344" cy="1076344"/>
+            <a:off x="9520679" y="4783563"/>
+            <a:ext cx="1076344" cy="1000876"/>
           </a:xfrm>
           <a:prstGeom prst="ellipse">
             <a:avLst/>
@@ -5112,15 +5070,7 @@
                   <a:schemeClr val="accent4"/>
                 </a:solidFill>
               </a:rPr>
-              <a:t> - </a:t>
-            </a:r>
-            <a:r>
-              <a:rPr lang="en-US" sz="7200" dirty="0" smtClean="0">
-                <a:solidFill>
-                  <a:schemeClr val="accent4"/>
-                </a:solidFill>
-              </a:rPr>
-              <a:t>--</a:t>
+              <a:t> - --</a:t>
             </a:r>
             <a:endParaRPr lang="en-US" sz="4400" dirty="0">
               <a:solidFill>
@@ -5219,15 +5169,7 @@
                   <a:schemeClr val="accent4"/>
                 </a:solidFill>
               </a:rPr>
-              <a:t> - </a:t>
-            </a:r>
-            <a:r>
-              <a:rPr lang="en-US" sz="7200" dirty="0" smtClean="0">
-                <a:solidFill>
-                  <a:schemeClr val="accent4"/>
-                </a:solidFill>
-              </a:rPr>
-              <a:t>--</a:t>
+              <a:t> - --</a:t>
             </a:r>
             <a:endParaRPr lang="en-US" sz="4400" dirty="0">
               <a:solidFill>
@@ -5711,7 +5653,7 @@
         </p:blipFill>
         <p:spPr>
           <a:xfrm>
-            <a:off x="10469616" y="175343"/>
+            <a:off x="10765708" y="-76228"/>
             <a:ext cx="905168" cy="1014427"/>
           </a:xfrm>
           <a:prstGeom prst="rect">
@@ -5729,11 +5671,11 @@
   <p:clrMapOvr>
     <a:masterClrMapping/>
   </p:clrMapOvr>
-  <mc:AlternateContent xmlns:mc="http://schemas.openxmlformats.org/markup-compatibility/2006">
-    <mc:Choice xmlns:p14="http://schemas.microsoft.com/office/powerpoint/2010/main" Requires="p14">
+  <mc:AlternateContent xmlns:mc="http://schemas.openxmlformats.org/markup-compatibility/2006" xmlns:p14="http://schemas.microsoft.com/office/powerpoint/2010/main">
+    <mc:Choice Requires="p14">
       <p:transition spd="slow" p14:dur="2000"/>
     </mc:Choice>
-    <mc:Fallback>
+    <mc:Fallback xmlns="">
       <p:transition spd="slow"/>
     </mc:Fallback>
   </mc:AlternateContent>
@@ -5952,15 +5894,7 @@
                   <a:schemeClr val="accent4"/>
                 </a:solidFill>
               </a:rPr>
-              <a:t> - </a:t>
-            </a:r>
-            <a:r>
-              <a:rPr lang="en-US" sz="7200" dirty="0" smtClean="0">
-                <a:solidFill>
-                  <a:schemeClr val="accent4"/>
-                </a:solidFill>
-              </a:rPr>
-              <a:t>--</a:t>
+              <a:t> - --</a:t>
             </a:r>
             <a:endParaRPr lang="en-US" sz="4400" dirty="0">
               <a:solidFill>
@@ -6344,11 +6278,29 @@
                 </a:solidFill>
                 <a:sym typeface="Wingdings" panose="05000000000000000000" pitchFamily="2" charset="2"/>
               </a:rPr>
-              <a:t>&lt;--</a:t>
+              <a:t>&lt;</a:t>
             </a:r>
             <a:r>
               <a:rPr lang="en-US" sz="3600" b="1" dirty="0" smtClean="0">
                 <a:solidFill>
+                  <a:schemeClr val="accent2"/>
+                </a:solidFill>
+                <a:sym typeface="Wingdings" panose="05000000000000000000" pitchFamily="2" charset="2"/>
+              </a:rPr>
+              <a:t>\</a:t>
+            </a:r>
+            <a:r>
+              <a:rPr lang="en-US" sz="3600" b="1" dirty="0" smtClean="0">
+                <a:solidFill>
+                  <a:srgbClr val="00B050"/>
+                </a:solidFill>
+                <a:sym typeface="Wingdings" panose="05000000000000000000" pitchFamily="2" charset="2"/>
+              </a:rPr>
+              <a:t>--</a:t>
+            </a:r>
+            <a:r>
+              <a:rPr lang="en-US" sz="3600" b="1" dirty="0" smtClean="0">
+                <a:solidFill>
                   <a:schemeClr val="accent4"/>
                 </a:solidFill>
                 <a:sym typeface="Wingdings" panose="05000000000000000000" pitchFamily="2" charset="2"/>
@@ -6369,7 +6321,23 @@
                   <a:srgbClr val="00B050"/>
                 </a:solidFill>
               </a:rPr>
-              <a:t>--&gt;</a:t>
+              <a:t>--</a:t>
+            </a:r>
+            <a:r>
+              <a:rPr lang="en-US" sz="3600" b="1" dirty="0" smtClean="0">
+                <a:solidFill>
+                  <a:schemeClr val="accent2"/>
+                </a:solidFill>
+              </a:rPr>
+              <a:t>/</a:t>
+            </a:r>
+            <a:r>
+              <a:rPr lang="en-US" sz="3600" b="1" dirty="0" smtClean="0">
+                <a:solidFill>
+                  <a:srgbClr val="00B050"/>
+                </a:solidFill>
+              </a:rPr>
+              <a:t>&gt;</a:t>
             </a:r>
             <a:endParaRPr lang="en-US" sz="3600" b="1" dirty="0">
               <a:solidFill>
@@ -6433,14 +6401,46 @@
             <a:r>
               <a:rPr lang="en-US" sz="7200" dirty="0" smtClean="0">
                 <a:solidFill>
+                  <a:schemeClr val="accent2"/>
+                </a:solidFill>
+              </a:rPr>
+              <a:t>--</a:t>
+            </a:r>
+            <a:r>
+              <a:rPr lang="en-US" sz="7200" dirty="0" smtClean="0">
+                <a:solidFill>
                   <a:srgbClr val="00B050"/>
                 </a:solidFill>
               </a:rPr>
-              <a:t>-- - -- - -- - --</a:t>
+              <a:t> - -- </a:t>
+            </a:r>
+            <a:r>
+              <a:rPr lang="en-US" sz="7200" dirty="0" smtClean="0">
+                <a:solidFill>
+                  <a:schemeClr val="accent2"/>
+                </a:solidFill>
+              </a:rPr>
+              <a:t>-</a:t>
+            </a:r>
+            <a:r>
+              <a:rPr lang="en-US" sz="7200" dirty="0" smtClean="0">
+                <a:solidFill>
+                  <a:srgbClr val="00B050"/>
+                </a:solidFill>
+              </a:rPr>
+              <a:t> -- - </a:t>
+            </a:r>
+            <a:r>
+              <a:rPr lang="en-US" sz="7200" dirty="0" smtClean="0">
+                <a:solidFill>
+                  <a:schemeClr val="accent2"/>
+                </a:solidFill>
+              </a:rPr>
+              <a:t>--</a:t>
             </a:r>
             <a:endParaRPr lang="en-US" sz="4400" dirty="0">
               <a:solidFill>
-                <a:srgbClr val="00B050"/>
+                <a:schemeClr val="accent2"/>
               </a:solidFill>
             </a:endParaRPr>
           </a:p>
@@ -6737,7 +6737,7 @@
                   </a:outerShdw>
                 </a:effectLst>
               </a:rPr>
-              <a:t>\</a:t>
+              <a:t>--</a:t>
             </a:r>
             <a:r>
               <a:rPr lang="en-US" b="1" dirty="0" smtClean="0">
@@ -6794,7 +6794,7 @@
                   </a:outerShdw>
                 </a:effectLst>
               </a:rPr>
-              <a:t>/</a:t>
+              <a:t>--</a:t>
             </a:r>
             <a:r>
               <a:rPr lang="en-US" b="1" dirty="0" smtClean="0">
@@ -6854,8 +6854,8 @@
         </p:nvSpPr>
         <p:spPr>
           <a:xfrm>
-            <a:off x="3575338" y="2077739"/>
-            <a:ext cx="4963160" cy="4351338"/>
+            <a:off x="3928174" y="2271853"/>
+            <a:ext cx="5389553" cy="3975840"/>
           </a:xfrm>
           <a:prstGeom prst="rect">
             <a:avLst/>
@@ -6863,7 +6863,7 @@
         </p:spPr>
         <p:txBody>
           <a:bodyPr>
-            <a:normAutofit fontScale="85000" lnSpcReduction="20000"/>
+            <a:normAutofit fontScale="77500" lnSpcReduction="20000"/>
           </a:bodyPr>
           <a:lstStyle>
             <a:lvl1pPr marL="228600" indent="-228600" algn="l" defTabSz="914400" rtl="0" eaLnBrk="1" latinLnBrk="0" hangingPunct="1">
@@ -7227,8 +7227,21 @@
                   <a:schemeClr val="bg1"/>
                 </a:solidFill>
               </a:rPr>
-              <a:t> Annabelle Marie Pierre</a:t>
-            </a:r>
+              <a:t> Annabelle Marie </a:t>
+            </a:r>
+            <a:r>
+              <a:rPr lang="en-US" dirty="0">
+                <a:solidFill>
+                  <a:schemeClr val="bg1"/>
+                </a:solidFill>
+              </a:rPr>
+              <a:t>Pierre 28929</a:t>
+            </a:r>
+            <a:endParaRPr lang="en-US" dirty="0" smtClean="0">
+              <a:solidFill>
+                <a:schemeClr val="bg1"/>
+              </a:solidFill>
+            </a:endParaRPr>
           </a:p>
           <a:p>
             <a:pPr marL="514350" indent="-514350">
@@ -7249,8 +7262,21 @@
                   <a:schemeClr val="bg1"/>
                 </a:solidFill>
               </a:rPr>
-              <a:t> Augustin</a:t>
-            </a:r>
+              <a:t> </a:t>
+            </a:r>
+            <a:r>
+              <a:rPr lang="en-US" dirty="0">
+                <a:solidFill>
+                  <a:schemeClr val="bg1"/>
+                </a:solidFill>
+              </a:rPr>
+              <a:t>Augustin 28862</a:t>
+            </a:r>
+            <a:endParaRPr lang="en-US" dirty="0" smtClean="0">
+              <a:solidFill>
+                <a:schemeClr val="bg1"/>
+              </a:solidFill>
+            </a:endParaRPr>
           </a:p>
           <a:p>
             <a:pPr marL="514350" indent="-514350">
@@ -7529,11 +7555,11 @@
   <p:clrMapOvr>
     <a:masterClrMapping/>
   </p:clrMapOvr>
-  <mc:AlternateContent xmlns:mc="http://schemas.openxmlformats.org/markup-compatibility/2006">
-    <mc:Choice xmlns:p14="http://schemas.microsoft.com/office/powerpoint/2010/main" Requires="p14">
+  <mc:AlternateContent xmlns:mc="http://schemas.openxmlformats.org/markup-compatibility/2006" xmlns:p14="http://schemas.microsoft.com/office/powerpoint/2010/main">
+    <mc:Choice Requires="p14">
       <p:transition spd="slow" p14:dur="2000"/>
     </mc:Choice>
-    <mc:Fallback>
+    <mc:Fallback xmlns="">
       <p:transition spd="slow"/>
     </mc:Fallback>
   </mc:AlternateContent>
@@ -7653,15 +7679,7 @@
                   <a:schemeClr val="accent4"/>
                 </a:solidFill>
               </a:rPr>
-              <a:t> - </a:t>
-            </a:r>
-            <a:r>
-              <a:rPr lang="en-US" sz="7200" dirty="0" smtClean="0">
-                <a:solidFill>
-                  <a:schemeClr val="accent4"/>
-                </a:solidFill>
-              </a:rPr>
-              <a:t>--</a:t>
+              <a:t> - --</a:t>
             </a:r>
             <a:endParaRPr lang="en-US" sz="4400" dirty="0">
               <a:solidFill>
@@ -7760,15 +7778,7 @@
                   <a:schemeClr val="accent4"/>
                 </a:solidFill>
               </a:rPr>
-              <a:t> - </a:t>
-            </a:r>
-            <a:r>
-              <a:rPr lang="en-US" sz="7200" dirty="0" smtClean="0">
-                <a:solidFill>
-                  <a:schemeClr val="accent4"/>
-                </a:solidFill>
-              </a:rPr>
-              <a:t>--</a:t>
+              <a:t> - --</a:t>
             </a:r>
             <a:endParaRPr lang="en-US" sz="4400" dirty="0">
               <a:solidFill>
@@ -7966,15 +7976,7 @@
                   <a:schemeClr val="accent4"/>
                 </a:solidFill>
               </a:rPr>
-              <a:t> - </a:t>
-            </a:r>
-            <a:r>
-              <a:rPr lang="en-US" sz="7200" dirty="0" smtClean="0">
-                <a:solidFill>
-                  <a:schemeClr val="accent4"/>
-                </a:solidFill>
-              </a:rPr>
-              <a:t>--</a:t>
+              <a:t> - --</a:t>
             </a:r>
             <a:endParaRPr lang="en-US" sz="4400" dirty="0">
               <a:solidFill>
@@ -9268,15 +9270,7 @@
                   <a:srgbClr val="00B050"/>
                 </a:solidFill>
               </a:rPr>
-              <a:t> </a:t>
-            </a:r>
-            <a:r>
-              <a:rPr lang="en-US" sz="7200" dirty="0" smtClean="0">
-                <a:solidFill>
-                  <a:srgbClr val="00B050"/>
-                </a:solidFill>
-              </a:rPr>
-              <a:t>-- - </a:t>
+              <a:t> -- - </a:t>
             </a:r>
             <a:r>
               <a:rPr lang="en-US" sz="7200" dirty="0" smtClean="0">
@@ -9359,15 +9353,7 @@
                   <a:srgbClr val="00B050"/>
                 </a:solidFill>
               </a:rPr>
-              <a:t> </a:t>
-            </a:r>
-            <a:r>
-              <a:rPr lang="en-US" sz="7200" dirty="0" smtClean="0">
-                <a:solidFill>
-                  <a:srgbClr val="00B050"/>
-                </a:solidFill>
-              </a:rPr>
-              <a:t>-- - </a:t>
+              <a:t> -- - </a:t>
             </a:r>
             <a:r>
               <a:rPr lang="en-US" sz="7200" dirty="0" smtClean="0">
@@ -10038,15 +10024,7 @@
                   <a:schemeClr val="accent4"/>
                 </a:solidFill>
               </a:rPr>
-              <a:t> - </a:t>
-            </a:r>
-            <a:r>
-              <a:rPr lang="en-US" sz="7200" dirty="0" smtClean="0">
-                <a:solidFill>
-                  <a:schemeClr val="accent4"/>
-                </a:solidFill>
-              </a:rPr>
-              <a:t>--</a:t>
+              <a:t> - --</a:t>
             </a:r>
             <a:endParaRPr lang="en-US" sz="4400" dirty="0">
               <a:solidFill>
@@ -10145,15 +10123,7 @@
                   <a:schemeClr val="accent4"/>
                 </a:solidFill>
               </a:rPr>
-              <a:t> - </a:t>
-            </a:r>
-            <a:r>
-              <a:rPr lang="en-US" sz="7200" dirty="0" smtClean="0">
-                <a:solidFill>
-                  <a:schemeClr val="accent4"/>
-                </a:solidFill>
-              </a:rPr>
-              <a:t>--</a:t>
+              <a:t> - --</a:t>
             </a:r>
             <a:endParaRPr lang="en-US" sz="4400" dirty="0">
               <a:solidFill>
@@ -10351,15 +10321,7 @@
                   <a:schemeClr val="accent4"/>
                 </a:solidFill>
               </a:rPr>
-              <a:t> - </a:t>
-            </a:r>
-            <a:r>
-              <a:rPr lang="en-US" sz="7200" dirty="0" smtClean="0">
-                <a:solidFill>
-                  <a:schemeClr val="accent4"/>
-                </a:solidFill>
-              </a:rPr>
-              <a:t>--</a:t>
+              <a:t> - --</a:t>
             </a:r>
             <a:endParaRPr lang="en-US" sz="4400" dirty="0">
               <a:solidFill>
@@ -10778,15 +10740,7 @@
                   <a:schemeClr val="accent4"/>
                 </a:solidFill>
               </a:rPr>
-              <a:t>CONTROL STRUCTURE </a:t>
-            </a:r>
-            <a:r>
-              <a:rPr lang="en-US" sz="3600" b="1" dirty="0" smtClean="0">
-                <a:solidFill>
-                  <a:schemeClr val="accent4"/>
-                </a:solidFill>
-              </a:rPr>
-              <a:t> </a:t>
+              <a:t>CONTROL STRUCTURE  </a:t>
             </a:r>
             <a:r>
               <a:rPr lang="en-US" sz="3600" b="1" dirty="0" err="1" smtClean="0">
@@ -11572,15 +11526,7 @@
                   <a:srgbClr val="00B050"/>
                 </a:solidFill>
               </a:rPr>
-              <a:t> </a:t>
-            </a:r>
-            <a:r>
-              <a:rPr lang="en-US" sz="7200" dirty="0" smtClean="0">
-                <a:solidFill>
-                  <a:srgbClr val="00B050"/>
-                </a:solidFill>
-              </a:rPr>
-              <a:t>-- - </a:t>
+              <a:t> -- - </a:t>
             </a:r>
             <a:r>
               <a:rPr lang="en-US" sz="7200" dirty="0" smtClean="0">
@@ -11663,15 +11609,7 @@
                   <a:srgbClr val="00B050"/>
                 </a:solidFill>
               </a:rPr>
-              <a:t> </a:t>
-            </a:r>
-            <a:r>
-              <a:rPr lang="en-US" sz="7200" dirty="0" smtClean="0">
-                <a:solidFill>
-                  <a:srgbClr val="00B050"/>
-                </a:solidFill>
-              </a:rPr>
-              <a:t>-- - </a:t>
+              <a:t> -- - </a:t>
             </a:r>
             <a:r>
               <a:rPr lang="en-US" sz="7200" dirty="0" smtClean="0">
@@ -12216,15 +12154,7 @@
                   <a:schemeClr val="accent4"/>
                 </a:solidFill>
               </a:rPr>
-              <a:t> - </a:t>
-            </a:r>
-            <a:r>
-              <a:rPr lang="en-US" sz="7200" dirty="0" smtClean="0">
-                <a:solidFill>
-                  <a:schemeClr val="accent4"/>
-                </a:solidFill>
-              </a:rPr>
-              <a:t>--</a:t>
+              <a:t> - --</a:t>
             </a:r>
             <a:endParaRPr lang="en-US" sz="4400" dirty="0">
               <a:solidFill>
@@ -12323,15 +12253,7 @@
                   <a:schemeClr val="accent4"/>
                 </a:solidFill>
               </a:rPr>
-              <a:t> - </a:t>
-            </a:r>
-            <a:r>
-              <a:rPr lang="en-US" sz="7200" dirty="0" smtClean="0">
-                <a:solidFill>
-                  <a:schemeClr val="accent4"/>
-                </a:solidFill>
-              </a:rPr>
-              <a:t>--</a:t>
+              <a:t> - --</a:t>
             </a:r>
             <a:endParaRPr lang="en-US" sz="4400" dirty="0">
               <a:solidFill>
@@ -12529,15 +12451,7 @@
                   <a:schemeClr val="accent4"/>
                 </a:solidFill>
               </a:rPr>
-              <a:t> - </a:t>
-            </a:r>
-            <a:r>
-              <a:rPr lang="en-US" sz="7200" dirty="0" smtClean="0">
-                <a:solidFill>
-                  <a:schemeClr val="accent4"/>
-                </a:solidFill>
-              </a:rPr>
-              <a:t>--</a:t>
+              <a:t> - --</a:t>
             </a:r>
             <a:endParaRPr lang="en-US" sz="4400" dirty="0">
               <a:solidFill>
@@ -12956,15 +12870,7 @@
                   <a:schemeClr val="accent4"/>
                 </a:solidFill>
               </a:rPr>
-              <a:t>CONTROL STRUCTURE </a:t>
-            </a:r>
-            <a:r>
-              <a:rPr lang="en-US" sz="3600" b="1" dirty="0" smtClean="0">
-                <a:solidFill>
-                  <a:schemeClr val="accent4"/>
-                </a:solidFill>
-              </a:rPr>
-              <a:t> </a:t>
+              <a:t>CONTROL STRUCTURE  </a:t>
             </a:r>
             <a:r>
               <a:rPr lang="en-US" sz="3600" b="1" dirty="0" err="1" smtClean="0">
@@ -13832,15 +13738,7 @@
                   <a:srgbClr val="00B050"/>
                 </a:solidFill>
               </a:rPr>
-              <a:t> </a:t>
-            </a:r>
-            <a:r>
-              <a:rPr lang="en-US" sz="7200" dirty="0" smtClean="0">
-                <a:solidFill>
-                  <a:srgbClr val="00B050"/>
-                </a:solidFill>
-              </a:rPr>
-              <a:t>-- - </a:t>
+              <a:t> -- - </a:t>
             </a:r>
             <a:r>
               <a:rPr lang="en-US" sz="7200" dirty="0" smtClean="0">
@@ -13923,15 +13821,7 @@
                   <a:srgbClr val="00B050"/>
                 </a:solidFill>
               </a:rPr>
-              <a:t> </a:t>
-            </a:r>
-            <a:r>
-              <a:rPr lang="en-US" sz="7200" dirty="0" smtClean="0">
-                <a:solidFill>
-                  <a:srgbClr val="00B050"/>
-                </a:solidFill>
-              </a:rPr>
-              <a:t>-- - </a:t>
+              <a:t> -- - </a:t>
             </a:r>
             <a:r>
               <a:rPr lang="en-US" sz="7200" dirty="0" smtClean="0">
@@ -14578,15 +14468,7 @@
                   <a:schemeClr val="accent4"/>
                 </a:solidFill>
               </a:rPr>
-              <a:t> - </a:t>
-            </a:r>
-            <a:r>
-              <a:rPr lang="en-US" sz="7200" dirty="0" smtClean="0">
-                <a:solidFill>
-                  <a:schemeClr val="accent4"/>
-                </a:solidFill>
-              </a:rPr>
-              <a:t>--</a:t>
+              <a:t> - --</a:t>
             </a:r>
             <a:endParaRPr lang="en-US" sz="4400" dirty="0">
               <a:solidFill>
@@ -14685,15 +14567,7 @@
                   <a:schemeClr val="accent4"/>
                 </a:solidFill>
               </a:rPr>
-              <a:t> - </a:t>
-            </a:r>
-            <a:r>
-              <a:rPr lang="en-US" sz="7200" dirty="0" smtClean="0">
-                <a:solidFill>
-                  <a:schemeClr val="accent4"/>
-                </a:solidFill>
-              </a:rPr>
-              <a:t>--</a:t>
+              <a:t> - --</a:t>
             </a:r>
             <a:endParaRPr lang="en-US" sz="4400" dirty="0">
               <a:solidFill>
@@ -14891,15 +14765,7 @@
                   <a:schemeClr val="accent4"/>
                 </a:solidFill>
               </a:rPr>
-              <a:t> - </a:t>
-            </a:r>
-            <a:r>
-              <a:rPr lang="en-US" sz="7200" dirty="0" smtClean="0">
-                <a:solidFill>
-                  <a:schemeClr val="accent4"/>
-                </a:solidFill>
-              </a:rPr>
-              <a:t>--</a:t>
+              <a:t> - --</a:t>
             </a:r>
             <a:endParaRPr lang="en-US" sz="4400" dirty="0">
               <a:solidFill>
@@ -15318,15 +15184,7 @@
                   <a:schemeClr val="accent4"/>
                 </a:solidFill>
               </a:rPr>
-              <a:t>CONTROL STRUCTURE </a:t>
-            </a:r>
-            <a:r>
-              <a:rPr lang="en-US" sz="3600" b="1" dirty="0" smtClean="0">
-                <a:solidFill>
-                  <a:schemeClr val="accent4"/>
-                </a:solidFill>
-              </a:rPr>
-              <a:t> </a:t>
+              <a:t>CONTROL STRUCTURE  </a:t>
             </a:r>
             <a:r>
               <a:rPr lang="en-US" sz="3600" b="1" dirty="0" err="1" smtClean="0">
@@ -16186,15 +16044,7 @@
                   <a:srgbClr val="00B050"/>
                 </a:solidFill>
               </a:rPr>
-              <a:t>-- </a:t>
-            </a:r>
-            <a:r>
-              <a:rPr lang="en-US" sz="7200" dirty="0" smtClean="0">
-                <a:solidFill>
-                  <a:srgbClr val="00B050"/>
-                </a:solidFill>
-              </a:rPr>
-              <a:t>- </a:t>
+              <a:t>-- - </a:t>
             </a:r>
             <a:r>
               <a:rPr lang="en-US" sz="7200" dirty="0" smtClean="0">
@@ -16277,15 +16127,7 @@
                   <a:srgbClr val="00B050"/>
                 </a:solidFill>
               </a:rPr>
-              <a:t> </a:t>
-            </a:r>
-            <a:r>
-              <a:rPr lang="en-US" sz="7200" dirty="0" smtClean="0">
-                <a:solidFill>
-                  <a:srgbClr val="00B050"/>
-                </a:solidFill>
-              </a:rPr>
-              <a:t>-- - </a:t>
+              <a:t> -- - </a:t>
             </a:r>
             <a:r>
               <a:rPr lang="en-US" sz="7200" dirty="0" smtClean="0">
@@ -16877,15 +16719,7 @@
                   <a:schemeClr val="accent4"/>
                 </a:solidFill>
               </a:rPr>
-              <a:t> - </a:t>
-            </a:r>
-            <a:r>
-              <a:rPr lang="en-US" sz="7200" dirty="0" smtClean="0">
-                <a:solidFill>
-                  <a:schemeClr val="accent4"/>
-                </a:solidFill>
-              </a:rPr>
-              <a:t>--</a:t>
+              <a:t> - --</a:t>
             </a:r>
             <a:endParaRPr lang="en-US" sz="4400" dirty="0">
               <a:solidFill>
@@ -16984,15 +16818,7 @@
                   <a:schemeClr val="accent4"/>
                 </a:solidFill>
               </a:rPr>
-              <a:t> - </a:t>
-            </a:r>
-            <a:r>
-              <a:rPr lang="en-US" sz="7200" dirty="0" smtClean="0">
-                <a:solidFill>
-                  <a:schemeClr val="accent4"/>
-                </a:solidFill>
-              </a:rPr>
-              <a:t>--</a:t>
+              <a:t> - --</a:t>
             </a:r>
             <a:endParaRPr lang="en-US" sz="4400" dirty="0">
               <a:solidFill>
@@ -17190,15 +17016,7 @@
                   <a:schemeClr val="accent4"/>
                 </a:solidFill>
               </a:rPr>
-              <a:t> - </a:t>
-            </a:r>
-            <a:r>
-              <a:rPr lang="en-US" sz="7200" dirty="0" smtClean="0">
-                <a:solidFill>
-                  <a:schemeClr val="accent4"/>
-                </a:solidFill>
-              </a:rPr>
-              <a:t>--</a:t>
+              <a:t> - --</a:t>
             </a:r>
             <a:endParaRPr lang="en-US" sz="4400" dirty="0">
               <a:solidFill>
@@ -17617,15 +17435,7 @@
                   <a:schemeClr val="accent4"/>
                 </a:solidFill>
               </a:rPr>
-              <a:t>CONTROL STRUCTURE </a:t>
-            </a:r>
-            <a:r>
-              <a:rPr lang="en-US" sz="3600" b="1" dirty="0" smtClean="0">
-                <a:solidFill>
-                  <a:schemeClr val="accent4"/>
-                </a:solidFill>
-              </a:rPr>
-              <a:t> END   </a:t>
+              <a:t>CONTROL STRUCTURE  END   </a:t>
             </a:r>
             <a:r>
               <a:rPr lang="en-US" sz="3600" b="1" dirty="0" smtClean="0">

--- a/auca/Sem-3/ICP/Assignment/Solution/Control_Structure.pptx
+++ b/auca/Sem-3/ICP/Assignment/Solution/Control_Structure.pptx
@@ -5,13 +5,12 @@
     <p:sldMasterId id="2147483648" r:id="rId1"/>
   </p:sldMasterIdLst>
   <p:sldIdLst>
-    <p:sldId id="256" r:id="rId2"/>
-    <p:sldId id="257" r:id="rId3"/>
-    <p:sldId id="275" r:id="rId4"/>
-    <p:sldId id="283" r:id="rId5"/>
-    <p:sldId id="284" r:id="rId6"/>
-    <p:sldId id="285" r:id="rId7"/>
-    <p:sldId id="286" r:id="rId8"/>
+    <p:sldId id="257" r:id="rId2"/>
+    <p:sldId id="275" r:id="rId3"/>
+    <p:sldId id="283" r:id="rId4"/>
+    <p:sldId id="284" r:id="rId5"/>
+    <p:sldId id="285" r:id="rId6"/>
+    <p:sldId id="286" r:id="rId7"/>
   </p:sldIdLst>
   <p:sldSz cx="12192000" cy="6858000"/>
   <p:notesSz cx="6858000" cy="9144000"/>
@@ -249,7 +248,7 @@
           <a:p>
             <a:fld id="{9DA0BAB2-C07D-48C3-A9E7-A2050A8AA9EB}" type="datetimeFigureOut">
               <a:rPr lang="en-US" smtClean="0"/>
-              <a:t>9/22/2025</a:t>
+              <a:t>9/23/2025</a:t>
             </a:fld>
             <a:endParaRPr lang="en-US"/>
           </a:p>
@@ -419,7 +418,7 @@
           <a:p>
             <a:fld id="{9DA0BAB2-C07D-48C3-A9E7-A2050A8AA9EB}" type="datetimeFigureOut">
               <a:rPr lang="en-US" smtClean="0"/>
-              <a:t>9/22/2025</a:t>
+              <a:t>9/23/2025</a:t>
             </a:fld>
             <a:endParaRPr lang="en-US"/>
           </a:p>
@@ -599,7 +598,7 @@
           <a:p>
             <a:fld id="{9DA0BAB2-C07D-48C3-A9E7-A2050A8AA9EB}" type="datetimeFigureOut">
               <a:rPr lang="en-US" smtClean="0"/>
-              <a:t>9/22/2025</a:t>
+              <a:t>9/23/2025</a:t>
             </a:fld>
             <a:endParaRPr lang="en-US"/>
           </a:p>
@@ -769,7 +768,7 @@
           <a:p>
             <a:fld id="{9DA0BAB2-C07D-48C3-A9E7-A2050A8AA9EB}" type="datetimeFigureOut">
               <a:rPr lang="en-US" smtClean="0"/>
-              <a:t>9/22/2025</a:t>
+              <a:t>9/23/2025</a:t>
             </a:fld>
             <a:endParaRPr lang="en-US"/>
           </a:p>
@@ -1015,7 +1014,7 @@
           <a:p>
             <a:fld id="{9DA0BAB2-C07D-48C3-A9E7-A2050A8AA9EB}" type="datetimeFigureOut">
               <a:rPr lang="en-US" smtClean="0"/>
-              <a:t>9/22/2025</a:t>
+              <a:t>9/23/2025</a:t>
             </a:fld>
             <a:endParaRPr lang="en-US"/>
           </a:p>
@@ -1247,7 +1246,7 @@
           <a:p>
             <a:fld id="{9DA0BAB2-C07D-48C3-A9E7-A2050A8AA9EB}" type="datetimeFigureOut">
               <a:rPr lang="en-US" smtClean="0"/>
-              <a:t>9/22/2025</a:t>
+              <a:t>9/23/2025</a:t>
             </a:fld>
             <a:endParaRPr lang="en-US"/>
           </a:p>
@@ -1614,7 +1613,7 @@
           <a:p>
             <a:fld id="{9DA0BAB2-C07D-48C3-A9E7-A2050A8AA9EB}" type="datetimeFigureOut">
               <a:rPr lang="en-US" smtClean="0"/>
-              <a:t>9/22/2025</a:t>
+              <a:t>9/23/2025</a:t>
             </a:fld>
             <a:endParaRPr lang="en-US"/>
           </a:p>
@@ -1732,7 +1731,7 @@
           <a:p>
             <a:fld id="{9DA0BAB2-C07D-48C3-A9E7-A2050A8AA9EB}" type="datetimeFigureOut">
               <a:rPr lang="en-US" smtClean="0"/>
-              <a:t>9/22/2025</a:t>
+              <a:t>9/23/2025</a:t>
             </a:fld>
             <a:endParaRPr lang="en-US"/>
           </a:p>
@@ -1827,7 +1826,7 @@
           <a:p>
             <a:fld id="{9DA0BAB2-C07D-48C3-A9E7-A2050A8AA9EB}" type="datetimeFigureOut">
               <a:rPr lang="en-US" smtClean="0"/>
-              <a:t>9/22/2025</a:t>
+              <a:t>9/23/2025</a:t>
             </a:fld>
             <a:endParaRPr lang="en-US"/>
           </a:p>
@@ -2111,7 +2110,7 @@
           <a:p>
             <a:fld id="{9DA0BAB2-C07D-48C3-A9E7-A2050A8AA9EB}" type="datetimeFigureOut">
               <a:rPr lang="en-US" smtClean="0"/>
-              <a:t>9/22/2025</a:t>
+              <a:t>9/23/2025</a:t>
             </a:fld>
             <a:endParaRPr lang="en-US"/>
           </a:p>
@@ -2364,7 +2363,7 @@
           <a:p>
             <a:fld id="{9DA0BAB2-C07D-48C3-A9E7-A2050A8AA9EB}" type="datetimeFigureOut">
               <a:rPr lang="en-US" smtClean="0"/>
-              <a:t>9/22/2025</a:t>
+              <a:t>9/23/2025</a:t>
             </a:fld>
             <a:endParaRPr lang="en-US"/>
           </a:p>
@@ -2582,7 +2581,7 @@
           <a:p>
             <a:fld id="{9DA0BAB2-C07D-48C3-A9E7-A2050A8AA9EB}" type="datetimeFigureOut">
               <a:rPr lang="en-US" smtClean="0"/>
-              <a:t>9/22/2025</a:t>
+              <a:t>9/23/2025</a:t>
             </a:fld>
             <a:endParaRPr lang="en-US"/>
           </a:p>
@@ -2989,2725 +2988,6 @@
       </p:grpSpPr>
       <p:sp>
         <p:nvSpPr>
-          <p:cNvPr id="35" name="Rounded Rectangle 34"/>
-          <p:cNvSpPr/>
-          <p:nvPr/>
-        </p:nvSpPr>
-        <p:spPr>
-          <a:xfrm>
-            <a:off x="8697382" y="3721752"/>
-            <a:ext cx="2831000" cy="824109"/>
-          </a:xfrm>
-          <a:prstGeom prst="roundRect">
-            <a:avLst/>
-          </a:prstGeom>
-          <a:solidFill>
-            <a:schemeClr val="accent1">
-              <a:lumMod val="50000"/>
-            </a:schemeClr>
-          </a:solidFill>
-          <a:scene3d>
-            <a:camera prst="orthographicFront"/>
-            <a:lightRig rig="threePt" dir="t"/>
-          </a:scene3d>
-          <a:sp3d>
-            <a:bevelT w="152400" h="50800" prst="softRound"/>
-          </a:sp3d>
-        </p:spPr>
-        <p:style>
-          <a:lnRef idx="2">
-            <a:schemeClr val="accent1">
-              <a:shade val="50000"/>
-            </a:schemeClr>
-          </a:lnRef>
-          <a:fillRef idx="1">
-            <a:schemeClr val="accent1"/>
-          </a:fillRef>
-          <a:effectRef idx="0">
-            <a:schemeClr val="accent1"/>
-          </a:effectRef>
-          <a:fontRef idx="minor">
-            <a:schemeClr val="lt1"/>
-          </a:fontRef>
-        </p:style>
-        <p:txBody>
-          <a:bodyPr rtlCol="0" anchor="ctr"/>
-          <a:lstStyle/>
-          <a:p>
-            <a:pPr algn="ctr"/>
-            <a:r>
-              <a:rPr lang="en-US" b="1" dirty="0" smtClean="0">
-                <a:effectLst>
-                  <a:outerShdw blurRad="38100" dist="38100" dir="2700000" algn="tl">
-                    <a:srgbClr val="000000">
-                      <a:alpha val="43137"/>
-                    </a:srgbClr>
-                  </a:outerShdw>
-                </a:effectLst>
-              </a:rPr>
-              <a:t>29185</a:t>
-            </a:r>
-          </a:p>
-          <a:p>
-            <a:pPr algn="ctr"/>
-            <a:r>
-              <a:rPr lang="en-US" b="1" dirty="0" smtClean="0">
-                <a:effectLst>
-                  <a:outerShdw blurRad="38100" dist="38100" dir="2700000" algn="tl">
-                    <a:srgbClr val="000000">
-                      <a:alpha val="43137"/>
-                    </a:srgbClr>
-                  </a:outerShdw>
-                </a:effectLst>
-              </a:rPr>
-              <a:t>IRAKOZE </a:t>
-            </a:r>
-            <a:r>
-              <a:rPr lang="en-US" b="1" dirty="0">
-                <a:effectLst>
-                  <a:outerShdw blurRad="38100" dist="38100" dir="2700000" algn="tl">
-                    <a:srgbClr val="000000">
-                      <a:alpha val="43137"/>
-                    </a:srgbClr>
-                  </a:outerShdw>
-                </a:effectLst>
-              </a:rPr>
-              <a:t>Nicole </a:t>
-            </a:r>
-            <a:r>
-              <a:rPr lang="en-US" b="1" dirty="0" err="1">
-                <a:effectLst>
-                  <a:outerShdw blurRad="38100" dist="38100" dir="2700000" algn="tl">
-                    <a:srgbClr val="000000">
-                      <a:alpha val="43137"/>
-                    </a:srgbClr>
-                  </a:outerShdw>
-                </a:effectLst>
-              </a:rPr>
-              <a:t>Promesse</a:t>
-            </a:r>
-            <a:endParaRPr lang="en-US" b="1" dirty="0">
-              <a:effectLst>
-                <a:outerShdw blurRad="38100" dist="38100" dir="2700000" algn="tl">
-                  <a:srgbClr val="000000">
-                    <a:alpha val="43137"/>
-                  </a:srgbClr>
-                </a:outerShdw>
-              </a:effectLst>
-            </a:endParaRPr>
-          </a:p>
-        </p:txBody>
-      </p:sp>
-      <p:sp>
-        <p:nvSpPr>
-          <p:cNvPr id="34" name="Rounded Rectangle 33"/>
-          <p:cNvSpPr/>
-          <p:nvPr/>
-        </p:nvSpPr>
-        <p:spPr>
-          <a:xfrm>
-            <a:off x="6080157" y="3686709"/>
-            <a:ext cx="2497759" cy="853267"/>
-          </a:xfrm>
-          <a:prstGeom prst="roundRect">
-            <a:avLst/>
-          </a:prstGeom>
-          <a:solidFill>
-            <a:schemeClr val="accent1">
-              <a:lumMod val="50000"/>
-            </a:schemeClr>
-          </a:solidFill>
-          <a:scene3d>
-            <a:camera prst="orthographicFront"/>
-            <a:lightRig rig="threePt" dir="t"/>
-          </a:scene3d>
-          <a:sp3d>
-            <a:bevelT w="152400" h="50800" prst="softRound"/>
-          </a:sp3d>
-        </p:spPr>
-        <p:style>
-          <a:lnRef idx="2">
-            <a:schemeClr val="accent1">
-              <a:shade val="50000"/>
-            </a:schemeClr>
-          </a:lnRef>
-          <a:fillRef idx="1">
-            <a:schemeClr val="accent1"/>
-          </a:fillRef>
-          <a:effectRef idx="0">
-            <a:schemeClr val="accent1"/>
-          </a:effectRef>
-          <a:fontRef idx="minor">
-            <a:schemeClr val="lt1"/>
-          </a:fontRef>
-        </p:style>
-        <p:txBody>
-          <a:bodyPr rtlCol="0" anchor="ctr"/>
-          <a:lstStyle/>
-          <a:p>
-            <a:pPr algn="ctr"/>
-            <a:r>
-              <a:rPr lang="en-US" b="1" dirty="0" smtClean="0">
-                <a:effectLst>
-                  <a:outerShdw blurRad="38100" dist="38100" dir="2700000" algn="tl">
-                    <a:srgbClr val="000000">
-                      <a:alpha val="43137"/>
-                    </a:srgbClr>
-                  </a:outerShdw>
-                </a:effectLst>
-              </a:rPr>
-              <a:t>28862</a:t>
-            </a:r>
-          </a:p>
-          <a:p>
-            <a:pPr algn="ctr"/>
-            <a:r>
-              <a:rPr lang="en-US" b="1" dirty="0" err="1" smtClean="0">
-                <a:effectLst>
-                  <a:outerShdw blurRad="38100" dist="38100" dir="2700000" algn="tl">
-                    <a:srgbClr val="000000">
-                      <a:alpha val="43137"/>
-                    </a:srgbClr>
-                  </a:outerShdw>
-                </a:effectLst>
-              </a:rPr>
-              <a:t>Mbonizana</a:t>
-            </a:r>
-            <a:r>
-              <a:rPr lang="en-US" b="1" dirty="0" smtClean="0">
-                <a:effectLst>
-                  <a:outerShdw blurRad="38100" dist="38100" dir="2700000" algn="tl">
-                    <a:srgbClr val="000000">
-                      <a:alpha val="43137"/>
-                    </a:srgbClr>
-                  </a:outerShdw>
-                </a:effectLst>
-              </a:rPr>
-              <a:t> </a:t>
-            </a:r>
-            <a:r>
-              <a:rPr lang="en-US" b="1" dirty="0">
-                <a:effectLst>
-                  <a:outerShdw blurRad="38100" dist="38100" dir="2700000" algn="tl">
-                    <a:srgbClr val="000000">
-                      <a:alpha val="43137"/>
-                    </a:srgbClr>
-                  </a:outerShdw>
-                </a:effectLst>
-              </a:rPr>
-              <a:t>Augustin</a:t>
-            </a:r>
-          </a:p>
-        </p:txBody>
-      </p:sp>
-      <p:sp>
-        <p:nvSpPr>
-          <p:cNvPr id="33" name="Rounded Rectangle 32"/>
-          <p:cNvSpPr/>
-          <p:nvPr/>
-        </p:nvSpPr>
-        <p:spPr>
-          <a:xfrm>
-            <a:off x="9282375" y="1991244"/>
-            <a:ext cx="2257412" cy="917989"/>
-          </a:xfrm>
-          <a:prstGeom prst="roundRect">
-            <a:avLst/>
-          </a:prstGeom>
-          <a:solidFill>
-            <a:schemeClr val="accent1">
-              <a:lumMod val="50000"/>
-            </a:schemeClr>
-          </a:solidFill>
-          <a:scene3d>
-            <a:camera prst="orthographicFront"/>
-            <a:lightRig rig="threePt" dir="t"/>
-          </a:scene3d>
-          <a:sp3d>
-            <a:bevelT w="152400" h="50800" prst="softRound"/>
-          </a:sp3d>
-        </p:spPr>
-        <p:style>
-          <a:lnRef idx="2">
-            <a:schemeClr val="accent1">
-              <a:shade val="50000"/>
-            </a:schemeClr>
-          </a:lnRef>
-          <a:fillRef idx="1">
-            <a:schemeClr val="accent1"/>
-          </a:fillRef>
-          <a:effectRef idx="0">
-            <a:schemeClr val="accent1"/>
-          </a:effectRef>
-          <a:fontRef idx="minor">
-            <a:schemeClr val="lt1"/>
-          </a:fontRef>
-        </p:style>
-        <p:txBody>
-          <a:bodyPr rtlCol="0" anchor="ctr"/>
-          <a:lstStyle/>
-          <a:p>
-            <a:pPr algn="ctr"/>
-            <a:r>
-              <a:rPr lang="en-US" b="1" dirty="0" smtClean="0">
-                <a:effectLst>
-                  <a:outerShdw blurRad="38100" dist="38100" dir="2700000" algn="tl">
-                    <a:srgbClr val="000000">
-                      <a:alpha val="43137"/>
-                    </a:srgbClr>
-                  </a:outerShdw>
-                </a:effectLst>
-              </a:rPr>
-              <a:t>00000</a:t>
-            </a:r>
-            <a:endParaRPr lang="en-US" b="1" dirty="0">
-              <a:effectLst>
-                <a:outerShdw blurRad="38100" dist="38100" dir="2700000" algn="tl">
-                  <a:srgbClr val="000000">
-                    <a:alpha val="43137"/>
-                  </a:srgbClr>
-                </a:outerShdw>
-              </a:effectLst>
-            </a:endParaRPr>
-          </a:p>
-          <a:p>
-            <a:pPr algn="ctr"/>
-            <a:r>
-              <a:rPr lang="en-US" b="1" dirty="0" err="1">
-                <a:effectLst>
-                  <a:outerShdw blurRad="38100" dist="38100" dir="2700000" algn="tl">
-                    <a:srgbClr val="000000">
-                      <a:alpha val="43137"/>
-                    </a:srgbClr>
-                  </a:outerShdw>
-                </a:effectLst>
-              </a:rPr>
-              <a:t>Ikirezi</a:t>
-            </a:r>
-            <a:r>
-              <a:rPr lang="en-US" b="1" dirty="0">
-                <a:effectLst>
-                  <a:outerShdw blurRad="38100" dist="38100" dir="2700000" algn="tl">
-                    <a:srgbClr val="000000">
-                      <a:alpha val="43137"/>
-                    </a:srgbClr>
-                  </a:outerShdw>
-                </a:effectLst>
-              </a:rPr>
-              <a:t> Gloria</a:t>
-            </a:r>
-          </a:p>
-        </p:txBody>
-      </p:sp>
-      <p:sp>
-        <p:nvSpPr>
-          <p:cNvPr id="32" name="Rounded Rectangle 31"/>
-          <p:cNvSpPr/>
-          <p:nvPr/>
-        </p:nvSpPr>
-        <p:spPr>
-          <a:xfrm>
-            <a:off x="6681696" y="1983398"/>
-            <a:ext cx="2482970" cy="924196"/>
-          </a:xfrm>
-          <a:prstGeom prst="roundRect">
-            <a:avLst/>
-          </a:prstGeom>
-          <a:solidFill>
-            <a:schemeClr val="accent1">
-              <a:lumMod val="50000"/>
-            </a:schemeClr>
-          </a:solidFill>
-          <a:scene3d>
-            <a:camera prst="orthographicFront"/>
-            <a:lightRig rig="threePt" dir="t"/>
-          </a:scene3d>
-          <a:sp3d>
-            <a:bevelT w="152400" h="50800" prst="softRound"/>
-          </a:sp3d>
-        </p:spPr>
-        <p:style>
-          <a:lnRef idx="2">
-            <a:schemeClr val="accent1">
-              <a:shade val="50000"/>
-            </a:schemeClr>
-          </a:lnRef>
-          <a:fillRef idx="1">
-            <a:schemeClr val="accent1"/>
-          </a:fillRef>
-          <a:effectRef idx="0">
-            <a:schemeClr val="accent1"/>
-          </a:effectRef>
-          <a:fontRef idx="minor">
-            <a:schemeClr val="lt1"/>
-          </a:fontRef>
-        </p:style>
-        <p:txBody>
-          <a:bodyPr rtlCol="0" anchor="ctr"/>
-          <a:lstStyle/>
-          <a:p>
-            <a:pPr algn="ctr"/>
-            <a:r>
-              <a:rPr lang="en-US" b="1" dirty="0" smtClean="0">
-                <a:effectLst>
-                  <a:outerShdw blurRad="38100" dist="38100" dir="2700000" algn="tl">
-                    <a:srgbClr val="000000">
-                      <a:alpha val="43137"/>
-                    </a:srgbClr>
-                  </a:outerShdw>
-                </a:effectLst>
-              </a:rPr>
-              <a:t>00000</a:t>
-            </a:r>
-            <a:endParaRPr lang="en-US" b="1" dirty="0">
-              <a:effectLst>
-                <a:outerShdw blurRad="38100" dist="38100" dir="2700000" algn="tl">
-                  <a:srgbClr val="000000">
-                    <a:alpha val="43137"/>
-                  </a:srgbClr>
-                </a:outerShdw>
-              </a:effectLst>
-            </a:endParaRPr>
-          </a:p>
-          <a:p>
-            <a:pPr algn="ctr"/>
-            <a:r>
-              <a:rPr lang="en-US" b="1" dirty="0" err="1">
-                <a:effectLst>
-                  <a:outerShdw blurRad="38100" dist="38100" dir="2700000" algn="tl">
-                    <a:srgbClr val="000000">
-                      <a:alpha val="43137"/>
-                    </a:srgbClr>
-                  </a:outerShdw>
-                </a:effectLst>
-              </a:rPr>
-              <a:t>Ishimwe</a:t>
-            </a:r>
-            <a:r>
-              <a:rPr lang="en-US" b="1" dirty="0">
-                <a:effectLst>
-                  <a:outerShdw blurRad="38100" dist="38100" dir="2700000" algn="tl">
-                    <a:srgbClr val="000000">
-                      <a:alpha val="43137"/>
-                    </a:srgbClr>
-                  </a:outerShdw>
-                </a:effectLst>
-              </a:rPr>
-              <a:t> Shema </a:t>
-            </a:r>
-            <a:r>
-              <a:rPr lang="en-US" b="1" dirty="0" err="1">
-                <a:effectLst>
-                  <a:outerShdw blurRad="38100" dist="38100" dir="2700000" algn="tl">
-                    <a:srgbClr val="000000">
-                      <a:alpha val="43137"/>
-                    </a:srgbClr>
-                  </a:outerShdw>
-                </a:effectLst>
-              </a:rPr>
-              <a:t>Gentil</a:t>
-            </a:r>
-            <a:endParaRPr lang="en-US" b="1" dirty="0">
-              <a:effectLst>
-                <a:outerShdw blurRad="38100" dist="38100" dir="2700000" algn="tl">
-                  <a:srgbClr val="000000">
-                    <a:alpha val="43137"/>
-                  </a:srgbClr>
-                </a:outerShdw>
-              </a:effectLst>
-            </a:endParaRPr>
-          </a:p>
-        </p:txBody>
-      </p:sp>
-      <p:sp>
-        <p:nvSpPr>
-          <p:cNvPr id="31" name="Rounded Rectangle 30"/>
-          <p:cNvSpPr/>
-          <p:nvPr/>
-        </p:nvSpPr>
-        <p:spPr>
-          <a:xfrm>
-            <a:off x="3237320" y="3675241"/>
-            <a:ext cx="2710343" cy="883048"/>
-          </a:xfrm>
-          <a:prstGeom prst="roundRect">
-            <a:avLst/>
-          </a:prstGeom>
-          <a:solidFill>
-            <a:schemeClr val="accent1">
-              <a:lumMod val="50000"/>
-            </a:schemeClr>
-          </a:solidFill>
-          <a:scene3d>
-            <a:camera prst="orthographicFront"/>
-            <a:lightRig rig="threePt" dir="t"/>
-          </a:scene3d>
-          <a:sp3d>
-            <a:bevelT w="152400" h="50800" prst="softRound"/>
-          </a:sp3d>
-        </p:spPr>
-        <p:style>
-          <a:lnRef idx="2">
-            <a:schemeClr val="accent1">
-              <a:shade val="50000"/>
-            </a:schemeClr>
-          </a:lnRef>
-          <a:fillRef idx="1">
-            <a:schemeClr val="accent1"/>
-          </a:fillRef>
-          <a:effectRef idx="0">
-            <a:schemeClr val="accent1"/>
-          </a:effectRef>
-          <a:fontRef idx="minor">
-            <a:schemeClr val="lt1"/>
-          </a:fontRef>
-        </p:style>
-        <p:txBody>
-          <a:bodyPr rtlCol="0" anchor="ctr"/>
-          <a:lstStyle/>
-          <a:p>
-            <a:pPr algn="ctr"/>
-            <a:r>
-              <a:rPr lang="en-US" b="1" dirty="0" smtClean="0">
-                <a:effectLst>
-                  <a:outerShdw blurRad="38100" dist="38100" dir="2700000" algn="tl">
-                    <a:srgbClr val="000000">
-                      <a:alpha val="43137"/>
-                    </a:srgbClr>
-                  </a:outerShdw>
-                </a:effectLst>
-              </a:rPr>
-              <a:t>28425</a:t>
-            </a:r>
-            <a:endParaRPr lang="en-US" b="1" dirty="0">
-              <a:effectLst>
-                <a:outerShdw blurRad="38100" dist="38100" dir="2700000" algn="tl">
-                  <a:srgbClr val="000000">
-                    <a:alpha val="43137"/>
-                  </a:srgbClr>
-                </a:outerShdw>
-              </a:effectLst>
-            </a:endParaRPr>
-          </a:p>
-          <a:p>
-            <a:pPr algn="ctr"/>
-            <a:r>
-              <a:rPr lang="en-US" b="1" dirty="0" err="1">
-                <a:effectLst>
-                  <a:outerShdw blurRad="38100" dist="38100" dir="2700000" algn="tl">
-                    <a:srgbClr val="000000">
-                      <a:alpha val="43137"/>
-                    </a:srgbClr>
-                  </a:outerShdw>
-                </a:effectLst>
-              </a:rPr>
-              <a:t>Tumusabire</a:t>
-            </a:r>
-            <a:r>
-              <a:rPr lang="en-US" b="1" dirty="0">
-                <a:effectLst>
-                  <a:outerShdw blurRad="38100" dist="38100" dir="2700000" algn="tl">
-                    <a:srgbClr val="000000">
-                      <a:alpha val="43137"/>
-                    </a:srgbClr>
-                  </a:outerShdw>
-                </a:effectLst>
-              </a:rPr>
-              <a:t> </a:t>
-            </a:r>
-            <a:r>
-              <a:rPr lang="en-US" b="1" dirty="0" err="1">
-                <a:effectLst>
-                  <a:outerShdw blurRad="38100" dist="38100" dir="2700000" algn="tl">
-                    <a:srgbClr val="000000">
-                      <a:alpha val="43137"/>
-                    </a:srgbClr>
-                  </a:outerShdw>
-                </a:effectLst>
-              </a:rPr>
-              <a:t>Emmerance</a:t>
-            </a:r>
-            <a:endParaRPr lang="en-US" b="1" dirty="0">
-              <a:effectLst>
-                <a:outerShdw blurRad="38100" dist="38100" dir="2700000" algn="tl">
-                  <a:srgbClr val="000000">
-                    <a:alpha val="43137"/>
-                  </a:srgbClr>
-                </a:outerShdw>
-              </a:effectLst>
-            </a:endParaRPr>
-          </a:p>
-        </p:txBody>
-      </p:sp>
-      <p:sp>
-        <p:nvSpPr>
-          <p:cNvPr id="30" name="Rounded Rectangle 29"/>
-          <p:cNvSpPr/>
-          <p:nvPr/>
-        </p:nvSpPr>
-        <p:spPr>
-          <a:xfrm>
-            <a:off x="488367" y="3675241"/>
-            <a:ext cx="2659462" cy="895718"/>
-          </a:xfrm>
-          <a:prstGeom prst="roundRect">
-            <a:avLst/>
-          </a:prstGeom>
-          <a:solidFill>
-            <a:schemeClr val="accent1">
-              <a:lumMod val="50000"/>
-            </a:schemeClr>
-          </a:solidFill>
-          <a:scene3d>
-            <a:camera prst="orthographicFront"/>
-            <a:lightRig rig="threePt" dir="t"/>
-          </a:scene3d>
-          <a:sp3d>
-            <a:bevelT w="152400" h="50800" prst="softRound"/>
-          </a:sp3d>
-        </p:spPr>
-        <p:style>
-          <a:lnRef idx="2">
-            <a:schemeClr val="accent1">
-              <a:shade val="50000"/>
-            </a:schemeClr>
-          </a:lnRef>
-          <a:fillRef idx="1">
-            <a:schemeClr val="accent1"/>
-          </a:fillRef>
-          <a:effectRef idx="0">
-            <a:schemeClr val="accent1"/>
-          </a:effectRef>
-          <a:fontRef idx="minor">
-            <a:schemeClr val="lt1"/>
-          </a:fontRef>
-        </p:style>
-        <p:txBody>
-          <a:bodyPr rtlCol="0" anchor="ctr"/>
-          <a:lstStyle/>
-          <a:p>
-            <a:pPr algn="ctr"/>
-            <a:r>
-              <a:rPr lang="en-US" b="1" dirty="0">
-                <a:effectLst>
-                  <a:outerShdw blurRad="38100" dist="38100" dir="2700000" algn="tl">
-                    <a:srgbClr val="000000">
-                      <a:alpha val="43137"/>
-                    </a:srgbClr>
-                  </a:outerShdw>
-                </a:effectLst>
-              </a:rPr>
-              <a:t>28926</a:t>
-            </a:r>
-          </a:p>
-          <a:p>
-            <a:pPr algn="ctr"/>
-            <a:r>
-              <a:rPr lang="en-US" b="1" dirty="0">
-                <a:effectLst>
-                  <a:outerShdw blurRad="38100" dist="38100" dir="2700000" algn="tl">
-                    <a:srgbClr val="000000">
-                      <a:alpha val="43137"/>
-                    </a:srgbClr>
-                  </a:outerShdw>
-                </a:effectLst>
-              </a:rPr>
-              <a:t>NISHIMWE Prosper</a:t>
-            </a:r>
-          </a:p>
-        </p:txBody>
-      </p:sp>
-      <p:sp>
-        <p:nvSpPr>
-          <p:cNvPr id="29" name="Rounded Rectangle 28"/>
-          <p:cNvSpPr/>
-          <p:nvPr/>
-        </p:nvSpPr>
-        <p:spPr>
-          <a:xfrm>
-            <a:off x="3227930" y="2012452"/>
-            <a:ext cx="3297115" cy="910471"/>
-          </a:xfrm>
-          <a:prstGeom prst="roundRect">
-            <a:avLst/>
-          </a:prstGeom>
-          <a:solidFill>
-            <a:schemeClr val="accent1">
-              <a:lumMod val="50000"/>
-            </a:schemeClr>
-          </a:solidFill>
-          <a:scene3d>
-            <a:camera prst="orthographicFront"/>
-            <a:lightRig rig="threePt" dir="t"/>
-          </a:scene3d>
-          <a:sp3d>
-            <a:bevelT w="152400" h="50800" prst="softRound"/>
-          </a:sp3d>
-        </p:spPr>
-        <p:style>
-          <a:lnRef idx="2">
-            <a:schemeClr val="accent1">
-              <a:shade val="50000"/>
-            </a:schemeClr>
-          </a:lnRef>
-          <a:fillRef idx="1">
-            <a:schemeClr val="accent1"/>
-          </a:fillRef>
-          <a:effectRef idx="0">
-            <a:schemeClr val="accent1"/>
-          </a:effectRef>
-          <a:fontRef idx="minor">
-            <a:schemeClr val="lt1"/>
-          </a:fontRef>
-        </p:style>
-        <p:txBody>
-          <a:bodyPr rtlCol="0" anchor="ctr"/>
-          <a:lstStyle/>
-          <a:p>
-            <a:pPr algn="ctr"/>
-            <a:r>
-              <a:rPr lang="en-US" b="1" dirty="0">
-                <a:effectLst>
-                  <a:outerShdw blurRad="38100" dist="38100" dir="2700000" algn="tl">
-                    <a:srgbClr val="000000">
-                      <a:alpha val="43137"/>
-                    </a:srgbClr>
-                  </a:outerShdw>
-                </a:effectLst>
-              </a:rPr>
-              <a:t>28929</a:t>
-            </a:r>
-            <a:endParaRPr lang="en-US" b="1" dirty="0">
-              <a:effectLst>
-                <a:outerShdw blurRad="38100" dist="38100" dir="2700000" algn="tl">
-                  <a:srgbClr val="000000">
-                    <a:alpha val="43137"/>
-                  </a:srgbClr>
-                </a:outerShdw>
-              </a:effectLst>
-            </a:endParaRPr>
-          </a:p>
-          <a:p>
-            <a:pPr algn="ctr"/>
-            <a:r>
-              <a:rPr lang="en-US" b="1" dirty="0" err="1">
-                <a:effectLst>
-                  <a:outerShdw blurRad="38100" dist="38100" dir="2700000" algn="tl">
-                    <a:srgbClr val="000000">
-                      <a:alpha val="43137"/>
-                    </a:srgbClr>
-                  </a:outerShdw>
-                </a:effectLst>
-              </a:rPr>
-              <a:t>Abijuru</a:t>
-            </a:r>
-            <a:r>
-              <a:rPr lang="en-US" b="1" dirty="0">
-                <a:effectLst>
-                  <a:outerShdw blurRad="38100" dist="38100" dir="2700000" algn="tl">
-                    <a:srgbClr val="000000">
-                      <a:alpha val="43137"/>
-                    </a:srgbClr>
-                  </a:outerShdw>
-                </a:effectLst>
-              </a:rPr>
-              <a:t> Annabelle Marie Pierre</a:t>
-            </a:r>
-          </a:p>
-        </p:txBody>
-      </p:sp>
-      <p:sp>
-        <p:nvSpPr>
-          <p:cNvPr id="28" name="Rounded Rectangle 27"/>
-          <p:cNvSpPr/>
-          <p:nvPr/>
-        </p:nvSpPr>
-        <p:spPr>
-          <a:xfrm>
-            <a:off x="8577916" y="5422911"/>
-            <a:ext cx="2961871" cy="893048"/>
-          </a:xfrm>
-          <a:prstGeom prst="roundRect">
-            <a:avLst/>
-          </a:prstGeom>
-          <a:solidFill>
-            <a:schemeClr val="accent1">
-              <a:lumMod val="50000"/>
-            </a:schemeClr>
-          </a:solidFill>
-          <a:scene3d>
-            <a:camera prst="orthographicFront"/>
-            <a:lightRig rig="threePt" dir="t"/>
-          </a:scene3d>
-          <a:sp3d>
-            <a:bevelT w="152400" h="50800" prst="softRound"/>
-          </a:sp3d>
-        </p:spPr>
-        <p:style>
-          <a:lnRef idx="2">
-            <a:schemeClr val="accent1">
-              <a:shade val="50000"/>
-            </a:schemeClr>
-          </a:lnRef>
-          <a:fillRef idx="1">
-            <a:schemeClr val="accent1"/>
-          </a:fillRef>
-          <a:effectRef idx="0">
-            <a:schemeClr val="accent1"/>
-          </a:effectRef>
-          <a:fontRef idx="minor">
-            <a:schemeClr val="lt1"/>
-          </a:fontRef>
-        </p:style>
-        <p:txBody>
-          <a:bodyPr rtlCol="0" anchor="ctr"/>
-          <a:lstStyle/>
-          <a:p>
-            <a:pPr algn="ctr"/>
-            <a:endParaRPr lang="en-US" b="1" dirty="0" smtClean="0">
-              <a:effectLst>
-                <a:outerShdw blurRad="38100" dist="38100" dir="2700000" algn="tl">
-                  <a:srgbClr val="000000">
-                    <a:alpha val="43137"/>
-                  </a:srgbClr>
-                </a:outerShdw>
-              </a:effectLst>
-            </a:endParaRPr>
-          </a:p>
-          <a:p>
-            <a:pPr algn="ctr"/>
-            <a:r>
-              <a:rPr lang="en-US" b="1" dirty="0" smtClean="0">
-                <a:effectLst>
-                  <a:outerShdw blurRad="38100" dist="38100" dir="2700000" algn="tl">
-                    <a:srgbClr val="000000">
-                      <a:alpha val="43137"/>
-                    </a:srgbClr>
-                  </a:outerShdw>
-                </a:effectLst>
-              </a:rPr>
-              <a:t>29107</a:t>
-            </a:r>
-            <a:endParaRPr lang="en-US" b="1" dirty="0">
-              <a:effectLst>
-                <a:outerShdw blurRad="38100" dist="38100" dir="2700000" algn="tl">
-                  <a:srgbClr val="000000">
-                    <a:alpha val="43137"/>
-                  </a:srgbClr>
-                </a:outerShdw>
-              </a:effectLst>
-            </a:endParaRPr>
-          </a:p>
-          <a:p>
-            <a:pPr algn="ctr"/>
-            <a:r>
-              <a:rPr lang="en-US" b="1" dirty="0" err="1">
-                <a:effectLst>
-                  <a:outerShdw blurRad="38100" dist="38100" dir="2700000" algn="tl">
-                    <a:srgbClr val="000000">
-                      <a:alpha val="43137"/>
-                    </a:srgbClr>
-                  </a:outerShdw>
-                </a:effectLst>
-              </a:rPr>
-              <a:t>Kayonde</a:t>
-            </a:r>
-            <a:r>
-              <a:rPr lang="en-US" b="1" dirty="0">
-                <a:effectLst>
-                  <a:outerShdw blurRad="38100" dist="38100" dir="2700000" algn="tl">
-                    <a:srgbClr val="000000">
-                      <a:alpha val="43137"/>
-                    </a:srgbClr>
-                  </a:outerShdw>
-                </a:effectLst>
-              </a:rPr>
-              <a:t> Dan Brian</a:t>
-            </a:r>
-          </a:p>
-        </p:txBody>
-      </p:sp>
-      <p:sp>
-        <p:nvSpPr>
-          <p:cNvPr id="27" name="Rounded Rectangle 26"/>
-          <p:cNvSpPr/>
-          <p:nvPr/>
-        </p:nvSpPr>
-        <p:spPr>
-          <a:xfrm>
-            <a:off x="4275340" y="5410709"/>
-            <a:ext cx="3476081" cy="905250"/>
-          </a:xfrm>
-          <a:prstGeom prst="roundRect">
-            <a:avLst/>
-          </a:prstGeom>
-          <a:solidFill>
-            <a:schemeClr val="accent1">
-              <a:lumMod val="50000"/>
-            </a:schemeClr>
-          </a:solidFill>
-          <a:scene3d>
-            <a:camera prst="orthographicFront"/>
-            <a:lightRig rig="threePt" dir="t"/>
-          </a:scene3d>
-          <a:sp3d>
-            <a:bevelT w="152400" h="50800" prst="softRound"/>
-          </a:sp3d>
-        </p:spPr>
-        <p:style>
-          <a:lnRef idx="2">
-            <a:schemeClr val="accent1">
-              <a:shade val="50000"/>
-            </a:schemeClr>
-          </a:lnRef>
-          <a:fillRef idx="1">
-            <a:schemeClr val="accent1"/>
-          </a:fillRef>
-          <a:effectRef idx="0">
-            <a:schemeClr val="accent1"/>
-          </a:effectRef>
-          <a:fontRef idx="minor">
-            <a:schemeClr val="lt1"/>
-          </a:fontRef>
-        </p:style>
-        <p:txBody>
-          <a:bodyPr rtlCol="0" anchor="ctr"/>
-          <a:lstStyle/>
-          <a:p>
-            <a:pPr algn="ctr"/>
-            <a:endParaRPr lang="en-US" b="1" dirty="0" smtClean="0">
-              <a:effectLst>
-                <a:outerShdw blurRad="38100" dist="38100" dir="2700000" algn="tl">
-                  <a:srgbClr val="000000">
-                    <a:alpha val="43137"/>
-                  </a:srgbClr>
-                </a:outerShdw>
-              </a:effectLst>
-            </a:endParaRPr>
-          </a:p>
-          <a:p>
-            <a:pPr algn="ctr"/>
-            <a:r>
-              <a:rPr lang="en-US" b="1" dirty="0" smtClean="0">
-                <a:effectLst>
-                  <a:outerShdw blurRad="38100" dist="38100" dir="2700000" algn="tl">
-                    <a:srgbClr val="000000">
-                      <a:alpha val="43137"/>
-                    </a:srgbClr>
-                  </a:outerShdw>
-                </a:effectLst>
-              </a:rPr>
-              <a:t>28205</a:t>
-            </a:r>
-            <a:endParaRPr lang="en-US" b="1" dirty="0">
-              <a:effectLst>
-                <a:outerShdw blurRad="38100" dist="38100" dir="2700000" algn="tl">
-                  <a:srgbClr val="000000">
-                    <a:alpha val="43137"/>
-                  </a:srgbClr>
-                </a:outerShdw>
-              </a:effectLst>
-            </a:endParaRPr>
-          </a:p>
-          <a:p>
-            <a:pPr algn="ctr"/>
-            <a:r>
-              <a:rPr lang="en-US" b="1" dirty="0" err="1">
-                <a:effectLst>
-                  <a:outerShdw blurRad="38100" dist="38100" dir="2700000" algn="tl">
-                    <a:srgbClr val="000000">
-                      <a:alpha val="43137"/>
-                    </a:srgbClr>
-                  </a:outerShdw>
-                </a:effectLst>
-              </a:rPr>
-              <a:t>Uwera</a:t>
-            </a:r>
-            <a:r>
-              <a:rPr lang="en-US" b="1" dirty="0">
-                <a:effectLst>
-                  <a:outerShdw blurRad="38100" dist="38100" dir="2700000" algn="tl">
-                    <a:srgbClr val="000000">
-                      <a:alpha val="43137"/>
-                    </a:srgbClr>
-                  </a:outerShdw>
-                </a:effectLst>
-              </a:rPr>
-              <a:t> </a:t>
-            </a:r>
-            <a:r>
-              <a:rPr lang="en-US" b="1" dirty="0" err="1">
-                <a:effectLst>
-                  <a:outerShdw blurRad="38100" dist="38100" dir="2700000" algn="tl">
-                    <a:srgbClr val="000000">
-                      <a:alpha val="43137"/>
-                    </a:srgbClr>
-                  </a:outerShdw>
-                </a:effectLst>
-              </a:rPr>
-              <a:t>Mubiligi</a:t>
-            </a:r>
-            <a:r>
-              <a:rPr lang="en-US" b="1" dirty="0">
-                <a:effectLst>
-                  <a:outerShdw blurRad="38100" dist="38100" dir="2700000" algn="tl">
-                    <a:srgbClr val="000000">
-                      <a:alpha val="43137"/>
-                    </a:srgbClr>
-                  </a:outerShdw>
-                </a:effectLst>
-              </a:rPr>
-              <a:t> </a:t>
-            </a:r>
-            <a:r>
-              <a:rPr lang="en-US" b="1" dirty="0" err="1">
-                <a:effectLst>
-                  <a:outerShdw blurRad="38100" dist="38100" dir="2700000" algn="tl">
-                    <a:srgbClr val="000000">
-                      <a:alpha val="43137"/>
-                    </a:srgbClr>
-                  </a:outerShdw>
-                </a:effectLst>
-              </a:rPr>
-              <a:t>Josiane</a:t>
-            </a:r>
-            <a:endParaRPr lang="en-US" b="1" dirty="0">
-              <a:effectLst>
-                <a:outerShdw blurRad="38100" dist="38100" dir="2700000" algn="tl">
-                  <a:srgbClr val="000000">
-                    <a:alpha val="43137"/>
-                  </a:srgbClr>
-                </a:outerShdw>
-              </a:effectLst>
-            </a:endParaRPr>
-          </a:p>
-        </p:txBody>
-      </p:sp>
-      <p:sp>
-        <p:nvSpPr>
-          <p:cNvPr id="3" name="Rounded Rectangle 2"/>
-          <p:cNvSpPr/>
-          <p:nvPr/>
-        </p:nvSpPr>
-        <p:spPr>
-          <a:xfrm>
-            <a:off x="461705" y="5448832"/>
-            <a:ext cx="3036373" cy="942541"/>
-          </a:xfrm>
-          <a:prstGeom prst="roundRect">
-            <a:avLst/>
-          </a:prstGeom>
-          <a:solidFill>
-            <a:schemeClr val="accent1">
-              <a:lumMod val="50000"/>
-            </a:schemeClr>
-          </a:solidFill>
-          <a:scene3d>
-            <a:camera prst="orthographicFront"/>
-            <a:lightRig rig="threePt" dir="t"/>
-          </a:scene3d>
-          <a:sp3d>
-            <a:bevelT w="152400" h="50800" prst="softRound"/>
-          </a:sp3d>
-        </p:spPr>
-        <p:style>
-          <a:lnRef idx="2">
-            <a:schemeClr val="accent1">
-              <a:shade val="50000"/>
-            </a:schemeClr>
-          </a:lnRef>
-          <a:fillRef idx="1">
-            <a:schemeClr val="accent1"/>
-          </a:fillRef>
-          <a:effectRef idx="0">
-            <a:schemeClr val="accent1"/>
-          </a:effectRef>
-          <a:fontRef idx="minor">
-            <a:schemeClr val="lt1"/>
-          </a:fontRef>
-        </p:style>
-        <p:txBody>
-          <a:bodyPr rtlCol="0" anchor="ctr"/>
-          <a:lstStyle/>
-          <a:p>
-            <a:pPr algn="ctr"/>
-            <a:endParaRPr lang="en-US" b="1" dirty="0" smtClean="0">
-              <a:effectLst>
-                <a:outerShdw blurRad="38100" dist="38100" dir="2700000" algn="tl">
-                  <a:srgbClr val="000000">
-                    <a:alpha val="43137"/>
-                  </a:srgbClr>
-                </a:outerShdw>
-              </a:effectLst>
-            </a:endParaRPr>
-          </a:p>
-          <a:p>
-            <a:pPr algn="ctr"/>
-            <a:r>
-              <a:rPr lang="en-US" b="1" dirty="0">
-                <a:effectLst>
-                  <a:outerShdw blurRad="38100" dist="38100" dir="2700000" algn="tl">
-                    <a:srgbClr val="000000">
-                      <a:alpha val="43137"/>
-                    </a:srgbClr>
-                  </a:outerShdw>
-                </a:effectLst>
-              </a:rPr>
-              <a:t>27565 ⁠</a:t>
-            </a:r>
-          </a:p>
-          <a:p>
-            <a:pPr algn="ctr"/>
-            <a:r>
-              <a:rPr lang="en-US" b="1" dirty="0" err="1">
-                <a:effectLst>
-                  <a:outerShdw blurRad="38100" dist="38100" dir="2700000" algn="tl">
-                    <a:srgbClr val="000000">
-                      <a:alpha val="43137"/>
-                    </a:srgbClr>
-                  </a:outerShdw>
-                </a:effectLst>
-              </a:rPr>
-              <a:t>Mucyo</a:t>
-            </a:r>
-            <a:r>
-              <a:rPr lang="en-US" b="1" dirty="0">
-                <a:effectLst>
-                  <a:outerShdw blurRad="38100" dist="38100" dir="2700000" algn="tl">
-                    <a:srgbClr val="000000">
-                      <a:alpha val="43137"/>
-                    </a:srgbClr>
-                  </a:outerShdw>
-                </a:effectLst>
-              </a:rPr>
-              <a:t> </a:t>
-            </a:r>
-            <a:r>
-              <a:rPr lang="en-US" b="1" dirty="0" err="1">
-                <a:effectLst>
-                  <a:outerShdw blurRad="38100" dist="38100" dir="2700000" algn="tl">
-                    <a:srgbClr val="000000">
-                      <a:alpha val="43137"/>
-                    </a:srgbClr>
-                  </a:outerShdw>
-                </a:effectLst>
-              </a:rPr>
-              <a:t>Fabrice</a:t>
-            </a:r>
-            <a:endParaRPr lang="en-US" b="1" dirty="0">
-              <a:effectLst>
-                <a:outerShdw blurRad="38100" dist="38100" dir="2700000" algn="tl">
-                  <a:srgbClr val="000000">
-                    <a:alpha val="43137"/>
-                  </a:srgbClr>
-                </a:outerShdw>
-              </a:effectLst>
-            </a:endParaRPr>
-          </a:p>
-        </p:txBody>
-      </p:sp>
-      <p:sp>
-        <p:nvSpPr>
-          <p:cNvPr id="2" name="Rounded Rectangle 1"/>
-          <p:cNvSpPr/>
-          <p:nvPr/>
-        </p:nvSpPr>
-        <p:spPr>
-          <a:xfrm>
-            <a:off x="461705" y="2062116"/>
-            <a:ext cx="2590802" cy="862275"/>
-          </a:xfrm>
-          <a:prstGeom prst="roundRect">
-            <a:avLst/>
-          </a:prstGeom>
-          <a:solidFill>
-            <a:schemeClr val="accent1">
-              <a:lumMod val="50000"/>
-            </a:schemeClr>
-          </a:solidFill>
-          <a:scene3d>
-            <a:camera prst="orthographicFront"/>
-            <a:lightRig rig="threePt" dir="t"/>
-          </a:scene3d>
-          <a:sp3d>
-            <a:bevelT w="152400" h="50800" prst="softRound"/>
-          </a:sp3d>
-        </p:spPr>
-        <p:style>
-          <a:lnRef idx="2">
-            <a:schemeClr val="accent1">
-              <a:shade val="50000"/>
-            </a:schemeClr>
-          </a:lnRef>
-          <a:fillRef idx="1">
-            <a:schemeClr val="accent1"/>
-          </a:fillRef>
-          <a:effectRef idx="0">
-            <a:schemeClr val="accent1"/>
-          </a:effectRef>
-          <a:fontRef idx="minor">
-            <a:schemeClr val="lt1"/>
-          </a:fontRef>
-        </p:style>
-        <p:txBody>
-          <a:bodyPr rtlCol="0" anchor="ctr"/>
-          <a:lstStyle/>
-          <a:p>
-            <a:pPr algn="ctr"/>
-            <a:r>
-              <a:rPr lang="en-US" b="1" dirty="0" smtClean="0">
-                <a:effectLst>
-                  <a:outerShdw blurRad="38100" dist="38100" dir="2700000" algn="tl">
-                    <a:srgbClr val="000000">
-                      <a:alpha val="43137"/>
-                    </a:srgbClr>
-                  </a:outerShdw>
-                </a:effectLst>
-              </a:rPr>
-              <a:t>29061</a:t>
-            </a:r>
-          </a:p>
-          <a:p>
-            <a:pPr algn="ctr"/>
-            <a:r>
-              <a:rPr lang="en-US" b="1" dirty="0" smtClean="0">
-                <a:effectLst>
-                  <a:outerShdw blurRad="38100" dist="38100" dir="2700000" algn="tl">
-                    <a:srgbClr val="000000">
-                      <a:alpha val="43137"/>
-                    </a:srgbClr>
-                  </a:outerShdw>
-                </a:effectLst>
-              </a:rPr>
-              <a:t>Joseph </a:t>
-            </a:r>
-            <a:r>
-              <a:rPr lang="en-US" b="1" dirty="0">
-                <a:effectLst>
-                  <a:outerShdw blurRad="38100" dist="38100" dir="2700000" algn="tl">
-                    <a:srgbClr val="000000">
-                      <a:alpha val="43137"/>
-                    </a:srgbClr>
-                  </a:outerShdw>
-                </a:effectLst>
-              </a:rPr>
-              <a:t>MUTANGANA</a:t>
-            </a:r>
-          </a:p>
-          <a:p>
-            <a:pPr algn="ctr"/>
-            <a:endParaRPr lang="en-US" dirty="0"/>
-          </a:p>
-        </p:txBody>
-      </p:sp>
-      <p:sp>
-        <p:nvSpPr>
-          <p:cNvPr id="4" name="Rectangle 3"/>
-          <p:cNvSpPr/>
-          <p:nvPr/>
-        </p:nvSpPr>
-        <p:spPr>
-          <a:xfrm>
-            <a:off x="-60510" y="2240342"/>
-            <a:ext cx="2743200" cy="252912"/>
-          </a:xfrm>
-          <a:prstGeom prst="rect">
-            <a:avLst/>
-          </a:prstGeom>
-          <a:noFill/>
-          <a:ln>
-            <a:noFill/>
-          </a:ln>
-        </p:spPr>
-        <p:style>
-          <a:lnRef idx="2">
-            <a:schemeClr val="accent1">
-              <a:shade val="50000"/>
-            </a:schemeClr>
-          </a:lnRef>
-          <a:fillRef idx="1">
-            <a:schemeClr val="accent1"/>
-          </a:fillRef>
-          <a:effectRef idx="0">
-            <a:schemeClr val="accent1"/>
-          </a:effectRef>
-          <a:fontRef idx="minor">
-            <a:schemeClr val="lt1"/>
-          </a:fontRef>
-        </p:style>
-        <p:txBody>
-          <a:bodyPr rtlCol="0" anchor="ctr"/>
-          <a:lstStyle/>
-          <a:p>
-            <a:pPr algn="ctr"/>
-            <a:endParaRPr lang="en-US" sz="1600" b="1" dirty="0">
-              <a:effectLst>
-                <a:outerShdw blurRad="38100" dist="38100" dir="2700000" algn="tl">
-                  <a:srgbClr val="000000">
-                    <a:alpha val="43137"/>
-                  </a:srgbClr>
-                </a:outerShdw>
-              </a:effectLst>
-            </a:endParaRPr>
-          </a:p>
-        </p:txBody>
-      </p:sp>
-      <p:pic>
-        <p:nvPicPr>
-          <p:cNvPr id="15" name="Picture 14"/>
-          <p:cNvPicPr>
-            <a:picLocks noChangeAspect="1"/>
-          </p:cNvPicPr>
-          <p:nvPr/>
-        </p:nvPicPr>
-        <p:blipFill>
-          <a:blip r:embed="rId2" cstate="print">
-            <a:extLst>
-              <a:ext uri="{28A0092B-C50C-407E-A947-70E740481C1C}">
-                <a14:useLocalDpi xmlns:a14="http://schemas.microsoft.com/office/drawing/2010/main" val="0"/>
-              </a:ext>
-            </a:extLst>
-          </a:blip>
-          <a:stretch>
-            <a:fillRect/>
-          </a:stretch>
-        </p:blipFill>
-        <p:spPr>
-          <a:xfrm>
-            <a:off x="2167535" y="1530158"/>
-            <a:ext cx="848920" cy="848920"/>
-          </a:xfrm>
-          <a:prstGeom prst="ellipse">
-            <a:avLst/>
-          </a:prstGeom>
-          <a:ln w="63500" cap="rnd">
-            <a:noFill/>
-          </a:ln>
-          <a:effectLst>
-            <a:outerShdw blurRad="50800" dist="38100" dir="8100000" algn="tr" rotWithShape="0">
-              <a:prstClr val="black">
-                <a:alpha val="40000"/>
-              </a:prstClr>
-            </a:outerShdw>
-          </a:effectLst>
-          <a:scene3d>
-            <a:camera prst="orthographicFront"/>
-            <a:lightRig rig="contrasting" dir="t">
-              <a:rot lat="0" lon="0" rev="3000000"/>
-            </a:lightRig>
-          </a:scene3d>
-          <a:sp3d contourW="7620">
-            <a:bevelT w="95250" h="31750"/>
-            <a:contourClr>
-              <a:srgbClr val="333333"/>
-            </a:contourClr>
-          </a:sp3d>
-        </p:spPr>
-      </p:pic>
-      <p:sp>
-        <p:nvSpPr>
-          <p:cNvPr id="18" name="Rectangle 17"/>
-          <p:cNvSpPr/>
-          <p:nvPr/>
-        </p:nvSpPr>
-        <p:spPr>
-          <a:xfrm>
-            <a:off x="1621317" y="857496"/>
-            <a:ext cx="8955464" cy="515953"/>
-          </a:xfrm>
-          <a:prstGeom prst="rect">
-            <a:avLst/>
-          </a:prstGeom>
-          <a:noFill/>
-          <a:ln>
-            <a:noFill/>
-          </a:ln>
-          <a:effectLst>
-            <a:outerShdw blurRad="63500" sx="102000" sy="102000" algn="ctr" rotWithShape="0">
-              <a:prstClr val="black">
-                <a:alpha val="40000"/>
-              </a:prstClr>
-            </a:outerShdw>
-          </a:effectLst>
-        </p:spPr>
-        <p:style>
-          <a:lnRef idx="2">
-            <a:schemeClr val="accent1">
-              <a:shade val="50000"/>
-            </a:schemeClr>
-          </a:lnRef>
-          <a:fillRef idx="1">
-            <a:schemeClr val="accent1"/>
-          </a:fillRef>
-          <a:effectRef idx="0">
-            <a:schemeClr val="accent1"/>
-          </a:effectRef>
-          <a:fontRef idx="minor">
-            <a:schemeClr val="lt1"/>
-          </a:fontRef>
-        </p:style>
-        <p:txBody>
-          <a:bodyPr rtlCol="0" anchor="ctr">
-            <a:scene3d>
-              <a:camera prst="orthographicFront"/>
-              <a:lightRig rig="threePt" dir="t"/>
-            </a:scene3d>
-            <a:sp3d extrusionH="57150">
-              <a:bevelT h="25400" prst="softRound"/>
-            </a:sp3d>
-          </a:bodyPr>
-          <a:lstStyle/>
-          <a:p>
-            <a:pPr algn="ctr"/>
-            <a:r>
-              <a:rPr lang="en-US" sz="4000" b="1" dirty="0" smtClean="0">
-                <a:solidFill>
-                  <a:schemeClr val="accent2"/>
-                </a:solidFill>
-                <a:effectLst>
-                  <a:outerShdw blurRad="38100" dist="38100" dir="2700000" algn="tl">
-                    <a:srgbClr val="000000">
-                      <a:alpha val="43137"/>
-                    </a:srgbClr>
-                  </a:outerShdw>
-                </a:effectLst>
-              </a:rPr>
-              <a:t>&lt;</a:t>
-            </a:r>
-            <a:r>
-              <a:rPr lang="en-US" sz="4000" b="1" dirty="0" smtClean="0">
-                <a:solidFill>
-                  <a:srgbClr val="00B050"/>
-                </a:solidFill>
-                <a:effectLst>
-                  <a:outerShdw blurRad="38100" dist="38100" dir="2700000" algn="tl">
-                    <a:srgbClr val="000000">
-                      <a:alpha val="43137"/>
-                    </a:srgbClr>
-                  </a:outerShdw>
-                </a:effectLst>
-              </a:rPr>
-              <a:t>--</a:t>
-            </a:r>
-            <a:r>
-              <a:rPr lang="en-US" sz="4000" b="1" dirty="0" smtClean="0">
-                <a:effectLst>
-                  <a:outerShdw blurRad="38100" dist="38100" dir="2700000" algn="tl">
-                    <a:srgbClr val="000000">
-                      <a:alpha val="43137"/>
-                    </a:srgbClr>
-                  </a:outerShdw>
-                </a:effectLst>
-              </a:rPr>
-              <a:t> </a:t>
-            </a:r>
-            <a:r>
-              <a:rPr lang="en-US" sz="4000" b="1" dirty="0" smtClean="0">
-                <a:solidFill>
-                  <a:schemeClr val="accent4"/>
-                </a:solidFill>
-                <a:effectLst>
-                  <a:outerShdw blurRad="38100" dist="38100" dir="2700000" algn="tl">
-                    <a:srgbClr val="000000">
-                      <a:alpha val="43137"/>
-                    </a:srgbClr>
-                  </a:outerShdw>
-                </a:effectLst>
-              </a:rPr>
-              <a:t>GROUP-4 PARTICIPATED MEMBERS </a:t>
-            </a:r>
-            <a:r>
-              <a:rPr lang="en-US" sz="4000" b="1" dirty="0" smtClean="0">
-                <a:solidFill>
-                  <a:srgbClr val="00B050"/>
-                </a:solidFill>
-                <a:effectLst>
-                  <a:outerShdw blurRad="38100" dist="38100" dir="2700000" algn="tl">
-                    <a:srgbClr val="000000">
-                      <a:alpha val="43137"/>
-                    </a:srgbClr>
-                  </a:outerShdw>
-                </a:effectLst>
-              </a:rPr>
-              <a:t>--</a:t>
-            </a:r>
-            <a:r>
-              <a:rPr lang="en-US" sz="4000" b="1" dirty="0" smtClean="0">
-                <a:solidFill>
-                  <a:schemeClr val="accent2"/>
-                </a:solidFill>
-                <a:effectLst>
-                  <a:outerShdw blurRad="38100" dist="38100" dir="2700000" algn="tl">
-                    <a:srgbClr val="000000">
-                      <a:alpha val="43137"/>
-                    </a:srgbClr>
-                  </a:outerShdw>
-                </a:effectLst>
-              </a:rPr>
-              <a:t>&gt;</a:t>
-            </a:r>
-            <a:endParaRPr lang="en-US" sz="4000" b="1" dirty="0">
-              <a:solidFill>
-                <a:schemeClr val="accent2"/>
-              </a:solidFill>
-              <a:effectLst>
-                <a:outerShdw blurRad="38100" dist="38100" dir="2700000" algn="tl">
-                  <a:srgbClr val="000000">
-                    <a:alpha val="43137"/>
-                  </a:srgbClr>
-                </a:outerShdw>
-              </a:effectLst>
-            </a:endParaRPr>
-          </a:p>
-        </p:txBody>
-      </p:sp>
-      <p:pic>
-        <p:nvPicPr>
-          <p:cNvPr id="21" name="Picture 20"/>
-          <p:cNvPicPr>
-            <a:picLocks noChangeAspect="1"/>
-          </p:cNvPicPr>
-          <p:nvPr/>
-        </p:nvPicPr>
-        <p:blipFill>
-          <a:blip r:embed="rId2" cstate="print">
-            <a:extLst>
-              <a:ext uri="{28A0092B-C50C-407E-A947-70E740481C1C}">
-                <a14:useLocalDpi xmlns:a14="http://schemas.microsoft.com/office/drawing/2010/main" val="0"/>
-              </a:ext>
-            </a:extLst>
-          </a:blip>
-          <a:stretch>
-            <a:fillRect/>
-          </a:stretch>
-        </p:blipFill>
-        <p:spPr>
-          <a:xfrm>
-            <a:off x="8327264" y="1588567"/>
-            <a:ext cx="850053" cy="877233"/>
-          </a:xfrm>
-          <a:prstGeom prst="ellipse">
-            <a:avLst/>
-          </a:prstGeom>
-          <a:ln w="63500" cap="rnd">
-            <a:noFill/>
-          </a:ln>
-          <a:effectLst>
-            <a:outerShdw blurRad="50800" dist="38100" dir="8100000" algn="tr" rotWithShape="0">
-              <a:prstClr val="black">
-                <a:alpha val="40000"/>
-              </a:prstClr>
-            </a:outerShdw>
-          </a:effectLst>
-          <a:scene3d>
-            <a:camera prst="orthographicFront"/>
-            <a:lightRig rig="contrasting" dir="t">
-              <a:rot lat="0" lon="0" rev="3000000"/>
-            </a:lightRig>
-          </a:scene3d>
-          <a:sp3d contourW="7620">
-            <a:bevelT w="95250" h="31750"/>
-            <a:contourClr>
-              <a:srgbClr val="333333"/>
-            </a:contourClr>
-          </a:sp3d>
-        </p:spPr>
-      </p:pic>
-      <p:pic>
-        <p:nvPicPr>
-          <p:cNvPr id="53" name="Picture 52"/>
-          <p:cNvPicPr>
-            <a:picLocks noChangeAspect="1"/>
-          </p:cNvPicPr>
-          <p:nvPr/>
-        </p:nvPicPr>
-        <p:blipFill>
-          <a:blip r:embed="rId2" cstate="print">
-            <a:extLst>
-              <a:ext uri="{28A0092B-C50C-407E-A947-70E740481C1C}">
-                <a14:useLocalDpi xmlns:a14="http://schemas.microsoft.com/office/drawing/2010/main" val="0"/>
-              </a:ext>
-            </a:extLst>
-          </a:blip>
-          <a:stretch>
-            <a:fillRect/>
-          </a:stretch>
-        </p:blipFill>
-        <p:spPr>
-          <a:xfrm>
-            <a:off x="5473586" y="1532897"/>
-            <a:ext cx="942882" cy="901002"/>
-          </a:xfrm>
-          <a:prstGeom prst="ellipse">
-            <a:avLst/>
-          </a:prstGeom>
-          <a:ln w="63500" cap="rnd">
-            <a:noFill/>
-          </a:ln>
-          <a:effectLst>
-            <a:outerShdw blurRad="381000" dist="292100" dir="5400000" sx="-80000" sy="-18000" rotWithShape="0">
-              <a:srgbClr val="000000">
-                <a:alpha val="22000"/>
-              </a:srgbClr>
-            </a:outerShdw>
-          </a:effectLst>
-          <a:scene3d>
-            <a:camera prst="orthographicFront"/>
-            <a:lightRig rig="contrasting" dir="t">
-              <a:rot lat="0" lon="0" rev="3000000"/>
-            </a:lightRig>
-          </a:scene3d>
-          <a:sp3d contourW="7620">
-            <a:bevelT w="95250" h="31750"/>
-            <a:contourClr>
-              <a:srgbClr val="333333"/>
-            </a:contourClr>
-          </a:sp3d>
-        </p:spPr>
-      </p:pic>
-      <p:pic>
-        <p:nvPicPr>
-          <p:cNvPr id="55" name="Picture 54"/>
-          <p:cNvPicPr>
-            <a:picLocks noChangeAspect="1"/>
-          </p:cNvPicPr>
-          <p:nvPr/>
-        </p:nvPicPr>
-        <p:blipFill>
-          <a:blip r:embed="rId2" cstate="print">
-            <a:extLst>
-              <a:ext uri="{28A0092B-C50C-407E-A947-70E740481C1C}">
-                <a14:useLocalDpi xmlns:a14="http://schemas.microsoft.com/office/drawing/2010/main" val="0"/>
-              </a:ext>
-            </a:extLst>
-          </a:blip>
-          <a:stretch>
-            <a:fillRect/>
-          </a:stretch>
-        </p:blipFill>
-        <p:spPr>
-          <a:xfrm>
-            <a:off x="10704561" y="1627356"/>
-            <a:ext cx="952412" cy="890698"/>
-          </a:xfrm>
-          <a:prstGeom prst="ellipse">
-            <a:avLst/>
-          </a:prstGeom>
-          <a:ln w="63500" cap="rnd">
-            <a:noFill/>
-          </a:ln>
-          <a:effectLst>
-            <a:outerShdw blurRad="50800" dist="38100" dir="8100000" algn="tr" rotWithShape="0">
-              <a:prstClr val="black">
-                <a:alpha val="40000"/>
-              </a:prstClr>
-            </a:outerShdw>
-          </a:effectLst>
-          <a:scene3d>
-            <a:camera prst="orthographicFront"/>
-            <a:lightRig rig="contrasting" dir="t">
-              <a:rot lat="0" lon="0" rev="3000000"/>
-            </a:lightRig>
-          </a:scene3d>
-          <a:sp3d contourW="7620">
-            <a:bevelT w="95250" h="31750"/>
-            <a:contourClr>
-              <a:srgbClr val="333333"/>
-            </a:contourClr>
-          </a:sp3d>
-        </p:spPr>
-      </p:pic>
-      <p:pic>
-        <p:nvPicPr>
-          <p:cNvPr id="61" name="Picture 60"/>
-          <p:cNvPicPr>
-            <a:picLocks noChangeAspect="1"/>
-          </p:cNvPicPr>
-          <p:nvPr/>
-        </p:nvPicPr>
-        <p:blipFill>
-          <a:blip r:embed="rId2" cstate="print">
-            <a:extLst>
-              <a:ext uri="{28A0092B-C50C-407E-A947-70E740481C1C}">
-                <a14:useLocalDpi xmlns:a14="http://schemas.microsoft.com/office/drawing/2010/main" val="0"/>
-              </a:ext>
-            </a:extLst>
-          </a:blip>
-          <a:stretch>
-            <a:fillRect/>
-          </a:stretch>
-        </p:blipFill>
-        <p:spPr>
-          <a:xfrm>
-            <a:off x="2097221" y="3115953"/>
-            <a:ext cx="1026902" cy="1036635"/>
-          </a:xfrm>
-          <a:prstGeom prst="ellipse">
-            <a:avLst/>
-          </a:prstGeom>
-          <a:ln w="63500" cap="rnd">
-            <a:noFill/>
-          </a:ln>
-          <a:effectLst>
-            <a:outerShdw blurRad="50800" dist="38100" dir="8100000" algn="tr" rotWithShape="0">
-              <a:prstClr val="black">
-                <a:alpha val="40000"/>
-              </a:prstClr>
-            </a:outerShdw>
-          </a:effectLst>
-          <a:scene3d>
-            <a:camera prst="orthographicFront"/>
-            <a:lightRig rig="contrasting" dir="t">
-              <a:rot lat="0" lon="0" rev="3000000"/>
-            </a:lightRig>
-          </a:scene3d>
-          <a:sp3d contourW="7620">
-            <a:bevelT w="95250" h="31750"/>
-            <a:contourClr>
-              <a:srgbClr val="333333"/>
-            </a:contourClr>
-          </a:sp3d>
-        </p:spPr>
-      </p:pic>
-      <p:pic>
-        <p:nvPicPr>
-          <p:cNvPr id="63" name="Picture 62"/>
-          <p:cNvPicPr>
-            <a:picLocks noChangeAspect="1"/>
-          </p:cNvPicPr>
-          <p:nvPr/>
-        </p:nvPicPr>
-        <p:blipFill>
-          <a:blip r:embed="rId2" cstate="print">
-            <a:extLst>
-              <a:ext uri="{28A0092B-C50C-407E-A947-70E740481C1C}">
-                <a14:useLocalDpi xmlns:a14="http://schemas.microsoft.com/office/drawing/2010/main" val="0"/>
-              </a:ext>
-            </a:extLst>
-          </a:blip>
-          <a:stretch>
-            <a:fillRect/>
-          </a:stretch>
-        </p:blipFill>
-        <p:spPr>
-          <a:xfrm>
-            <a:off x="4893187" y="3104388"/>
-            <a:ext cx="1061392" cy="1013734"/>
-          </a:xfrm>
-          <a:prstGeom prst="ellipse">
-            <a:avLst/>
-          </a:prstGeom>
-          <a:ln w="63500" cap="rnd">
-            <a:noFill/>
-          </a:ln>
-          <a:effectLst>
-            <a:outerShdw blurRad="50800" dist="38100" dir="8100000" algn="tr" rotWithShape="0">
-              <a:prstClr val="black">
-                <a:alpha val="40000"/>
-              </a:prstClr>
-            </a:outerShdw>
-          </a:effectLst>
-          <a:scene3d>
-            <a:camera prst="orthographicFront"/>
-            <a:lightRig rig="contrasting" dir="t">
-              <a:rot lat="0" lon="0" rev="3000000"/>
-            </a:lightRig>
-          </a:scene3d>
-          <a:sp3d contourW="7620">
-            <a:bevelT w="95250" h="31750"/>
-            <a:contourClr>
-              <a:srgbClr val="333333"/>
-            </a:contourClr>
-          </a:sp3d>
-        </p:spPr>
-      </p:pic>
-      <p:pic>
-        <p:nvPicPr>
-          <p:cNvPr id="67" name="Picture 66"/>
-          <p:cNvPicPr>
-            <a:picLocks noChangeAspect="1"/>
-          </p:cNvPicPr>
-          <p:nvPr/>
-        </p:nvPicPr>
-        <p:blipFill>
-          <a:blip r:embed="rId2" cstate="print">
-            <a:extLst>
-              <a:ext uri="{28A0092B-C50C-407E-A947-70E740481C1C}">
-                <a14:useLocalDpi xmlns:a14="http://schemas.microsoft.com/office/drawing/2010/main" val="0"/>
-              </a:ext>
-            </a:extLst>
-          </a:blip>
-          <a:stretch>
-            <a:fillRect/>
-          </a:stretch>
-        </p:blipFill>
-        <p:spPr>
-          <a:xfrm>
-            <a:off x="7540709" y="3136638"/>
-            <a:ext cx="1039964" cy="993268"/>
-          </a:xfrm>
-          <a:prstGeom prst="ellipse">
-            <a:avLst/>
-          </a:prstGeom>
-          <a:ln w="63500" cap="rnd">
-            <a:noFill/>
-          </a:ln>
-          <a:effectLst>
-            <a:outerShdw blurRad="50800" dist="38100" dir="8100000" algn="tr" rotWithShape="0">
-              <a:prstClr val="black">
-                <a:alpha val="40000"/>
-              </a:prstClr>
-            </a:outerShdw>
-          </a:effectLst>
-          <a:scene3d>
-            <a:camera prst="orthographicFront"/>
-            <a:lightRig rig="contrasting" dir="t">
-              <a:rot lat="0" lon="0" rev="3000000"/>
-            </a:lightRig>
-          </a:scene3d>
-          <a:sp3d contourW="7620">
-            <a:bevelT w="95250" h="31750"/>
-            <a:contourClr>
-              <a:srgbClr val="333333"/>
-            </a:contourClr>
-          </a:sp3d>
-        </p:spPr>
-      </p:pic>
-      <p:pic>
-        <p:nvPicPr>
-          <p:cNvPr id="73" name="Picture 72"/>
-          <p:cNvPicPr>
-            <a:picLocks noChangeAspect="1"/>
-          </p:cNvPicPr>
-          <p:nvPr/>
-        </p:nvPicPr>
-        <p:blipFill>
-          <a:blip r:embed="rId2" cstate="print">
-            <a:extLst>
-              <a:ext uri="{28A0092B-C50C-407E-A947-70E740481C1C}">
-                <a14:useLocalDpi xmlns:a14="http://schemas.microsoft.com/office/drawing/2010/main" val="0"/>
-              </a:ext>
-            </a:extLst>
-          </a:blip>
-          <a:stretch>
-            <a:fillRect/>
-          </a:stretch>
-        </p:blipFill>
-        <p:spPr>
-          <a:xfrm>
-            <a:off x="1434050" y="4800937"/>
-            <a:ext cx="1000449" cy="1000449"/>
-          </a:xfrm>
-          <a:prstGeom prst="ellipse">
-            <a:avLst/>
-          </a:prstGeom>
-          <a:ln w="63500" cap="rnd">
-            <a:noFill/>
-          </a:ln>
-          <a:effectLst>
-            <a:outerShdw blurRad="50800" dist="38100" dir="8100000" algn="tr" rotWithShape="0">
-              <a:prstClr val="black">
-                <a:alpha val="40000"/>
-              </a:prstClr>
-            </a:outerShdw>
-          </a:effectLst>
-          <a:scene3d>
-            <a:camera prst="orthographicFront"/>
-            <a:lightRig rig="contrasting" dir="t">
-              <a:rot lat="0" lon="0" rev="3000000"/>
-            </a:lightRig>
-          </a:scene3d>
-          <a:sp3d contourW="7620">
-            <a:bevelT w="95250" h="31750"/>
-            <a:contourClr>
-              <a:srgbClr val="333333"/>
-            </a:contourClr>
-          </a:sp3d>
-        </p:spPr>
-      </p:pic>
-      <p:pic>
-        <p:nvPicPr>
-          <p:cNvPr id="75" name="Picture 74"/>
-          <p:cNvPicPr>
-            <a:picLocks noChangeAspect="1"/>
-          </p:cNvPicPr>
-          <p:nvPr/>
-        </p:nvPicPr>
-        <p:blipFill>
-          <a:blip r:embed="rId2" cstate="print">
-            <a:extLst>
-              <a:ext uri="{28A0092B-C50C-407E-A947-70E740481C1C}">
-                <a14:useLocalDpi xmlns:a14="http://schemas.microsoft.com/office/drawing/2010/main" val="0"/>
-              </a:ext>
-            </a:extLst>
-          </a:blip>
-          <a:stretch>
-            <a:fillRect/>
-          </a:stretch>
-        </p:blipFill>
-        <p:spPr>
-          <a:xfrm>
-            <a:off x="5511697" y="4783563"/>
-            <a:ext cx="1016989" cy="984900"/>
-          </a:xfrm>
-          <a:prstGeom prst="ellipse">
-            <a:avLst/>
-          </a:prstGeom>
-          <a:ln w="63500" cap="rnd">
-            <a:noFill/>
-          </a:ln>
-          <a:effectLst>
-            <a:outerShdw blurRad="50800" dist="38100" dir="8100000" algn="tr" rotWithShape="0">
-              <a:prstClr val="black">
-                <a:alpha val="40000"/>
-              </a:prstClr>
-            </a:outerShdw>
-          </a:effectLst>
-          <a:scene3d>
-            <a:camera prst="orthographicFront"/>
-            <a:lightRig rig="contrasting" dir="t">
-              <a:rot lat="0" lon="0" rev="3000000"/>
-            </a:lightRig>
-          </a:scene3d>
-          <a:sp3d contourW="7620">
-            <a:bevelT w="95250" h="31750"/>
-            <a:contourClr>
-              <a:srgbClr val="333333"/>
-            </a:contourClr>
-          </a:sp3d>
-        </p:spPr>
-      </p:pic>
-      <p:pic>
-        <p:nvPicPr>
-          <p:cNvPr id="77" name="Picture 76"/>
-          <p:cNvPicPr>
-            <a:picLocks noChangeAspect="1"/>
-          </p:cNvPicPr>
-          <p:nvPr/>
-        </p:nvPicPr>
-        <p:blipFill>
-          <a:blip r:embed="rId2" cstate="print">
-            <a:extLst>
-              <a:ext uri="{28A0092B-C50C-407E-A947-70E740481C1C}">
-                <a14:useLocalDpi xmlns:a14="http://schemas.microsoft.com/office/drawing/2010/main" val="0"/>
-              </a:ext>
-            </a:extLst>
-          </a:blip>
-          <a:stretch>
-            <a:fillRect/>
-          </a:stretch>
-        </p:blipFill>
-        <p:spPr>
-          <a:xfrm>
-            <a:off x="9520679" y="4783563"/>
-            <a:ext cx="1076344" cy="1000876"/>
-          </a:xfrm>
-          <a:prstGeom prst="ellipse">
-            <a:avLst/>
-          </a:prstGeom>
-          <a:ln w="63500" cap="rnd">
-            <a:noFill/>
-          </a:ln>
-          <a:effectLst>
-            <a:outerShdw blurRad="50800" dist="38100" dir="8100000" algn="tr" rotWithShape="0">
-              <a:prstClr val="black">
-                <a:alpha val="40000"/>
-              </a:prstClr>
-            </a:outerShdw>
-          </a:effectLst>
-          <a:scene3d>
-            <a:camera prst="orthographicFront"/>
-            <a:lightRig rig="contrasting" dir="t">
-              <a:rot lat="0" lon="0" rev="3000000"/>
-            </a:lightRig>
-          </a:scene3d>
-          <a:sp3d contourW="7620">
-            <a:bevelT w="95250" h="31750"/>
-            <a:contourClr>
-              <a:srgbClr val="333333"/>
-            </a:contourClr>
-          </a:sp3d>
-        </p:spPr>
-      </p:pic>
-      <p:pic>
-        <p:nvPicPr>
-          <p:cNvPr id="80" name="Picture 79"/>
-          <p:cNvPicPr>
-            <a:picLocks noChangeAspect="1"/>
-          </p:cNvPicPr>
-          <p:nvPr/>
-        </p:nvPicPr>
-        <p:blipFill>
-          <a:blip r:embed="rId2" cstate="print">
-            <a:extLst>
-              <a:ext uri="{28A0092B-C50C-407E-A947-70E740481C1C}">
-                <a14:useLocalDpi xmlns:a14="http://schemas.microsoft.com/office/drawing/2010/main" val="0"/>
-              </a:ext>
-            </a:extLst>
-          </a:blip>
-          <a:stretch>
-            <a:fillRect/>
-          </a:stretch>
-        </p:blipFill>
-        <p:spPr>
-          <a:xfrm>
-            <a:off x="10469616" y="3086095"/>
-            <a:ext cx="1070171" cy="1022119"/>
-          </a:xfrm>
-          <a:prstGeom prst="ellipse">
-            <a:avLst/>
-          </a:prstGeom>
-          <a:ln w="63500" cap="rnd">
-            <a:noFill/>
-          </a:ln>
-          <a:effectLst>
-            <a:outerShdw blurRad="50800" dist="38100" dir="8100000" algn="tr" rotWithShape="0">
-              <a:prstClr val="black">
-                <a:alpha val="40000"/>
-              </a:prstClr>
-            </a:outerShdw>
-          </a:effectLst>
-          <a:scene3d>
-            <a:camera prst="orthographicFront"/>
-            <a:lightRig rig="contrasting" dir="t">
-              <a:rot lat="0" lon="0" rev="3000000"/>
-            </a:lightRig>
-          </a:scene3d>
-          <a:sp3d contourW="7620">
-            <a:bevelT w="95250" h="31750"/>
-            <a:contourClr>
-              <a:srgbClr val="333333"/>
-            </a:contourClr>
-          </a:sp3d>
-        </p:spPr>
-      </p:pic>
-      <p:sp>
-        <p:nvSpPr>
-          <p:cNvPr id="44" name="Rectangle 43"/>
-          <p:cNvSpPr/>
-          <p:nvPr/>
-        </p:nvSpPr>
-        <p:spPr>
-          <a:xfrm rot="16200000">
-            <a:off x="-2642369" y="4054100"/>
-            <a:ext cx="5626441" cy="118484"/>
-          </a:xfrm>
-          <a:prstGeom prst="rect">
-            <a:avLst/>
-          </a:prstGeom>
-          <a:noFill/>
-          <a:ln>
-            <a:noFill/>
-          </a:ln>
-          <a:scene3d>
-            <a:camera prst="orthographicFront"/>
-            <a:lightRig rig="threePt" dir="t"/>
-          </a:scene3d>
-          <a:sp3d>
-            <a:bevelT prst="angle"/>
-          </a:sp3d>
-        </p:spPr>
-        <p:style>
-          <a:lnRef idx="2">
-            <a:schemeClr val="accent1">
-              <a:shade val="50000"/>
-            </a:schemeClr>
-          </a:lnRef>
-          <a:fillRef idx="1">
-            <a:schemeClr val="accent1"/>
-          </a:fillRef>
-          <a:effectRef idx="0">
-            <a:schemeClr val="accent1"/>
-          </a:effectRef>
-          <a:fontRef idx="minor">
-            <a:schemeClr val="lt1"/>
-          </a:fontRef>
-        </p:style>
-        <p:txBody>
-          <a:bodyPr rtlCol="0" anchor="ctr">
-            <a:sp3d extrusionH="57150">
-              <a:bevelT w="38100" h="38100" prst="angle"/>
-            </a:sp3d>
-          </a:bodyPr>
-          <a:lstStyle/>
-          <a:p>
-            <a:pPr algn="ctr"/>
-            <a:r>
-              <a:rPr lang="en-US" sz="7200" dirty="0" smtClean="0">
-                <a:solidFill>
-                  <a:schemeClr val="accent4"/>
-                </a:solidFill>
-              </a:rPr>
-              <a:t>-- - </a:t>
-            </a:r>
-            <a:r>
-              <a:rPr lang="en-US" sz="7200" dirty="0" smtClean="0">
-                <a:solidFill>
-                  <a:srgbClr val="00B050"/>
-                </a:solidFill>
-              </a:rPr>
-              <a:t>--</a:t>
-            </a:r>
-            <a:r>
-              <a:rPr lang="en-US" sz="7200" dirty="0" smtClean="0">
-                <a:solidFill>
-                  <a:schemeClr val="accent4"/>
-                </a:solidFill>
-              </a:rPr>
-              <a:t> - </a:t>
-            </a:r>
-            <a:r>
-              <a:rPr lang="en-US" sz="7200" dirty="0" smtClean="0">
-                <a:solidFill>
-                  <a:srgbClr val="00B050"/>
-                </a:solidFill>
-              </a:rPr>
-              <a:t>--</a:t>
-            </a:r>
-            <a:r>
-              <a:rPr lang="en-US" sz="7200" dirty="0" smtClean="0">
-                <a:solidFill>
-                  <a:schemeClr val="accent4"/>
-                </a:solidFill>
-              </a:rPr>
-              <a:t> - --</a:t>
-            </a:r>
-            <a:endParaRPr lang="en-US" sz="4400" dirty="0">
-              <a:solidFill>
-                <a:schemeClr val="accent4"/>
-              </a:solidFill>
-            </a:endParaRPr>
-          </a:p>
-        </p:txBody>
-      </p:sp>
-      <p:sp>
-        <p:nvSpPr>
-          <p:cNvPr id="45" name="Rectangle 44"/>
-          <p:cNvSpPr/>
-          <p:nvPr/>
-        </p:nvSpPr>
-        <p:spPr>
-          <a:xfrm rot="16200000">
-            <a:off x="9091922" y="4092096"/>
-            <a:ext cx="5626441" cy="118484"/>
-          </a:xfrm>
-          <a:prstGeom prst="rect">
-            <a:avLst/>
-          </a:prstGeom>
-          <a:noFill/>
-          <a:ln>
-            <a:noFill/>
-          </a:ln>
-          <a:scene3d>
-            <a:camera prst="orthographicFront"/>
-            <a:lightRig rig="threePt" dir="t"/>
-          </a:scene3d>
-          <a:sp3d>
-            <a:bevelT prst="angle"/>
-          </a:sp3d>
-        </p:spPr>
-        <p:style>
-          <a:lnRef idx="2">
-            <a:schemeClr val="accent1">
-              <a:shade val="50000"/>
-            </a:schemeClr>
-          </a:lnRef>
-          <a:fillRef idx="1">
-            <a:schemeClr val="accent1"/>
-          </a:fillRef>
-          <a:effectRef idx="0">
-            <a:schemeClr val="accent1"/>
-          </a:effectRef>
-          <a:fontRef idx="minor">
-            <a:schemeClr val="lt1"/>
-          </a:fontRef>
-        </p:style>
-        <p:txBody>
-          <a:bodyPr rtlCol="0" anchor="ctr">
-            <a:sp3d extrusionH="57150">
-              <a:bevelT w="38100" h="38100" prst="angle"/>
-            </a:sp3d>
-          </a:bodyPr>
-          <a:lstStyle/>
-          <a:p>
-            <a:pPr algn="ctr"/>
-            <a:r>
-              <a:rPr lang="en-US" sz="7200" dirty="0" smtClean="0">
-                <a:solidFill>
-                  <a:schemeClr val="accent4"/>
-                </a:solidFill>
-              </a:rPr>
-              <a:t>-- - </a:t>
-            </a:r>
-            <a:r>
-              <a:rPr lang="en-US" sz="7200" dirty="0" smtClean="0">
-                <a:solidFill>
-                  <a:srgbClr val="00B050"/>
-                </a:solidFill>
-              </a:rPr>
-              <a:t>--</a:t>
-            </a:r>
-            <a:r>
-              <a:rPr lang="en-US" sz="7200" dirty="0" smtClean="0">
-                <a:solidFill>
-                  <a:schemeClr val="accent4"/>
-                </a:solidFill>
-              </a:rPr>
-              <a:t> - </a:t>
-            </a:r>
-            <a:r>
-              <a:rPr lang="en-US" sz="7200" dirty="0" smtClean="0">
-                <a:solidFill>
-                  <a:srgbClr val="00B050"/>
-                </a:solidFill>
-              </a:rPr>
-              <a:t>--</a:t>
-            </a:r>
-            <a:r>
-              <a:rPr lang="en-US" sz="7200" dirty="0" smtClean="0">
-                <a:solidFill>
-                  <a:schemeClr val="accent4"/>
-                </a:solidFill>
-              </a:rPr>
-              <a:t> - --</a:t>
-            </a:r>
-            <a:endParaRPr lang="en-US" sz="4400" dirty="0">
-              <a:solidFill>
-                <a:schemeClr val="accent4"/>
-              </a:solidFill>
-            </a:endParaRPr>
-          </a:p>
-        </p:txBody>
-      </p:sp>
-      <p:sp>
-        <p:nvSpPr>
-          <p:cNvPr id="46" name="Oval 45"/>
-          <p:cNvSpPr/>
-          <p:nvPr/>
-        </p:nvSpPr>
-        <p:spPr>
-          <a:xfrm>
-            <a:off x="11775455" y="3932206"/>
-            <a:ext cx="377857" cy="381788"/>
-          </a:xfrm>
-          <a:prstGeom prst="ellipse">
-            <a:avLst/>
-          </a:prstGeom>
-          <a:solidFill>
-            <a:schemeClr val="accent2">
-              <a:lumMod val="75000"/>
-            </a:schemeClr>
-          </a:solidFill>
-          <a:scene3d>
-            <a:camera prst="orthographicFront"/>
-            <a:lightRig rig="threePt" dir="t"/>
-          </a:scene3d>
-          <a:sp3d>
-            <a:bevelT prst="angle"/>
-          </a:sp3d>
-        </p:spPr>
-        <p:style>
-          <a:lnRef idx="2">
-            <a:schemeClr val="accent1">
-              <a:shade val="50000"/>
-            </a:schemeClr>
-          </a:lnRef>
-          <a:fillRef idx="1">
-            <a:schemeClr val="accent1"/>
-          </a:fillRef>
-          <a:effectRef idx="0">
-            <a:schemeClr val="accent1"/>
-          </a:effectRef>
-          <a:fontRef idx="minor">
-            <a:schemeClr val="lt1"/>
-          </a:fontRef>
-        </p:style>
-        <p:txBody>
-          <a:bodyPr rtlCol="0" anchor="ctr">
-            <a:sp3d extrusionH="57150">
-              <a:bevelT w="38100" h="38100" prst="angle"/>
-            </a:sp3d>
-          </a:bodyPr>
-          <a:lstStyle/>
-          <a:p>
-            <a:pPr algn="ctr"/>
-            <a:endParaRPr lang="en-US"/>
-          </a:p>
-        </p:txBody>
-      </p:sp>
-      <p:sp>
-        <p:nvSpPr>
-          <p:cNvPr id="47" name="Oval 46"/>
-          <p:cNvSpPr/>
-          <p:nvPr/>
-        </p:nvSpPr>
-        <p:spPr>
-          <a:xfrm>
-            <a:off x="49875" y="3932206"/>
-            <a:ext cx="377857" cy="381788"/>
-          </a:xfrm>
-          <a:prstGeom prst="ellipse">
-            <a:avLst/>
-          </a:prstGeom>
-          <a:solidFill>
-            <a:schemeClr val="accent2">
-              <a:lumMod val="75000"/>
-            </a:schemeClr>
-          </a:solidFill>
-          <a:scene3d>
-            <a:camera prst="orthographicFront"/>
-            <a:lightRig rig="threePt" dir="t"/>
-          </a:scene3d>
-          <a:sp3d>
-            <a:bevelT prst="angle"/>
-          </a:sp3d>
-        </p:spPr>
-        <p:style>
-          <a:lnRef idx="2">
-            <a:schemeClr val="accent1">
-              <a:shade val="50000"/>
-            </a:schemeClr>
-          </a:lnRef>
-          <a:fillRef idx="1">
-            <a:schemeClr val="accent1"/>
-          </a:fillRef>
-          <a:effectRef idx="0">
-            <a:schemeClr val="accent1"/>
-          </a:effectRef>
-          <a:fontRef idx="minor">
-            <a:schemeClr val="lt1"/>
-          </a:fontRef>
-        </p:style>
-        <p:txBody>
-          <a:bodyPr rtlCol="0" anchor="ctr">
-            <a:sp3d extrusionH="57150">
-              <a:bevelT w="38100" h="38100" prst="angle"/>
-            </a:sp3d>
-          </a:bodyPr>
-          <a:lstStyle/>
-          <a:p>
-            <a:pPr algn="ctr"/>
-            <a:endParaRPr lang="en-US"/>
-          </a:p>
-        </p:txBody>
-      </p:sp>
-      <p:sp>
-        <p:nvSpPr>
-          <p:cNvPr id="48" name="Rectangle 47"/>
-          <p:cNvSpPr/>
-          <p:nvPr/>
-        </p:nvSpPr>
-        <p:spPr>
-          <a:xfrm>
-            <a:off x="427733" y="108310"/>
-            <a:ext cx="10041884" cy="503706"/>
-          </a:xfrm>
-          <a:prstGeom prst="rect">
-            <a:avLst/>
-          </a:prstGeom>
-          <a:noFill/>
-          <a:ln>
-            <a:noFill/>
-          </a:ln>
-          <a:scene3d>
-            <a:camera prst="orthographicFront"/>
-            <a:lightRig rig="threePt" dir="t"/>
-          </a:scene3d>
-          <a:sp3d>
-            <a:bevelT prst="angle"/>
-          </a:sp3d>
-        </p:spPr>
-        <p:style>
-          <a:lnRef idx="2">
-            <a:schemeClr val="accent1">
-              <a:shade val="50000"/>
-            </a:schemeClr>
-          </a:lnRef>
-          <a:fillRef idx="1">
-            <a:schemeClr val="accent1"/>
-          </a:fillRef>
-          <a:effectRef idx="0">
-            <a:schemeClr val="accent1"/>
-          </a:effectRef>
-          <a:fontRef idx="minor">
-            <a:schemeClr val="lt1"/>
-          </a:fontRef>
-        </p:style>
-        <p:txBody>
-          <a:bodyPr rtlCol="0" anchor="ctr">
-            <a:sp3d extrusionH="57150">
-              <a:bevelT w="57150" h="38100" prst="hardEdge"/>
-            </a:sp3d>
-          </a:bodyPr>
-          <a:lstStyle/>
-          <a:p>
-            <a:pPr algn="ctr"/>
-            <a:r>
-              <a:rPr lang="en-US" sz="3600" b="1" dirty="0" smtClean="0">
-                <a:solidFill>
-                  <a:schemeClr val="accent2"/>
-                </a:solidFill>
-                <a:sym typeface="Wingdings" panose="05000000000000000000" pitchFamily="2" charset="2"/>
-              </a:rPr>
-              <a:t>--</a:t>
-            </a:r>
-            <a:r>
-              <a:rPr lang="en-US" sz="3600" b="1" dirty="0" smtClean="0">
-                <a:solidFill>
-                  <a:srgbClr val="00B050"/>
-                </a:solidFill>
-                <a:sym typeface="Wingdings" panose="05000000000000000000" pitchFamily="2" charset="2"/>
-              </a:rPr>
-              <a:t> &lt;</a:t>
-            </a:r>
-            <a:r>
-              <a:rPr lang="en-US" sz="3600" b="1" dirty="0" smtClean="0">
-                <a:solidFill>
-                  <a:schemeClr val="accent2"/>
-                </a:solidFill>
-                <a:sym typeface="Wingdings" panose="05000000000000000000" pitchFamily="2" charset="2"/>
-              </a:rPr>
-              <a:t>\</a:t>
-            </a:r>
-            <a:r>
-              <a:rPr lang="en-US" sz="3600" b="1" dirty="0" smtClean="0">
-                <a:solidFill>
-                  <a:srgbClr val="00B050"/>
-                </a:solidFill>
-                <a:sym typeface="Wingdings" panose="05000000000000000000" pitchFamily="2" charset="2"/>
-              </a:rPr>
-              <a:t>--</a:t>
-            </a:r>
-            <a:r>
-              <a:rPr lang="en-US" sz="3600" b="1" dirty="0" smtClean="0">
-                <a:solidFill>
-                  <a:schemeClr val="accent4"/>
-                </a:solidFill>
-                <a:sym typeface="Wingdings" panose="05000000000000000000" pitchFamily="2" charset="2"/>
-              </a:rPr>
-              <a:t>  </a:t>
-            </a:r>
-            <a:r>
-              <a:rPr lang="en-US" sz="3600" b="1" dirty="0" smtClean="0">
-                <a:solidFill>
-                  <a:schemeClr val="accent4"/>
-                </a:solidFill>
-              </a:rPr>
-              <a:t>CONTROL STRUCTURE PRESENTATION</a:t>
-            </a:r>
-            <a:r>
-              <a:rPr lang="en-US" sz="3600" b="1" dirty="0" smtClean="0">
-                <a:solidFill>
-                  <a:schemeClr val="bg1"/>
-                </a:solidFill>
-              </a:rPr>
-              <a:t> </a:t>
-            </a:r>
-            <a:r>
-              <a:rPr lang="en-US" sz="3600" b="1" dirty="0" smtClean="0">
-                <a:solidFill>
-                  <a:srgbClr val="00B050"/>
-                </a:solidFill>
-              </a:rPr>
-              <a:t>--</a:t>
-            </a:r>
-            <a:r>
-              <a:rPr lang="en-US" sz="3600" b="1" dirty="0" smtClean="0">
-                <a:solidFill>
-                  <a:schemeClr val="accent2"/>
-                </a:solidFill>
-              </a:rPr>
-              <a:t>/</a:t>
-            </a:r>
-            <a:r>
-              <a:rPr lang="en-US" sz="3600" b="1" dirty="0" smtClean="0">
-                <a:solidFill>
-                  <a:srgbClr val="00B050"/>
-                </a:solidFill>
-              </a:rPr>
-              <a:t>&gt; </a:t>
-            </a:r>
-            <a:r>
-              <a:rPr lang="en-US" sz="3600" b="1" dirty="0" smtClean="0">
-                <a:solidFill>
-                  <a:schemeClr val="accent2"/>
-                </a:solidFill>
-              </a:rPr>
-              <a:t>--</a:t>
-            </a:r>
-            <a:endParaRPr lang="en-US" sz="3600" b="1" dirty="0">
-              <a:solidFill>
-                <a:schemeClr val="accent2"/>
-              </a:solidFill>
-            </a:endParaRPr>
-          </a:p>
-        </p:txBody>
-      </p:sp>
-      <p:sp>
-        <p:nvSpPr>
-          <p:cNvPr id="56" name="Oval 55"/>
-          <p:cNvSpPr/>
-          <p:nvPr/>
-        </p:nvSpPr>
-        <p:spPr>
-          <a:xfrm>
-            <a:off x="151838" y="1673543"/>
-            <a:ext cx="172720" cy="172720"/>
-          </a:xfrm>
-          <a:prstGeom prst="ellipse">
-            <a:avLst/>
-          </a:prstGeom>
-          <a:solidFill>
-            <a:srgbClr val="00B0F0"/>
-          </a:solidFill>
-          <a:scene3d>
-            <a:camera prst="orthographicFront"/>
-            <a:lightRig rig="threePt" dir="t"/>
-          </a:scene3d>
-          <a:sp3d>
-            <a:bevelT prst="angle"/>
-          </a:sp3d>
-        </p:spPr>
-        <p:style>
-          <a:lnRef idx="2">
-            <a:schemeClr val="accent1">
-              <a:shade val="50000"/>
-            </a:schemeClr>
-          </a:lnRef>
-          <a:fillRef idx="1">
-            <a:schemeClr val="accent1"/>
-          </a:fillRef>
-          <a:effectRef idx="0">
-            <a:schemeClr val="accent1"/>
-          </a:effectRef>
-          <a:fontRef idx="minor">
-            <a:schemeClr val="lt1"/>
-          </a:fontRef>
-        </p:style>
-        <p:txBody>
-          <a:bodyPr rtlCol="0" anchor="ctr">
-            <a:sp3d extrusionH="57150">
-              <a:bevelT w="38100" h="38100" prst="angle"/>
-            </a:sp3d>
-          </a:bodyPr>
-          <a:lstStyle/>
-          <a:p>
-            <a:pPr algn="ctr"/>
-            <a:endParaRPr lang="en-US"/>
-          </a:p>
-        </p:txBody>
-      </p:sp>
-      <p:sp>
-        <p:nvSpPr>
-          <p:cNvPr id="57" name="Oval 56"/>
-          <p:cNvSpPr/>
-          <p:nvPr/>
-        </p:nvSpPr>
-        <p:spPr>
-          <a:xfrm>
-            <a:off x="11893520" y="1673543"/>
-            <a:ext cx="141730" cy="165792"/>
-          </a:xfrm>
-          <a:prstGeom prst="ellipse">
-            <a:avLst/>
-          </a:prstGeom>
-          <a:solidFill>
-            <a:srgbClr val="00B0F0"/>
-          </a:solidFill>
-          <a:scene3d>
-            <a:camera prst="orthographicFront"/>
-            <a:lightRig rig="threePt" dir="t"/>
-          </a:scene3d>
-          <a:sp3d>
-            <a:bevelT prst="angle"/>
-          </a:sp3d>
-        </p:spPr>
-        <p:style>
-          <a:lnRef idx="2">
-            <a:schemeClr val="accent1">
-              <a:shade val="50000"/>
-            </a:schemeClr>
-          </a:lnRef>
-          <a:fillRef idx="1">
-            <a:schemeClr val="accent1"/>
-          </a:fillRef>
-          <a:effectRef idx="0">
-            <a:schemeClr val="accent1"/>
-          </a:effectRef>
-          <a:fontRef idx="minor">
-            <a:schemeClr val="lt1"/>
-          </a:fontRef>
-        </p:style>
-        <p:txBody>
-          <a:bodyPr rtlCol="0" anchor="ctr">
-            <a:sp3d extrusionH="57150">
-              <a:bevelT w="38100" h="38100" prst="angle"/>
-            </a:sp3d>
-          </a:bodyPr>
-          <a:lstStyle/>
-          <a:p>
-            <a:pPr algn="ctr"/>
-            <a:endParaRPr lang="en-US"/>
-          </a:p>
-        </p:txBody>
-      </p:sp>
-      <p:sp>
-        <p:nvSpPr>
-          <p:cNvPr id="58" name="Rectangle 57"/>
-          <p:cNvSpPr/>
-          <p:nvPr/>
-        </p:nvSpPr>
-        <p:spPr>
-          <a:xfrm>
-            <a:off x="5328833" y="6585351"/>
-            <a:ext cx="1645920" cy="162560"/>
-          </a:xfrm>
-          <a:prstGeom prst="rect">
-            <a:avLst/>
-          </a:prstGeom>
-          <a:noFill/>
-          <a:ln>
-            <a:noFill/>
-          </a:ln>
-        </p:spPr>
-        <p:style>
-          <a:lnRef idx="2">
-            <a:schemeClr val="accent1">
-              <a:shade val="50000"/>
-            </a:schemeClr>
-          </a:lnRef>
-          <a:fillRef idx="1">
-            <a:schemeClr val="accent1"/>
-          </a:fillRef>
-          <a:effectRef idx="0">
-            <a:schemeClr val="accent1"/>
-          </a:effectRef>
-          <a:fontRef idx="minor">
-            <a:schemeClr val="lt1"/>
-          </a:fontRef>
-        </p:style>
-        <p:txBody>
-          <a:bodyPr rtlCol="0" anchor="ctr">
-            <a:scene3d>
-              <a:camera prst="orthographicFront"/>
-              <a:lightRig rig="threePt" dir="t"/>
-            </a:scene3d>
-            <a:sp3d extrusionH="57150">
-              <a:bevelT w="38100" h="38100" prst="angle"/>
-            </a:sp3d>
-          </a:bodyPr>
-          <a:lstStyle/>
-          <a:p>
-            <a:pPr algn="ctr"/>
-            <a:r>
-              <a:rPr lang="en-US" b="1" dirty="0" smtClean="0">
-                <a:solidFill>
-                  <a:schemeClr val="accent4"/>
-                </a:solidFill>
-              </a:rPr>
-              <a:t>&lt;</a:t>
-            </a:r>
-            <a:r>
-              <a:rPr lang="en-US" b="1" dirty="0" smtClean="0">
-                <a:solidFill>
-                  <a:schemeClr val="accent5"/>
-                </a:solidFill>
-              </a:rPr>
-              <a:t>/</a:t>
-            </a:r>
-            <a:r>
-              <a:rPr lang="en-US" b="1" dirty="0" smtClean="0">
-                <a:solidFill>
-                  <a:schemeClr val="accent4"/>
-                </a:solidFill>
-              </a:rPr>
-              <a:t>&gt;</a:t>
-            </a:r>
-            <a:endParaRPr lang="en-US" b="1" dirty="0">
-              <a:solidFill>
-                <a:schemeClr val="accent4"/>
-              </a:solidFill>
-            </a:endParaRPr>
-          </a:p>
-        </p:txBody>
-      </p:sp>
-      <p:pic>
-        <p:nvPicPr>
-          <p:cNvPr id="59" name="Picture 58"/>
-          <p:cNvPicPr>
-            <a:picLocks noChangeAspect="1"/>
-          </p:cNvPicPr>
-          <p:nvPr/>
-        </p:nvPicPr>
-        <p:blipFill>
-          <a:blip r:embed="rId3" cstate="print">
-            <a:extLst>
-              <a:ext uri="{28A0092B-C50C-407E-A947-70E740481C1C}">
-                <a14:useLocalDpi xmlns:a14="http://schemas.microsoft.com/office/drawing/2010/main" val="0"/>
-              </a:ext>
-            </a:extLst>
-          </a:blip>
-          <a:stretch>
-            <a:fillRect/>
-          </a:stretch>
-        </p:blipFill>
-        <p:spPr>
-          <a:xfrm>
-            <a:off x="10765708" y="-76228"/>
-            <a:ext cx="905168" cy="1014427"/>
-          </a:xfrm>
-          <a:prstGeom prst="rect">
-            <a:avLst/>
-          </a:prstGeom>
-        </p:spPr>
-      </p:pic>
-    </p:spTree>
-    <p:extLst>
-      <p:ext uri="{BB962C8B-B14F-4D97-AF65-F5344CB8AC3E}">
-        <p14:creationId xmlns:p14="http://schemas.microsoft.com/office/powerpoint/2010/main" val="1345273268"/>
-      </p:ext>
-    </p:extLst>
-  </p:cSld>
-  <p:clrMapOvr>
-    <a:masterClrMapping/>
-  </p:clrMapOvr>
-  <mc:AlternateContent xmlns:mc="http://schemas.openxmlformats.org/markup-compatibility/2006" xmlns:p14="http://schemas.microsoft.com/office/powerpoint/2010/main">
-    <mc:Choice Requires="p14">
-      <p:transition spd="slow" p14:dur="2000"/>
-    </mc:Choice>
-    <mc:Fallback xmlns="">
-      <p:transition spd="slow"/>
-    </mc:Fallback>
-  </mc:AlternateContent>
-  <p:timing>
-    <p:tnLst>
-      <p:par>
-        <p:cTn id="1" dur="indefinite" restart="never" nodeType="tmRoot"/>
-      </p:par>
-    </p:tnLst>
-  </p:timing>
-</p:sld>
-</file>
-
-<file path=ppt/slides/slide2.xml><?xml version="1.0" encoding="utf-8"?>
-<p:sld xmlns:a="http://schemas.openxmlformats.org/drawingml/2006/main" xmlns:r="http://schemas.openxmlformats.org/officeDocument/2006/relationships" xmlns:p="http://schemas.openxmlformats.org/presentationml/2006/main" show="0">
-  <p:cSld>
-    <p:spTree>
-      <p:nvGrpSpPr>
-        <p:cNvPr id="1" name=""/>
-        <p:cNvGrpSpPr/>
-        <p:nvPr/>
-      </p:nvGrpSpPr>
-      <p:grpSpPr>
-        <a:xfrm>
-          <a:off x="0" y="0"/>
-          <a:ext cx="0" cy="0"/>
-          <a:chOff x="0" y="0"/>
-          <a:chExt cx="0" cy="0"/>
-        </a:xfrm>
-      </p:grpSpPr>
-      <p:sp>
-        <p:nvSpPr>
           <p:cNvPr id="3" name="Rectangle 2"/>
           <p:cNvSpPr/>
           <p:nvPr/>
@@ -6854,8 +4134,8 @@
         </p:nvSpPr>
         <p:spPr>
           <a:xfrm>
-            <a:off x="3928174" y="2271853"/>
-            <a:ext cx="5389553" cy="3975840"/>
+            <a:off x="1013613" y="2663057"/>
+            <a:ext cx="5389553" cy="3319819"/>
           </a:xfrm>
           <a:prstGeom prst="rect">
             <a:avLst/>
@@ -6863,7 +4143,14 @@
         </p:spPr>
         <p:txBody>
           <a:bodyPr>
-            <a:normAutofit fontScale="77500" lnSpcReduction="20000"/>
+            <a:normAutofit/>
+            <a:scene3d>
+              <a:camera prst="orthographicFront"/>
+              <a:lightRig rig="threePt" dir="t"/>
+            </a:scene3d>
+            <a:sp3d extrusionH="57150">
+              <a:bevelT w="38100" h="38100" prst="angle"/>
+            </a:sp3d>
           </a:bodyPr>
           <a:lstStyle>
             <a:lvl1pPr marL="228600" indent="-228600" algn="l" defTabSz="914400" rtl="0" eaLnBrk="1" latinLnBrk="0" hangingPunct="1">
@@ -7035,7 +4322,7 @@
               <a:buAutoNum type="arabicPeriod"/>
             </a:pPr>
             <a:r>
-              <a:rPr lang="en-US" dirty="0" smtClean="0">
+              <a:rPr lang="en-US" sz="2000" dirty="0" smtClean="0">
                 <a:solidFill>
                   <a:schemeClr val="bg1"/>
                 </a:solidFill>
@@ -7049,7 +4336,7 @@
               <a:buAutoNum type="arabicPeriod"/>
             </a:pPr>
             <a:r>
-              <a:rPr lang="en-US" dirty="0" smtClean="0">
+              <a:rPr lang="en-US" sz="2000" dirty="0" smtClean="0">
                 <a:solidFill>
                   <a:schemeClr val="bg1"/>
                 </a:solidFill>
@@ -7057,7 +4344,7 @@
               <a:t>IRAKOZE Nicole </a:t>
             </a:r>
             <a:r>
-              <a:rPr lang="en-US" dirty="0" err="1" smtClean="0">
+              <a:rPr lang="en-US" sz="2000" dirty="0" err="1" smtClean="0">
                 <a:solidFill>
                   <a:schemeClr val="bg1"/>
                 </a:solidFill>
@@ -7065,14 +4352,14 @@
               <a:t>Promesse</a:t>
             </a:r>
             <a:r>
-              <a:rPr lang="en-US" dirty="0">
+              <a:rPr lang="en-US" sz="2000" dirty="0">
                 <a:solidFill>
                   <a:schemeClr val="bg1"/>
                 </a:solidFill>
               </a:rPr>
               <a:t> 29185</a:t>
             </a:r>
-            <a:endParaRPr lang="en-US" dirty="0" smtClean="0">
+            <a:endParaRPr lang="en-US" sz="2000" dirty="0" smtClean="0">
               <a:solidFill>
                 <a:schemeClr val="bg1"/>
               </a:solidFill>
@@ -7084,7 +4371,7 @@
               <a:buAutoNum type="arabicPeriod"/>
             </a:pPr>
             <a:r>
-              <a:rPr lang="en-US" dirty="0" err="1" smtClean="0">
+              <a:rPr lang="en-US" sz="2000" dirty="0" err="1" smtClean="0">
                 <a:solidFill>
                   <a:schemeClr val="bg1"/>
                 </a:solidFill>
@@ -7092,7 +4379,7 @@
               <a:t>Tumusabire</a:t>
             </a:r>
             <a:r>
-              <a:rPr lang="en-US" dirty="0" smtClean="0">
+              <a:rPr lang="en-US" sz="2000" dirty="0" smtClean="0">
                 <a:solidFill>
                   <a:schemeClr val="bg1"/>
                 </a:solidFill>
@@ -7100,7 +4387,7 @@
               <a:t> </a:t>
             </a:r>
             <a:r>
-              <a:rPr lang="en-US" dirty="0" err="1">
+              <a:rPr lang="en-US" sz="2000" dirty="0" err="1">
                 <a:solidFill>
                   <a:schemeClr val="bg1"/>
                 </a:solidFill>
@@ -7108,7 +4395,7 @@
               <a:t>E</a:t>
             </a:r>
             <a:r>
-              <a:rPr lang="en-US" dirty="0" err="1" smtClean="0">
+              <a:rPr lang="en-US" sz="2000" dirty="0" err="1" smtClean="0">
                 <a:solidFill>
                   <a:schemeClr val="bg1"/>
                 </a:solidFill>
@@ -7116,7 +4403,7 @@
               <a:t>mmerance</a:t>
             </a:r>
             <a:r>
-              <a:rPr lang="en-US" dirty="0" smtClean="0">
+              <a:rPr lang="en-US" sz="2000" dirty="0" smtClean="0">
                 <a:solidFill>
                   <a:schemeClr val="bg1"/>
                 </a:solidFill>
@@ -7130,7 +4417,7 @@
               <a:buAutoNum type="arabicPeriod"/>
             </a:pPr>
             <a:r>
-              <a:rPr lang="en-US" dirty="0" err="1" smtClean="0">
+              <a:rPr lang="en-US" sz="2000" dirty="0" err="1" smtClean="0">
                 <a:solidFill>
                   <a:schemeClr val="bg1"/>
                 </a:solidFill>
@@ -7138,13 +4425,26 @@
               <a:t>Ikirezi</a:t>
             </a:r>
             <a:r>
-              <a:rPr lang="en-US" dirty="0" smtClean="0">
+              <a:rPr lang="en-US" sz="2000" dirty="0" smtClean="0">
                 <a:solidFill>
                   <a:schemeClr val="bg1"/>
                 </a:solidFill>
               </a:rPr>
-              <a:t> Gloria</a:t>
-            </a:r>
+              <a:t> </a:t>
+            </a:r>
+            <a:r>
+              <a:rPr lang="en-US" sz="2000" dirty="0">
+                <a:solidFill>
+                  <a:schemeClr val="bg1"/>
+                </a:solidFill>
+              </a:rPr>
+              <a:t>Gloria 29118</a:t>
+            </a:r>
+            <a:endParaRPr lang="en-US" sz="2000" dirty="0" smtClean="0">
+              <a:solidFill>
+                <a:schemeClr val="bg1"/>
+              </a:solidFill>
+            </a:endParaRPr>
           </a:p>
           <a:p>
             <a:pPr marL="514350" indent="-514350">
@@ -7152,7 +4452,7 @@
               <a:buAutoNum type="arabicPeriod"/>
             </a:pPr>
             <a:r>
-              <a:rPr lang="en-US" dirty="0" err="1" smtClean="0">
+              <a:rPr lang="en-US" sz="2000" dirty="0" err="1" smtClean="0">
                 <a:solidFill>
                   <a:schemeClr val="bg1"/>
                 </a:solidFill>
@@ -7160,7 +4460,7 @@
               <a:t>Ishimwe</a:t>
             </a:r>
             <a:r>
-              <a:rPr lang="en-US" dirty="0" smtClean="0">
+              <a:rPr lang="en-US" sz="2000" dirty="0" smtClean="0">
                 <a:solidFill>
                   <a:schemeClr val="bg1"/>
                 </a:solidFill>
@@ -7168,14 +4468,22 @@
               <a:t> Shema </a:t>
             </a:r>
             <a:r>
-              <a:rPr lang="en-US" dirty="0" err="1" smtClean="0">
+              <a:rPr lang="en-US" sz="2000" dirty="0" err="1" smtClean="0">
                 <a:solidFill>
                   <a:schemeClr val="bg1"/>
                 </a:solidFill>
               </a:rPr>
               <a:t>Gentil</a:t>
             </a:r>
-            <a:endParaRPr lang="en-US" dirty="0" smtClean="0">
+            <a:r>
+              <a:rPr lang="en-US" sz="2000" dirty="0">
+                <a:solidFill>
+                  <a:schemeClr val="bg1"/>
+                </a:solidFill>
+              </a:rPr>
+              <a:t> 29760</a:t>
+            </a:r>
+            <a:endParaRPr lang="en-US" sz="2000" dirty="0" smtClean="0">
               <a:solidFill>
                 <a:schemeClr val="bg1"/>
               </a:solidFill>
@@ -7187,251 +4495,21 @@
               <a:buAutoNum type="arabicPeriod"/>
             </a:pPr>
             <a:r>
-              <a:rPr lang="en-US" dirty="0">
+              <a:rPr lang="en-US" sz="2000" dirty="0">
                 <a:solidFill>
                   <a:schemeClr val="bg1"/>
                 </a:solidFill>
               </a:rPr>
-              <a:t>NISHIMWE Prosper 28926</a:t>
-            </a:r>
-            <a:endParaRPr lang="en-US" dirty="0" smtClean="0">
-              <a:solidFill>
-                <a:schemeClr val="bg1"/>
-              </a:solidFill>
-            </a:endParaRPr>
-          </a:p>
-          <a:p>
-            <a:pPr marL="514350" indent="-514350">
-              <a:buFont typeface="Arial" panose="020B0604020202020204" pitchFamily="34" charset="0"/>
-              <a:buAutoNum type="arabicPeriod"/>
-            </a:pPr>
-            <a:r>
-              <a:rPr lang="en-US" dirty="0" smtClean="0">
+              <a:t>NISHIMWE Prosper </a:t>
+            </a:r>
+            <a:r>
+              <a:rPr lang="en-US" sz="2000" dirty="0" smtClean="0">
                 <a:solidFill>
                   <a:schemeClr val="bg1"/>
                 </a:solidFill>
               </a:rPr>
-              <a:t>⁠</a:t>
-            </a:r>
-            <a:r>
-              <a:rPr lang="en-US" dirty="0" err="1" smtClean="0">
-                <a:solidFill>
-                  <a:schemeClr val="bg1"/>
-                </a:solidFill>
-              </a:rPr>
-              <a:t>Abijuru</a:t>
-            </a:r>
-            <a:r>
-              <a:rPr lang="en-US" dirty="0" smtClean="0">
-                <a:solidFill>
-                  <a:schemeClr val="bg1"/>
-                </a:solidFill>
-              </a:rPr>
-              <a:t> Annabelle Marie </a:t>
-            </a:r>
-            <a:r>
-              <a:rPr lang="en-US" dirty="0">
-                <a:solidFill>
-                  <a:schemeClr val="bg1"/>
-                </a:solidFill>
-              </a:rPr>
-              <a:t>Pierre 28929</a:t>
-            </a:r>
-            <a:endParaRPr lang="en-US" dirty="0" smtClean="0">
-              <a:solidFill>
-                <a:schemeClr val="bg1"/>
-              </a:solidFill>
-            </a:endParaRPr>
-          </a:p>
-          <a:p>
-            <a:pPr marL="514350" indent="-514350">
-              <a:buFont typeface="Arial" panose="020B0604020202020204" pitchFamily="34" charset="0"/>
-              <a:buAutoNum type="arabicPeriod"/>
-            </a:pPr>
-            <a:r>
-              <a:rPr lang="en-US" dirty="0" err="1" smtClean="0">
-                <a:solidFill>
-                  <a:schemeClr val="bg1"/>
-                </a:solidFill>
-              </a:rPr>
-              <a:t>Mbonizana</a:t>
-            </a:r>
-            <a:r>
-              <a:rPr lang="en-US" dirty="0" smtClean="0">
-                <a:solidFill>
-                  <a:schemeClr val="bg1"/>
-                </a:solidFill>
-              </a:rPr>
-              <a:t> </a:t>
-            </a:r>
-            <a:r>
-              <a:rPr lang="en-US" dirty="0">
-                <a:solidFill>
-                  <a:schemeClr val="bg1"/>
-                </a:solidFill>
-              </a:rPr>
-              <a:t>Augustin 28862</a:t>
-            </a:r>
-            <a:endParaRPr lang="en-US" dirty="0" smtClean="0">
-              <a:solidFill>
-                <a:schemeClr val="bg1"/>
-              </a:solidFill>
-            </a:endParaRPr>
-          </a:p>
-          <a:p>
-            <a:pPr marL="514350" indent="-514350">
-              <a:buFont typeface="Arial" panose="020B0604020202020204" pitchFamily="34" charset="0"/>
-              <a:buAutoNum type="arabicPeriod"/>
-            </a:pPr>
-            <a:r>
-              <a:rPr lang="en-US" dirty="0" smtClean="0">
-                <a:solidFill>
-                  <a:schemeClr val="bg1"/>
-                </a:solidFill>
-              </a:rPr>
-              <a:t>⁠</a:t>
-            </a:r>
-            <a:r>
-              <a:rPr lang="en-US" dirty="0" err="1" smtClean="0">
-                <a:solidFill>
-                  <a:schemeClr val="bg1"/>
-                </a:solidFill>
-              </a:rPr>
-              <a:t>Mucyo</a:t>
-            </a:r>
-            <a:r>
-              <a:rPr lang="en-US" dirty="0" smtClean="0">
-                <a:solidFill>
-                  <a:schemeClr val="bg1"/>
-                </a:solidFill>
-              </a:rPr>
-              <a:t> </a:t>
-            </a:r>
-            <a:r>
-              <a:rPr lang="en-US" dirty="0" err="1" smtClean="0">
-                <a:solidFill>
-                  <a:schemeClr val="bg1"/>
-                </a:solidFill>
-              </a:rPr>
-              <a:t>Fabrice</a:t>
-            </a:r>
-            <a:r>
-              <a:rPr lang="en-US" dirty="0" smtClean="0">
-                <a:solidFill>
-                  <a:schemeClr val="bg1"/>
-                </a:solidFill>
-              </a:rPr>
-              <a:t> </a:t>
-            </a:r>
-            <a:r>
-              <a:rPr lang="en-US" b="1" dirty="0">
-                <a:solidFill>
-                  <a:schemeClr val="bg1"/>
-                </a:solidFill>
-                <a:effectLst>
-                  <a:outerShdw blurRad="38100" dist="38100" dir="2700000" algn="tl">
-                    <a:srgbClr val="000000">
-                      <a:alpha val="43137"/>
-                    </a:srgbClr>
-                  </a:outerShdw>
-                </a:effectLst>
-              </a:rPr>
-              <a:t>27565</a:t>
-            </a:r>
-            <a:endParaRPr lang="en-US" dirty="0" smtClean="0">
-              <a:solidFill>
-                <a:schemeClr val="bg1"/>
-              </a:solidFill>
-            </a:endParaRPr>
-          </a:p>
-          <a:p>
-            <a:pPr marL="514350" indent="-514350">
-              <a:buFont typeface="Arial" panose="020B0604020202020204" pitchFamily="34" charset="0"/>
-              <a:buAutoNum type="arabicPeriod"/>
-            </a:pPr>
-            <a:r>
-              <a:rPr lang="en-US" dirty="0" err="1" smtClean="0">
-                <a:solidFill>
-                  <a:schemeClr val="bg1"/>
-                </a:solidFill>
-              </a:rPr>
-              <a:t>Kayonde</a:t>
-            </a:r>
-            <a:r>
-              <a:rPr lang="en-US" dirty="0" smtClean="0">
-                <a:solidFill>
-                  <a:schemeClr val="bg1"/>
-                </a:solidFill>
-              </a:rPr>
-              <a:t> Dan Brian 29107</a:t>
-            </a:r>
-          </a:p>
-          <a:p>
-            <a:pPr marL="514350" indent="-514350">
-              <a:buFont typeface="Arial" panose="020B0604020202020204" pitchFamily="34" charset="0"/>
-              <a:buAutoNum type="arabicPeriod"/>
-            </a:pPr>
-            <a:r>
-              <a:rPr lang="en-US" dirty="0" smtClean="0">
-                <a:solidFill>
-                  <a:schemeClr val="bg1"/>
-                </a:solidFill>
-              </a:rPr>
-              <a:t>⁠</a:t>
-            </a:r>
-            <a:r>
-              <a:rPr lang="en-US" dirty="0" err="1" smtClean="0">
-                <a:solidFill>
-                  <a:schemeClr val="bg1"/>
-                </a:solidFill>
-              </a:rPr>
-              <a:t>Uwera</a:t>
-            </a:r>
-            <a:r>
-              <a:rPr lang="en-US" dirty="0" smtClean="0">
-                <a:solidFill>
-                  <a:schemeClr val="bg1"/>
-                </a:solidFill>
-              </a:rPr>
-              <a:t> </a:t>
-            </a:r>
-            <a:r>
-              <a:rPr lang="en-US" dirty="0" err="1" smtClean="0">
-                <a:solidFill>
-                  <a:schemeClr val="bg1"/>
-                </a:solidFill>
-              </a:rPr>
-              <a:t>Mubiligi</a:t>
-            </a:r>
-            <a:r>
-              <a:rPr lang="en-US" dirty="0" smtClean="0">
-                <a:solidFill>
-                  <a:schemeClr val="bg1"/>
-                </a:solidFill>
-              </a:rPr>
-              <a:t> </a:t>
-            </a:r>
-            <a:r>
-              <a:rPr lang="en-US" dirty="0" err="1" smtClean="0">
-                <a:solidFill>
-                  <a:schemeClr val="bg1"/>
-                </a:solidFill>
-              </a:rPr>
-              <a:t>Josiane</a:t>
-            </a:r>
-            <a:r>
-              <a:rPr lang="en-US" dirty="0" smtClean="0">
-                <a:solidFill>
-                  <a:schemeClr val="bg1"/>
-                </a:solidFill>
-              </a:rPr>
-              <a:t> 28205</a:t>
-            </a:r>
-            <a:endParaRPr lang="en-US" dirty="0">
-              <a:solidFill>
-                <a:schemeClr val="bg1"/>
-              </a:solidFill>
-            </a:endParaRPr>
+              <a:t>28926</a:t>
+            </a:r>
           </a:p>
         </p:txBody>
       </p:sp>
@@ -7444,7 +4522,7 @@
         <p:spPr>
           <a:xfrm>
             <a:off x="5144846" y="6429077"/>
-            <a:ext cx="1645920" cy="162560"/>
+            <a:ext cx="1645920" cy="86023"/>
           </a:xfrm>
           <a:prstGeom prst="rect">
             <a:avLst/>
@@ -7545,6 +4623,433 @@
           </a:prstGeom>
         </p:spPr>
       </p:pic>
+      <p:sp>
+        <p:nvSpPr>
+          <p:cNvPr id="21" name="Content Placeholder 5"/>
+          <p:cNvSpPr txBox="1">
+            <a:spLocks/>
+          </p:cNvSpPr>
+          <p:nvPr/>
+        </p:nvSpPr>
+        <p:spPr>
+          <a:xfrm>
+            <a:off x="6385401" y="2846884"/>
+            <a:ext cx="5389553" cy="3206696"/>
+          </a:xfrm>
+          <a:prstGeom prst="rect">
+            <a:avLst/>
+          </a:prstGeom>
+        </p:spPr>
+        <p:txBody>
+          <a:bodyPr>
+            <a:normAutofit/>
+            <a:scene3d>
+              <a:camera prst="orthographicFront"/>
+              <a:lightRig rig="threePt" dir="t"/>
+            </a:scene3d>
+            <a:sp3d extrusionH="57150">
+              <a:bevelT w="38100" h="38100" prst="angle"/>
+            </a:sp3d>
+          </a:bodyPr>
+          <a:lstStyle>
+            <a:lvl1pPr marL="228600" indent="-228600" algn="l" defTabSz="914400" rtl="0" eaLnBrk="1" latinLnBrk="0" hangingPunct="1">
+              <a:lnSpc>
+                <a:spcPct val="90000"/>
+              </a:lnSpc>
+              <a:spcBef>
+                <a:spcPts val="1000"/>
+              </a:spcBef>
+              <a:buFont typeface="Arial" panose="020B0604020202020204" pitchFamily="34" charset="0"/>
+              <a:buChar char="•"/>
+              <a:defRPr sz="2800" kern="1200">
+                <a:solidFill>
+                  <a:schemeClr val="tx1"/>
+                </a:solidFill>
+                <a:latin typeface="+mn-lt"/>
+                <a:ea typeface="+mn-ea"/>
+                <a:cs typeface="+mn-cs"/>
+              </a:defRPr>
+            </a:lvl1pPr>
+            <a:lvl2pPr marL="685800" indent="-228600" algn="l" defTabSz="914400" rtl="0" eaLnBrk="1" latinLnBrk="0" hangingPunct="1">
+              <a:lnSpc>
+                <a:spcPct val="90000"/>
+              </a:lnSpc>
+              <a:spcBef>
+                <a:spcPts val="500"/>
+              </a:spcBef>
+              <a:buFont typeface="Arial" panose="020B0604020202020204" pitchFamily="34" charset="0"/>
+              <a:buChar char="•"/>
+              <a:defRPr sz="2400" kern="1200">
+                <a:solidFill>
+                  <a:schemeClr val="tx1"/>
+                </a:solidFill>
+                <a:latin typeface="+mn-lt"/>
+                <a:ea typeface="+mn-ea"/>
+                <a:cs typeface="+mn-cs"/>
+              </a:defRPr>
+            </a:lvl2pPr>
+            <a:lvl3pPr marL="1143000" indent="-228600" algn="l" defTabSz="914400" rtl="0" eaLnBrk="1" latinLnBrk="0" hangingPunct="1">
+              <a:lnSpc>
+                <a:spcPct val="90000"/>
+              </a:lnSpc>
+              <a:spcBef>
+                <a:spcPts val="500"/>
+              </a:spcBef>
+              <a:buFont typeface="Arial" panose="020B0604020202020204" pitchFamily="34" charset="0"/>
+              <a:buChar char="•"/>
+              <a:defRPr sz="2000" kern="1200">
+                <a:solidFill>
+                  <a:schemeClr val="tx1"/>
+                </a:solidFill>
+                <a:latin typeface="+mn-lt"/>
+                <a:ea typeface="+mn-ea"/>
+                <a:cs typeface="+mn-cs"/>
+              </a:defRPr>
+            </a:lvl3pPr>
+            <a:lvl4pPr marL="1600200" indent="-228600" algn="l" defTabSz="914400" rtl="0" eaLnBrk="1" latinLnBrk="0" hangingPunct="1">
+              <a:lnSpc>
+                <a:spcPct val="90000"/>
+              </a:lnSpc>
+              <a:spcBef>
+                <a:spcPts val="500"/>
+              </a:spcBef>
+              <a:buFont typeface="Arial" panose="020B0604020202020204" pitchFamily="34" charset="0"/>
+              <a:buChar char="•"/>
+              <a:defRPr sz="1800" kern="1200">
+                <a:solidFill>
+                  <a:schemeClr val="tx1"/>
+                </a:solidFill>
+                <a:latin typeface="+mn-lt"/>
+                <a:ea typeface="+mn-ea"/>
+                <a:cs typeface="+mn-cs"/>
+              </a:defRPr>
+            </a:lvl4pPr>
+            <a:lvl5pPr marL="2057400" indent="-228600" algn="l" defTabSz="914400" rtl="0" eaLnBrk="1" latinLnBrk="0" hangingPunct="1">
+              <a:lnSpc>
+                <a:spcPct val="90000"/>
+              </a:lnSpc>
+              <a:spcBef>
+                <a:spcPts val="500"/>
+              </a:spcBef>
+              <a:buFont typeface="Arial" panose="020B0604020202020204" pitchFamily="34" charset="0"/>
+              <a:buChar char="•"/>
+              <a:defRPr sz="1800" kern="1200">
+                <a:solidFill>
+                  <a:schemeClr val="tx1"/>
+                </a:solidFill>
+                <a:latin typeface="+mn-lt"/>
+                <a:ea typeface="+mn-ea"/>
+                <a:cs typeface="+mn-cs"/>
+              </a:defRPr>
+            </a:lvl5pPr>
+            <a:lvl6pPr marL="2514600" indent="-228600" algn="l" defTabSz="914400" rtl="0" eaLnBrk="1" latinLnBrk="0" hangingPunct="1">
+              <a:lnSpc>
+                <a:spcPct val="90000"/>
+              </a:lnSpc>
+              <a:spcBef>
+                <a:spcPts val="500"/>
+              </a:spcBef>
+              <a:buFont typeface="Arial" panose="020B0604020202020204" pitchFamily="34" charset="0"/>
+              <a:buChar char="•"/>
+              <a:defRPr sz="1800" kern="1200">
+                <a:solidFill>
+                  <a:schemeClr val="tx1"/>
+                </a:solidFill>
+                <a:latin typeface="+mn-lt"/>
+                <a:ea typeface="+mn-ea"/>
+                <a:cs typeface="+mn-cs"/>
+              </a:defRPr>
+            </a:lvl6pPr>
+            <a:lvl7pPr marL="2971800" indent="-228600" algn="l" defTabSz="914400" rtl="0" eaLnBrk="1" latinLnBrk="0" hangingPunct="1">
+              <a:lnSpc>
+                <a:spcPct val="90000"/>
+              </a:lnSpc>
+              <a:spcBef>
+                <a:spcPts val="500"/>
+              </a:spcBef>
+              <a:buFont typeface="Arial" panose="020B0604020202020204" pitchFamily="34" charset="0"/>
+              <a:buChar char="•"/>
+              <a:defRPr sz="1800" kern="1200">
+                <a:solidFill>
+                  <a:schemeClr val="tx1"/>
+                </a:solidFill>
+                <a:latin typeface="+mn-lt"/>
+                <a:ea typeface="+mn-ea"/>
+                <a:cs typeface="+mn-cs"/>
+              </a:defRPr>
+            </a:lvl7pPr>
+            <a:lvl8pPr marL="3429000" indent="-228600" algn="l" defTabSz="914400" rtl="0" eaLnBrk="1" latinLnBrk="0" hangingPunct="1">
+              <a:lnSpc>
+                <a:spcPct val="90000"/>
+              </a:lnSpc>
+              <a:spcBef>
+                <a:spcPts val="500"/>
+              </a:spcBef>
+              <a:buFont typeface="Arial" panose="020B0604020202020204" pitchFamily="34" charset="0"/>
+              <a:buChar char="•"/>
+              <a:defRPr sz="1800" kern="1200">
+                <a:solidFill>
+                  <a:schemeClr val="tx1"/>
+                </a:solidFill>
+                <a:latin typeface="+mn-lt"/>
+                <a:ea typeface="+mn-ea"/>
+                <a:cs typeface="+mn-cs"/>
+              </a:defRPr>
+            </a:lvl8pPr>
+            <a:lvl9pPr marL="3886200" indent="-228600" algn="l" defTabSz="914400" rtl="0" eaLnBrk="1" latinLnBrk="0" hangingPunct="1">
+              <a:lnSpc>
+                <a:spcPct val="90000"/>
+              </a:lnSpc>
+              <a:spcBef>
+                <a:spcPts val="500"/>
+              </a:spcBef>
+              <a:buFont typeface="Arial" panose="020B0604020202020204" pitchFamily="34" charset="0"/>
+              <a:buChar char="•"/>
+              <a:defRPr sz="1800" kern="1200">
+                <a:solidFill>
+                  <a:schemeClr val="tx1"/>
+                </a:solidFill>
+                <a:latin typeface="+mn-lt"/>
+                <a:ea typeface="+mn-ea"/>
+                <a:cs typeface="+mn-cs"/>
+              </a:defRPr>
+            </a:lvl9pPr>
+          </a:lstStyle>
+          <a:p>
+            <a:pPr marL="514350" indent="-514350">
+              <a:buFont typeface="+mj-lt"/>
+              <a:buAutoNum type="arabicPeriod" startAt="7"/>
+            </a:pPr>
+            <a:r>
+              <a:rPr lang="en-US" sz="2000" dirty="0" smtClean="0">
+                <a:solidFill>
+                  <a:schemeClr val="bg1"/>
+                </a:solidFill>
+              </a:rPr>
+              <a:t>⁠</a:t>
+            </a:r>
+            <a:r>
+              <a:rPr lang="en-US" sz="2000" dirty="0" err="1" smtClean="0">
+                <a:solidFill>
+                  <a:schemeClr val="bg1"/>
+                </a:solidFill>
+              </a:rPr>
+              <a:t>Abijuru</a:t>
+            </a:r>
+            <a:r>
+              <a:rPr lang="en-US" sz="2000" dirty="0" smtClean="0">
+                <a:solidFill>
+                  <a:schemeClr val="bg1"/>
+                </a:solidFill>
+              </a:rPr>
+              <a:t> Annabelle Marie </a:t>
+            </a:r>
+            <a:r>
+              <a:rPr lang="en-US" sz="2000" dirty="0">
+                <a:solidFill>
+                  <a:schemeClr val="bg1"/>
+                </a:solidFill>
+              </a:rPr>
+              <a:t>Pierre 28929</a:t>
+            </a:r>
+            <a:endParaRPr lang="en-US" sz="2000" dirty="0" smtClean="0">
+              <a:solidFill>
+                <a:schemeClr val="bg1"/>
+              </a:solidFill>
+            </a:endParaRPr>
+          </a:p>
+          <a:p>
+            <a:pPr marL="514350" indent="-514350">
+              <a:buFont typeface="+mj-lt"/>
+              <a:buAutoNum type="arabicPeriod" startAt="7"/>
+            </a:pPr>
+            <a:r>
+              <a:rPr lang="en-US" sz="2000" dirty="0" err="1" smtClean="0">
+                <a:solidFill>
+                  <a:schemeClr val="bg1"/>
+                </a:solidFill>
+              </a:rPr>
+              <a:t>Mbonizana</a:t>
+            </a:r>
+            <a:r>
+              <a:rPr lang="en-US" sz="2000" dirty="0" smtClean="0">
+                <a:solidFill>
+                  <a:schemeClr val="bg1"/>
+                </a:solidFill>
+              </a:rPr>
+              <a:t> </a:t>
+            </a:r>
+            <a:r>
+              <a:rPr lang="en-US" sz="2000" dirty="0">
+                <a:solidFill>
+                  <a:schemeClr val="bg1"/>
+                </a:solidFill>
+              </a:rPr>
+              <a:t>Augustin 28862</a:t>
+            </a:r>
+            <a:endParaRPr lang="en-US" sz="2000" dirty="0" smtClean="0">
+              <a:solidFill>
+                <a:schemeClr val="bg1"/>
+              </a:solidFill>
+            </a:endParaRPr>
+          </a:p>
+          <a:p>
+            <a:pPr marL="514350" indent="-514350">
+              <a:buFont typeface="+mj-lt"/>
+              <a:buAutoNum type="arabicPeriod" startAt="7"/>
+            </a:pPr>
+            <a:r>
+              <a:rPr lang="en-US" sz="2000" dirty="0" smtClean="0">
+                <a:solidFill>
+                  <a:schemeClr val="bg1"/>
+                </a:solidFill>
+              </a:rPr>
+              <a:t>⁠</a:t>
+            </a:r>
+            <a:r>
+              <a:rPr lang="en-US" sz="2000" dirty="0" err="1" smtClean="0">
+                <a:solidFill>
+                  <a:schemeClr val="bg1"/>
+                </a:solidFill>
+              </a:rPr>
+              <a:t>Mucyo</a:t>
+            </a:r>
+            <a:r>
+              <a:rPr lang="en-US" sz="2000" dirty="0" smtClean="0">
+                <a:solidFill>
+                  <a:schemeClr val="bg1"/>
+                </a:solidFill>
+              </a:rPr>
+              <a:t> </a:t>
+            </a:r>
+            <a:r>
+              <a:rPr lang="en-US" sz="2000" dirty="0" err="1" smtClean="0">
+                <a:solidFill>
+                  <a:schemeClr val="bg1"/>
+                </a:solidFill>
+              </a:rPr>
+              <a:t>Fabrice</a:t>
+            </a:r>
+            <a:r>
+              <a:rPr lang="en-US" sz="2000" dirty="0" smtClean="0">
+                <a:solidFill>
+                  <a:schemeClr val="bg1"/>
+                </a:solidFill>
+              </a:rPr>
+              <a:t> </a:t>
+            </a:r>
+            <a:r>
+              <a:rPr lang="en-US" sz="2000" dirty="0">
+                <a:solidFill>
+                  <a:schemeClr val="bg1"/>
+                </a:solidFill>
+                <a:effectLst>
+                  <a:outerShdw blurRad="38100" dist="38100" dir="2700000" algn="tl">
+                    <a:srgbClr val="000000">
+                      <a:alpha val="43137"/>
+                    </a:srgbClr>
+                  </a:outerShdw>
+                </a:effectLst>
+              </a:rPr>
+              <a:t>27565</a:t>
+            </a:r>
+            <a:endParaRPr lang="en-US" sz="2000" dirty="0" smtClean="0">
+              <a:solidFill>
+                <a:schemeClr val="bg1"/>
+              </a:solidFill>
+            </a:endParaRPr>
+          </a:p>
+          <a:p>
+            <a:pPr marL="514350" indent="-514350">
+              <a:buFont typeface="+mj-lt"/>
+              <a:buAutoNum type="arabicPeriod" startAt="7"/>
+            </a:pPr>
+            <a:r>
+              <a:rPr lang="en-US" sz="2000" dirty="0" err="1" smtClean="0">
+                <a:solidFill>
+                  <a:schemeClr val="bg1"/>
+                </a:solidFill>
+              </a:rPr>
+              <a:t>Kayonde</a:t>
+            </a:r>
+            <a:r>
+              <a:rPr lang="en-US" sz="2000" dirty="0" smtClean="0">
+                <a:solidFill>
+                  <a:schemeClr val="bg1"/>
+                </a:solidFill>
+              </a:rPr>
+              <a:t> Dan Brian 29107</a:t>
+            </a:r>
+          </a:p>
+          <a:p>
+            <a:pPr marL="514350" indent="-514350">
+              <a:buFont typeface="+mj-lt"/>
+              <a:buAutoNum type="arabicPeriod" startAt="7"/>
+            </a:pPr>
+            <a:r>
+              <a:rPr lang="en-US" sz="2000" dirty="0" smtClean="0">
+                <a:solidFill>
+                  <a:schemeClr val="bg1"/>
+                </a:solidFill>
+              </a:rPr>
+              <a:t>⁠</a:t>
+            </a:r>
+            <a:r>
+              <a:rPr lang="en-US" sz="2000" dirty="0" err="1" smtClean="0">
+                <a:solidFill>
+                  <a:schemeClr val="bg1"/>
+                </a:solidFill>
+              </a:rPr>
+              <a:t>Uwera</a:t>
+            </a:r>
+            <a:r>
+              <a:rPr lang="en-US" sz="2000" dirty="0" smtClean="0">
+                <a:solidFill>
+                  <a:schemeClr val="bg1"/>
+                </a:solidFill>
+              </a:rPr>
+              <a:t> </a:t>
+            </a:r>
+            <a:r>
+              <a:rPr lang="en-US" sz="2000" dirty="0" err="1" smtClean="0">
+                <a:solidFill>
+                  <a:schemeClr val="bg1"/>
+                </a:solidFill>
+              </a:rPr>
+              <a:t>Mubiligi</a:t>
+            </a:r>
+            <a:r>
+              <a:rPr lang="en-US" sz="2000" dirty="0" smtClean="0">
+                <a:solidFill>
+                  <a:schemeClr val="bg1"/>
+                </a:solidFill>
+              </a:rPr>
+              <a:t> </a:t>
+            </a:r>
+            <a:r>
+              <a:rPr lang="en-US" sz="2000" dirty="0" err="1" smtClean="0">
+                <a:solidFill>
+                  <a:schemeClr val="bg1"/>
+                </a:solidFill>
+              </a:rPr>
+              <a:t>Josiane</a:t>
+            </a:r>
+            <a:r>
+              <a:rPr lang="en-US" sz="2000" dirty="0" smtClean="0">
+                <a:solidFill>
+                  <a:schemeClr val="bg1"/>
+                </a:solidFill>
+              </a:rPr>
+              <a:t> 28205</a:t>
+            </a:r>
+            <a:endParaRPr lang="en-US" sz="2000" dirty="0">
+              <a:solidFill>
+                <a:schemeClr val="bg1"/>
+              </a:solidFill>
+            </a:endParaRPr>
+          </a:p>
+        </p:txBody>
+      </p:sp>
     </p:spTree>
     <p:extLst>
       <p:ext uri="{BB962C8B-B14F-4D97-AF65-F5344CB8AC3E}">
@@ -7566,14 +5071,186 @@
   <p:timing>
     <p:tnLst>
       <p:par>
-        <p:cTn id="1" dur="indefinite" restart="never" nodeType="tmRoot"/>
+        <p:cTn id="1" dur="indefinite" restart="never" nodeType="tmRoot">
+          <p:childTnLst>
+            <p:seq concurrent="1" nextAc="seek">
+              <p:cTn id="2" dur="indefinite" nodeType="mainSeq">
+                <p:childTnLst>
+                  <p:par>
+                    <p:cTn id="3" fill="hold">
+                      <p:stCondLst>
+                        <p:cond delay="indefinite"/>
+                        <p:cond evt="onBegin" delay="0">
+                          <p:tn val="2"/>
+                        </p:cond>
+                      </p:stCondLst>
+                      <p:childTnLst>
+                        <p:par>
+                          <p:cTn id="4" fill="hold">
+                            <p:stCondLst>
+                              <p:cond delay="0"/>
+                            </p:stCondLst>
+                            <p:childTnLst>
+                              <p:par>
+                                <p:cTn id="5" presetID="32" presetClass="emph" presetSubtype="0" repeatCount="indefinite" fill="hold" nodeType="withEffect">
+                                  <p:stCondLst>
+                                    <p:cond delay="0"/>
+                                  </p:stCondLst>
+                                  <p:childTnLst>
+                                    <p:animRot by="120000">
+                                      <p:cBhvr>
+                                        <p:cTn id="6" dur="475" fill="hold">
+                                          <p:stCondLst>
+                                            <p:cond delay="0"/>
+                                          </p:stCondLst>
+                                        </p:cTn>
+                                        <p:tgtEl>
+                                          <p:spTgt spid="25"/>
+                                        </p:tgtEl>
+                                        <p:attrNameLst>
+                                          <p:attrName>r</p:attrName>
+                                        </p:attrNameLst>
+                                      </p:cBhvr>
+                                    </p:animRot>
+                                    <p:animRot by="-240000">
+                                      <p:cBhvr>
+                                        <p:cTn id="7" dur="950" fill="hold">
+                                          <p:stCondLst>
+                                            <p:cond delay="950"/>
+                                          </p:stCondLst>
+                                        </p:cTn>
+                                        <p:tgtEl>
+                                          <p:spTgt spid="25"/>
+                                        </p:tgtEl>
+                                        <p:attrNameLst>
+                                          <p:attrName>r</p:attrName>
+                                        </p:attrNameLst>
+                                      </p:cBhvr>
+                                    </p:animRot>
+                                    <p:animRot by="240000">
+                                      <p:cBhvr>
+                                        <p:cTn id="8" dur="950" fill="hold">
+                                          <p:stCondLst>
+                                            <p:cond delay="1900"/>
+                                          </p:stCondLst>
+                                        </p:cTn>
+                                        <p:tgtEl>
+                                          <p:spTgt spid="25"/>
+                                        </p:tgtEl>
+                                        <p:attrNameLst>
+                                          <p:attrName>r</p:attrName>
+                                        </p:attrNameLst>
+                                      </p:cBhvr>
+                                    </p:animRot>
+                                    <p:animRot by="-240000">
+                                      <p:cBhvr>
+                                        <p:cTn id="9" dur="950" fill="hold">
+                                          <p:stCondLst>
+                                            <p:cond delay="2850"/>
+                                          </p:stCondLst>
+                                        </p:cTn>
+                                        <p:tgtEl>
+                                          <p:spTgt spid="25"/>
+                                        </p:tgtEl>
+                                        <p:attrNameLst>
+                                          <p:attrName>r</p:attrName>
+                                        </p:attrNameLst>
+                                      </p:cBhvr>
+                                    </p:animRot>
+                                    <p:animRot by="120000">
+                                      <p:cBhvr>
+                                        <p:cTn id="10" dur="950" fill="hold">
+                                          <p:stCondLst>
+                                            <p:cond delay="3800"/>
+                                          </p:stCondLst>
+                                        </p:cTn>
+                                        <p:tgtEl>
+                                          <p:spTgt spid="25"/>
+                                        </p:tgtEl>
+                                        <p:attrNameLst>
+                                          <p:attrName>r</p:attrName>
+                                        </p:attrNameLst>
+                                      </p:cBhvr>
+                                    </p:animRot>
+                                  </p:childTnLst>
+                                </p:cTn>
+                              </p:par>
+                              <p:par>
+                                <p:cTn id="11" presetID="8" presetClass="emph" presetSubtype="0" repeatCount="300000" fill="hold" grpId="0" nodeType="withEffect">
+                                  <p:stCondLst>
+                                    <p:cond delay="0"/>
+                                  </p:stCondLst>
+                                  <p:childTnLst>
+                                    <p:animRot by="21600000">
+                                      <p:cBhvr>
+                                        <p:cTn id="12" dur="3000" fill="hold"/>
+                                        <p:tgtEl>
+                                          <p:spTgt spid="11"/>
+                                        </p:tgtEl>
+                                        <p:attrNameLst>
+                                          <p:attrName>r</p:attrName>
+                                        </p:attrNameLst>
+                                      </p:cBhvr>
+                                    </p:animRot>
+                                  </p:childTnLst>
+                                </p:cTn>
+                              </p:par>
+                              <p:par>
+                                <p:cTn id="13" presetID="8" presetClass="emph" presetSubtype="0" repeatCount="indefinite" fill="hold" grpId="0" nodeType="withEffect">
+                                  <p:stCondLst>
+                                    <p:cond delay="0"/>
+                                  </p:stCondLst>
+                                  <p:childTnLst>
+                                    <p:animRot by="21600000">
+                                      <p:cBhvr>
+                                        <p:cTn id="14" dur="3000" fill="hold"/>
+                                        <p:tgtEl>
+                                          <p:spTgt spid="12"/>
+                                        </p:tgtEl>
+                                        <p:attrNameLst>
+                                          <p:attrName>r</p:attrName>
+                                        </p:attrNameLst>
+                                      </p:cBhvr>
+                                    </p:animRot>
+                                  </p:childTnLst>
+                                </p:cTn>
+                              </p:par>
+                            </p:childTnLst>
+                          </p:cTn>
+                        </p:par>
+                      </p:childTnLst>
+                    </p:cTn>
+                  </p:par>
+                </p:childTnLst>
+              </p:cTn>
+              <p:prevCondLst>
+                <p:cond evt="onPrev" delay="0">
+                  <p:tgtEl>
+                    <p:sldTgt/>
+                  </p:tgtEl>
+                </p:cond>
+              </p:prevCondLst>
+              <p:nextCondLst>
+                <p:cond evt="onNext" delay="0">
+                  <p:tgtEl>
+                    <p:sldTgt/>
+                  </p:tgtEl>
+                </p:cond>
+              </p:nextCondLst>
+            </p:seq>
+          </p:childTnLst>
+        </p:cTn>
       </p:par>
     </p:tnLst>
+    <p:bldLst>
+      <p:bldP spid="12" grpId="0" animBg="1"/>
+      <p:bldP spid="11" grpId="0" animBg="1"/>
+    </p:bldLst>
   </p:timing>
 </p:sld>
 </file>
 
-<file path=ppt/slides/slide3.xml><?xml version="1.0" encoding="utf-8"?>
+<file path=ppt/slides/slide2.xml><?xml version="1.0" encoding="utf-8"?>
 <p:sld xmlns:a="http://schemas.openxmlformats.org/drawingml/2006/main" xmlns:r="http://schemas.openxmlformats.org/officeDocument/2006/relationships" xmlns:p="http://schemas.openxmlformats.org/presentationml/2006/main">
   <p:cSld>
     <p:spTree>
@@ -9084,7 +6761,7 @@
         </p:nvSpPr>
         <p:spPr>
           <a:xfrm>
-            <a:off x="6084071" y="2521666"/>
+            <a:off x="6191606" y="2542878"/>
             <a:ext cx="5161308" cy="2365294"/>
           </a:xfrm>
           <a:prstGeom prst="snip2SameRect">
@@ -9135,6 +6812,7 @@
           <a:lstStyle/>
           <a:p>
             <a:pPr marL="342900" indent="-342900">
+              <a:buFont typeface="+mj-lt"/>
               <a:buAutoNum type="arabicPeriod"/>
             </a:pPr>
             <a:r>
@@ -9151,8 +6829,22 @@
                   <a:schemeClr val="bg1"/>
                 </a:solidFill>
               </a:rPr>
-              <a:t>control structure</a:t>
-            </a:r>
+              <a:t>control </a:t>
+            </a:r>
+            <a:r>
+              <a:rPr lang="en-US" dirty="0" smtClean="0">
+                <a:solidFill>
+                  <a:schemeClr val="bg1"/>
+                </a:solidFill>
+              </a:rPr>
+              <a:t>structure</a:t>
+            </a:r>
+          </a:p>
+          <a:p>
+            <a:pPr marL="342900" indent="-342900">
+              <a:buFont typeface="+mj-lt"/>
+              <a:buAutoNum type="arabicPeriod"/>
+            </a:pPr>
             <a:endParaRPr lang="en-US" dirty="0" smtClean="0">
               <a:solidFill>
                 <a:schemeClr val="bg1"/>
@@ -9161,6 +6853,7 @@
           </a:p>
           <a:p>
             <a:pPr marL="342900" indent="-342900">
+              <a:buFont typeface="+mj-lt"/>
               <a:buAutoNum type="arabicPeriod"/>
             </a:pPr>
             <a:r>
@@ -9177,8 +6870,22 @@
                   <a:schemeClr val="bg1"/>
                 </a:solidFill>
               </a:rPr>
-              <a:t>control structure</a:t>
-            </a:r>
+              <a:t>control </a:t>
+            </a:r>
+            <a:r>
+              <a:rPr lang="en-US" dirty="0" smtClean="0">
+                <a:solidFill>
+                  <a:schemeClr val="bg1"/>
+                </a:solidFill>
+              </a:rPr>
+              <a:t>structure</a:t>
+            </a:r>
+          </a:p>
+          <a:p>
+            <a:pPr marL="342900" indent="-342900">
+              <a:buFont typeface="+mj-lt"/>
+              <a:buAutoNum type="arabicPeriod"/>
+            </a:pPr>
             <a:endParaRPr lang="en-US" dirty="0" smtClean="0">
               <a:solidFill>
                 <a:schemeClr val="bg1"/>
@@ -9187,6 +6894,7 @@
           </a:p>
           <a:p>
             <a:pPr marL="342900" indent="-342900">
+              <a:buFont typeface="+mj-lt"/>
               <a:buAutoNum type="arabicPeriod"/>
             </a:pPr>
             <a:r>
@@ -9918,7 +7626,7 @@
 </p:sld>
 </file>
 
-<file path=ppt/slides/slide4.xml><?xml version="1.0" encoding="utf-8"?>
+<file path=ppt/slides/slide3.xml><?xml version="1.0" encoding="utf-8"?>
 <p:sld xmlns:a="http://schemas.openxmlformats.org/drawingml/2006/main" xmlns:r="http://schemas.openxmlformats.org/officeDocument/2006/relationships" xmlns:p="http://schemas.openxmlformats.org/presentationml/2006/main">
   <p:cSld>
     <p:spTree>
@@ -12048,7 +9756,7 @@
 </p:sld>
 </file>
 
-<file path=ppt/slides/slide5.xml><?xml version="1.0" encoding="utf-8"?>
+<file path=ppt/slides/slide4.xml><?xml version="1.0" encoding="utf-8"?>
 <p:sld xmlns:a="http://schemas.openxmlformats.org/drawingml/2006/main" xmlns:r="http://schemas.openxmlformats.org/officeDocument/2006/relationships" xmlns:p="http://schemas.openxmlformats.org/presentationml/2006/main">
   <p:cSld>
     <p:spTree>
@@ -14362,7 +12070,7 @@
 </p:sld>
 </file>
 
-<file path=ppt/slides/slide6.xml><?xml version="1.0" encoding="utf-8"?>
+<file path=ppt/slides/slide5.xml><?xml version="1.0" encoding="utf-8"?>
 <p:sld xmlns:a="http://schemas.openxmlformats.org/drawingml/2006/main" xmlns:r="http://schemas.openxmlformats.org/officeDocument/2006/relationships" xmlns:p="http://schemas.openxmlformats.org/presentationml/2006/main">
   <p:cSld>
     <p:spTree>
@@ -16566,7 +14274,7 @@
 </p:sld>
 </file>
 
-<file path=ppt/slides/slide7.xml><?xml version="1.0" encoding="utf-8"?>
+<file path=ppt/slides/slide6.xml><?xml version="1.0" encoding="utf-8"?>
 <p:sld xmlns:a="http://schemas.openxmlformats.org/drawingml/2006/main" xmlns:r="http://schemas.openxmlformats.org/officeDocument/2006/relationships" xmlns:p="http://schemas.openxmlformats.org/presentationml/2006/main">
   <p:cSld>
     <p:spTree>

--- a/auca/Sem-3/ICP/Assignment/Solution/Control_Structure.pptx
+++ b/auca/Sem-3/ICP/Assignment/Solution/Control_Structure.pptx
@@ -248,7 +248,7 @@
           <a:p>
             <a:fld id="{9DA0BAB2-C07D-48C3-A9E7-A2050A8AA9EB}" type="datetimeFigureOut">
               <a:rPr lang="en-US" smtClean="0"/>
-              <a:t>9/23/2025</a:t>
+              <a:t>10/3/2025</a:t>
             </a:fld>
             <a:endParaRPr lang="en-US"/>
           </a:p>
@@ -418,7 +418,7 @@
           <a:p>
             <a:fld id="{9DA0BAB2-C07D-48C3-A9E7-A2050A8AA9EB}" type="datetimeFigureOut">
               <a:rPr lang="en-US" smtClean="0"/>
-              <a:t>9/23/2025</a:t>
+              <a:t>10/3/2025</a:t>
             </a:fld>
             <a:endParaRPr lang="en-US"/>
           </a:p>
@@ -598,7 +598,7 @@
           <a:p>
             <a:fld id="{9DA0BAB2-C07D-48C3-A9E7-A2050A8AA9EB}" type="datetimeFigureOut">
               <a:rPr lang="en-US" smtClean="0"/>
-              <a:t>9/23/2025</a:t>
+              <a:t>10/3/2025</a:t>
             </a:fld>
             <a:endParaRPr lang="en-US"/>
           </a:p>
@@ -768,7 +768,7 @@
           <a:p>
             <a:fld id="{9DA0BAB2-C07D-48C3-A9E7-A2050A8AA9EB}" type="datetimeFigureOut">
               <a:rPr lang="en-US" smtClean="0"/>
-              <a:t>9/23/2025</a:t>
+              <a:t>10/3/2025</a:t>
             </a:fld>
             <a:endParaRPr lang="en-US"/>
           </a:p>
@@ -1014,7 +1014,7 @@
           <a:p>
             <a:fld id="{9DA0BAB2-C07D-48C3-A9E7-A2050A8AA9EB}" type="datetimeFigureOut">
               <a:rPr lang="en-US" smtClean="0"/>
-              <a:t>9/23/2025</a:t>
+              <a:t>10/3/2025</a:t>
             </a:fld>
             <a:endParaRPr lang="en-US"/>
           </a:p>
@@ -1246,7 +1246,7 @@
           <a:p>
             <a:fld id="{9DA0BAB2-C07D-48C3-A9E7-A2050A8AA9EB}" type="datetimeFigureOut">
               <a:rPr lang="en-US" smtClean="0"/>
-              <a:t>9/23/2025</a:t>
+              <a:t>10/3/2025</a:t>
             </a:fld>
             <a:endParaRPr lang="en-US"/>
           </a:p>
@@ -1613,7 +1613,7 @@
           <a:p>
             <a:fld id="{9DA0BAB2-C07D-48C3-A9E7-A2050A8AA9EB}" type="datetimeFigureOut">
               <a:rPr lang="en-US" smtClean="0"/>
-              <a:t>9/23/2025</a:t>
+              <a:t>10/3/2025</a:t>
             </a:fld>
             <a:endParaRPr lang="en-US"/>
           </a:p>
@@ -1731,7 +1731,7 @@
           <a:p>
             <a:fld id="{9DA0BAB2-C07D-48C3-A9E7-A2050A8AA9EB}" type="datetimeFigureOut">
               <a:rPr lang="en-US" smtClean="0"/>
-              <a:t>9/23/2025</a:t>
+              <a:t>10/3/2025</a:t>
             </a:fld>
             <a:endParaRPr lang="en-US"/>
           </a:p>
@@ -1826,7 +1826,7 @@
           <a:p>
             <a:fld id="{9DA0BAB2-C07D-48C3-A9E7-A2050A8AA9EB}" type="datetimeFigureOut">
               <a:rPr lang="en-US" smtClean="0"/>
-              <a:t>9/23/2025</a:t>
+              <a:t>10/3/2025</a:t>
             </a:fld>
             <a:endParaRPr lang="en-US"/>
           </a:p>
@@ -2110,7 +2110,7 @@
           <a:p>
             <a:fld id="{9DA0BAB2-C07D-48C3-A9E7-A2050A8AA9EB}" type="datetimeFigureOut">
               <a:rPr lang="en-US" smtClean="0"/>
-              <a:t>9/23/2025</a:t>
+              <a:t>10/3/2025</a:t>
             </a:fld>
             <a:endParaRPr lang="en-US"/>
           </a:p>
@@ -2363,7 +2363,7 @@
           <a:p>
             <a:fld id="{9DA0BAB2-C07D-48C3-A9E7-A2050A8AA9EB}" type="datetimeFigureOut">
               <a:rPr lang="en-US" smtClean="0"/>
-              <a:t>9/23/2025</a:t>
+              <a:t>10/3/2025</a:t>
             </a:fld>
             <a:endParaRPr lang="en-US"/>
           </a:p>
@@ -2581,7 +2581,7 @@
           <a:p>
             <a:fld id="{9DA0BAB2-C07D-48C3-A9E7-A2050A8AA9EB}" type="datetimeFigureOut">
               <a:rPr lang="en-US" smtClean="0"/>
-              <a:t>9/23/2025</a:t>
+              <a:t>10/3/2025</a:t>
             </a:fld>
             <a:endParaRPr lang="en-US"/>
           </a:p>
@@ -2993,9 +2993,9 @@
           <p:nvPr/>
         </p:nvSpPr>
         <p:spPr>
-          <a:xfrm rot="16200000">
-            <a:off x="8861199" y="3384220"/>
-            <a:ext cx="5665506" cy="424207"/>
+          <a:xfrm rot="5400000">
+            <a:off x="8921497" y="3518630"/>
+            <a:ext cx="5612998" cy="424207"/>
           </a:xfrm>
           <a:prstGeom prst="rect">
             <a:avLst/>
@@ -3038,46 +3038,46 @@
           <a:p>
             <a:pPr algn="ctr"/>
             <a:r>
-              <a:rPr lang="en-US" sz="7200" dirty="0" smtClean="0">
-                <a:solidFill>
-                  <a:schemeClr val="accent4"/>
-                </a:solidFill>
-              </a:rPr>
-              <a:t>-- - </a:t>
-            </a:r>
-            <a:r>
-              <a:rPr lang="en-US" sz="7200" dirty="0" smtClean="0">
-                <a:solidFill>
-                  <a:srgbClr val="00B050"/>
-                </a:solidFill>
-              </a:rPr>
-              <a:t>--</a:t>
-            </a:r>
-            <a:r>
-              <a:rPr lang="en-US" sz="7200" dirty="0" smtClean="0">
-                <a:solidFill>
-                  <a:schemeClr val="accent4"/>
-                </a:solidFill>
-              </a:rPr>
-              <a:t> - </a:t>
-            </a:r>
-            <a:r>
-              <a:rPr lang="en-US" sz="7200" dirty="0" smtClean="0">
-                <a:solidFill>
-                  <a:srgbClr val="00B050"/>
-                </a:solidFill>
-              </a:rPr>
-              <a:t>--</a:t>
-            </a:r>
-            <a:r>
-              <a:rPr lang="en-US" sz="7200" dirty="0" smtClean="0">
-                <a:solidFill>
-                  <a:schemeClr val="accent4"/>
-                </a:solidFill>
-              </a:rPr>
-              <a:t> - --</a:t>
-            </a:r>
-            <a:endParaRPr lang="en-US" sz="4400" dirty="0">
+              <a:rPr lang="en-US" sz="1600" b="1" dirty="0" smtClean="0">
+                <a:solidFill>
+                  <a:schemeClr val="accent4"/>
+                </a:solidFill>
+              </a:rPr>
+              <a:t>[ </a:t>
+            </a:r>
+            <a:r>
+              <a:rPr lang="en-US" sz="1600" b="1" dirty="0">
+                <a:solidFill>
+                  <a:schemeClr val="accent4"/>
+                </a:solidFill>
+              </a:rPr>
+              <a:t>INTRO </a:t>
+            </a:r>
+            <a:r>
+              <a:rPr lang="en-US" sz="1600" b="1" dirty="0" smtClean="0">
+                <a:solidFill>
+                  <a:schemeClr val="accent4"/>
+                </a:solidFill>
+              </a:rPr>
+              <a:t> TO   </a:t>
+            </a:r>
+            <a:r>
+              <a:rPr lang="en-US" sz="1600" b="1" dirty="0">
+                <a:solidFill>
+                  <a:schemeClr val="accent4"/>
+                </a:solidFill>
+              </a:rPr>
+              <a:t>COMPUTER </a:t>
+            </a:r>
+            <a:r>
+              <a:rPr lang="en-US" sz="1600" b="1" dirty="0" smtClean="0">
+                <a:solidFill>
+                  <a:schemeClr val="accent4"/>
+                </a:solidFill>
+              </a:rPr>
+              <a:t> PROGRAMMING  ]</a:t>
+            </a:r>
+            <a:endParaRPr lang="en-US" sz="1600" b="1" dirty="0">
               <a:solidFill>
                 <a:schemeClr val="accent4"/>
               </a:solidFill>
@@ -3249,164 +3249,6 @@
           <a:prstGeom prst="ellipse">
             <a:avLst/>
           </a:prstGeom>
-          <a:scene3d>
-            <a:camera prst="orthographicFront"/>
-            <a:lightRig rig="threePt" dir="t"/>
-          </a:scene3d>
-          <a:sp3d>
-            <a:bevelT prst="angle"/>
-          </a:sp3d>
-        </p:spPr>
-        <p:style>
-          <a:lnRef idx="2">
-            <a:schemeClr val="accent1">
-              <a:shade val="50000"/>
-            </a:schemeClr>
-          </a:lnRef>
-          <a:fillRef idx="1">
-            <a:schemeClr val="accent1"/>
-          </a:fillRef>
-          <a:effectRef idx="0">
-            <a:schemeClr val="accent1"/>
-          </a:effectRef>
-          <a:fontRef idx="minor">
-            <a:schemeClr val="lt1"/>
-          </a:fontRef>
-        </p:style>
-        <p:txBody>
-          <a:bodyPr rtlCol="0" anchor="ctr">
-            <a:sp3d extrusionH="57150">
-              <a:bevelT w="38100" h="38100" prst="angle"/>
-            </a:sp3d>
-          </a:bodyPr>
-          <a:lstStyle/>
-          <a:p>
-            <a:pPr algn="ctr"/>
-            <a:endParaRPr lang="en-US"/>
-          </a:p>
-        </p:txBody>
-      </p:sp>
-      <p:sp>
-        <p:nvSpPr>
-          <p:cNvPr id="15" name="Oval 14"/>
-          <p:cNvSpPr/>
-          <p:nvPr/>
-        </p:nvSpPr>
-        <p:spPr>
-          <a:xfrm>
-            <a:off x="11566300" y="4656837"/>
-            <a:ext cx="414779" cy="414780"/>
-          </a:xfrm>
-          <a:prstGeom prst="ellipse">
-            <a:avLst/>
-          </a:prstGeom>
-          <a:scene3d>
-            <a:camera prst="orthographicFront"/>
-            <a:lightRig rig="threePt" dir="t"/>
-          </a:scene3d>
-          <a:sp3d>
-            <a:bevelT prst="angle"/>
-          </a:sp3d>
-        </p:spPr>
-        <p:style>
-          <a:lnRef idx="2">
-            <a:schemeClr val="accent1">
-              <a:shade val="50000"/>
-            </a:schemeClr>
-          </a:lnRef>
-          <a:fillRef idx="1">
-            <a:schemeClr val="accent1"/>
-          </a:fillRef>
-          <a:effectRef idx="0">
-            <a:schemeClr val="accent1"/>
-          </a:effectRef>
-          <a:fontRef idx="minor">
-            <a:schemeClr val="lt1"/>
-          </a:fontRef>
-        </p:style>
-        <p:txBody>
-          <a:bodyPr rtlCol="0" anchor="ctr">
-            <a:sp3d extrusionH="57150">
-              <a:bevelT w="38100" h="38100" prst="angle"/>
-            </a:sp3d>
-          </a:bodyPr>
-          <a:lstStyle/>
-          <a:p>
-            <a:pPr algn="ctr"/>
-            <a:endParaRPr lang="en-US"/>
-          </a:p>
-        </p:txBody>
-      </p:sp>
-      <p:sp>
-        <p:nvSpPr>
-          <p:cNvPr id="13" name="Oval 12"/>
-          <p:cNvSpPr/>
-          <p:nvPr/>
-        </p:nvSpPr>
-        <p:spPr>
-          <a:xfrm>
-            <a:off x="11584763" y="2149310"/>
-            <a:ext cx="377856" cy="386499"/>
-          </a:xfrm>
-          <a:prstGeom prst="ellipse">
-            <a:avLst/>
-          </a:prstGeom>
-          <a:scene3d>
-            <a:camera prst="orthographicFront"/>
-            <a:lightRig rig="threePt" dir="t"/>
-          </a:scene3d>
-          <a:sp3d>
-            <a:bevelT prst="angle"/>
-          </a:sp3d>
-        </p:spPr>
-        <p:style>
-          <a:lnRef idx="2">
-            <a:schemeClr val="accent1">
-              <a:shade val="50000"/>
-            </a:schemeClr>
-          </a:lnRef>
-          <a:fillRef idx="1">
-            <a:schemeClr val="accent1"/>
-          </a:fillRef>
-          <a:effectRef idx="0">
-            <a:schemeClr val="accent1"/>
-          </a:effectRef>
-          <a:fontRef idx="minor">
-            <a:schemeClr val="lt1"/>
-          </a:fontRef>
-        </p:style>
-        <p:txBody>
-          <a:bodyPr rtlCol="0" anchor="ctr">
-            <a:sp3d extrusionH="57150">
-              <a:bevelT w="38100" h="38100" prst="angle"/>
-            </a:sp3d>
-          </a:bodyPr>
-          <a:lstStyle/>
-          <a:p>
-            <a:pPr algn="ctr"/>
-            <a:endParaRPr lang="en-US"/>
-          </a:p>
-        </p:txBody>
-      </p:sp>
-      <p:sp>
-        <p:nvSpPr>
-          <p:cNvPr id="12" name="Oval 11"/>
-          <p:cNvSpPr/>
-          <p:nvPr/>
-        </p:nvSpPr>
-        <p:spPr>
-          <a:xfrm>
-            <a:off x="11584762" y="3405429"/>
-            <a:ext cx="377857" cy="381788"/>
-          </a:xfrm>
-          <a:prstGeom prst="ellipse">
-            <a:avLst/>
-          </a:prstGeom>
-          <a:solidFill>
-            <a:schemeClr val="accent2">
-              <a:lumMod val="75000"/>
-            </a:schemeClr>
-          </a:solidFill>
           <a:scene3d>
             <a:camera prst="orthographicFront"/>
             <a:lightRig rig="threePt" dir="t"/>
@@ -3508,7 +3350,7 @@
         </p:nvSpPr>
         <p:spPr>
           <a:xfrm>
-            <a:off x="2072641" y="335280"/>
+            <a:off x="2026590" y="725084"/>
             <a:ext cx="8391112" cy="503706"/>
           </a:xfrm>
           <a:prstGeom prst="rect">
@@ -3545,182 +3387,15 @@
         <p:txBody>
           <a:bodyPr rtlCol="0" anchor="ctr">
             <a:sp3d extrusionH="57150">
-              <a:bevelT h="25400" prst="softRound"/>
-            </a:sp3d>
-          </a:bodyPr>
-          <a:lstStyle/>
-          <a:p>
-            <a:pPr algn="ctr"/>
-            <a:r>
-              <a:rPr lang="en-US" sz="3600" b="1" dirty="0" smtClean="0">
-                <a:solidFill>
-                  <a:srgbClr val="00B050"/>
-                </a:solidFill>
-                <a:sym typeface="Wingdings" panose="05000000000000000000" pitchFamily="2" charset="2"/>
-              </a:rPr>
-              <a:t>&lt;</a:t>
-            </a:r>
-            <a:r>
-              <a:rPr lang="en-US" sz="3600" b="1" dirty="0" smtClean="0">
-                <a:solidFill>
-                  <a:schemeClr val="accent2"/>
-                </a:solidFill>
-                <a:sym typeface="Wingdings" panose="05000000000000000000" pitchFamily="2" charset="2"/>
-              </a:rPr>
-              <a:t>\</a:t>
-            </a:r>
-            <a:r>
-              <a:rPr lang="en-US" sz="3600" b="1" dirty="0" smtClean="0">
-                <a:solidFill>
-                  <a:srgbClr val="00B050"/>
-                </a:solidFill>
-                <a:sym typeface="Wingdings" panose="05000000000000000000" pitchFamily="2" charset="2"/>
-              </a:rPr>
-              <a:t>--</a:t>
-            </a:r>
-            <a:r>
-              <a:rPr lang="en-US" sz="3600" b="1" dirty="0" smtClean="0">
-                <a:solidFill>
-                  <a:schemeClr val="accent4"/>
-                </a:solidFill>
-                <a:sym typeface="Wingdings" panose="05000000000000000000" pitchFamily="2" charset="2"/>
-              </a:rPr>
-              <a:t>    </a:t>
-            </a:r>
-            <a:r>
-              <a:rPr lang="en-US" sz="3600" b="1" dirty="0" smtClean="0">
-                <a:solidFill>
-                  <a:schemeClr val="accent4"/>
-                </a:solidFill>
-              </a:rPr>
-              <a:t>CONTROL STRUCTURE    </a:t>
-            </a:r>
-            <a:r>
-              <a:rPr lang="en-US" sz="3600" b="1" dirty="0" smtClean="0">
-                <a:solidFill>
-                  <a:srgbClr val="00B050"/>
-                </a:solidFill>
-              </a:rPr>
-              <a:t>--</a:t>
-            </a:r>
-            <a:r>
-              <a:rPr lang="en-US" sz="3600" b="1" dirty="0" smtClean="0">
-                <a:solidFill>
-                  <a:schemeClr val="accent2"/>
-                </a:solidFill>
-              </a:rPr>
-              <a:t>/</a:t>
-            </a:r>
-            <a:r>
-              <a:rPr lang="en-US" sz="3600" b="1" dirty="0" smtClean="0">
-                <a:solidFill>
-                  <a:srgbClr val="00B050"/>
-                </a:solidFill>
-              </a:rPr>
-              <a:t>&gt;</a:t>
-            </a:r>
-            <a:endParaRPr lang="en-US" sz="3600" b="1" dirty="0">
-              <a:solidFill>
-                <a:srgbClr val="00B050"/>
-              </a:solidFill>
-            </a:endParaRPr>
-          </a:p>
-        </p:txBody>
-      </p:sp>
-      <p:sp>
-        <p:nvSpPr>
-          <p:cNvPr id="10" name="Rectangle 9"/>
-          <p:cNvSpPr/>
-          <p:nvPr/>
-        </p:nvSpPr>
-        <p:spPr>
-          <a:xfrm flipV="1">
-            <a:off x="3477706" y="932463"/>
-            <a:ext cx="5601092" cy="469770"/>
-          </a:xfrm>
-          <a:prstGeom prst="rect">
-            <a:avLst/>
-          </a:prstGeom>
-          <a:noFill/>
-          <a:ln>
-            <a:noFill/>
-          </a:ln>
-          <a:scene3d>
-            <a:camera prst="orthographicFront"/>
-            <a:lightRig rig="threePt" dir="t"/>
-          </a:scene3d>
-          <a:sp3d>
-            <a:bevelT prst="angle"/>
-          </a:sp3d>
-        </p:spPr>
-        <p:style>
-          <a:lnRef idx="2">
-            <a:schemeClr val="accent1">
-              <a:shade val="50000"/>
-            </a:schemeClr>
-          </a:lnRef>
-          <a:fillRef idx="1">
-            <a:schemeClr val="accent1"/>
-          </a:fillRef>
-          <a:effectRef idx="0">
-            <a:schemeClr val="accent1"/>
-          </a:effectRef>
-          <a:fontRef idx="minor">
-            <a:schemeClr val="lt1"/>
-          </a:fontRef>
-        </p:style>
-        <p:txBody>
-          <a:bodyPr rtlCol="0" anchor="ctr">
-            <a:sp3d extrusionH="57150">
               <a:bevelT w="38100" h="38100" prst="angle"/>
             </a:sp3d>
           </a:bodyPr>
           <a:lstStyle/>
           <a:p>
             <a:pPr algn="ctr"/>
-            <a:r>
-              <a:rPr lang="en-US" sz="7200" dirty="0" smtClean="0">
-                <a:solidFill>
-                  <a:schemeClr val="accent2"/>
-                </a:solidFill>
-              </a:rPr>
-              <a:t>--</a:t>
-            </a:r>
-            <a:r>
-              <a:rPr lang="en-US" sz="7200" dirty="0" smtClean="0">
-                <a:solidFill>
-                  <a:srgbClr val="00B050"/>
-                </a:solidFill>
-              </a:rPr>
-              <a:t> - -- </a:t>
-            </a:r>
-            <a:r>
-              <a:rPr lang="en-US" sz="7200" dirty="0" smtClean="0">
-                <a:solidFill>
-                  <a:schemeClr val="accent2"/>
-                </a:solidFill>
-              </a:rPr>
-              <a:t>-</a:t>
-            </a:r>
-            <a:r>
-              <a:rPr lang="en-US" sz="7200" dirty="0" smtClean="0">
-                <a:solidFill>
-                  <a:srgbClr val="00B050"/>
-                </a:solidFill>
-              </a:rPr>
-              <a:t> -- - </a:t>
-            </a:r>
-            <a:r>
-              <a:rPr lang="en-US" sz="7200" dirty="0" smtClean="0">
-                <a:solidFill>
-                  <a:schemeClr val="accent2"/>
-                </a:solidFill>
-              </a:rPr>
-              <a:t>--</a:t>
-            </a:r>
-            <a:endParaRPr lang="en-US" sz="4400" dirty="0">
+            <a:endParaRPr lang="en-US" sz="3600" b="1" dirty="0">
               <a:solidFill>
-                <a:schemeClr val="accent2"/>
+                <a:schemeClr val="bg1"/>
               </a:solidFill>
             </a:endParaRPr>
           </a:p>
@@ -3836,296 +3511,6 @@
       </p:sp>
       <p:sp>
         <p:nvSpPr>
-          <p:cNvPr id="19" name="Oval 18"/>
-          <p:cNvSpPr/>
-          <p:nvPr/>
-        </p:nvSpPr>
-        <p:spPr>
-          <a:xfrm>
-            <a:off x="11693952" y="6166702"/>
-            <a:ext cx="112336" cy="113123"/>
-          </a:xfrm>
-          <a:prstGeom prst="ellipse">
-            <a:avLst/>
-          </a:prstGeom>
-          <a:solidFill>
-            <a:srgbClr val="00B0F0"/>
-          </a:solidFill>
-          <a:scene3d>
-            <a:camera prst="orthographicFront"/>
-            <a:lightRig rig="threePt" dir="t"/>
-          </a:scene3d>
-          <a:sp3d>
-            <a:bevelT prst="angle"/>
-          </a:sp3d>
-        </p:spPr>
-        <p:style>
-          <a:lnRef idx="2">
-            <a:schemeClr val="accent1">
-              <a:shade val="50000"/>
-            </a:schemeClr>
-          </a:lnRef>
-          <a:fillRef idx="1">
-            <a:schemeClr val="accent1"/>
-          </a:fillRef>
-          <a:effectRef idx="0">
-            <a:schemeClr val="accent1"/>
-          </a:effectRef>
-          <a:fontRef idx="minor">
-            <a:schemeClr val="lt1"/>
-          </a:fontRef>
-        </p:style>
-        <p:txBody>
-          <a:bodyPr rtlCol="0" anchor="ctr">
-            <a:sp3d extrusionH="57150">
-              <a:bevelT w="38100" h="38100" prst="angle"/>
-            </a:sp3d>
-          </a:bodyPr>
-          <a:lstStyle/>
-          <a:p>
-            <a:pPr algn="ctr"/>
-            <a:endParaRPr lang="en-US"/>
-          </a:p>
-        </p:txBody>
-      </p:sp>
-      <p:sp>
-        <p:nvSpPr>
-          <p:cNvPr id="20" name="Oval 19"/>
-          <p:cNvSpPr/>
-          <p:nvPr/>
-        </p:nvSpPr>
-        <p:spPr>
-          <a:xfrm>
-            <a:off x="11707701" y="1056581"/>
-            <a:ext cx="112336" cy="113123"/>
-          </a:xfrm>
-          <a:prstGeom prst="ellipse">
-            <a:avLst/>
-          </a:prstGeom>
-          <a:solidFill>
-            <a:srgbClr val="00B0F0"/>
-          </a:solidFill>
-          <a:scene3d>
-            <a:camera prst="orthographicFront"/>
-            <a:lightRig rig="threePt" dir="t"/>
-          </a:scene3d>
-          <a:sp3d>
-            <a:bevelT prst="angle"/>
-          </a:sp3d>
-        </p:spPr>
-        <p:style>
-          <a:lnRef idx="2">
-            <a:schemeClr val="accent1">
-              <a:shade val="50000"/>
-            </a:schemeClr>
-          </a:lnRef>
-          <a:fillRef idx="1">
-            <a:schemeClr val="accent1"/>
-          </a:fillRef>
-          <a:effectRef idx="0">
-            <a:schemeClr val="accent1"/>
-          </a:effectRef>
-          <a:fontRef idx="minor">
-            <a:schemeClr val="lt1"/>
-          </a:fontRef>
-        </p:style>
-        <p:txBody>
-          <a:bodyPr rtlCol="0" anchor="ctr">
-            <a:sp3d extrusionH="57150">
-              <a:bevelT w="38100" h="38100" prst="angle"/>
-            </a:sp3d>
-          </a:bodyPr>
-          <a:lstStyle/>
-          <a:p>
-            <a:pPr algn="ctr"/>
-            <a:endParaRPr lang="en-US"/>
-          </a:p>
-        </p:txBody>
-      </p:sp>
-      <p:sp>
-        <p:nvSpPr>
-          <p:cNvPr id="22" name="Title 4"/>
-          <p:cNvSpPr txBox="1">
-            <a:spLocks/>
-          </p:cNvSpPr>
-          <p:nvPr/>
-        </p:nvSpPr>
-        <p:spPr>
-          <a:xfrm>
-            <a:off x="1465479" y="1384640"/>
-            <a:ext cx="9456521" cy="887213"/>
-          </a:xfrm>
-          <a:prstGeom prst="rect">
-            <a:avLst/>
-          </a:prstGeom>
-        </p:spPr>
-        <p:txBody>
-          <a:bodyPr>
-            <a:scene3d>
-              <a:camera prst="orthographicFront"/>
-              <a:lightRig rig="threePt" dir="t"/>
-            </a:scene3d>
-            <a:sp3d extrusionH="57150">
-              <a:bevelT h="25400" prst="softRound"/>
-            </a:sp3d>
-          </a:bodyPr>
-          <a:lstStyle>
-            <a:lvl1pPr algn="l" defTabSz="914400" rtl="0" eaLnBrk="1" latinLnBrk="0" hangingPunct="1">
-              <a:lnSpc>
-                <a:spcPct val="90000"/>
-              </a:lnSpc>
-              <a:spcBef>
-                <a:spcPct val="0"/>
-              </a:spcBef>
-              <a:buNone/>
-              <a:defRPr sz="4400" kern="1200">
-                <a:solidFill>
-                  <a:schemeClr val="tx1"/>
-                </a:solidFill>
-                <a:latin typeface="+mj-lt"/>
-                <a:ea typeface="+mj-ea"/>
-                <a:cs typeface="+mj-cs"/>
-              </a:defRPr>
-            </a:lvl1pPr>
-          </a:lstStyle>
-          <a:p>
-            <a:r>
-              <a:rPr lang="en-US" b="1" dirty="0" smtClean="0">
-                <a:solidFill>
-                  <a:srgbClr val="00B050"/>
-                </a:solidFill>
-                <a:effectLst>
-                  <a:outerShdw blurRad="38100" dist="38100" dir="2700000" algn="tl">
-                    <a:srgbClr val="000000">
-                      <a:alpha val="43137"/>
-                    </a:srgbClr>
-                  </a:outerShdw>
-                </a:effectLst>
-              </a:rPr>
-              <a:t>&lt;</a:t>
-            </a:r>
-            <a:r>
-              <a:rPr lang="en-US" b="1" dirty="0" smtClean="0">
-                <a:solidFill>
-                  <a:schemeClr val="accent2"/>
-                </a:solidFill>
-                <a:effectLst>
-                  <a:outerShdw blurRad="38100" dist="38100" dir="2700000" algn="tl">
-                    <a:srgbClr val="000000">
-                      <a:alpha val="43137"/>
-                    </a:srgbClr>
-                  </a:outerShdw>
-                </a:effectLst>
-              </a:rPr>
-              <a:t>--</a:t>
-            </a:r>
-            <a:r>
-              <a:rPr lang="en-US" b="1" dirty="0" smtClean="0">
-                <a:effectLst>
-                  <a:outerShdw blurRad="38100" dist="38100" dir="2700000" algn="tl">
-                    <a:srgbClr val="000000">
-                      <a:alpha val="43137"/>
-                    </a:srgbClr>
-                  </a:outerShdw>
-                </a:effectLst>
-              </a:rPr>
-              <a:t> </a:t>
-            </a:r>
-            <a:r>
-              <a:rPr lang="en-US" b="1" dirty="0" smtClean="0">
-                <a:solidFill>
-                  <a:schemeClr val="accent4"/>
-                </a:solidFill>
-                <a:effectLst>
-                  <a:outerShdw blurRad="38100" dist="38100" dir="2700000" algn="tl">
-                    <a:srgbClr val="000000">
-                      <a:alpha val="43137"/>
-                    </a:srgbClr>
-                  </a:outerShdw>
-                </a:effectLst>
-              </a:rPr>
-              <a:t>GROUP-4 PARTICIPATED MEMBERS</a:t>
-            </a:r>
-            <a:r>
-              <a:rPr lang="en-US" b="1" dirty="0" smtClean="0">
-                <a:solidFill>
-                  <a:schemeClr val="bg1"/>
-                </a:solidFill>
-                <a:effectLst>
-                  <a:outerShdw blurRad="38100" dist="38100" dir="2700000" algn="tl">
-                    <a:srgbClr val="000000">
-                      <a:alpha val="43137"/>
-                    </a:srgbClr>
-                  </a:outerShdw>
-                </a:effectLst>
-              </a:rPr>
-              <a:t> </a:t>
-            </a:r>
-            <a:r>
-              <a:rPr lang="en-US" b="1" dirty="0" smtClean="0">
-                <a:solidFill>
-                  <a:schemeClr val="accent2"/>
-                </a:solidFill>
-                <a:effectLst>
-                  <a:outerShdw blurRad="38100" dist="38100" dir="2700000" algn="tl">
-                    <a:srgbClr val="000000">
-                      <a:alpha val="43137"/>
-                    </a:srgbClr>
-                  </a:outerShdw>
-                </a:effectLst>
-              </a:rPr>
-              <a:t>--</a:t>
-            </a:r>
-            <a:r>
-              <a:rPr lang="en-US" b="1" dirty="0" smtClean="0">
-                <a:solidFill>
-                  <a:srgbClr val="00B050"/>
-                </a:solidFill>
-                <a:effectLst>
-                  <a:outerShdw blurRad="38100" dist="38100" dir="2700000" algn="tl">
-                    <a:srgbClr val="000000">
-                      <a:alpha val="43137"/>
-                    </a:srgbClr>
-                  </a:outerShdw>
-                </a:effectLst>
-              </a:rPr>
-              <a:t>&gt;</a:t>
-            </a:r>
-            <a:r>
-              <a:rPr lang="en-US" b="1" dirty="0" smtClean="0">
-                <a:solidFill>
-                  <a:schemeClr val="accent2"/>
-                </a:solidFill>
-                <a:effectLst>
-                  <a:outerShdw blurRad="38100" dist="38100" dir="2700000" algn="tl">
-                    <a:srgbClr val="000000">
-                      <a:alpha val="43137"/>
-                    </a:srgbClr>
-                  </a:outerShdw>
-                </a:effectLst>
-              </a:rPr>
-              <a:t/>
-            </a:r>
-            <a:br>
-              <a:rPr lang="en-US" b="1" dirty="0" smtClean="0">
-                <a:solidFill>
-                  <a:schemeClr val="accent2"/>
-                </a:solidFill>
-                <a:effectLst>
-                  <a:outerShdw blurRad="38100" dist="38100" dir="2700000" algn="tl">
-                    <a:srgbClr val="000000">
-                      <a:alpha val="43137"/>
-                    </a:srgbClr>
-                  </a:outerShdw>
-                </a:effectLst>
-              </a:rPr>
-            </a:br>
-            <a:endParaRPr lang="en-US" b="1" dirty="0"/>
-          </a:p>
-        </p:txBody>
-      </p:sp>
-      <p:sp>
-        <p:nvSpPr>
           <p:cNvPr id="23" name="Content Placeholder 5"/>
           <p:cNvSpPr txBox="1">
             <a:spLocks/>
@@ -4134,7 +3519,7 @@
         </p:nvSpPr>
         <p:spPr>
           <a:xfrm>
-            <a:off x="1013613" y="2663057"/>
+            <a:off x="1429298" y="2690322"/>
             <a:ext cx="5389553" cy="3319819"/>
           </a:xfrm>
           <a:prstGeom prst="rect">
@@ -4521,7 +3906,7 @@
         </p:nvSpPr>
         <p:spPr>
           <a:xfrm>
-            <a:off x="5144846" y="6429077"/>
+            <a:off x="5172931" y="6364650"/>
             <a:ext cx="1645920" cy="86023"/>
           </a:xfrm>
           <a:prstGeom prst="rect">
@@ -4567,23 +3952,7 @@
                   <a:schemeClr val="accent4"/>
                 </a:solidFill>
               </a:rPr>
-              <a:t>&lt;</a:t>
-            </a:r>
-            <a:r>
-              <a:rPr lang="en-US" b="1" dirty="0" smtClean="0">
-                <a:solidFill>
-                  <a:schemeClr val="accent5"/>
-                </a:solidFill>
-              </a:rPr>
-              <a:t>/</a:t>
-            </a:r>
-            <a:r>
-              <a:rPr lang="en-US" b="1" dirty="0" smtClean="0">
-                <a:solidFill>
-                  <a:schemeClr val="accent4"/>
-                </a:solidFill>
-              </a:rPr>
-              <a:t>&gt;</a:t>
+              <a:t>{}</a:t>
             </a:r>
             <a:endParaRPr lang="en-US" b="1" dirty="0">
               <a:solidFill>
@@ -5045,6 +4414,218 @@
             <a:endParaRPr lang="en-US" sz="2000" dirty="0">
               <a:solidFill>
                 <a:schemeClr val="bg1"/>
+              </a:solidFill>
+            </a:endParaRPr>
+          </a:p>
+        </p:txBody>
+      </p:sp>
+      <p:sp>
+        <p:nvSpPr>
+          <p:cNvPr id="26" name="Title 4"/>
+          <p:cNvSpPr txBox="1">
+            <a:spLocks/>
+          </p:cNvSpPr>
+          <p:nvPr/>
+        </p:nvSpPr>
+        <p:spPr>
+          <a:xfrm>
+            <a:off x="2007876" y="1584957"/>
+            <a:ext cx="8384196" cy="887213"/>
+          </a:xfrm>
+          <a:prstGeom prst="rect">
+            <a:avLst/>
+          </a:prstGeom>
+        </p:spPr>
+        <p:txBody>
+          <a:bodyPr>
+            <a:scene3d>
+              <a:camera prst="orthographicFront"/>
+              <a:lightRig rig="threePt" dir="t"/>
+            </a:scene3d>
+            <a:sp3d extrusionH="57150">
+              <a:bevelT w="38100" h="38100" prst="angle"/>
+            </a:sp3d>
+          </a:bodyPr>
+          <a:lstStyle>
+            <a:lvl1pPr algn="l" defTabSz="914400" rtl="0" eaLnBrk="1" latinLnBrk="0" hangingPunct="1">
+              <a:lnSpc>
+                <a:spcPct val="90000"/>
+              </a:lnSpc>
+              <a:spcBef>
+                <a:spcPct val="0"/>
+              </a:spcBef>
+              <a:buNone/>
+              <a:defRPr sz="4400" kern="1200">
+                <a:solidFill>
+                  <a:schemeClr val="tx1"/>
+                </a:solidFill>
+                <a:latin typeface="+mj-lt"/>
+                <a:ea typeface="+mj-ea"/>
+                <a:cs typeface="+mj-cs"/>
+              </a:defRPr>
+            </a:lvl1pPr>
+          </a:lstStyle>
+          <a:p>
+            <a:r>
+              <a:rPr lang="en-US" dirty="0" smtClean="0">
+                <a:solidFill>
+                  <a:schemeClr val="bg1"/>
+                </a:solidFill>
+                <a:effectLst>
+                  <a:outerShdw blurRad="38100" dist="38100" dir="2700000" algn="tl">
+                    <a:srgbClr val="000000">
+                      <a:alpha val="43137"/>
+                    </a:srgbClr>
+                  </a:outerShdw>
+                </a:effectLst>
+              </a:rPr>
+              <a:t>GROUP-4 </a:t>
+            </a:r>
+            <a:r>
+              <a:rPr lang="en-US" dirty="0" smtClean="0">
+                <a:solidFill>
+                  <a:schemeClr val="bg1"/>
+                </a:solidFill>
+                <a:effectLst>
+                  <a:outerShdw blurRad="38100" dist="38100" dir="2700000" algn="tl">
+                    <a:srgbClr val="000000">
+                      <a:alpha val="43137"/>
+                    </a:srgbClr>
+                  </a:outerShdw>
+                </a:effectLst>
+              </a:rPr>
+              <a:t>PARTICIPATED </a:t>
+            </a:r>
+            <a:r>
+              <a:rPr lang="en-US" dirty="0" smtClean="0">
+                <a:solidFill>
+                  <a:schemeClr val="bg1"/>
+                </a:solidFill>
+                <a:effectLst>
+                  <a:outerShdw blurRad="38100" dist="38100" dir="2700000" algn="tl">
+                    <a:srgbClr val="000000">
+                      <a:alpha val="43137"/>
+                    </a:srgbClr>
+                  </a:outerShdw>
+                </a:effectLst>
+              </a:rPr>
+              <a:t>MEMBERS</a:t>
+            </a:r>
+            <a:r>
+              <a:rPr lang="en-US" dirty="0" smtClean="0">
+                <a:solidFill>
+                  <a:schemeClr val="bg1"/>
+                </a:solidFill>
+                <a:effectLst>
+                  <a:outerShdw blurRad="38100" dist="38100" dir="2700000" algn="tl">
+                    <a:srgbClr val="000000">
+                      <a:alpha val="43137"/>
+                    </a:srgbClr>
+                  </a:outerShdw>
+                </a:effectLst>
+              </a:rPr>
+              <a:t/>
+            </a:r>
+            <a:br>
+              <a:rPr lang="en-US" dirty="0" smtClean="0">
+                <a:solidFill>
+                  <a:schemeClr val="bg1"/>
+                </a:solidFill>
+                <a:effectLst>
+                  <a:outerShdw blurRad="38100" dist="38100" dir="2700000" algn="tl">
+                    <a:srgbClr val="000000">
+                      <a:alpha val="43137"/>
+                    </a:srgbClr>
+                  </a:outerShdw>
+                </a:effectLst>
+              </a:rPr>
+            </a:br>
+            <a:endParaRPr lang="en-US" dirty="0">
+              <a:solidFill>
+                <a:schemeClr val="bg1"/>
+              </a:solidFill>
+            </a:endParaRPr>
+          </a:p>
+        </p:txBody>
+      </p:sp>
+      <p:sp>
+        <p:nvSpPr>
+          <p:cNvPr id="27" name="Rectangle 26"/>
+          <p:cNvSpPr/>
+          <p:nvPr/>
+        </p:nvSpPr>
+        <p:spPr>
+          <a:xfrm>
+            <a:off x="3038267" y="460799"/>
+            <a:ext cx="5665506" cy="424207"/>
+          </a:xfrm>
+          <a:prstGeom prst="rect">
+            <a:avLst/>
+          </a:prstGeom>
+          <a:noFill/>
+          <a:ln>
+            <a:noFill/>
+          </a:ln>
+          <a:scene3d>
+            <a:camera prst="orthographicFront"/>
+            <a:lightRig rig="threePt" dir="t"/>
+          </a:scene3d>
+          <a:sp3d>
+            <a:bevelT prst="angle"/>
+          </a:sp3d>
+        </p:spPr>
+        <p:style>
+          <a:lnRef idx="2">
+            <a:schemeClr val="accent1">
+              <a:shade val="50000"/>
+            </a:schemeClr>
+          </a:lnRef>
+          <a:fillRef idx="1">
+            <a:schemeClr val="accent1"/>
+          </a:fillRef>
+          <a:effectRef idx="0">
+            <a:schemeClr val="accent1"/>
+          </a:effectRef>
+          <a:fontRef idx="minor">
+            <a:schemeClr val="lt1"/>
+          </a:fontRef>
+        </p:style>
+        <p:txBody>
+          <a:bodyPr rtlCol="0" anchor="ctr">
+            <a:sp3d extrusionH="57150">
+              <a:bevelT w="38100" h="38100" prst="angle"/>
+            </a:sp3d>
+          </a:bodyPr>
+          <a:lstStyle/>
+          <a:p>
+            <a:pPr algn="ctr"/>
+            <a:r>
+              <a:rPr lang="en-US" sz="2800" b="1" dirty="0" smtClean="0">
+                <a:solidFill>
+                  <a:schemeClr val="accent4"/>
+                </a:solidFill>
+              </a:rPr>
+              <a:t>[   CONTROL   </a:t>
+            </a:r>
+            <a:r>
+              <a:rPr lang="en-US" sz="2800" b="1" dirty="0">
+                <a:solidFill>
+                  <a:schemeClr val="accent4"/>
+                </a:solidFill>
+              </a:rPr>
+              <a:t>STRUCTURE </a:t>
+            </a:r>
+            <a:r>
+              <a:rPr lang="en-US" sz="2800" b="1" dirty="0" smtClean="0">
+                <a:solidFill>
+                  <a:schemeClr val="accent4"/>
+                </a:solidFill>
+              </a:rPr>
+              <a:t>  ]</a:t>
+            </a:r>
+            <a:endParaRPr lang="en-US" sz="2800" b="1" dirty="0">
+              <a:solidFill>
+                <a:schemeClr val="accent4"/>
               </a:solidFill>
             </a:endParaRPr>
           </a:p>
@@ -5099,7 +4680,7 @@
                                   <p:childTnLst>
                                     <p:animRot by="120000">
                                       <p:cBhvr>
-                                        <p:cTn id="6" dur="475" fill="hold">
+                                        <p:cTn id="6" dur="275" fill="hold">
                                           <p:stCondLst>
                                             <p:cond delay="0"/>
                                           </p:stCondLst>
@@ -5114,9 +4695,9 @@
                                     </p:animRot>
                                     <p:animRot by="-240000">
                                       <p:cBhvr>
-                                        <p:cTn id="7" dur="950" fill="hold">
+                                        <p:cTn id="7" dur="550" fill="hold">
                                           <p:stCondLst>
-                                            <p:cond delay="950"/>
+                                            <p:cond delay="550"/>
                                           </p:stCondLst>
                                         </p:cTn>
                                         <p:tgtEl>
@@ -5129,9 +4710,9 @@
                                     </p:animRot>
                                     <p:animRot by="240000">
                                       <p:cBhvr>
-                                        <p:cTn id="8" dur="950" fill="hold">
+                                        <p:cTn id="8" dur="550" fill="hold">
                                           <p:stCondLst>
-                                            <p:cond delay="1900"/>
+                                            <p:cond delay="1100"/>
                                           </p:stCondLst>
                                         </p:cTn>
                                         <p:tgtEl>
@@ -5144,9 +4725,9 @@
                                     </p:animRot>
                                     <p:animRot by="-240000">
                                       <p:cBhvr>
-                                        <p:cTn id="9" dur="950" fill="hold">
+                                        <p:cTn id="9" dur="550" fill="hold">
                                           <p:stCondLst>
-                                            <p:cond delay="2850"/>
+                                            <p:cond delay="1650"/>
                                           </p:stCondLst>
                                         </p:cTn>
                                         <p:tgtEl>
@@ -5159,9 +4740,9 @@
                                     </p:animRot>
                                     <p:animRot by="120000">
                                       <p:cBhvr>
-                                        <p:cTn id="10" dur="950" fill="hold">
+                                        <p:cTn id="10" dur="550" fill="hold">
                                           <p:stCondLst>
-                                            <p:cond delay="3800"/>
+                                            <p:cond delay="2200"/>
                                           </p:stCondLst>
                                         </p:cTn>
                                         <p:tgtEl>
@@ -5186,26 +4767,6 @@
                                         <p:cTn id="12" dur="3000" fill="hold"/>
                                         <p:tgtEl>
                                           <p:spTgt spid="11"/>
-                                        </p:tgtEl>
-                                        <p:attrNameLst>
-                                          <p:attrName>r</p:attrName>
-                                        </p:attrNameLst>
-                                      </p:cBhvr>
-                                    </p:animRot>
-                                  </p:childTnLst>
-                                </p:cTn>
-                              </p:par>
-                              <p:par>
-                                <p:cTn id="13" presetID="8" presetClass="emph" presetSubtype="0" repeatCount="indefinite" fill="hold" grpId="0" nodeType="withEffect">
-                                  <p:stCondLst>
-                                    <p:cond delay="0"/>
-                                  </p:stCondLst>
-                                  <p:childTnLst>
-                                    <p:animRot by="21600000">
-                                      <p:cBhvr>
-                                        <p:cTn id="14" dur="3000" fill="hold"/>
-                                        <p:tgtEl>
-                                          <p:spTgt spid="12"/>
                                         </p:tgtEl>
                                         <p:attrNameLst>
                                           <p:attrName>r</p:attrName>
@@ -5243,7 +4804,6 @@
       </p:par>
     </p:tnLst>
     <p:bldLst>
-      <p:bldP spid="12" grpId="0" animBg="1"/>
       <p:bldP spid="11" grpId="0" animBg="1"/>
     </p:bldLst>
   </p:timing>
@@ -5467,105 +5027,6 @@
       </p:sp>
       <p:sp>
         <p:nvSpPr>
-          <p:cNvPr id="3" name="Rectangle 2"/>
-          <p:cNvSpPr/>
-          <p:nvPr/>
-        </p:nvSpPr>
-        <p:spPr>
-          <a:xfrm rot="16200000">
-            <a:off x="8861199" y="3384220"/>
-            <a:ext cx="5665506" cy="424207"/>
-          </a:xfrm>
-          <a:prstGeom prst="rect">
-            <a:avLst/>
-          </a:prstGeom>
-          <a:noFill/>
-          <a:ln>
-            <a:noFill/>
-          </a:ln>
-          <a:scene3d>
-            <a:camera prst="orthographicFront"/>
-            <a:lightRig rig="threePt" dir="t"/>
-          </a:scene3d>
-          <a:sp3d>
-            <a:bevelT prst="angle"/>
-          </a:sp3d>
-        </p:spPr>
-        <p:style>
-          <a:lnRef idx="2">
-            <a:schemeClr val="accent1">
-              <a:shade val="50000"/>
-            </a:schemeClr>
-          </a:lnRef>
-          <a:fillRef idx="1">
-            <a:schemeClr val="accent1"/>
-          </a:fillRef>
-          <a:effectRef idx="0">
-            <a:schemeClr val="accent1"/>
-          </a:effectRef>
-          <a:fontRef idx="minor">
-            <a:schemeClr val="lt1"/>
-          </a:fontRef>
-        </p:style>
-        <p:txBody>
-          <a:bodyPr rtlCol="0" anchor="ctr">
-            <a:sp3d extrusionH="57150">
-              <a:bevelT w="38100" h="38100" prst="angle"/>
-            </a:sp3d>
-          </a:bodyPr>
-          <a:lstStyle/>
-          <a:p>
-            <a:pPr algn="ctr"/>
-            <a:r>
-              <a:rPr lang="en-US" sz="7200" dirty="0" smtClean="0">
-                <a:solidFill>
-                  <a:schemeClr val="accent4"/>
-                </a:solidFill>
-              </a:rPr>
-              <a:t>-- - </a:t>
-            </a:r>
-            <a:r>
-              <a:rPr lang="en-US" sz="7200" dirty="0" smtClean="0">
-                <a:solidFill>
-                  <a:srgbClr val="00B050"/>
-                </a:solidFill>
-              </a:rPr>
-              <a:t>--</a:t>
-            </a:r>
-            <a:r>
-              <a:rPr lang="en-US" sz="7200" dirty="0" smtClean="0">
-                <a:solidFill>
-                  <a:schemeClr val="accent4"/>
-                </a:solidFill>
-              </a:rPr>
-              <a:t> - </a:t>
-            </a:r>
-            <a:r>
-              <a:rPr lang="en-US" sz="7200" dirty="0" smtClean="0">
-                <a:solidFill>
-                  <a:srgbClr val="00B050"/>
-                </a:solidFill>
-              </a:rPr>
-              <a:t>--</a:t>
-            </a:r>
-            <a:r>
-              <a:rPr lang="en-US" sz="7200" dirty="0" smtClean="0">
-                <a:solidFill>
-                  <a:schemeClr val="accent4"/>
-                </a:solidFill>
-              </a:rPr>
-              <a:t> - --</a:t>
-            </a:r>
-            <a:endParaRPr lang="en-US" sz="4400" dirty="0">
-              <a:solidFill>
-                <a:schemeClr val="accent4"/>
-              </a:solidFill>
-            </a:endParaRPr>
-          </a:p>
-        </p:txBody>
-      </p:sp>
-      <p:sp>
-        <p:nvSpPr>
           <p:cNvPr id="2" name="Rectangle 1"/>
           <p:cNvSpPr/>
           <p:nvPr/>
@@ -5728,164 +5189,6 @@
           <a:prstGeom prst="ellipse">
             <a:avLst/>
           </a:prstGeom>
-          <a:scene3d>
-            <a:camera prst="orthographicFront"/>
-            <a:lightRig rig="threePt" dir="t"/>
-          </a:scene3d>
-          <a:sp3d>
-            <a:bevelT prst="angle"/>
-          </a:sp3d>
-        </p:spPr>
-        <p:style>
-          <a:lnRef idx="2">
-            <a:schemeClr val="accent1">
-              <a:shade val="50000"/>
-            </a:schemeClr>
-          </a:lnRef>
-          <a:fillRef idx="1">
-            <a:schemeClr val="accent1"/>
-          </a:fillRef>
-          <a:effectRef idx="0">
-            <a:schemeClr val="accent1"/>
-          </a:effectRef>
-          <a:fontRef idx="minor">
-            <a:schemeClr val="lt1"/>
-          </a:fontRef>
-        </p:style>
-        <p:txBody>
-          <a:bodyPr rtlCol="0" anchor="ctr">
-            <a:sp3d extrusionH="57150">
-              <a:bevelT w="38100" h="38100" prst="angle"/>
-            </a:sp3d>
-          </a:bodyPr>
-          <a:lstStyle/>
-          <a:p>
-            <a:pPr algn="ctr"/>
-            <a:endParaRPr lang="en-US"/>
-          </a:p>
-        </p:txBody>
-      </p:sp>
-      <p:sp>
-        <p:nvSpPr>
-          <p:cNvPr id="15" name="Oval 14"/>
-          <p:cNvSpPr/>
-          <p:nvPr/>
-        </p:nvSpPr>
-        <p:spPr>
-          <a:xfrm>
-            <a:off x="11566300" y="4656837"/>
-            <a:ext cx="414779" cy="414780"/>
-          </a:xfrm>
-          <a:prstGeom prst="ellipse">
-            <a:avLst/>
-          </a:prstGeom>
-          <a:scene3d>
-            <a:camera prst="orthographicFront"/>
-            <a:lightRig rig="threePt" dir="t"/>
-          </a:scene3d>
-          <a:sp3d>
-            <a:bevelT prst="angle"/>
-          </a:sp3d>
-        </p:spPr>
-        <p:style>
-          <a:lnRef idx="2">
-            <a:schemeClr val="accent1">
-              <a:shade val="50000"/>
-            </a:schemeClr>
-          </a:lnRef>
-          <a:fillRef idx="1">
-            <a:schemeClr val="accent1"/>
-          </a:fillRef>
-          <a:effectRef idx="0">
-            <a:schemeClr val="accent1"/>
-          </a:effectRef>
-          <a:fontRef idx="minor">
-            <a:schemeClr val="lt1"/>
-          </a:fontRef>
-        </p:style>
-        <p:txBody>
-          <a:bodyPr rtlCol="0" anchor="ctr">
-            <a:sp3d extrusionH="57150">
-              <a:bevelT w="38100" h="38100" prst="angle"/>
-            </a:sp3d>
-          </a:bodyPr>
-          <a:lstStyle/>
-          <a:p>
-            <a:pPr algn="ctr"/>
-            <a:endParaRPr lang="en-US"/>
-          </a:p>
-        </p:txBody>
-      </p:sp>
-      <p:sp>
-        <p:nvSpPr>
-          <p:cNvPr id="13" name="Oval 12"/>
-          <p:cNvSpPr/>
-          <p:nvPr/>
-        </p:nvSpPr>
-        <p:spPr>
-          <a:xfrm>
-            <a:off x="11584763" y="2149310"/>
-            <a:ext cx="377856" cy="386499"/>
-          </a:xfrm>
-          <a:prstGeom prst="ellipse">
-            <a:avLst/>
-          </a:prstGeom>
-          <a:scene3d>
-            <a:camera prst="orthographicFront"/>
-            <a:lightRig rig="threePt" dir="t"/>
-          </a:scene3d>
-          <a:sp3d>
-            <a:bevelT prst="angle"/>
-          </a:sp3d>
-        </p:spPr>
-        <p:style>
-          <a:lnRef idx="2">
-            <a:schemeClr val="accent1">
-              <a:shade val="50000"/>
-            </a:schemeClr>
-          </a:lnRef>
-          <a:fillRef idx="1">
-            <a:schemeClr val="accent1"/>
-          </a:fillRef>
-          <a:effectRef idx="0">
-            <a:schemeClr val="accent1"/>
-          </a:effectRef>
-          <a:fontRef idx="minor">
-            <a:schemeClr val="lt1"/>
-          </a:fontRef>
-        </p:style>
-        <p:txBody>
-          <a:bodyPr rtlCol="0" anchor="ctr">
-            <a:sp3d extrusionH="57150">
-              <a:bevelT w="38100" h="38100" prst="angle"/>
-            </a:sp3d>
-          </a:bodyPr>
-          <a:lstStyle/>
-          <a:p>
-            <a:pPr algn="ctr"/>
-            <a:endParaRPr lang="en-US"/>
-          </a:p>
-        </p:txBody>
-      </p:sp>
-      <p:sp>
-        <p:nvSpPr>
-          <p:cNvPr id="12" name="Oval 11"/>
-          <p:cNvSpPr/>
-          <p:nvPr/>
-        </p:nvSpPr>
-        <p:spPr>
-          <a:xfrm>
-            <a:off x="11584762" y="3405429"/>
-            <a:ext cx="377857" cy="381788"/>
-          </a:xfrm>
-          <a:prstGeom prst="ellipse">
-            <a:avLst/>
-          </a:prstGeom>
-          <a:solidFill>
-            <a:schemeClr val="accent2">
-              <a:lumMod val="75000"/>
-            </a:schemeClr>
-          </a:solidFill>
           <a:scene3d>
             <a:camera prst="orthographicFront"/>
             <a:lightRig rig="threePt" dir="t"/>
@@ -6031,31 +5334,38 @@
           <a:p>
             <a:pPr algn="ctr"/>
             <a:r>
+              <a:rPr lang="en-US" sz="3600" b="1" dirty="0">
+                <a:solidFill>
+                  <a:schemeClr val="accent4"/>
+                </a:solidFill>
+                <a:sym typeface="Wingdings" panose="05000000000000000000" pitchFamily="2" charset="2"/>
+              </a:rPr>
+              <a:t>{</a:t>
+            </a:r>
+            <a:r>
               <a:rPr lang="en-US" sz="3600" b="1" dirty="0" smtClean="0">
                 <a:solidFill>
                   <a:schemeClr val="accent4"/>
                 </a:solidFill>
                 <a:sym typeface="Wingdings" panose="05000000000000000000" pitchFamily="2" charset="2"/>
               </a:rPr>
-              <a:t>&lt;</a:t>
+              <a:t>  </a:t>
             </a:r>
             <a:r>
               <a:rPr lang="en-US" sz="3600" b="1" dirty="0" smtClean="0">
                 <a:solidFill>
-                  <a:srgbClr val="00B050"/>
-                </a:solidFill>
-                <a:sym typeface="Wingdings" panose="05000000000000000000" pitchFamily="2" charset="2"/>
-              </a:rPr>
-              <a:t>\</a:t>
+                  <a:schemeClr val="accent4"/>
+                </a:solidFill>
+              </a:rPr>
+              <a:t>CONTROL </a:t>
             </a:r>
             <a:r>
               <a:rPr lang="en-US" sz="3600" b="1" dirty="0" smtClean="0">
                 <a:solidFill>
                   <a:schemeClr val="accent4"/>
                 </a:solidFill>
-                <a:sym typeface="Wingdings" panose="05000000000000000000" pitchFamily="2" charset="2"/>
-              </a:rPr>
-              <a:t>    </a:t>
+              </a:rPr>
+              <a:t>STRUCTURE  </a:t>
             </a:r>
             <a:r>
               <a:rPr lang="en-US" sz="3600" b="1" dirty="0" smtClean="0">
@@ -6063,142 +5373,11 @@
                   <a:schemeClr val="accent4"/>
                 </a:solidFill>
               </a:rPr>
-              <a:t>CONTROL STRUCTURE    </a:t>
-            </a:r>
-            <a:r>
-              <a:rPr lang="en-US" sz="3600" b="1" dirty="0" smtClean="0">
-                <a:solidFill>
-                  <a:srgbClr val="00B050"/>
-                </a:solidFill>
-              </a:rPr>
-              <a:t>/</a:t>
-            </a:r>
-            <a:r>
-              <a:rPr lang="en-US" sz="3600" b="1" dirty="0" smtClean="0">
-                <a:solidFill>
-                  <a:schemeClr val="accent4"/>
-                </a:solidFill>
-              </a:rPr>
-              <a:t>&gt;</a:t>
+              <a:t>}</a:t>
             </a:r>
             <a:endParaRPr lang="en-US" sz="3600" b="1" dirty="0">
               <a:solidFill>
                 <a:schemeClr val="accent4"/>
-              </a:solidFill>
-            </a:endParaRPr>
-          </a:p>
-        </p:txBody>
-      </p:sp>
-      <p:sp>
-        <p:nvSpPr>
-          <p:cNvPr id="10" name="Rectangle 9"/>
-          <p:cNvSpPr/>
-          <p:nvPr/>
-        </p:nvSpPr>
-        <p:spPr>
-          <a:xfrm flipV="1">
-            <a:off x="3444240" y="904240"/>
-            <a:ext cx="5634558" cy="497993"/>
-          </a:xfrm>
-          <a:prstGeom prst="rect">
-            <a:avLst/>
-          </a:prstGeom>
-          <a:noFill/>
-          <a:ln>
-            <a:noFill/>
-          </a:ln>
-          <a:scene3d>
-            <a:camera prst="orthographicFront"/>
-            <a:lightRig rig="threePt" dir="t"/>
-          </a:scene3d>
-          <a:sp3d>
-            <a:bevelT prst="angle"/>
-          </a:sp3d>
-        </p:spPr>
-        <p:style>
-          <a:lnRef idx="2">
-            <a:schemeClr val="accent1">
-              <a:shade val="50000"/>
-            </a:schemeClr>
-          </a:lnRef>
-          <a:fillRef idx="1">
-            <a:schemeClr val="accent1"/>
-          </a:fillRef>
-          <a:effectRef idx="0">
-            <a:schemeClr val="accent1"/>
-          </a:effectRef>
-          <a:fontRef idx="minor">
-            <a:schemeClr val="lt1"/>
-          </a:fontRef>
-        </p:style>
-        <p:txBody>
-          <a:bodyPr rtlCol="0" anchor="ctr">
-            <a:sp3d extrusionH="57150">
-              <a:bevelT w="38100" h="38100" prst="angle"/>
-            </a:sp3d>
-          </a:bodyPr>
-          <a:lstStyle/>
-          <a:p>
-            <a:pPr algn="ctr"/>
-            <a:r>
-              <a:rPr lang="en-US" sz="7200" dirty="0" smtClean="0">
-                <a:solidFill>
-                  <a:srgbClr val="0070C0"/>
-                </a:solidFill>
-              </a:rPr>
-              <a:t>--</a:t>
-            </a:r>
-            <a:r>
-              <a:rPr lang="en-US" sz="7200" dirty="0" smtClean="0">
-                <a:solidFill>
-                  <a:srgbClr val="00B050"/>
-                </a:solidFill>
-              </a:rPr>
-              <a:t> - </a:t>
-            </a:r>
-            <a:r>
-              <a:rPr lang="en-US" sz="7200" dirty="0" smtClean="0">
-                <a:solidFill>
-                  <a:schemeClr val="accent4"/>
-                </a:solidFill>
-              </a:rPr>
-              <a:t>--</a:t>
-            </a:r>
-            <a:r>
-              <a:rPr lang="en-US" sz="7200" dirty="0" smtClean="0">
-                <a:solidFill>
-                  <a:srgbClr val="00B050"/>
-                </a:solidFill>
-              </a:rPr>
-              <a:t> - </a:t>
-            </a:r>
-            <a:r>
-              <a:rPr lang="en-US" sz="7200" dirty="0" smtClean="0">
-                <a:solidFill>
-                  <a:schemeClr val="accent4"/>
-                </a:solidFill>
-              </a:rPr>
-              <a:t>--</a:t>
-            </a:r>
-            <a:r>
-              <a:rPr lang="en-US" sz="7200" dirty="0" smtClean="0">
-                <a:solidFill>
-                  <a:srgbClr val="00B050"/>
-                </a:solidFill>
-              </a:rPr>
-              <a:t> - </a:t>
-            </a:r>
-            <a:r>
-              <a:rPr lang="en-US" sz="7200" dirty="0" smtClean="0">
-                <a:solidFill>
-                  <a:srgbClr val="0070C0"/>
-                </a:solidFill>
-              </a:rPr>
-              <a:t>--</a:t>
-            </a:r>
-            <a:endParaRPr lang="en-US" sz="4400" dirty="0">
-              <a:solidFill>
-                <a:srgbClr val="0070C0"/>
               </a:solidFill>
             </a:endParaRPr>
           </a:p>
@@ -6267,114 +5446,6 @@
         <p:spPr>
           <a:xfrm>
             <a:off x="406731" y="6053579"/>
-            <a:ext cx="112336" cy="113123"/>
-          </a:xfrm>
-          <a:prstGeom prst="ellipse">
-            <a:avLst/>
-          </a:prstGeom>
-          <a:solidFill>
-            <a:srgbClr val="00B0F0"/>
-          </a:solidFill>
-          <a:scene3d>
-            <a:camera prst="orthographicFront"/>
-            <a:lightRig rig="threePt" dir="t"/>
-          </a:scene3d>
-          <a:sp3d>
-            <a:bevelT prst="angle"/>
-          </a:sp3d>
-        </p:spPr>
-        <p:style>
-          <a:lnRef idx="2">
-            <a:schemeClr val="accent1">
-              <a:shade val="50000"/>
-            </a:schemeClr>
-          </a:lnRef>
-          <a:fillRef idx="1">
-            <a:schemeClr val="accent1"/>
-          </a:fillRef>
-          <a:effectRef idx="0">
-            <a:schemeClr val="accent1"/>
-          </a:effectRef>
-          <a:fontRef idx="minor">
-            <a:schemeClr val="lt1"/>
-          </a:fontRef>
-        </p:style>
-        <p:txBody>
-          <a:bodyPr rtlCol="0" anchor="ctr">
-            <a:sp3d extrusionH="57150">
-              <a:bevelT w="38100" h="38100" prst="angle"/>
-            </a:sp3d>
-          </a:bodyPr>
-          <a:lstStyle/>
-          <a:p>
-            <a:pPr algn="ctr"/>
-            <a:endParaRPr lang="en-US"/>
-          </a:p>
-        </p:txBody>
-      </p:sp>
-      <p:sp>
-        <p:nvSpPr>
-          <p:cNvPr id="19" name="Oval 18"/>
-          <p:cNvSpPr/>
-          <p:nvPr/>
-        </p:nvSpPr>
-        <p:spPr>
-          <a:xfrm>
-            <a:off x="11693952" y="6166702"/>
-            <a:ext cx="112336" cy="113123"/>
-          </a:xfrm>
-          <a:prstGeom prst="ellipse">
-            <a:avLst/>
-          </a:prstGeom>
-          <a:solidFill>
-            <a:srgbClr val="00B0F0"/>
-          </a:solidFill>
-          <a:scene3d>
-            <a:camera prst="orthographicFront"/>
-            <a:lightRig rig="threePt" dir="t"/>
-          </a:scene3d>
-          <a:sp3d>
-            <a:bevelT prst="angle"/>
-          </a:sp3d>
-        </p:spPr>
-        <p:style>
-          <a:lnRef idx="2">
-            <a:schemeClr val="accent1">
-              <a:shade val="50000"/>
-            </a:schemeClr>
-          </a:lnRef>
-          <a:fillRef idx="1">
-            <a:schemeClr val="accent1"/>
-          </a:fillRef>
-          <a:effectRef idx="0">
-            <a:schemeClr val="accent1"/>
-          </a:effectRef>
-          <a:fontRef idx="minor">
-            <a:schemeClr val="lt1"/>
-          </a:fontRef>
-        </p:style>
-        <p:txBody>
-          <a:bodyPr rtlCol="0" anchor="ctr">
-            <a:sp3d extrusionH="57150">
-              <a:bevelT w="38100" h="38100" prst="angle"/>
-            </a:sp3d>
-          </a:bodyPr>
-          <a:lstStyle/>
-          <a:p>
-            <a:pPr algn="ctr"/>
-            <a:endParaRPr lang="en-US"/>
-          </a:p>
-        </p:txBody>
-      </p:sp>
-      <p:sp>
-        <p:nvSpPr>
-          <p:cNvPr id="20" name="Oval 19"/>
-          <p:cNvSpPr/>
-          <p:nvPr/>
-        </p:nvSpPr>
-        <p:spPr>
-          <a:xfrm>
-            <a:off x="11707701" y="1056581"/>
             <a:ext cx="112336" cy="113123"/>
           </a:xfrm>
           <a:prstGeom prst="ellipse">
@@ -6697,7 +5768,7 @@
         </p:nvSpPr>
         <p:spPr>
           <a:xfrm>
-            <a:off x="7036348" y="1693744"/>
+            <a:off x="6897726" y="1791354"/>
             <a:ext cx="3972560" cy="341507"/>
           </a:xfrm>
           <a:prstGeom prst="rect">
@@ -6923,14 +5994,158 @@
       </p:sp>
       <p:sp>
         <p:nvSpPr>
-          <p:cNvPr id="27" name="Rectangle 26"/>
+          <p:cNvPr id="29" name="Rectangle 28"/>
           <p:cNvSpPr/>
           <p:nvPr/>
         </p:nvSpPr>
         <p:spPr>
-          <a:xfrm flipV="1">
-            <a:off x="1601882" y="2233458"/>
-            <a:ext cx="3861936" cy="246483"/>
+          <a:xfrm>
+            <a:off x="2346960" y="5638800"/>
+            <a:ext cx="6898640" cy="414779"/>
+          </a:xfrm>
+          <a:prstGeom prst="rect">
+            <a:avLst/>
+          </a:prstGeom>
+          <a:noFill/>
+          <a:ln>
+            <a:noFill/>
+          </a:ln>
+        </p:spPr>
+        <p:style>
+          <a:lnRef idx="2">
+            <a:schemeClr val="accent1">
+              <a:shade val="50000"/>
+            </a:schemeClr>
+          </a:lnRef>
+          <a:fillRef idx="1">
+            <a:schemeClr val="accent1"/>
+          </a:fillRef>
+          <a:effectRef idx="0">
+            <a:schemeClr val="accent1"/>
+          </a:effectRef>
+          <a:fontRef idx="minor">
+            <a:schemeClr val="lt1"/>
+          </a:fontRef>
+        </p:style>
+        <p:txBody>
+          <a:bodyPr rtlCol="0" anchor="ctr"/>
+          <a:lstStyle/>
+          <a:p>
+            <a:pPr algn="ctr"/>
+            <a:r>
+              <a:rPr lang="en-US" dirty="0" smtClean="0"/>
+              <a:t>__</a:t>
+            </a:r>
+            <a:r>
+              <a:rPr lang="en-US" dirty="0" smtClean="0"/>
+              <a:t>Control </a:t>
+            </a:r>
+            <a:r>
+              <a:rPr lang="en-US" dirty="0" smtClean="0"/>
+              <a:t>Structures, they </a:t>
+            </a:r>
+            <a:r>
+              <a:rPr lang="en-US" dirty="0"/>
+              <a:t>make programs </a:t>
+            </a:r>
+            <a:r>
+              <a:rPr lang="en-US" b="1" dirty="0"/>
+              <a:t>dynamic</a:t>
+            </a:r>
+            <a:r>
+              <a:rPr lang="en-US" dirty="0"/>
+              <a:t> and </a:t>
+            </a:r>
+            <a:r>
+              <a:rPr lang="en-US" b="1" dirty="0" smtClean="0"/>
+              <a:t>intelligent</a:t>
+            </a:r>
+            <a:r>
+              <a:rPr lang="en-US" dirty="0" smtClean="0"/>
+              <a:t>.__</a:t>
+            </a:r>
+            <a:endParaRPr lang="en-US" dirty="0">
+              <a:solidFill>
+                <a:schemeClr val="accent4"/>
+              </a:solidFill>
+            </a:endParaRPr>
+          </a:p>
+        </p:txBody>
+      </p:sp>
+      <p:sp>
+        <p:nvSpPr>
+          <p:cNvPr id="31" name="Rectangle 30"/>
+          <p:cNvSpPr/>
+          <p:nvPr/>
+        </p:nvSpPr>
+        <p:spPr>
+          <a:xfrm>
+            <a:off x="5172931" y="6285277"/>
+            <a:ext cx="1645920" cy="239646"/>
+          </a:xfrm>
+          <a:prstGeom prst="rect">
+            <a:avLst/>
+          </a:prstGeom>
+          <a:noFill/>
+          <a:ln>
+            <a:noFill/>
+          </a:ln>
+        </p:spPr>
+        <p:style>
+          <a:lnRef idx="2">
+            <a:schemeClr val="accent1">
+              <a:shade val="50000"/>
+            </a:schemeClr>
+          </a:lnRef>
+          <a:fillRef idx="1">
+            <a:schemeClr val="accent1"/>
+          </a:fillRef>
+          <a:effectRef idx="0">
+            <a:schemeClr val="accent1"/>
+          </a:effectRef>
+          <a:fontRef idx="minor">
+            <a:schemeClr val="lt1"/>
+          </a:fontRef>
+        </p:style>
+        <p:txBody>
+          <a:bodyPr rtlCol="0" anchor="ctr">
+            <a:scene3d>
+              <a:camera prst="orthographicFront"/>
+              <a:lightRig rig="threePt" dir="t"/>
+            </a:scene3d>
+            <a:sp3d extrusionH="57150">
+              <a:bevelT w="38100" h="38100" prst="angle"/>
+            </a:sp3d>
+          </a:bodyPr>
+          <a:lstStyle/>
+          <a:p>
+            <a:pPr algn="ctr"/>
+            <a:r>
+              <a:rPr lang="en-US" b="1" dirty="0" smtClean="0">
+                <a:solidFill>
+                  <a:schemeClr val="accent4"/>
+                </a:solidFill>
+              </a:rPr>
+              <a:t>{}</a:t>
+            </a:r>
+            <a:endParaRPr lang="en-US" b="1" dirty="0">
+              <a:solidFill>
+                <a:schemeClr val="accent4"/>
+              </a:solidFill>
+            </a:endParaRPr>
+          </a:p>
+        </p:txBody>
+      </p:sp>
+      <p:sp>
+        <p:nvSpPr>
+          <p:cNvPr id="33" name="Rectangle 32"/>
+          <p:cNvSpPr/>
+          <p:nvPr/>
+        </p:nvSpPr>
+        <p:spPr>
+          <a:xfrm rot="5400000">
+            <a:off x="8921497" y="3518630"/>
+            <a:ext cx="5612998" cy="424207"/>
           </a:xfrm>
           <a:prstGeom prst="rect">
             <a:avLst/>
@@ -6973,281 +6188,46 @@
           <a:p>
             <a:pPr algn="ctr"/>
             <a:r>
-              <a:rPr lang="en-US" sz="7200" dirty="0" smtClean="0">
-                <a:solidFill>
-                  <a:srgbClr val="00B050"/>
-                </a:solidFill>
-              </a:rPr>
-              <a:t> -- - </a:t>
-            </a:r>
-            <a:r>
-              <a:rPr lang="en-US" sz="7200" dirty="0" smtClean="0">
-                <a:solidFill>
-                  <a:schemeClr val="accent4"/>
-                </a:solidFill>
-              </a:rPr>
-              <a:t>--</a:t>
-            </a:r>
-            <a:r>
-              <a:rPr lang="en-US" sz="7200" dirty="0" smtClean="0">
-                <a:solidFill>
-                  <a:srgbClr val="00B050"/>
-                </a:solidFill>
-              </a:rPr>
-              <a:t> - --</a:t>
-            </a:r>
-            <a:endParaRPr lang="en-US" sz="4400" dirty="0">
-              <a:solidFill>
-                <a:srgbClr val="00B050"/>
-              </a:solidFill>
-            </a:endParaRPr>
-          </a:p>
-        </p:txBody>
-      </p:sp>
-      <p:sp>
-        <p:nvSpPr>
-          <p:cNvPr id="28" name="Rectangle 27"/>
-          <p:cNvSpPr/>
-          <p:nvPr/>
-        </p:nvSpPr>
-        <p:spPr>
-          <a:xfrm flipV="1">
-            <a:off x="7316338" y="2091671"/>
-            <a:ext cx="3861936" cy="298572"/>
-          </a:xfrm>
-          <a:prstGeom prst="rect">
-            <a:avLst/>
-          </a:prstGeom>
-          <a:noFill/>
-          <a:ln>
-            <a:noFill/>
-          </a:ln>
-          <a:scene3d>
-            <a:camera prst="orthographicFront"/>
-            <a:lightRig rig="threePt" dir="t"/>
-          </a:scene3d>
-          <a:sp3d>
-            <a:bevelT prst="angle"/>
-          </a:sp3d>
-        </p:spPr>
-        <p:style>
-          <a:lnRef idx="2">
-            <a:schemeClr val="accent1">
-              <a:shade val="50000"/>
-            </a:schemeClr>
-          </a:lnRef>
-          <a:fillRef idx="1">
-            <a:schemeClr val="accent1"/>
-          </a:fillRef>
-          <a:effectRef idx="0">
-            <a:schemeClr val="accent1"/>
-          </a:effectRef>
-          <a:fontRef idx="minor">
-            <a:schemeClr val="lt1"/>
-          </a:fontRef>
-        </p:style>
-        <p:txBody>
-          <a:bodyPr rtlCol="0" anchor="ctr">
-            <a:sp3d extrusionH="57150">
-              <a:bevelT w="38100" h="38100" prst="angle"/>
-            </a:sp3d>
-          </a:bodyPr>
-          <a:lstStyle/>
-          <a:p>
-            <a:pPr algn="ctr"/>
-            <a:r>
-              <a:rPr lang="en-US" sz="7200" dirty="0" smtClean="0">
-                <a:solidFill>
-                  <a:srgbClr val="00B050"/>
-                </a:solidFill>
-              </a:rPr>
-              <a:t> -- - </a:t>
-            </a:r>
-            <a:r>
-              <a:rPr lang="en-US" sz="7200" dirty="0" smtClean="0">
-                <a:solidFill>
-                  <a:schemeClr val="accent4"/>
-                </a:solidFill>
-              </a:rPr>
-              <a:t>--</a:t>
-            </a:r>
-            <a:r>
-              <a:rPr lang="en-US" sz="7200" dirty="0" smtClean="0">
-                <a:solidFill>
-                  <a:srgbClr val="00B050"/>
-                </a:solidFill>
-              </a:rPr>
-              <a:t> - --</a:t>
-            </a:r>
-            <a:endParaRPr lang="en-US" sz="4400" dirty="0">
-              <a:solidFill>
-                <a:srgbClr val="00B050"/>
-              </a:solidFill>
-            </a:endParaRPr>
-          </a:p>
-        </p:txBody>
-      </p:sp>
-      <p:sp>
-        <p:nvSpPr>
-          <p:cNvPr id="29" name="Rectangle 28"/>
-          <p:cNvSpPr/>
-          <p:nvPr/>
-        </p:nvSpPr>
-        <p:spPr>
-          <a:xfrm>
-            <a:off x="2346960" y="5638800"/>
-            <a:ext cx="6898640" cy="414779"/>
-          </a:xfrm>
-          <a:prstGeom prst="rect">
-            <a:avLst/>
-          </a:prstGeom>
-          <a:noFill/>
-          <a:ln>
-            <a:noFill/>
-          </a:ln>
-        </p:spPr>
-        <p:style>
-          <a:lnRef idx="2">
-            <a:schemeClr val="accent1">
-              <a:shade val="50000"/>
-            </a:schemeClr>
-          </a:lnRef>
-          <a:fillRef idx="1">
-            <a:schemeClr val="accent1"/>
-          </a:fillRef>
-          <a:effectRef idx="0">
-            <a:schemeClr val="accent1"/>
-          </a:effectRef>
-          <a:fontRef idx="minor">
-            <a:schemeClr val="lt1"/>
-          </a:fontRef>
-        </p:style>
-        <p:txBody>
-          <a:bodyPr rtlCol="0" anchor="ctr"/>
-          <a:lstStyle/>
-          <a:p>
-            <a:pPr algn="ctr"/>
-            <a:r>
-              <a:rPr lang="en-US" dirty="0" smtClean="0">
-                <a:solidFill>
-                  <a:schemeClr val="accent4"/>
-                </a:solidFill>
-              </a:rPr>
-              <a:t>&lt;\</a:t>
-            </a:r>
-            <a:r>
-              <a:rPr lang="en-US" dirty="0" smtClean="0"/>
-              <a:t> Control Structures, they </a:t>
-            </a:r>
-            <a:r>
-              <a:rPr lang="en-US" dirty="0"/>
-              <a:t>make programs </a:t>
-            </a:r>
-            <a:r>
-              <a:rPr lang="en-US" b="1" dirty="0"/>
-              <a:t>dynamic</a:t>
-            </a:r>
-            <a:r>
-              <a:rPr lang="en-US" dirty="0"/>
-              <a:t> and </a:t>
-            </a:r>
-            <a:r>
-              <a:rPr lang="en-US" b="1" dirty="0"/>
-              <a:t>intelligent</a:t>
-            </a:r>
-            <a:r>
-              <a:rPr lang="en-US" dirty="0" smtClean="0"/>
-              <a:t>.  </a:t>
-            </a:r>
-            <a:r>
-              <a:rPr lang="en-US" dirty="0" smtClean="0">
-                <a:solidFill>
-                  <a:schemeClr val="accent4"/>
-                </a:solidFill>
-              </a:rPr>
-              <a:t>/&gt;</a:t>
-            </a:r>
-            <a:endParaRPr lang="en-US" dirty="0">
-              <a:solidFill>
-                <a:schemeClr val="accent4"/>
-              </a:solidFill>
-            </a:endParaRPr>
-          </a:p>
-        </p:txBody>
-      </p:sp>
-      <p:sp>
-        <p:nvSpPr>
-          <p:cNvPr id="31" name="Rectangle 30"/>
-          <p:cNvSpPr/>
-          <p:nvPr/>
-        </p:nvSpPr>
-        <p:spPr>
-          <a:xfrm>
-            <a:off x="5102132" y="6304597"/>
-            <a:ext cx="1645920" cy="162560"/>
-          </a:xfrm>
-          <a:prstGeom prst="rect">
-            <a:avLst/>
-          </a:prstGeom>
-          <a:noFill/>
-          <a:ln>
-            <a:noFill/>
-          </a:ln>
-        </p:spPr>
-        <p:style>
-          <a:lnRef idx="2">
-            <a:schemeClr val="accent1">
-              <a:shade val="50000"/>
-            </a:schemeClr>
-          </a:lnRef>
-          <a:fillRef idx="1">
-            <a:schemeClr val="accent1"/>
-          </a:fillRef>
-          <a:effectRef idx="0">
-            <a:schemeClr val="accent1"/>
-          </a:effectRef>
-          <a:fontRef idx="minor">
-            <a:schemeClr val="lt1"/>
-          </a:fontRef>
-        </p:style>
-        <p:txBody>
-          <a:bodyPr rtlCol="0" anchor="ctr">
-            <a:scene3d>
-              <a:camera prst="orthographicFront"/>
-              <a:lightRig rig="threePt" dir="t"/>
-            </a:scene3d>
-            <a:sp3d extrusionH="57150">
-              <a:bevelT w="38100" h="38100" prst="angle"/>
-            </a:sp3d>
-          </a:bodyPr>
-          <a:lstStyle/>
-          <a:p>
-            <a:pPr algn="ctr"/>
-            <a:r>
-              <a:rPr lang="en-US" b="1" dirty="0" smtClean="0">
-                <a:solidFill>
-                  <a:schemeClr val="accent4"/>
-                </a:solidFill>
-              </a:rPr>
-              <a:t>&lt;</a:t>
-            </a:r>
-            <a:r>
-              <a:rPr lang="en-US" b="1" dirty="0" smtClean="0">
-                <a:solidFill>
-                  <a:schemeClr val="accent5"/>
-                </a:solidFill>
-              </a:rPr>
-              <a:t>/</a:t>
-            </a:r>
-            <a:r>
-              <a:rPr lang="en-US" b="1" dirty="0" smtClean="0">
-                <a:solidFill>
-                  <a:schemeClr val="accent4"/>
-                </a:solidFill>
-              </a:rPr>
-              <a:t>&gt;</a:t>
-            </a:r>
-            <a:endParaRPr lang="en-US" b="1" dirty="0">
+              <a:rPr lang="en-US" sz="1600" b="1" dirty="0" smtClean="0">
+                <a:solidFill>
+                  <a:schemeClr val="accent4"/>
+                </a:solidFill>
+              </a:rPr>
+              <a:t>[ </a:t>
+            </a:r>
+            <a:r>
+              <a:rPr lang="en-US" sz="1600" b="1" dirty="0">
+                <a:solidFill>
+                  <a:schemeClr val="accent4"/>
+                </a:solidFill>
+              </a:rPr>
+              <a:t>INTRO </a:t>
+            </a:r>
+            <a:r>
+              <a:rPr lang="en-US" sz="1600" b="1" dirty="0" smtClean="0">
+                <a:solidFill>
+                  <a:schemeClr val="accent4"/>
+                </a:solidFill>
+              </a:rPr>
+              <a:t> TO   </a:t>
+            </a:r>
+            <a:r>
+              <a:rPr lang="en-US" sz="1600" b="1" dirty="0">
+                <a:solidFill>
+                  <a:schemeClr val="accent4"/>
+                </a:solidFill>
+              </a:rPr>
+              <a:t>COMPUTER </a:t>
+            </a:r>
+            <a:r>
+              <a:rPr lang="en-US" sz="1600" b="1" dirty="0" smtClean="0">
+                <a:solidFill>
+                  <a:schemeClr val="accent4"/>
+                </a:solidFill>
+              </a:rPr>
+              <a:t> PROGRAMMING  ]</a:t>
+            </a:r>
+            <a:endParaRPr lang="en-US" sz="1600" b="1" dirty="0">
               <a:solidFill>
                 <a:schemeClr val="accent4"/>
               </a:solidFill>
@@ -7286,7 +6266,7 @@
                             </p:stCondLst>
                             <p:childTnLst>
                               <p:par>
-                                <p:cTn id="5" presetID="1" presetClass="entr" presetSubtype="0" fill="hold" grpId="0" nodeType="clickEffect">
+                                <p:cTn id="5" presetID="10" presetClass="entr" presetSubtype="0" fill="hold" grpId="0" nodeType="clickEffect">
                                   <p:stCondLst>
                                     <p:cond delay="0"/>
                                   </p:stCondLst>
@@ -7294,78 +6274,6 @@
                                     <p:set>
                                       <p:cBhvr>
                                         <p:cTn id="6" dur="1" fill="hold">
-                                          <p:stCondLst>
-                                            <p:cond delay="0"/>
-                                          </p:stCondLst>
-                                        </p:cTn>
-                                        <p:tgtEl>
-                                          <p:spTgt spid="24"/>
-                                        </p:tgtEl>
-                                        <p:attrNameLst>
-                                          <p:attrName>style.visibility</p:attrName>
-                                        </p:attrNameLst>
-                                      </p:cBhvr>
-                                      <p:to>
-                                        <p:strVal val="visible"/>
-                                      </p:to>
-                                    </p:set>
-                                  </p:childTnLst>
-                                </p:cTn>
-                              </p:par>
-                              <p:par>
-                                <p:cTn id="7" presetID="1" presetClass="entr" presetSubtype="0" fill="hold" grpId="0" nodeType="withEffect">
-                                  <p:stCondLst>
-                                    <p:cond delay="0"/>
-                                  </p:stCondLst>
-                                  <p:childTnLst>
-                                    <p:set>
-                                      <p:cBhvr>
-                                        <p:cTn id="8" dur="1" fill="hold">
-                                          <p:stCondLst>
-                                            <p:cond delay="0"/>
-                                          </p:stCondLst>
-                                        </p:cTn>
-                                        <p:tgtEl>
-                                          <p:spTgt spid="27"/>
-                                        </p:tgtEl>
-                                        <p:attrNameLst>
-                                          <p:attrName>style.visibility</p:attrName>
-                                        </p:attrNameLst>
-                                      </p:cBhvr>
-                                      <p:to>
-                                        <p:strVal val="visible"/>
-                                      </p:to>
-                                    </p:set>
-                                  </p:childTnLst>
-                                </p:cTn>
-                              </p:par>
-                            </p:childTnLst>
-                          </p:cTn>
-                        </p:par>
-                      </p:childTnLst>
-                    </p:cTn>
-                  </p:par>
-                  <p:par>
-                    <p:cTn id="9" fill="hold">
-                      <p:stCondLst>
-                        <p:cond delay="indefinite"/>
-                      </p:stCondLst>
-                      <p:childTnLst>
-                        <p:par>
-                          <p:cTn id="10" fill="hold">
-                            <p:stCondLst>
-                              <p:cond delay="0"/>
-                            </p:stCondLst>
-                            <p:childTnLst>
-                              <p:par>
-                                <p:cTn id="11" presetID="10" presetClass="entr" presetSubtype="0" fill="hold" grpId="0" nodeType="clickEffect">
-                                  <p:stCondLst>
-                                    <p:cond delay="0"/>
-                                  </p:stCondLst>
-                                  <p:childTnLst>
-                                    <p:set>
-                                      <p:cBhvr>
-                                        <p:cTn id="12" dur="1" fill="hold">
                                           <p:stCondLst>
                                             <p:cond delay="0"/>
                                           </p:stCondLst>
@@ -7383,7 +6291,7 @@
                                     </p:set>
                                     <p:animEffect transition="in" filter="fade">
                                       <p:cBhvr>
-                                        <p:cTn id="13" dur="500"/>
+                                        <p:cTn id="7" dur="500"/>
                                         <p:tgtEl>
                                           <p:spTgt spid="4"/>
                                         </p:tgtEl>
@@ -7399,26 +6307,26 @@
                     </p:cTn>
                   </p:par>
                   <p:par>
-                    <p:cTn id="14" fill="hold">
+                    <p:cTn id="8" fill="hold">
                       <p:stCondLst>
                         <p:cond delay="indefinite"/>
                       </p:stCondLst>
                       <p:childTnLst>
                         <p:par>
-                          <p:cTn id="15" fill="hold">
+                          <p:cTn id="9" fill="hold">
                             <p:stCondLst>
                               <p:cond delay="0"/>
                             </p:stCondLst>
                             <p:childTnLst>
                               <p:par>
-                                <p:cTn id="16" presetID="10" presetClass="entr" presetSubtype="0" fill="hold" grpId="0" nodeType="clickEffect">
+                                <p:cTn id="10" presetID="10" presetClass="entr" presetSubtype="0" fill="hold" grpId="0" nodeType="clickEffect">
                                   <p:stCondLst>
                                     <p:cond delay="0"/>
                                   </p:stCondLst>
                                   <p:childTnLst>
                                     <p:set>
                                       <p:cBhvr>
-                                        <p:cTn id="17" dur="1" fill="hold">
+                                        <p:cTn id="11" dur="1" fill="hold">
                                           <p:stCondLst>
                                             <p:cond delay="0"/>
                                           </p:stCondLst>
@@ -7436,7 +6344,7 @@
                                     </p:set>
                                     <p:animEffect transition="in" filter="fade">
                                       <p:cBhvr>
-                                        <p:cTn id="18" dur="500"/>
+                                        <p:cTn id="12" dur="500"/>
                                         <p:tgtEl>
                                           <p:spTgt spid="29"/>
                                         </p:tgtEl>
@@ -7452,26 +6360,26 @@
                     </p:cTn>
                   </p:par>
                   <p:par>
-                    <p:cTn id="19" fill="hold">
+                    <p:cTn id="13" fill="hold">
                       <p:stCondLst>
                         <p:cond delay="indefinite"/>
                       </p:stCondLst>
                       <p:childTnLst>
                         <p:par>
-                          <p:cTn id="20" fill="hold">
+                          <p:cTn id="14" fill="hold">
                             <p:stCondLst>
                               <p:cond delay="0"/>
                             </p:stCondLst>
                             <p:childTnLst>
                               <p:par>
-                                <p:cTn id="21" presetID="10" presetClass="entr" presetSubtype="0" fill="hold" grpId="0" nodeType="clickEffect">
+                                <p:cTn id="15" presetID="10" presetClass="entr" presetSubtype="0" fill="hold" grpId="0" nodeType="clickEffect">
                                   <p:stCondLst>
                                     <p:cond delay="0"/>
                                   </p:stCondLst>
                                   <p:childTnLst>
                                     <p:set>
                                       <p:cBhvr>
-                                        <p:cTn id="22" dur="1" fill="hold">
+                                        <p:cTn id="16" dur="1" fill="hold">
                                           <p:stCondLst>
                                             <p:cond delay="0"/>
                                           </p:stCondLst>
@@ -7489,44 +6397,9 @@
                                     </p:set>
                                     <p:animEffect transition="in" filter="fade">
                                       <p:cBhvr>
-                                        <p:cTn id="23" dur="500"/>
+                                        <p:cTn id="17" dur="500"/>
                                         <p:tgtEl>
                                           <p:spTgt spid="25"/>
-                                        </p:tgtEl>
-                                      </p:cBhvr>
-                                    </p:animEffect>
-                                  </p:childTnLst>
-                                </p:cTn>
-                              </p:par>
-                              <p:par>
-                                <p:cTn id="24" presetID="10" presetClass="entr" presetSubtype="0" fill="hold" grpId="0" nodeType="withEffect">
-                                  <p:stCondLst>
-                                    <p:cond delay="0"/>
-                                  </p:stCondLst>
-                                  <p:childTnLst>
-                                    <p:set>
-                                      <p:cBhvr>
-                                        <p:cTn id="25" dur="1" fill="hold">
-                                          <p:stCondLst>
-                                            <p:cond delay="0"/>
-                                          </p:stCondLst>
-                                        </p:cTn>
-                                        <p:tgtEl>
-                                          <p:spTgt spid="28"/>
-                                        </p:tgtEl>
-                                        <p:attrNameLst>
-                                          <p:attrName>style.visibility</p:attrName>
-                                        </p:attrNameLst>
-                                      </p:cBhvr>
-                                      <p:to>
-                                        <p:strVal val="visible"/>
-                                      </p:to>
-                                    </p:set>
-                                    <p:animEffect transition="in" filter="fade">
-                                      <p:cBhvr>
-                                        <p:cTn id="26" dur="500"/>
-                                        <p:tgtEl>
-                                          <p:spTgt spid="28"/>
                                         </p:tgtEl>
                                       </p:cBhvr>
                                     </p:animEffect>
@@ -7540,26 +6413,26 @@
                     </p:cTn>
                   </p:par>
                   <p:par>
-                    <p:cTn id="27" fill="hold">
+                    <p:cTn id="18" fill="hold">
                       <p:stCondLst>
                         <p:cond delay="indefinite"/>
                       </p:stCondLst>
                       <p:childTnLst>
                         <p:par>
-                          <p:cTn id="28" fill="hold">
+                          <p:cTn id="19" fill="hold">
                             <p:stCondLst>
                               <p:cond delay="0"/>
                             </p:stCondLst>
                             <p:childTnLst>
                               <p:par>
-                                <p:cTn id="29" presetID="10" presetClass="entr" presetSubtype="0" fill="hold" grpId="0" nodeType="clickEffect">
+                                <p:cTn id="20" presetID="10" presetClass="entr" presetSubtype="0" fill="hold" grpId="0" nodeType="clickEffect">
                                   <p:stCondLst>
                                     <p:cond delay="0"/>
                                   </p:stCondLst>
                                   <p:childTnLst>
                                     <p:set>
                                       <p:cBhvr>
-                                        <p:cTn id="30" dur="1" fill="hold">
+                                        <p:cTn id="21" dur="1" fill="hold">
                                           <p:stCondLst>
                                             <p:cond delay="0"/>
                                           </p:stCondLst>
@@ -7577,7 +6450,7 @@
                                     </p:set>
                                     <p:animEffect transition="in" filter="fade">
                                       <p:cBhvr>
-                                        <p:cTn id="31" dur="500"/>
+                                        <p:cTn id="22" dur="500"/>
                                         <p:tgtEl>
                                           <p:spTgt spid="26"/>
                                         </p:tgtEl>
@@ -7615,11 +6488,8 @@
     </p:tnLst>
     <p:bldLst>
       <p:bldP spid="4" grpId="0" animBg="1"/>
-      <p:bldP spid="24" grpId="0"/>
       <p:bldP spid="25" grpId="0"/>
       <p:bldP spid="26" grpId="0" animBg="1"/>
-      <p:bldP spid="27" grpId="0"/>
-      <p:bldP spid="28" grpId="0"/>
       <p:bldP spid="29" grpId="0"/>
     </p:bldLst>
   </p:timing>
@@ -7843,105 +6713,6 @@
       </p:sp>
       <p:sp>
         <p:nvSpPr>
-          <p:cNvPr id="3" name="Rectangle 2"/>
-          <p:cNvSpPr/>
-          <p:nvPr/>
-        </p:nvSpPr>
-        <p:spPr>
-          <a:xfrm rot="16200000">
-            <a:off x="8861199" y="3384220"/>
-            <a:ext cx="5665506" cy="424207"/>
-          </a:xfrm>
-          <a:prstGeom prst="rect">
-            <a:avLst/>
-          </a:prstGeom>
-          <a:noFill/>
-          <a:ln>
-            <a:noFill/>
-          </a:ln>
-          <a:scene3d>
-            <a:camera prst="orthographicFront"/>
-            <a:lightRig rig="threePt" dir="t"/>
-          </a:scene3d>
-          <a:sp3d>
-            <a:bevelT prst="angle"/>
-          </a:sp3d>
-        </p:spPr>
-        <p:style>
-          <a:lnRef idx="2">
-            <a:schemeClr val="accent1">
-              <a:shade val="50000"/>
-            </a:schemeClr>
-          </a:lnRef>
-          <a:fillRef idx="1">
-            <a:schemeClr val="accent1"/>
-          </a:fillRef>
-          <a:effectRef idx="0">
-            <a:schemeClr val="accent1"/>
-          </a:effectRef>
-          <a:fontRef idx="minor">
-            <a:schemeClr val="lt1"/>
-          </a:fontRef>
-        </p:style>
-        <p:txBody>
-          <a:bodyPr rtlCol="0" anchor="ctr">
-            <a:sp3d extrusionH="57150">
-              <a:bevelT w="38100" h="38100" prst="angle"/>
-            </a:sp3d>
-          </a:bodyPr>
-          <a:lstStyle/>
-          <a:p>
-            <a:pPr algn="ctr"/>
-            <a:r>
-              <a:rPr lang="en-US" sz="7200" dirty="0" smtClean="0">
-                <a:solidFill>
-                  <a:schemeClr val="accent4"/>
-                </a:solidFill>
-              </a:rPr>
-              <a:t>-- - </a:t>
-            </a:r>
-            <a:r>
-              <a:rPr lang="en-US" sz="7200" dirty="0" smtClean="0">
-                <a:solidFill>
-                  <a:srgbClr val="00B050"/>
-                </a:solidFill>
-              </a:rPr>
-              <a:t>--</a:t>
-            </a:r>
-            <a:r>
-              <a:rPr lang="en-US" sz="7200" dirty="0" smtClean="0">
-                <a:solidFill>
-                  <a:schemeClr val="accent4"/>
-                </a:solidFill>
-              </a:rPr>
-              <a:t> - </a:t>
-            </a:r>
-            <a:r>
-              <a:rPr lang="en-US" sz="7200" dirty="0" smtClean="0">
-                <a:solidFill>
-                  <a:srgbClr val="00B050"/>
-                </a:solidFill>
-              </a:rPr>
-              <a:t>--</a:t>
-            </a:r>
-            <a:r>
-              <a:rPr lang="en-US" sz="7200" dirty="0" smtClean="0">
-                <a:solidFill>
-                  <a:schemeClr val="accent4"/>
-                </a:solidFill>
-              </a:rPr>
-              <a:t> - --</a:t>
-            </a:r>
-            <a:endParaRPr lang="en-US" sz="4400" dirty="0">
-              <a:solidFill>
-                <a:schemeClr val="accent4"/>
-              </a:solidFill>
-            </a:endParaRPr>
-          </a:p>
-        </p:txBody>
-      </p:sp>
-      <p:sp>
-        <p:nvSpPr>
           <p:cNvPr id="2" name="Rectangle 1"/>
           <p:cNvSpPr/>
           <p:nvPr/>
@@ -8104,164 +6875,6 @@
           <a:prstGeom prst="ellipse">
             <a:avLst/>
           </a:prstGeom>
-          <a:scene3d>
-            <a:camera prst="orthographicFront"/>
-            <a:lightRig rig="threePt" dir="t"/>
-          </a:scene3d>
-          <a:sp3d>
-            <a:bevelT prst="angle"/>
-          </a:sp3d>
-        </p:spPr>
-        <p:style>
-          <a:lnRef idx="2">
-            <a:schemeClr val="accent1">
-              <a:shade val="50000"/>
-            </a:schemeClr>
-          </a:lnRef>
-          <a:fillRef idx="1">
-            <a:schemeClr val="accent1"/>
-          </a:fillRef>
-          <a:effectRef idx="0">
-            <a:schemeClr val="accent1"/>
-          </a:effectRef>
-          <a:fontRef idx="minor">
-            <a:schemeClr val="lt1"/>
-          </a:fontRef>
-        </p:style>
-        <p:txBody>
-          <a:bodyPr rtlCol="0" anchor="ctr">
-            <a:sp3d extrusionH="57150">
-              <a:bevelT w="38100" h="38100" prst="angle"/>
-            </a:sp3d>
-          </a:bodyPr>
-          <a:lstStyle/>
-          <a:p>
-            <a:pPr algn="ctr"/>
-            <a:endParaRPr lang="en-US"/>
-          </a:p>
-        </p:txBody>
-      </p:sp>
-      <p:sp>
-        <p:nvSpPr>
-          <p:cNvPr id="15" name="Oval 14"/>
-          <p:cNvSpPr/>
-          <p:nvPr/>
-        </p:nvSpPr>
-        <p:spPr>
-          <a:xfrm>
-            <a:off x="11566300" y="4656837"/>
-            <a:ext cx="414779" cy="414780"/>
-          </a:xfrm>
-          <a:prstGeom prst="ellipse">
-            <a:avLst/>
-          </a:prstGeom>
-          <a:scene3d>
-            <a:camera prst="orthographicFront"/>
-            <a:lightRig rig="threePt" dir="t"/>
-          </a:scene3d>
-          <a:sp3d>
-            <a:bevelT prst="angle"/>
-          </a:sp3d>
-        </p:spPr>
-        <p:style>
-          <a:lnRef idx="2">
-            <a:schemeClr val="accent1">
-              <a:shade val="50000"/>
-            </a:schemeClr>
-          </a:lnRef>
-          <a:fillRef idx="1">
-            <a:schemeClr val="accent1"/>
-          </a:fillRef>
-          <a:effectRef idx="0">
-            <a:schemeClr val="accent1"/>
-          </a:effectRef>
-          <a:fontRef idx="minor">
-            <a:schemeClr val="lt1"/>
-          </a:fontRef>
-        </p:style>
-        <p:txBody>
-          <a:bodyPr rtlCol="0" anchor="ctr">
-            <a:sp3d extrusionH="57150">
-              <a:bevelT w="38100" h="38100" prst="angle"/>
-            </a:sp3d>
-          </a:bodyPr>
-          <a:lstStyle/>
-          <a:p>
-            <a:pPr algn="ctr"/>
-            <a:endParaRPr lang="en-US"/>
-          </a:p>
-        </p:txBody>
-      </p:sp>
-      <p:sp>
-        <p:nvSpPr>
-          <p:cNvPr id="13" name="Oval 12"/>
-          <p:cNvSpPr/>
-          <p:nvPr/>
-        </p:nvSpPr>
-        <p:spPr>
-          <a:xfrm>
-            <a:off x="11584763" y="2149310"/>
-            <a:ext cx="377856" cy="386499"/>
-          </a:xfrm>
-          <a:prstGeom prst="ellipse">
-            <a:avLst/>
-          </a:prstGeom>
-          <a:scene3d>
-            <a:camera prst="orthographicFront"/>
-            <a:lightRig rig="threePt" dir="t"/>
-          </a:scene3d>
-          <a:sp3d>
-            <a:bevelT prst="angle"/>
-          </a:sp3d>
-        </p:spPr>
-        <p:style>
-          <a:lnRef idx="2">
-            <a:schemeClr val="accent1">
-              <a:shade val="50000"/>
-            </a:schemeClr>
-          </a:lnRef>
-          <a:fillRef idx="1">
-            <a:schemeClr val="accent1"/>
-          </a:fillRef>
-          <a:effectRef idx="0">
-            <a:schemeClr val="accent1"/>
-          </a:effectRef>
-          <a:fontRef idx="minor">
-            <a:schemeClr val="lt1"/>
-          </a:fontRef>
-        </p:style>
-        <p:txBody>
-          <a:bodyPr rtlCol="0" anchor="ctr">
-            <a:sp3d extrusionH="57150">
-              <a:bevelT w="38100" h="38100" prst="angle"/>
-            </a:sp3d>
-          </a:bodyPr>
-          <a:lstStyle/>
-          <a:p>
-            <a:pPr algn="ctr"/>
-            <a:endParaRPr lang="en-US"/>
-          </a:p>
-        </p:txBody>
-      </p:sp>
-      <p:sp>
-        <p:nvSpPr>
-          <p:cNvPr id="12" name="Oval 11"/>
-          <p:cNvSpPr/>
-          <p:nvPr/>
-        </p:nvSpPr>
-        <p:spPr>
-          <a:xfrm>
-            <a:off x="11584762" y="3405429"/>
-            <a:ext cx="377857" cy="381788"/>
-          </a:xfrm>
-          <a:prstGeom prst="ellipse">
-            <a:avLst/>
-          </a:prstGeom>
-          <a:solidFill>
-            <a:schemeClr val="accent2">
-              <a:lumMod val="75000"/>
-            </a:schemeClr>
-          </a:solidFill>
           <a:scene3d>
             <a:camera prst="orthographicFront"/>
             <a:lightRig rig="threePt" dir="t"/>
@@ -8357,216 +6970,6 @@
       </p:sp>
       <p:sp>
         <p:nvSpPr>
-          <p:cNvPr id="9" name="Rectangle 8"/>
-          <p:cNvSpPr/>
-          <p:nvPr/>
-        </p:nvSpPr>
-        <p:spPr>
-          <a:xfrm>
-            <a:off x="2092751" y="282804"/>
-            <a:ext cx="8371002" cy="556182"/>
-          </a:xfrm>
-          <a:prstGeom prst="rect">
-            <a:avLst/>
-          </a:prstGeom>
-          <a:noFill/>
-          <a:ln>
-            <a:noFill/>
-          </a:ln>
-          <a:scene3d>
-            <a:camera prst="orthographicFront"/>
-            <a:lightRig rig="threePt" dir="t"/>
-          </a:scene3d>
-          <a:sp3d>
-            <a:bevelT prst="angle"/>
-          </a:sp3d>
-        </p:spPr>
-        <p:style>
-          <a:lnRef idx="2">
-            <a:schemeClr val="accent1">
-              <a:shade val="50000"/>
-            </a:schemeClr>
-          </a:lnRef>
-          <a:fillRef idx="1">
-            <a:schemeClr val="accent1"/>
-          </a:fillRef>
-          <a:effectRef idx="0">
-            <a:schemeClr val="accent1"/>
-          </a:effectRef>
-          <a:fontRef idx="minor">
-            <a:schemeClr val="lt1"/>
-          </a:fontRef>
-        </p:style>
-        <p:txBody>
-          <a:bodyPr rtlCol="0" anchor="ctr">
-            <a:sp3d extrusionH="57150">
-              <a:bevelT w="38100" h="38100" prst="angle"/>
-            </a:sp3d>
-          </a:bodyPr>
-          <a:lstStyle/>
-          <a:p>
-            <a:pPr algn="ctr"/>
-            <a:r>
-              <a:rPr lang="en-US" sz="3600" b="1" dirty="0" smtClean="0">
-                <a:solidFill>
-                  <a:srgbClr val="00B050"/>
-                </a:solidFill>
-                <a:sym typeface="Wingdings" panose="05000000000000000000" pitchFamily="2" charset="2"/>
-              </a:rPr>
-              <a:t>&lt;</a:t>
-            </a:r>
-            <a:r>
-              <a:rPr lang="en-US" sz="3600" b="1" dirty="0" smtClean="0">
-                <a:solidFill>
-                  <a:schemeClr val="accent4"/>
-                </a:solidFill>
-                <a:sym typeface="Wingdings" panose="05000000000000000000" pitchFamily="2" charset="2"/>
-              </a:rPr>
-              <a:t>\</a:t>
-            </a:r>
-            <a:r>
-              <a:rPr lang="en-US" sz="3600" b="1" dirty="0" smtClean="0">
-                <a:solidFill>
-                  <a:srgbClr val="00B050"/>
-                </a:solidFill>
-                <a:sym typeface="Wingdings" panose="05000000000000000000" pitchFamily="2" charset="2"/>
-              </a:rPr>
-              <a:t>--</a:t>
-            </a:r>
-            <a:r>
-              <a:rPr lang="en-US" sz="3600" b="1" dirty="0" smtClean="0">
-                <a:solidFill>
-                  <a:schemeClr val="accent4"/>
-                </a:solidFill>
-                <a:sym typeface="Wingdings" panose="05000000000000000000" pitchFamily="2" charset="2"/>
-              </a:rPr>
-              <a:t>    </a:t>
-            </a:r>
-            <a:r>
-              <a:rPr lang="en-US" sz="3600" b="1" dirty="0" smtClean="0">
-                <a:solidFill>
-                  <a:schemeClr val="accent4"/>
-                </a:solidFill>
-              </a:rPr>
-              <a:t>CONTROL STRUCTURE  </a:t>
-            </a:r>
-            <a:r>
-              <a:rPr lang="en-US" sz="3600" b="1" dirty="0" err="1" smtClean="0">
-                <a:solidFill>
-                  <a:schemeClr val="accent4"/>
-                </a:solidFill>
-              </a:rPr>
-              <a:t>Cont</a:t>
-            </a:r>
-            <a:r>
-              <a:rPr lang="en-US" sz="3600" b="1" dirty="0" smtClean="0">
-                <a:solidFill>
-                  <a:schemeClr val="accent4"/>
-                </a:solidFill>
-              </a:rPr>
-              <a:t>…   </a:t>
-            </a:r>
-            <a:r>
-              <a:rPr lang="en-US" sz="3600" b="1" dirty="0" smtClean="0">
-                <a:solidFill>
-                  <a:srgbClr val="00B050"/>
-                </a:solidFill>
-              </a:rPr>
-              <a:t>--</a:t>
-            </a:r>
-            <a:r>
-              <a:rPr lang="en-US" sz="3600" b="1" dirty="0" smtClean="0">
-                <a:solidFill>
-                  <a:schemeClr val="accent4"/>
-                </a:solidFill>
-              </a:rPr>
-              <a:t>/</a:t>
-            </a:r>
-            <a:r>
-              <a:rPr lang="en-US" sz="3600" b="1" dirty="0" smtClean="0">
-                <a:solidFill>
-                  <a:srgbClr val="00B050"/>
-                </a:solidFill>
-              </a:rPr>
-              <a:t>&gt;</a:t>
-            </a:r>
-            <a:endParaRPr lang="en-US" sz="3600" b="1" dirty="0">
-              <a:solidFill>
-                <a:srgbClr val="00B050"/>
-              </a:solidFill>
-            </a:endParaRPr>
-          </a:p>
-        </p:txBody>
-      </p:sp>
-      <p:sp>
-        <p:nvSpPr>
-          <p:cNvPr id="10" name="Rectangle 9"/>
-          <p:cNvSpPr/>
-          <p:nvPr/>
-        </p:nvSpPr>
-        <p:spPr>
-          <a:xfrm flipV="1">
-            <a:off x="3477706" y="932463"/>
-            <a:ext cx="5601092" cy="469770"/>
-          </a:xfrm>
-          <a:prstGeom prst="rect">
-            <a:avLst/>
-          </a:prstGeom>
-          <a:noFill/>
-          <a:ln>
-            <a:noFill/>
-          </a:ln>
-          <a:scene3d>
-            <a:camera prst="orthographicFront"/>
-            <a:lightRig rig="threePt" dir="t"/>
-          </a:scene3d>
-          <a:sp3d>
-            <a:bevelT prst="angle"/>
-          </a:sp3d>
-        </p:spPr>
-        <p:style>
-          <a:lnRef idx="2">
-            <a:schemeClr val="accent1">
-              <a:shade val="50000"/>
-            </a:schemeClr>
-          </a:lnRef>
-          <a:fillRef idx="1">
-            <a:schemeClr val="accent1"/>
-          </a:fillRef>
-          <a:effectRef idx="0">
-            <a:schemeClr val="accent1"/>
-          </a:effectRef>
-          <a:fontRef idx="minor">
-            <a:schemeClr val="lt1"/>
-          </a:fontRef>
-        </p:style>
-        <p:txBody>
-          <a:bodyPr rtlCol="0" anchor="ctr">
-            <a:sp3d extrusionH="57150">
-              <a:bevelT w="38100" h="38100" prst="angle"/>
-            </a:sp3d>
-          </a:bodyPr>
-          <a:lstStyle/>
-          <a:p>
-            <a:pPr algn="ctr"/>
-            <a:r>
-              <a:rPr lang="en-US" sz="7200" dirty="0" smtClean="0">
-                <a:solidFill>
-                  <a:srgbClr val="00B050"/>
-                </a:solidFill>
-              </a:rPr>
-              <a:t>-- - -- - -- - --</a:t>
-            </a:r>
-            <a:endParaRPr lang="en-US" sz="4400" dirty="0">
-              <a:solidFill>
-                <a:srgbClr val="00B050"/>
-              </a:solidFill>
-            </a:endParaRPr>
-          </a:p>
-        </p:txBody>
-      </p:sp>
-      <p:sp>
-        <p:nvSpPr>
           <p:cNvPr id="17" name="Oval 16"/>
           <p:cNvSpPr/>
           <p:nvPr/>
@@ -8628,114 +7031,6 @@
         <p:spPr>
           <a:xfrm>
             <a:off x="406731" y="6053579"/>
-            <a:ext cx="112336" cy="113123"/>
-          </a:xfrm>
-          <a:prstGeom prst="ellipse">
-            <a:avLst/>
-          </a:prstGeom>
-          <a:solidFill>
-            <a:srgbClr val="00B0F0"/>
-          </a:solidFill>
-          <a:scene3d>
-            <a:camera prst="orthographicFront"/>
-            <a:lightRig rig="threePt" dir="t"/>
-          </a:scene3d>
-          <a:sp3d>
-            <a:bevelT prst="angle"/>
-          </a:sp3d>
-        </p:spPr>
-        <p:style>
-          <a:lnRef idx="2">
-            <a:schemeClr val="accent1">
-              <a:shade val="50000"/>
-            </a:schemeClr>
-          </a:lnRef>
-          <a:fillRef idx="1">
-            <a:schemeClr val="accent1"/>
-          </a:fillRef>
-          <a:effectRef idx="0">
-            <a:schemeClr val="accent1"/>
-          </a:effectRef>
-          <a:fontRef idx="minor">
-            <a:schemeClr val="lt1"/>
-          </a:fontRef>
-        </p:style>
-        <p:txBody>
-          <a:bodyPr rtlCol="0" anchor="ctr">
-            <a:sp3d extrusionH="57150">
-              <a:bevelT w="38100" h="38100" prst="angle"/>
-            </a:sp3d>
-          </a:bodyPr>
-          <a:lstStyle/>
-          <a:p>
-            <a:pPr algn="ctr"/>
-            <a:endParaRPr lang="en-US"/>
-          </a:p>
-        </p:txBody>
-      </p:sp>
-      <p:sp>
-        <p:nvSpPr>
-          <p:cNvPr id="19" name="Oval 18"/>
-          <p:cNvSpPr/>
-          <p:nvPr/>
-        </p:nvSpPr>
-        <p:spPr>
-          <a:xfrm>
-            <a:off x="11693952" y="6166702"/>
-            <a:ext cx="112336" cy="113123"/>
-          </a:xfrm>
-          <a:prstGeom prst="ellipse">
-            <a:avLst/>
-          </a:prstGeom>
-          <a:solidFill>
-            <a:srgbClr val="00B0F0"/>
-          </a:solidFill>
-          <a:scene3d>
-            <a:camera prst="orthographicFront"/>
-            <a:lightRig rig="threePt" dir="t"/>
-          </a:scene3d>
-          <a:sp3d>
-            <a:bevelT prst="angle"/>
-          </a:sp3d>
-        </p:spPr>
-        <p:style>
-          <a:lnRef idx="2">
-            <a:schemeClr val="accent1">
-              <a:shade val="50000"/>
-            </a:schemeClr>
-          </a:lnRef>
-          <a:fillRef idx="1">
-            <a:schemeClr val="accent1"/>
-          </a:fillRef>
-          <a:effectRef idx="0">
-            <a:schemeClr val="accent1"/>
-          </a:effectRef>
-          <a:fontRef idx="minor">
-            <a:schemeClr val="lt1"/>
-          </a:fontRef>
-        </p:style>
-        <p:txBody>
-          <a:bodyPr rtlCol="0" anchor="ctr">
-            <a:sp3d extrusionH="57150">
-              <a:bevelT w="38100" h="38100" prst="angle"/>
-            </a:sp3d>
-          </a:bodyPr>
-          <a:lstStyle/>
-          <a:p>
-            <a:pPr algn="ctr"/>
-            <a:endParaRPr lang="en-US"/>
-          </a:p>
-        </p:txBody>
-      </p:sp>
-      <p:sp>
-        <p:nvSpPr>
-          <p:cNvPr id="20" name="Oval 19"/>
-          <p:cNvSpPr/>
-          <p:nvPr/>
-        </p:nvSpPr>
-        <p:spPr>
-          <a:xfrm>
-            <a:off x="11707701" y="1056581"/>
             <a:ext cx="112336" cy="113123"/>
           </a:xfrm>
           <a:prstGeom prst="ellipse">
@@ -8841,20 +7136,20 @@
           <a:p>
             <a:pPr algn="ctr"/>
             <a:r>
-              <a:rPr lang="en-US" b="1" dirty="0">
-                <a:solidFill>
-                  <a:schemeClr val="accent4"/>
-                </a:solidFill>
-              </a:rPr>
-              <a:t>A</a:t>
-            </a:r>
-            <a:r>
               <a:rPr lang="en-US" b="1" dirty="0" smtClean="0">
                 <a:solidFill>
                   <a:schemeClr val="accent4"/>
                 </a:solidFill>
               </a:rPr>
-              <a:t> Sequence Control Structure: </a:t>
+              <a:t>Sequence </a:t>
+            </a:r>
+            <a:r>
+              <a:rPr lang="en-US" b="1" dirty="0" smtClean="0">
+                <a:solidFill>
+                  <a:schemeClr val="accent4"/>
+                </a:solidFill>
+              </a:rPr>
+              <a:t>Control Structure: </a:t>
             </a:r>
             <a:r>
               <a:rPr lang="en-US" dirty="0"/>
@@ -8982,7 +7277,15 @@
                   <a:schemeClr val="accent4"/>
                 </a:solidFill>
               </a:rPr>
-              <a:t>Sequence Control Structure</a:t>
+              <a:t>1. Sequence </a:t>
+            </a:r>
+            <a:r>
+              <a:rPr lang="en-US" dirty="0" smtClean="0">
+                <a:solidFill>
+                  <a:schemeClr val="accent4"/>
+                </a:solidFill>
+              </a:rPr>
+              <a:t>Control Structure</a:t>
             </a:r>
             <a:endParaRPr lang="en-US" dirty="0">
               <a:solidFill>
@@ -9179,14 +7482,78 @@
       </p:sp>
       <p:sp>
         <p:nvSpPr>
-          <p:cNvPr id="27" name="Rectangle 26"/>
+          <p:cNvPr id="5" name="Rectangle 4"/>
           <p:cNvSpPr/>
           <p:nvPr/>
         </p:nvSpPr>
         <p:spPr>
-          <a:xfrm flipV="1">
-            <a:off x="1686560" y="2243055"/>
-            <a:ext cx="3861936" cy="227290"/>
+          <a:xfrm>
+            <a:off x="5336476" y="6279825"/>
+            <a:ext cx="1645920" cy="162560"/>
+          </a:xfrm>
+          <a:prstGeom prst="rect">
+            <a:avLst/>
+          </a:prstGeom>
+          <a:noFill/>
+          <a:ln>
+            <a:noFill/>
+          </a:ln>
+        </p:spPr>
+        <p:style>
+          <a:lnRef idx="2">
+            <a:schemeClr val="accent1">
+              <a:shade val="50000"/>
+            </a:schemeClr>
+          </a:lnRef>
+          <a:fillRef idx="1">
+            <a:schemeClr val="accent1"/>
+          </a:fillRef>
+          <a:effectRef idx="0">
+            <a:schemeClr val="accent1"/>
+          </a:effectRef>
+          <a:fontRef idx="minor">
+            <a:schemeClr val="lt1"/>
+          </a:fontRef>
+        </p:style>
+        <p:txBody>
+          <a:bodyPr rtlCol="0" anchor="ctr">
+            <a:scene3d>
+              <a:camera prst="orthographicFront"/>
+              <a:lightRig rig="threePt" dir="t"/>
+            </a:scene3d>
+            <a:sp3d extrusionH="57150">
+              <a:bevelT w="38100" h="38100" prst="angle"/>
+            </a:sp3d>
+          </a:bodyPr>
+          <a:lstStyle/>
+          <a:p>
+            <a:pPr algn="ctr"/>
+            <a:r>
+              <a:rPr lang="en-US" b="1" dirty="0" smtClean="0">
+                <a:solidFill>
+                  <a:schemeClr val="accent4"/>
+                </a:solidFill>
+              </a:rPr>
+              <a:t>{}</a:t>
+            </a:r>
+            <a:endParaRPr lang="en-US" b="1" dirty="0">
+              <a:solidFill>
+                <a:schemeClr val="accent4"/>
+              </a:solidFill>
+            </a:endParaRPr>
+          </a:p>
+        </p:txBody>
+      </p:sp>
+      <p:sp>
+        <p:nvSpPr>
+          <p:cNvPr id="30" name="Rectangle 29"/>
+          <p:cNvSpPr/>
+          <p:nvPr/>
+        </p:nvSpPr>
+        <p:spPr>
+          <a:xfrm rot="5400000">
+            <a:off x="8921497" y="3518630"/>
+            <a:ext cx="5612998" cy="424207"/>
           </a:xfrm>
           <a:prstGeom prst="rect">
             <a:avLst/>
@@ -9229,32 +7596,32 @@
           <a:p>
             <a:pPr algn="ctr"/>
             <a:r>
-              <a:rPr lang="en-US" sz="7200" dirty="0" smtClean="0">
-                <a:solidFill>
-                  <a:srgbClr val="00B050"/>
-                </a:solidFill>
-              </a:rPr>
-              <a:t> -- - </a:t>
-            </a:r>
-            <a:r>
-              <a:rPr lang="en-US" sz="7200" dirty="0" smtClean="0">
-                <a:solidFill>
-                  <a:schemeClr val="accent4"/>
-                </a:solidFill>
-              </a:rPr>
-              <a:t>--</a:t>
-            </a:r>
-            <a:r>
-              <a:rPr lang="en-US" sz="7200" dirty="0" smtClean="0">
-                <a:solidFill>
-                  <a:srgbClr val="00B050"/>
-                </a:solidFill>
-              </a:rPr>
-              <a:t> - --</a:t>
-            </a:r>
-            <a:endParaRPr lang="en-US" sz="4400" dirty="0">
+              <a:rPr lang="en-US" sz="1600" b="1" dirty="0" smtClean="0">
+                <a:solidFill>
+                  <a:schemeClr val="accent4"/>
+                </a:solidFill>
+              </a:rPr>
+              <a:t>[ </a:t>
+            </a:r>
+            <a:r>
+              <a:rPr lang="en-US" sz="1600" b="1" dirty="0">
+                <a:solidFill>
+                  <a:schemeClr val="accent4"/>
+                </a:solidFill>
+              </a:rPr>
+              <a:t>INTRO </a:t>
+            </a:r>
+            <a:r>
+              <a:rPr lang="en-US" sz="1600" b="1" dirty="0" smtClean="0">
+                <a:solidFill>
+                  <a:schemeClr val="accent4"/>
+                </a:solidFill>
+              </a:rPr>
+              <a:t> TO   COMPUTER  PROGRAMMING  ]</a:t>
+            </a:r>
+            <a:endParaRPr lang="en-US" sz="1600" b="1" dirty="0">
               <a:solidFill>
-                <a:srgbClr val="00B050"/>
+                <a:schemeClr val="accent4"/>
               </a:solidFill>
             </a:endParaRPr>
           </a:p>
@@ -9262,14 +7629,14 @@
       </p:sp>
       <p:sp>
         <p:nvSpPr>
-          <p:cNvPr id="28" name="Rectangle 27"/>
+          <p:cNvPr id="31" name="Rectangle 30"/>
           <p:cNvSpPr/>
           <p:nvPr/>
         </p:nvSpPr>
         <p:spPr>
-          <a:xfrm flipV="1">
-            <a:off x="7240562" y="2149310"/>
-            <a:ext cx="3861936" cy="291447"/>
+          <a:xfrm>
+            <a:off x="2102870" y="228291"/>
+            <a:ext cx="8371002" cy="556182"/>
           </a:xfrm>
           <a:prstGeom prst="rect">
             <a:avLst/>
@@ -9312,112 +7679,48 @@
           <a:p>
             <a:pPr algn="ctr"/>
             <a:r>
-              <a:rPr lang="en-US" sz="7200" dirty="0" smtClean="0">
-                <a:solidFill>
-                  <a:srgbClr val="00B050"/>
-                </a:solidFill>
-              </a:rPr>
-              <a:t> -- - </a:t>
-            </a:r>
-            <a:r>
-              <a:rPr lang="en-US" sz="7200" dirty="0" smtClean="0">
-                <a:solidFill>
-                  <a:schemeClr val="accent4"/>
-                </a:solidFill>
-              </a:rPr>
-              <a:t>--</a:t>
-            </a:r>
-            <a:r>
-              <a:rPr lang="en-US" sz="7200" dirty="0" smtClean="0">
-                <a:solidFill>
-                  <a:srgbClr val="00B050"/>
-                </a:solidFill>
-              </a:rPr>
-              <a:t> - --</a:t>
-            </a:r>
-            <a:endParaRPr lang="en-US" sz="4400" dirty="0">
+              <a:rPr lang="en-US" sz="3600" b="1" dirty="0" smtClean="0">
+                <a:solidFill>
+                  <a:schemeClr val="accent4"/>
+                </a:solidFill>
+              </a:rPr>
+              <a:t>{  C</a:t>
+            </a:r>
+            <a:r>
+              <a:rPr lang="en-US" sz="3600" b="1" dirty="0" smtClean="0">
+                <a:solidFill>
+                  <a:schemeClr val="accent4"/>
+                </a:solidFill>
+              </a:rPr>
+              <a:t>ONTROL </a:t>
+            </a:r>
+            <a:r>
+              <a:rPr lang="en-US" sz="3600" b="1" dirty="0" smtClean="0">
+                <a:solidFill>
+                  <a:schemeClr val="accent4"/>
+                </a:solidFill>
+              </a:rPr>
+              <a:t>STRUCTURE  </a:t>
+            </a:r>
+            <a:r>
+              <a:rPr lang="en-US" sz="3600" b="1" dirty="0" err="1" smtClean="0">
+                <a:solidFill>
+                  <a:schemeClr val="accent4"/>
+                </a:solidFill>
+              </a:rPr>
+              <a:t>Cont</a:t>
+            </a:r>
+            <a:r>
+              <a:rPr lang="en-US" sz="3600" b="1" dirty="0" smtClean="0">
+                <a:solidFill>
+                  <a:schemeClr val="accent4"/>
+                </a:solidFill>
+              </a:rPr>
+              <a:t>… }</a:t>
+            </a:r>
+            <a:endParaRPr lang="en-US" sz="3600" b="1" dirty="0">
               <a:solidFill>
                 <a:srgbClr val="00B050"/>
-              </a:solidFill>
-            </a:endParaRPr>
-          </a:p>
-        </p:txBody>
-      </p:sp>
-      <p:sp>
-        <p:nvSpPr>
-          <p:cNvPr id="5" name="Rectangle 4"/>
-          <p:cNvSpPr/>
-          <p:nvPr/>
-        </p:nvSpPr>
-        <p:spPr>
-          <a:xfrm>
-            <a:off x="5491393" y="6107105"/>
-            <a:ext cx="1645920" cy="162560"/>
-          </a:xfrm>
-          <a:prstGeom prst="rect">
-            <a:avLst/>
-          </a:prstGeom>
-          <a:noFill/>
-          <a:ln>
-            <a:noFill/>
-          </a:ln>
-        </p:spPr>
-        <p:style>
-          <a:lnRef idx="2">
-            <a:schemeClr val="accent1">
-              <a:shade val="50000"/>
-            </a:schemeClr>
-          </a:lnRef>
-          <a:fillRef idx="1">
-            <a:schemeClr val="accent1"/>
-          </a:fillRef>
-          <a:effectRef idx="0">
-            <a:schemeClr val="accent1"/>
-          </a:effectRef>
-          <a:fontRef idx="minor">
-            <a:schemeClr val="lt1"/>
-          </a:fontRef>
-        </p:style>
-        <p:txBody>
-          <a:bodyPr rtlCol="0" anchor="ctr">
-            <a:scene3d>
-              <a:camera prst="orthographicFront"/>
-              <a:lightRig rig="threePt" dir="t"/>
-            </a:scene3d>
-            <a:sp3d extrusionH="57150">
-              <a:bevelT w="38100" h="38100" prst="angle"/>
-            </a:sp3d>
-          </a:bodyPr>
-          <a:lstStyle/>
-          <a:p>
-            <a:pPr algn="ctr"/>
-            <a:r>
-              <a:rPr lang="en-US" b="1" dirty="0" smtClean="0">
-                <a:solidFill>
-                  <a:schemeClr val="accent4"/>
-                </a:solidFill>
-              </a:rPr>
-              <a:t>&lt;</a:t>
-            </a:r>
-            <a:r>
-              <a:rPr lang="en-US" b="1" dirty="0" smtClean="0">
-                <a:solidFill>
-                  <a:schemeClr val="accent5"/>
-                </a:solidFill>
-              </a:rPr>
-              <a:t>/</a:t>
-            </a:r>
-            <a:r>
-              <a:rPr lang="en-US" b="1" dirty="0" smtClean="0">
-                <a:solidFill>
-                  <a:schemeClr val="accent4"/>
-                </a:solidFill>
-              </a:rPr>
-              <a:t>&gt;</a:t>
-            </a:r>
-            <a:endParaRPr lang="en-US" b="1" dirty="0">
-              <a:solidFill>
-                <a:schemeClr val="accent4"/>
               </a:solidFill>
             </a:endParaRPr>
           </a:p>
@@ -9467,7 +7770,7 @@
                                           </p:stCondLst>
                                         </p:cTn>
                                         <p:tgtEl>
-                                          <p:spTgt spid="27"/>
+                                          <p:spTgt spid="4"/>
                                         </p:tgtEl>
                                         <p:attrNameLst>
                                           <p:attrName>style.visibility</p:attrName>
@@ -9480,94 +7783,6 @@
                                     <p:animEffect transition="in" filter="fade">
                                       <p:cBhvr>
                                         <p:cTn id="7" dur="500"/>
-                                        <p:tgtEl>
-                                          <p:spTgt spid="27"/>
-                                        </p:tgtEl>
-                                      </p:cBhvr>
-                                    </p:animEffect>
-                                  </p:childTnLst>
-                                </p:cTn>
-                              </p:par>
-                              <p:par>
-                                <p:cTn id="8" presetID="10" presetClass="entr" presetSubtype="0" fill="hold" grpId="0" nodeType="withEffect">
-                                  <p:stCondLst>
-                                    <p:cond delay="0"/>
-                                  </p:stCondLst>
-                                  <p:childTnLst>
-                                    <p:set>
-                                      <p:cBhvr>
-                                        <p:cTn id="9" dur="1" fill="hold">
-                                          <p:stCondLst>
-                                            <p:cond delay="0"/>
-                                          </p:stCondLst>
-                                        </p:cTn>
-                                        <p:tgtEl>
-                                          <p:spTgt spid="24"/>
-                                        </p:tgtEl>
-                                        <p:attrNameLst>
-                                          <p:attrName>style.visibility</p:attrName>
-                                        </p:attrNameLst>
-                                      </p:cBhvr>
-                                      <p:to>
-                                        <p:strVal val="visible"/>
-                                      </p:to>
-                                    </p:set>
-                                    <p:animEffect transition="in" filter="fade">
-                                      <p:cBhvr>
-                                        <p:cTn id="10" dur="500"/>
-                                        <p:tgtEl>
-                                          <p:spTgt spid="24"/>
-                                        </p:tgtEl>
-                                      </p:cBhvr>
-                                    </p:animEffect>
-                                  </p:childTnLst>
-                                </p:cTn>
-                              </p:par>
-                            </p:childTnLst>
-                          </p:cTn>
-                        </p:par>
-                      </p:childTnLst>
-                    </p:cTn>
-                  </p:par>
-                  <p:par>
-                    <p:cTn id="11" fill="hold">
-                      <p:stCondLst>
-                        <p:cond delay="indefinite"/>
-                      </p:stCondLst>
-                      <p:childTnLst>
-                        <p:par>
-                          <p:cTn id="12" fill="hold">
-                            <p:stCondLst>
-                              <p:cond delay="0"/>
-                            </p:stCondLst>
-                            <p:childTnLst>
-                              <p:par>
-                                <p:cTn id="13" presetID="10" presetClass="entr" presetSubtype="0" fill="hold" grpId="0" nodeType="clickEffect">
-                                  <p:stCondLst>
-                                    <p:cond delay="0"/>
-                                  </p:stCondLst>
-                                  <p:childTnLst>
-                                    <p:set>
-                                      <p:cBhvr>
-                                        <p:cTn id="14" dur="1" fill="hold">
-                                          <p:stCondLst>
-                                            <p:cond delay="0"/>
-                                          </p:stCondLst>
-                                        </p:cTn>
-                                        <p:tgtEl>
-                                          <p:spTgt spid="4"/>
-                                        </p:tgtEl>
-                                        <p:attrNameLst>
-                                          <p:attrName>style.visibility</p:attrName>
-                                        </p:attrNameLst>
-                                      </p:cBhvr>
-                                      <p:to>
-                                        <p:strVal val="visible"/>
-                                      </p:to>
-                                    </p:set>
-                                    <p:animEffect transition="in" filter="fade">
-                                      <p:cBhvr>
-                                        <p:cTn id="15" dur="500"/>
                                         <p:tgtEl>
                                           <p:spTgt spid="4"/>
                                         </p:tgtEl>
@@ -9583,26 +7798,26 @@
                     </p:cTn>
                   </p:par>
                   <p:par>
-                    <p:cTn id="16" fill="hold">
+                    <p:cTn id="8" fill="hold">
                       <p:stCondLst>
                         <p:cond delay="indefinite"/>
                       </p:stCondLst>
                       <p:childTnLst>
                         <p:par>
-                          <p:cTn id="17" fill="hold">
+                          <p:cTn id="9" fill="hold">
                             <p:stCondLst>
                               <p:cond delay="0"/>
                             </p:stCondLst>
                             <p:childTnLst>
                               <p:par>
-                                <p:cTn id="18" presetID="10" presetClass="entr" presetSubtype="0" fill="hold" grpId="0" nodeType="clickEffect">
+                                <p:cTn id="10" presetID="10" presetClass="entr" presetSubtype="0" fill="hold" grpId="0" nodeType="clickEffect">
                                   <p:stCondLst>
                                     <p:cond delay="0"/>
                                   </p:stCondLst>
                                   <p:childTnLst>
                                     <p:set>
                                       <p:cBhvr>
-                                        <p:cTn id="19" dur="1" fill="hold">
+                                        <p:cTn id="11" dur="1" fill="hold">
                                           <p:stCondLst>
                                             <p:cond delay="0"/>
                                           </p:stCondLst>
@@ -9620,44 +7835,9 @@
                                     </p:set>
                                     <p:animEffect transition="in" filter="fade">
                                       <p:cBhvr>
-                                        <p:cTn id="20" dur="500"/>
+                                        <p:cTn id="12" dur="500"/>
                                         <p:tgtEl>
                                           <p:spTgt spid="25"/>
-                                        </p:tgtEl>
-                                      </p:cBhvr>
-                                    </p:animEffect>
-                                  </p:childTnLst>
-                                </p:cTn>
-                              </p:par>
-                              <p:par>
-                                <p:cTn id="21" presetID="10" presetClass="entr" presetSubtype="0" fill="hold" grpId="0" nodeType="withEffect">
-                                  <p:stCondLst>
-                                    <p:cond delay="0"/>
-                                  </p:stCondLst>
-                                  <p:childTnLst>
-                                    <p:set>
-                                      <p:cBhvr>
-                                        <p:cTn id="22" dur="1" fill="hold">
-                                          <p:stCondLst>
-                                            <p:cond delay="0"/>
-                                          </p:stCondLst>
-                                        </p:cTn>
-                                        <p:tgtEl>
-                                          <p:spTgt spid="28"/>
-                                        </p:tgtEl>
-                                        <p:attrNameLst>
-                                          <p:attrName>style.visibility</p:attrName>
-                                        </p:attrNameLst>
-                                      </p:cBhvr>
-                                      <p:to>
-                                        <p:strVal val="visible"/>
-                                      </p:to>
-                                    </p:set>
-                                    <p:animEffect transition="in" filter="fade">
-                                      <p:cBhvr>
-                                        <p:cTn id="23" dur="500"/>
-                                        <p:tgtEl>
-                                          <p:spTgt spid="28"/>
                                         </p:tgtEl>
                                       </p:cBhvr>
                                     </p:animEffect>
@@ -9671,26 +7851,26 @@
                     </p:cTn>
                   </p:par>
                   <p:par>
-                    <p:cTn id="24" fill="hold">
+                    <p:cTn id="13" fill="hold">
                       <p:stCondLst>
                         <p:cond delay="indefinite"/>
                       </p:stCondLst>
                       <p:childTnLst>
                         <p:par>
-                          <p:cTn id="25" fill="hold">
+                          <p:cTn id="14" fill="hold">
                             <p:stCondLst>
                               <p:cond delay="0"/>
                             </p:stCondLst>
                             <p:childTnLst>
                               <p:par>
-                                <p:cTn id="26" presetID="10" presetClass="entr" presetSubtype="0" fill="hold" grpId="0" nodeType="clickEffect">
+                                <p:cTn id="15" presetID="10" presetClass="entr" presetSubtype="0" fill="hold" grpId="0" nodeType="clickEffect">
                                   <p:stCondLst>
                                     <p:cond delay="0"/>
                                   </p:stCondLst>
                                   <p:childTnLst>
                                     <p:set>
                                       <p:cBhvr>
-                                        <p:cTn id="27" dur="1" fill="hold">
+                                        <p:cTn id="16" dur="1" fill="hold">
                                           <p:stCondLst>
                                             <p:cond delay="0"/>
                                           </p:stCondLst>
@@ -9708,7 +7888,7 @@
                                     </p:set>
                                     <p:animEffect transition="in" filter="fade">
                                       <p:cBhvr>
-                                        <p:cTn id="28" dur="500"/>
+                                        <p:cTn id="17" dur="500"/>
                                         <p:tgtEl>
                                           <p:spTgt spid="26"/>
                                         </p:tgtEl>
@@ -9746,11 +7926,8 @@
     </p:tnLst>
     <p:bldLst>
       <p:bldP spid="4" grpId="0" animBg="1"/>
-      <p:bldP spid="24" grpId="0"/>
       <p:bldP spid="25" grpId="0"/>
       <p:bldP spid="26" grpId="0" animBg="1"/>
-      <p:bldP spid="27" grpId="0"/>
-      <p:bldP spid="28" grpId="0"/>
     </p:bldLst>
   </p:timing>
 </p:sld>
@@ -9973,105 +8150,6 @@
       </p:sp>
       <p:sp>
         <p:nvSpPr>
-          <p:cNvPr id="3" name="Rectangle 2"/>
-          <p:cNvSpPr/>
-          <p:nvPr/>
-        </p:nvSpPr>
-        <p:spPr>
-          <a:xfrm rot="16200000">
-            <a:off x="8861199" y="3384220"/>
-            <a:ext cx="5665506" cy="424207"/>
-          </a:xfrm>
-          <a:prstGeom prst="rect">
-            <a:avLst/>
-          </a:prstGeom>
-          <a:noFill/>
-          <a:ln>
-            <a:noFill/>
-          </a:ln>
-          <a:scene3d>
-            <a:camera prst="orthographicFront"/>
-            <a:lightRig rig="threePt" dir="t"/>
-          </a:scene3d>
-          <a:sp3d>
-            <a:bevelT prst="angle"/>
-          </a:sp3d>
-        </p:spPr>
-        <p:style>
-          <a:lnRef idx="2">
-            <a:schemeClr val="accent1">
-              <a:shade val="50000"/>
-            </a:schemeClr>
-          </a:lnRef>
-          <a:fillRef idx="1">
-            <a:schemeClr val="accent1"/>
-          </a:fillRef>
-          <a:effectRef idx="0">
-            <a:schemeClr val="accent1"/>
-          </a:effectRef>
-          <a:fontRef idx="minor">
-            <a:schemeClr val="lt1"/>
-          </a:fontRef>
-        </p:style>
-        <p:txBody>
-          <a:bodyPr rtlCol="0" anchor="ctr">
-            <a:sp3d extrusionH="57150">
-              <a:bevelT w="38100" h="38100" prst="angle"/>
-            </a:sp3d>
-          </a:bodyPr>
-          <a:lstStyle/>
-          <a:p>
-            <a:pPr algn="ctr"/>
-            <a:r>
-              <a:rPr lang="en-US" sz="7200" dirty="0" smtClean="0">
-                <a:solidFill>
-                  <a:schemeClr val="accent4"/>
-                </a:solidFill>
-              </a:rPr>
-              <a:t>-- - </a:t>
-            </a:r>
-            <a:r>
-              <a:rPr lang="en-US" sz="7200" dirty="0" smtClean="0">
-                <a:solidFill>
-                  <a:srgbClr val="00B050"/>
-                </a:solidFill>
-              </a:rPr>
-              <a:t>--</a:t>
-            </a:r>
-            <a:r>
-              <a:rPr lang="en-US" sz="7200" dirty="0" smtClean="0">
-                <a:solidFill>
-                  <a:schemeClr val="accent4"/>
-                </a:solidFill>
-              </a:rPr>
-              <a:t> - </a:t>
-            </a:r>
-            <a:r>
-              <a:rPr lang="en-US" sz="7200" dirty="0" smtClean="0">
-                <a:solidFill>
-                  <a:srgbClr val="00B050"/>
-                </a:solidFill>
-              </a:rPr>
-              <a:t>--</a:t>
-            </a:r>
-            <a:r>
-              <a:rPr lang="en-US" sz="7200" dirty="0" smtClean="0">
-                <a:solidFill>
-                  <a:schemeClr val="accent4"/>
-                </a:solidFill>
-              </a:rPr>
-              <a:t> - --</a:t>
-            </a:r>
-            <a:endParaRPr lang="en-US" sz="4400" dirty="0">
-              <a:solidFill>
-                <a:schemeClr val="accent4"/>
-              </a:solidFill>
-            </a:endParaRPr>
-          </a:p>
-        </p:txBody>
-      </p:sp>
-      <p:sp>
-        <p:nvSpPr>
           <p:cNvPr id="2" name="Rectangle 1"/>
           <p:cNvSpPr/>
           <p:nvPr/>
@@ -10234,164 +8312,6 @@
           <a:prstGeom prst="ellipse">
             <a:avLst/>
           </a:prstGeom>
-          <a:scene3d>
-            <a:camera prst="orthographicFront"/>
-            <a:lightRig rig="threePt" dir="t"/>
-          </a:scene3d>
-          <a:sp3d>
-            <a:bevelT prst="angle"/>
-          </a:sp3d>
-        </p:spPr>
-        <p:style>
-          <a:lnRef idx="2">
-            <a:schemeClr val="accent1">
-              <a:shade val="50000"/>
-            </a:schemeClr>
-          </a:lnRef>
-          <a:fillRef idx="1">
-            <a:schemeClr val="accent1"/>
-          </a:fillRef>
-          <a:effectRef idx="0">
-            <a:schemeClr val="accent1"/>
-          </a:effectRef>
-          <a:fontRef idx="minor">
-            <a:schemeClr val="lt1"/>
-          </a:fontRef>
-        </p:style>
-        <p:txBody>
-          <a:bodyPr rtlCol="0" anchor="ctr">
-            <a:sp3d extrusionH="57150">
-              <a:bevelT w="38100" h="38100" prst="angle"/>
-            </a:sp3d>
-          </a:bodyPr>
-          <a:lstStyle/>
-          <a:p>
-            <a:pPr algn="ctr"/>
-            <a:endParaRPr lang="en-US"/>
-          </a:p>
-        </p:txBody>
-      </p:sp>
-      <p:sp>
-        <p:nvSpPr>
-          <p:cNvPr id="15" name="Oval 14"/>
-          <p:cNvSpPr/>
-          <p:nvPr/>
-        </p:nvSpPr>
-        <p:spPr>
-          <a:xfrm>
-            <a:off x="11566300" y="4656837"/>
-            <a:ext cx="414779" cy="414780"/>
-          </a:xfrm>
-          <a:prstGeom prst="ellipse">
-            <a:avLst/>
-          </a:prstGeom>
-          <a:scene3d>
-            <a:camera prst="orthographicFront"/>
-            <a:lightRig rig="threePt" dir="t"/>
-          </a:scene3d>
-          <a:sp3d>
-            <a:bevelT prst="angle"/>
-          </a:sp3d>
-        </p:spPr>
-        <p:style>
-          <a:lnRef idx="2">
-            <a:schemeClr val="accent1">
-              <a:shade val="50000"/>
-            </a:schemeClr>
-          </a:lnRef>
-          <a:fillRef idx="1">
-            <a:schemeClr val="accent1"/>
-          </a:fillRef>
-          <a:effectRef idx="0">
-            <a:schemeClr val="accent1"/>
-          </a:effectRef>
-          <a:fontRef idx="minor">
-            <a:schemeClr val="lt1"/>
-          </a:fontRef>
-        </p:style>
-        <p:txBody>
-          <a:bodyPr rtlCol="0" anchor="ctr">
-            <a:sp3d extrusionH="57150">
-              <a:bevelT w="38100" h="38100" prst="angle"/>
-            </a:sp3d>
-          </a:bodyPr>
-          <a:lstStyle/>
-          <a:p>
-            <a:pPr algn="ctr"/>
-            <a:endParaRPr lang="en-US"/>
-          </a:p>
-        </p:txBody>
-      </p:sp>
-      <p:sp>
-        <p:nvSpPr>
-          <p:cNvPr id="13" name="Oval 12"/>
-          <p:cNvSpPr/>
-          <p:nvPr/>
-        </p:nvSpPr>
-        <p:spPr>
-          <a:xfrm>
-            <a:off x="11584763" y="2149310"/>
-            <a:ext cx="377856" cy="386499"/>
-          </a:xfrm>
-          <a:prstGeom prst="ellipse">
-            <a:avLst/>
-          </a:prstGeom>
-          <a:scene3d>
-            <a:camera prst="orthographicFront"/>
-            <a:lightRig rig="threePt" dir="t"/>
-          </a:scene3d>
-          <a:sp3d>
-            <a:bevelT prst="angle"/>
-          </a:sp3d>
-        </p:spPr>
-        <p:style>
-          <a:lnRef idx="2">
-            <a:schemeClr val="accent1">
-              <a:shade val="50000"/>
-            </a:schemeClr>
-          </a:lnRef>
-          <a:fillRef idx="1">
-            <a:schemeClr val="accent1"/>
-          </a:fillRef>
-          <a:effectRef idx="0">
-            <a:schemeClr val="accent1"/>
-          </a:effectRef>
-          <a:fontRef idx="minor">
-            <a:schemeClr val="lt1"/>
-          </a:fontRef>
-        </p:style>
-        <p:txBody>
-          <a:bodyPr rtlCol="0" anchor="ctr">
-            <a:sp3d extrusionH="57150">
-              <a:bevelT w="38100" h="38100" prst="angle"/>
-            </a:sp3d>
-          </a:bodyPr>
-          <a:lstStyle/>
-          <a:p>
-            <a:pPr algn="ctr"/>
-            <a:endParaRPr lang="en-US"/>
-          </a:p>
-        </p:txBody>
-      </p:sp>
-      <p:sp>
-        <p:nvSpPr>
-          <p:cNvPr id="12" name="Oval 11"/>
-          <p:cNvSpPr/>
-          <p:nvPr/>
-        </p:nvSpPr>
-        <p:spPr>
-          <a:xfrm>
-            <a:off x="11584762" y="3405429"/>
-            <a:ext cx="377857" cy="381788"/>
-          </a:xfrm>
-          <a:prstGeom prst="ellipse">
-            <a:avLst/>
-          </a:prstGeom>
-          <a:solidFill>
-            <a:schemeClr val="accent2">
-              <a:lumMod val="75000"/>
-            </a:schemeClr>
-          </a:solidFill>
           <a:scene3d>
             <a:camera prst="orthographicFront"/>
             <a:lightRig rig="threePt" dir="t"/>
@@ -10487,216 +8407,6 @@
       </p:sp>
       <p:sp>
         <p:nvSpPr>
-          <p:cNvPr id="9" name="Rectangle 8"/>
-          <p:cNvSpPr/>
-          <p:nvPr/>
-        </p:nvSpPr>
-        <p:spPr>
-          <a:xfrm>
-            <a:off x="2092751" y="282804"/>
-            <a:ext cx="8371002" cy="556182"/>
-          </a:xfrm>
-          <a:prstGeom prst="rect">
-            <a:avLst/>
-          </a:prstGeom>
-          <a:noFill/>
-          <a:ln>
-            <a:noFill/>
-          </a:ln>
-          <a:scene3d>
-            <a:camera prst="orthographicFront"/>
-            <a:lightRig rig="threePt" dir="t"/>
-          </a:scene3d>
-          <a:sp3d>
-            <a:bevelT prst="angle"/>
-          </a:sp3d>
-        </p:spPr>
-        <p:style>
-          <a:lnRef idx="2">
-            <a:schemeClr val="accent1">
-              <a:shade val="50000"/>
-            </a:schemeClr>
-          </a:lnRef>
-          <a:fillRef idx="1">
-            <a:schemeClr val="accent1"/>
-          </a:fillRef>
-          <a:effectRef idx="0">
-            <a:schemeClr val="accent1"/>
-          </a:effectRef>
-          <a:fontRef idx="minor">
-            <a:schemeClr val="lt1"/>
-          </a:fontRef>
-        </p:style>
-        <p:txBody>
-          <a:bodyPr rtlCol="0" anchor="ctr">
-            <a:sp3d extrusionH="57150">
-              <a:bevelT w="38100" h="38100" prst="angle"/>
-            </a:sp3d>
-          </a:bodyPr>
-          <a:lstStyle/>
-          <a:p>
-            <a:pPr algn="ctr"/>
-            <a:r>
-              <a:rPr lang="en-US" sz="3600" b="1" dirty="0" smtClean="0">
-                <a:solidFill>
-                  <a:srgbClr val="00B050"/>
-                </a:solidFill>
-                <a:sym typeface="Wingdings" panose="05000000000000000000" pitchFamily="2" charset="2"/>
-              </a:rPr>
-              <a:t>&lt;</a:t>
-            </a:r>
-            <a:r>
-              <a:rPr lang="en-US" sz="3600" b="1" dirty="0" smtClean="0">
-                <a:solidFill>
-                  <a:schemeClr val="accent4"/>
-                </a:solidFill>
-                <a:sym typeface="Wingdings" panose="05000000000000000000" pitchFamily="2" charset="2"/>
-              </a:rPr>
-              <a:t>\</a:t>
-            </a:r>
-            <a:r>
-              <a:rPr lang="en-US" sz="3600" b="1" dirty="0" smtClean="0">
-                <a:solidFill>
-                  <a:srgbClr val="00B050"/>
-                </a:solidFill>
-                <a:sym typeface="Wingdings" panose="05000000000000000000" pitchFamily="2" charset="2"/>
-              </a:rPr>
-              <a:t>--</a:t>
-            </a:r>
-            <a:r>
-              <a:rPr lang="en-US" sz="3600" b="1" dirty="0" smtClean="0">
-                <a:solidFill>
-                  <a:schemeClr val="accent4"/>
-                </a:solidFill>
-                <a:sym typeface="Wingdings" panose="05000000000000000000" pitchFamily="2" charset="2"/>
-              </a:rPr>
-              <a:t>    </a:t>
-            </a:r>
-            <a:r>
-              <a:rPr lang="en-US" sz="3600" b="1" dirty="0" smtClean="0">
-                <a:solidFill>
-                  <a:schemeClr val="accent4"/>
-                </a:solidFill>
-              </a:rPr>
-              <a:t>CONTROL STRUCTURE  </a:t>
-            </a:r>
-            <a:r>
-              <a:rPr lang="en-US" sz="3600" b="1" dirty="0" err="1" smtClean="0">
-                <a:solidFill>
-                  <a:schemeClr val="accent4"/>
-                </a:solidFill>
-              </a:rPr>
-              <a:t>Cont</a:t>
-            </a:r>
-            <a:r>
-              <a:rPr lang="en-US" sz="3600" b="1" dirty="0" smtClean="0">
-                <a:solidFill>
-                  <a:schemeClr val="accent4"/>
-                </a:solidFill>
-              </a:rPr>
-              <a:t>…   </a:t>
-            </a:r>
-            <a:r>
-              <a:rPr lang="en-US" sz="3600" b="1" dirty="0" smtClean="0">
-                <a:solidFill>
-                  <a:srgbClr val="00B050"/>
-                </a:solidFill>
-              </a:rPr>
-              <a:t>--</a:t>
-            </a:r>
-            <a:r>
-              <a:rPr lang="en-US" sz="3600" b="1" dirty="0" smtClean="0">
-                <a:solidFill>
-                  <a:schemeClr val="accent4"/>
-                </a:solidFill>
-              </a:rPr>
-              <a:t>/</a:t>
-            </a:r>
-            <a:r>
-              <a:rPr lang="en-US" sz="3600" b="1" dirty="0" smtClean="0">
-                <a:solidFill>
-                  <a:srgbClr val="00B050"/>
-                </a:solidFill>
-              </a:rPr>
-              <a:t>&gt;</a:t>
-            </a:r>
-            <a:endParaRPr lang="en-US" sz="3600" b="1" dirty="0">
-              <a:solidFill>
-                <a:srgbClr val="00B050"/>
-              </a:solidFill>
-            </a:endParaRPr>
-          </a:p>
-        </p:txBody>
-      </p:sp>
-      <p:sp>
-        <p:nvSpPr>
-          <p:cNvPr id="10" name="Rectangle 9"/>
-          <p:cNvSpPr/>
-          <p:nvPr/>
-        </p:nvSpPr>
-        <p:spPr>
-          <a:xfrm flipV="1">
-            <a:off x="3477706" y="932463"/>
-            <a:ext cx="5601092" cy="469770"/>
-          </a:xfrm>
-          <a:prstGeom prst="rect">
-            <a:avLst/>
-          </a:prstGeom>
-          <a:noFill/>
-          <a:ln>
-            <a:noFill/>
-          </a:ln>
-          <a:scene3d>
-            <a:camera prst="orthographicFront"/>
-            <a:lightRig rig="threePt" dir="t"/>
-          </a:scene3d>
-          <a:sp3d>
-            <a:bevelT prst="angle"/>
-          </a:sp3d>
-        </p:spPr>
-        <p:style>
-          <a:lnRef idx="2">
-            <a:schemeClr val="accent1">
-              <a:shade val="50000"/>
-            </a:schemeClr>
-          </a:lnRef>
-          <a:fillRef idx="1">
-            <a:schemeClr val="accent1"/>
-          </a:fillRef>
-          <a:effectRef idx="0">
-            <a:schemeClr val="accent1"/>
-          </a:effectRef>
-          <a:fontRef idx="minor">
-            <a:schemeClr val="lt1"/>
-          </a:fontRef>
-        </p:style>
-        <p:txBody>
-          <a:bodyPr rtlCol="0" anchor="ctr">
-            <a:sp3d extrusionH="57150">
-              <a:bevelT w="38100" h="38100" prst="angle"/>
-            </a:sp3d>
-          </a:bodyPr>
-          <a:lstStyle/>
-          <a:p>
-            <a:pPr algn="ctr"/>
-            <a:r>
-              <a:rPr lang="en-US" sz="7200" dirty="0" smtClean="0">
-                <a:solidFill>
-                  <a:srgbClr val="00B050"/>
-                </a:solidFill>
-              </a:rPr>
-              <a:t>-- - -- - -- - --</a:t>
-            </a:r>
-            <a:endParaRPr lang="en-US" sz="4400" dirty="0">
-              <a:solidFill>
-                <a:srgbClr val="00B050"/>
-              </a:solidFill>
-            </a:endParaRPr>
-          </a:p>
-        </p:txBody>
-      </p:sp>
-      <p:sp>
-        <p:nvSpPr>
           <p:cNvPr id="17" name="Oval 16"/>
           <p:cNvSpPr/>
           <p:nvPr/>
@@ -10758,114 +8468,6 @@
         <p:spPr>
           <a:xfrm>
             <a:off x="406731" y="6053579"/>
-            <a:ext cx="112336" cy="113123"/>
-          </a:xfrm>
-          <a:prstGeom prst="ellipse">
-            <a:avLst/>
-          </a:prstGeom>
-          <a:solidFill>
-            <a:srgbClr val="00B0F0"/>
-          </a:solidFill>
-          <a:scene3d>
-            <a:camera prst="orthographicFront"/>
-            <a:lightRig rig="threePt" dir="t"/>
-          </a:scene3d>
-          <a:sp3d>
-            <a:bevelT prst="angle"/>
-          </a:sp3d>
-        </p:spPr>
-        <p:style>
-          <a:lnRef idx="2">
-            <a:schemeClr val="accent1">
-              <a:shade val="50000"/>
-            </a:schemeClr>
-          </a:lnRef>
-          <a:fillRef idx="1">
-            <a:schemeClr val="accent1"/>
-          </a:fillRef>
-          <a:effectRef idx="0">
-            <a:schemeClr val="accent1"/>
-          </a:effectRef>
-          <a:fontRef idx="minor">
-            <a:schemeClr val="lt1"/>
-          </a:fontRef>
-        </p:style>
-        <p:txBody>
-          <a:bodyPr rtlCol="0" anchor="ctr">
-            <a:sp3d extrusionH="57150">
-              <a:bevelT w="38100" h="38100" prst="angle"/>
-            </a:sp3d>
-          </a:bodyPr>
-          <a:lstStyle/>
-          <a:p>
-            <a:pPr algn="ctr"/>
-            <a:endParaRPr lang="en-US"/>
-          </a:p>
-        </p:txBody>
-      </p:sp>
-      <p:sp>
-        <p:nvSpPr>
-          <p:cNvPr id="19" name="Oval 18"/>
-          <p:cNvSpPr/>
-          <p:nvPr/>
-        </p:nvSpPr>
-        <p:spPr>
-          <a:xfrm>
-            <a:off x="11693952" y="6166702"/>
-            <a:ext cx="112336" cy="113123"/>
-          </a:xfrm>
-          <a:prstGeom prst="ellipse">
-            <a:avLst/>
-          </a:prstGeom>
-          <a:solidFill>
-            <a:srgbClr val="00B0F0"/>
-          </a:solidFill>
-          <a:scene3d>
-            <a:camera prst="orthographicFront"/>
-            <a:lightRig rig="threePt" dir="t"/>
-          </a:scene3d>
-          <a:sp3d>
-            <a:bevelT prst="angle"/>
-          </a:sp3d>
-        </p:spPr>
-        <p:style>
-          <a:lnRef idx="2">
-            <a:schemeClr val="accent1">
-              <a:shade val="50000"/>
-            </a:schemeClr>
-          </a:lnRef>
-          <a:fillRef idx="1">
-            <a:schemeClr val="accent1"/>
-          </a:fillRef>
-          <a:effectRef idx="0">
-            <a:schemeClr val="accent1"/>
-          </a:effectRef>
-          <a:fontRef idx="minor">
-            <a:schemeClr val="lt1"/>
-          </a:fontRef>
-        </p:style>
-        <p:txBody>
-          <a:bodyPr rtlCol="0" anchor="ctr">
-            <a:sp3d extrusionH="57150">
-              <a:bevelT w="38100" h="38100" prst="angle"/>
-            </a:sp3d>
-          </a:bodyPr>
-          <a:lstStyle/>
-          <a:p>
-            <a:pPr algn="ctr"/>
-            <a:endParaRPr lang="en-US"/>
-          </a:p>
-        </p:txBody>
-      </p:sp>
-      <p:sp>
-        <p:nvSpPr>
-          <p:cNvPr id="20" name="Oval 19"/>
-          <p:cNvSpPr/>
-          <p:nvPr/>
-        </p:nvSpPr>
-        <p:spPr>
-          <a:xfrm>
-            <a:off x="11707701" y="1056581"/>
             <a:ext cx="112336" cy="113123"/>
           </a:xfrm>
           <a:prstGeom prst="ellipse">
@@ -10971,20 +8573,20 @@
           <a:p>
             <a:pPr algn="ctr"/>
             <a:r>
-              <a:rPr lang="en-US" b="1" dirty="0">
-                <a:solidFill>
-                  <a:schemeClr val="accent4"/>
-                </a:solidFill>
-              </a:rPr>
-              <a:t>A</a:t>
-            </a:r>
-            <a:r>
               <a:rPr lang="en-US" b="1" dirty="0" smtClean="0">
                 <a:solidFill>
                   <a:schemeClr val="accent4"/>
                 </a:solidFill>
               </a:rPr>
-              <a:t> Selection Control Structure: </a:t>
+              <a:t>Selection </a:t>
+            </a:r>
+            <a:r>
+              <a:rPr lang="en-US" b="1" dirty="0" smtClean="0">
+                <a:solidFill>
+                  <a:schemeClr val="accent4"/>
+                </a:solidFill>
+              </a:rPr>
+              <a:t>Control Structure: </a:t>
             </a:r>
             <a:r>
               <a:rPr lang="en-US" dirty="0" smtClean="0"/>
@@ -11129,7 +8731,15 @@
                   <a:schemeClr val="accent4"/>
                 </a:solidFill>
               </a:rPr>
-              <a:t>Selection Control Structure</a:t>
+              <a:t>2. Selection </a:t>
+            </a:r>
+            <a:r>
+              <a:rPr lang="en-US" dirty="0" smtClean="0">
+                <a:solidFill>
+                  <a:schemeClr val="accent4"/>
+                </a:solidFill>
+              </a:rPr>
+              <a:t>Control Structure</a:t>
             </a:r>
             <a:endParaRPr lang="en-US" dirty="0">
               <a:solidFill>
@@ -11391,14 +9001,130 @@
       </p:sp>
       <p:sp>
         <p:nvSpPr>
-          <p:cNvPr id="27" name="Rectangle 26"/>
+          <p:cNvPr id="5" name="Rectangle 4"/>
           <p:cNvSpPr/>
           <p:nvPr/>
         </p:nvSpPr>
         <p:spPr>
-          <a:xfrm flipV="1">
-            <a:off x="1686560" y="2243055"/>
-            <a:ext cx="3861936" cy="227290"/>
+          <a:xfrm>
+            <a:off x="1244722" y="5405119"/>
+            <a:ext cx="10021980" cy="526697"/>
+          </a:xfrm>
+          <a:prstGeom prst="rect">
+            <a:avLst/>
+          </a:prstGeom>
+          <a:noFill/>
+          <a:ln>
+            <a:noFill/>
+          </a:ln>
+        </p:spPr>
+        <p:style>
+          <a:lnRef idx="2">
+            <a:schemeClr val="accent1">
+              <a:shade val="50000"/>
+            </a:schemeClr>
+          </a:lnRef>
+          <a:fillRef idx="1">
+            <a:schemeClr val="accent1"/>
+          </a:fillRef>
+          <a:effectRef idx="0">
+            <a:schemeClr val="accent1"/>
+          </a:effectRef>
+          <a:fontRef idx="minor">
+            <a:schemeClr val="lt1"/>
+          </a:fontRef>
+        </p:style>
+        <p:txBody>
+          <a:bodyPr rtlCol="0" anchor="ctr"/>
+          <a:lstStyle/>
+          <a:p>
+            <a:pPr algn="ctr"/>
+            <a:r>
+              <a:rPr lang="en-US" dirty="0" smtClean="0"/>
+              <a:t>In simple word, This condition if were applied on our marks, then we passed introduction to computer application(ICA) to be here learning </a:t>
+            </a:r>
+            <a:r>
+              <a:rPr lang="en-US" dirty="0" smtClean="0"/>
+              <a:t>ICP</a:t>
+            </a:r>
+            <a:endParaRPr lang="en-US" dirty="0"/>
+          </a:p>
+        </p:txBody>
+      </p:sp>
+      <p:sp>
+        <p:nvSpPr>
+          <p:cNvPr id="29" name="Rectangle 28"/>
+          <p:cNvSpPr/>
+          <p:nvPr/>
+        </p:nvSpPr>
+        <p:spPr>
+          <a:xfrm>
+            <a:off x="5336476" y="6281083"/>
+            <a:ext cx="1645920" cy="162560"/>
+          </a:xfrm>
+          <a:prstGeom prst="rect">
+            <a:avLst/>
+          </a:prstGeom>
+          <a:noFill/>
+          <a:ln>
+            <a:noFill/>
+          </a:ln>
+        </p:spPr>
+        <p:style>
+          <a:lnRef idx="2">
+            <a:schemeClr val="accent1">
+              <a:shade val="50000"/>
+            </a:schemeClr>
+          </a:lnRef>
+          <a:fillRef idx="1">
+            <a:schemeClr val="accent1"/>
+          </a:fillRef>
+          <a:effectRef idx="0">
+            <a:schemeClr val="accent1"/>
+          </a:effectRef>
+          <a:fontRef idx="minor">
+            <a:schemeClr val="lt1"/>
+          </a:fontRef>
+        </p:style>
+        <p:txBody>
+          <a:bodyPr rtlCol="0" anchor="ctr">
+            <a:scene3d>
+              <a:camera prst="orthographicFront"/>
+              <a:lightRig rig="threePt" dir="t"/>
+            </a:scene3d>
+            <a:sp3d extrusionH="57150">
+              <a:bevelT w="38100" h="38100" prst="angle"/>
+            </a:sp3d>
+          </a:bodyPr>
+          <a:lstStyle/>
+          <a:p>
+            <a:pPr algn="ctr"/>
+            <a:r>
+              <a:rPr lang="en-US" b="1" dirty="0" smtClean="0">
+                <a:solidFill>
+                  <a:schemeClr val="accent4"/>
+                </a:solidFill>
+              </a:rPr>
+              <a:t>{}</a:t>
+            </a:r>
+            <a:endParaRPr lang="en-US" b="1" dirty="0">
+              <a:solidFill>
+                <a:schemeClr val="accent4"/>
+              </a:solidFill>
+            </a:endParaRPr>
+          </a:p>
+        </p:txBody>
+      </p:sp>
+      <p:sp>
+        <p:nvSpPr>
+          <p:cNvPr id="35" name="Rectangle 34"/>
+          <p:cNvSpPr/>
+          <p:nvPr/>
+        </p:nvSpPr>
+        <p:spPr>
+          <a:xfrm rot="5400000">
+            <a:off x="8921497" y="3518630"/>
+            <a:ext cx="5612998" cy="424207"/>
           </a:xfrm>
           <a:prstGeom prst="rect">
             <a:avLst/>
@@ -11441,32 +9167,48 @@
           <a:p>
             <a:pPr algn="ctr"/>
             <a:r>
-              <a:rPr lang="en-US" sz="7200" dirty="0" smtClean="0">
-                <a:solidFill>
-                  <a:srgbClr val="00B050"/>
-                </a:solidFill>
-              </a:rPr>
-              <a:t> -- - </a:t>
-            </a:r>
-            <a:r>
-              <a:rPr lang="en-US" sz="7200" dirty="0" smtClean="0">
-                <a:solidFill>
-                  <a:schemeClr val="accent4"/>
-                </a:solidFill>
-              </a:rPr>
-              <a:t>--</a:t>
-            </a:r>
-            <a:r>
-              <a:rPr lang="en-US" sz="7200" dirty="0" smtClean="0">
-                <a:solidFill>
-                  <a:srgbClr val="00B050"/>
-                </a:solidFill>
-              </a:rPr>
-              <a:t> - --</a:t>
-            </a:r>
-            <a:endParaRPr lang="en-US" sz="4400" dirty="0">
+              <a:rPr lang="en-US" sz="1600" b="1" dirty="0" smtClean="0">
+                <a:solidFill>
+                  <a:schemeClr val="accent4"/>
+                </a:solidFill>
+              </a:rPr>
+              <a:t>[ </a:t>
+            </a:r>
+            <a:r>
+              <a:rPr lang="en-US" sz="1600" b="1" dirty="0">
+                <a:solidFill>
+                  <a:schemeClr val="accent4"/>
+                </a:solidFill>
+              </a:rPr>
+              <a:t>INTRO </a:t>
+            </a:r>
+            <a:r>
+              <a:rPr lang="en-US" sz="1600" b="1" dirty="0" smtClean="0">
+                <a:solidFill>
+                  <a:schemeClr val="accent4"/>
+                </a:solidFill>
+              </a:rPr>
+              <a:t> TO   </a:t>
+            </a:r>
+            <a:r>
+              <a:rPr lang="en-US" sz="1600" b="1" dirty="0">
+                <a:solidFill>
+                  <a:schemeClr val="accent4"/>
+                </a:solidFill>
+              </a:rPr>
+              <a:t>COMPUTER </a:t>
+            </a:r>
+            <a:r>
+              <a:rPr lang="en-US" sz="1600" b="1" dirty="0" smtClean="0">
+                <a:solidFill>
+                  <a:schemeClr val="accent4"/>
+                </a:solidFill>
+              </a:rPr>
+              <a:t> PROGRAMMING  ]</a:t>
+            </a:r>
+            <a:endParaRPr lang="en-US" sz="1600" b="1" dirty="0">
               <a:solidFill>
-                <a:srgbClr val="00B050"/>
+                <a:schemeClr val="accent4"/>
               </a:solidFill>
             </a:endParaRPr>
           </a:p>
@@ -11474,14 +9216,14 @@
       </p:sp>
       <p:sp>
         <p:nvSpPr>
-          <p:cNvPr id="28" name="Rectangle 27"/>
+          <p:cNvPr id="36" name="Rectangle 35"/>
           <p:cNvSpPr/>
           <p:nvPr/>
         </p:nvSpPr>
         <p:spPr>
-          <a:xfrm flipV="1">
-            <a:off x="7240562" y="2149310"/>
-            <a:ext cx="3861936" cy="291447"/>
+          <a:xfrm>
+            <a:off x="2102870" y="228291"/>
+            <a:ext cx="8371002" cy="556182"/>
           </a:xfrm>
           <a:prstGeom prst="rect">
             <a:avLst/>
@@ -11524,160 +9266,48 @@
           <a:p>
             <a:pPr algn="ctr"/>
             <a:r>
-              <a:rPr lang="en-US" sz="7200" dirty="0" smtClean="0">
-                <a:solidFill>
-                  <a:srgbClr val="00B050"/>
-                </a:solidFill>
-              </a:rPr>
-              <a:t> -- - </a:t>
-            </a:r>
-            <a:r>
-              <a:rPr lang="en-US" sz="7200" dirty="0" smtClean="0">
-                <a:solidFill>
-                  <a:schemeClr val="accent4"/>
-                </a:solidFill>
-              </a:rPr>
-              <a:t>--</a:t>
-            </a:r>
-            <a:r>
-              <a:rPr lang="en-US" sz="7200" dirty="0" smtClean="0">
-                <a:solidFill>
-                  <a:srgbClr val="00B050"/>
-                </a:solidFill>
-              </a:rPr>
-              <a:t> - --</a:t>
-            </a:r>
-            <a:endParaRPr lang="en-US" sz="4400" dirty="0">
+              <a:rPr lang="en-US" sz="3600" b="1" dirty="0" smtClean="0">
+                <a:solidFill>
+                  <a:schemeClr val="accent4"/>
+                </a:solidFill>
+              </a:rPr>
+              <a:t>{  C</a:t>
+            </a:r>
+            <a:r>
+              <a:rPr lang="en-US" sz="3600" b="1" dirty="0" smtClean="0">
+                <a:solidFill>
+                  <a:schemeClr val="accent4"/>
+                </a:solidFill>
+              </a:rPr>
+              <a:t>ONTROL </a:t>
+            </a:r>
+            <a:r>
+              <a:rPr lang="en-US" sz="3600" b="1" dirty="0" smtClean="0">
+                <a:solidFill>
+                  <a:schemeClr val="accent4"/>
+                </a:solidFill>
+              </a:rPr>
+              <a:t>STRUCTURE  </a:t>
+            </a:r>
+            <a:r>
+              <a:rPr lang="en-US" sz="3600" b="1" dirty="0" err="1" smtClean="0">
+                <a:solidFill>
+                  <a:schemeClr val="accent4"/>
+                </a:solidFill>
+              </a:rPr>
+              <a:t>Cont</a:t>
+            </a:r>
+            <a:r>
+              <a:rPr lang="en-US" sz="3600" b="1" dirty="0" smtClean="0">
+                <a:solidFill>
+                  <a:schemeClr val="accent4"/>
+                </a:solidFill>
+              </a:rPr>
+              <a:t>… }</a:t>
+            </a:r>
+            <a:endParaRPr lang="en-US" sz="3600" b="1" dirty="0">
               <a:solidFill>
                 <a:srgbClr val="00B050"/>
-              </a:solidFill>
-            </a:endParaRPr>
-          </a:p>
-        </p:txBody>
-      </p:sp>
-      <p:sp>
-        <p:nvSpPr>
-          <p:cNvPr id="5" name="Rectangle 4"/>
-          <p:cNvSpPr/>
-          <p:nvPr/>
-        </p:nvSpPr>
-        <p:spPr>
-          <a:xfrm>
-            <a:off x="1244722" y="5405119"/>
-            <a:ext cx="10021980" cy="526697"/>
-          </a:xfrm>
-          <a:prstGeom prst="rect">
-            <a:avLst/>
-          </a:prstGeom>
-          <a:noFill/>
-          <a:ln>
-            <a:noFill/>
-          </a:ln>
-        </p:spPr>
-        <p:style>
-          <a:lnRef idx="2">
-            <a:schemeClr val="accent1">
-              <a:shade val="50000"/>
-            </a:schemeClr>
-          </a:lnRef>
-          <a:fillRef idx="1">
-            <a:schemeClr val="accent1"/>
-          </a:fillRef>
-          <a:effectRef idx="0">
-            <a:schemeClr val="accent1"/>
-          </a:effectRef>
-          <a:fontRef idx="minor">
-            <a:schemeClr val="lt1"/>
-          </a:fontRef>
-        </p:style>
-        <p:txBody>
-          <a:bodyPr rtlCol="0" anchor="ctr"/>
-          <a:lstStyle/>
-          <a:p>
-            <a:pPr algn="ctr"/>
-            <a:r>
-              <a:rPr lang="en-US" dirty="0" smtClean="0"/>
-              <a:t>In simple word, This condition if were applied on our marks, then we passed introduction to computer application(ICA) to be here learning ICP</a:t>
-            </a:r>
-            <a:endParaRPr lang="en-US" dirty="0"/>
-          </a:p>
-        </p:txBody>
-      </p:sp>
-      <p:sp>
-        <p:nvSpPr>
-          <p:cNvPr id="29" name="Rectangle 28"/>
-          <p:cNvSpPr/>
-          <p:nvPr/>
-        </p:nvSpPr>
-        <p:spPr>
-          <a:xfrm>
-            <a:off x="5336476" y="6223263"/>
-            <a:ext cx="1645920" cy="162560"/>
-          </a:xfrm>
-          <a:prstGeom prst="rect">
-            <a:avLst/>
-          </a:prstGeom>
-          <a:noFill/>
-          <a:ln>
-            <a:noFill/>
-          </a:ln>
-        </p:spPr>
-        <p:style>
-          <a:lnRef idx="2">
-            <a:schemeClr val="accent1">
-              <a:shade val="50000"/>
-            </a:schemeClr>
-          </a:lnRef>
-          <a:fillRef idx="1">
-            <a:schemeClr val="accent1"/>
-          </a:fillRef>
-          <a:effectRef idx="0">
-            <a:schemeClr val="accent1"/>
-          </a:effectRef>
-          <a:fontRef idx="minor">
-            <a:schemeClr val="lt1"/>
-          </a:fontRef>
-        </p:style>
-        <p:txBody>
-          <a:bodyPr rtlCol="0" anchor="ctr">
-            <a:scene3d>
-              <a:camera prst="orthographicFront"/>
-              <a:lightRig rig="threePt" dir="t"/>
-            </a:scene3d>
-            <a:sp3d extrusionH="57150">
-              <a:bevelT w="38100" h="38100" prst="angle"/>
-            </a:sp3d>
-          </a:bodyPr>
-          <a:lstStyle/>
-          <a:p>
-            <a:pPr algn="ctr"/>
-            <a:r>
-              <a:rPr lang="en-US" b="1" dirty="0" smtClean="0">
-                <a:solidFill>
-                  <a:schemeClr val="accent4"/>
-                </a:solidFill>
-              </a:rPr>
-              <a:t>&lt;</a:t>
-            </a:r>
-            <a:r>
-              <a:rPr lang="en-US" b="1" dirty="0" smtClean="0">
-                <a:solidFill>
-                  <a:schemeClr val="accent5"/>
-                </a:solidFill>
-              </a:rPr>
-              <a:t>/</a:t>
-            </a:r>
-            <a:r>
-              <a:rPr lang="en-US" b="1" dirty="0" smtClean="0">
-                <a:solidFill>
-                  <a:schemeClr val="accent4"/>
-                </a:solidFill>
-              </a:rPr>
-              <a:t>&gt;</a:t>
-            </a:r>
-            <a:endParaRPr lang="en-US" b="1" dirty="0">
-              <a:solidFill>
-                <a:schemeClr val="accent4"/>
               </a:solidFill>
             </a:endParaRPr>
           </a:p>
@@ -11727,7 +9357,7 @@
                                           </p:stCondLst>
                                         </p:cTn>
                                         <p:tgtEl>
-                                          <p:spTgt spid="24"/>
+                                          <p:spTgt spid="4"/>
                                         </p:tgtEl>
                                         <p:attrNameLst>
                                           <p:attrName>style.visibility</p:attrName>
@@ -11740,94 +9370,6 @@
                                     <p:animEffect transition="in" filter="fade">
                                       <p:cBhvr>
                                         <p:cTn id="7" dur="500"/>
-                                        <p:tgtEl>
-                                          <p:spTgt spid="24"/>
-                                        </p:tgtEl>
-                                      </p:cBhvr>
-                                    </p:animEffect>
-                                  </p:childTnLst>
-                                </p:cTn>
-                              </p:par>
-                              <p:par>
-                                <p:cTn id="8" presetID="10" presetClass="entr" presetSubtype="0" fill="hold" grpId="0" nodeType="withEffect">
-                                  <p:stCondLst>
-                                    <p:cond delay="0"/>
-                                  </p:stCondLst>
-                                  <p:childTnLst>
-                                    <p:set>
-                                      <p:cBhvr>
-                                        <p:cTn id="9" dur="1" fill="hold">
-                                          <p:stCondLst>
-                                            <p:cond delay="0"/>
-                                          </p:stCondLst>
-                                        </p:cTn>
-                                        <p:tgtEl>
-                                          <p:spTgt spid="27"/>
-                                        </p:tgtEl>
-                                        <p:attrNameLst>
-                                          <p:attrName>style.visibility</p:attrName>
-                                        </p:attrNameLst>
-                                      </p:cBhvr>
-                                      <p:to>
-                                        <p:strVal val="visible"/>
-                                      </p:to>
-                                    </p:set>
-                                    <p:animEffect transition="in" filter="fade">
-                                      <p:cBhvr>
-                                        <p:cTn id="10" dur="500"/>
-                                        <p:tgtEl>
-                                          <p:spTgt spid="27"/>
-                                        </p:tgtEl>
-                                      </p:cBhvr>
-                                    </p:animEffect>
-                                  </p:childTnLst>
-                                </p:cTn>
-                              </p:par>
-                            </p:childTnLst>
-                          </p:cTn>
-                        </p:par>
-                      </p:childTnLst>
-                    </p:cTn>
-                  </p:par>
-                  <p:par>
-                    <p:cTn id="11" fill="hold">
-                      <p:stCondLst>
-                        <p:cond delay="indefinite"/>
-                      </p:stCondLst>
-                      <p:childTnLst>
-                        <p:par>
-                          <p:cTn id="12" fill="hold">
-                            <p:stCondLst>
-                              <p:cond delay="0"/>
-                            </p:stCondLst>
-                            <p:childTnLst>
-                              <p:par>
-                                <p:cTn id="13" presetID="10" presetClass="entr" presetSubtype="0" fill="hold" grpId="0" nodeType="clickEffect">
-                                  <p:stCondLst>
-                                    <p:cond delay="0"/>
-                                  </p:stCondLst>
-                                  <p:childTnLst>
-                                    <p:set>
-                                      <p:cBhvr>
-                                        <p:cTn id="14" dur="1" fill="hold">
-                                          <p:stCondLst>
-                                            <p:cond delay="0"/>
-                                          </p:stCondLst>
-                                        </p:cTn>
-                                        <p:tgtEl>
-                                          <p:spTgt spid="4"/>
-                                        </p:tgtEl>
-                                        <p:attrNameLst>
-                                          <p:attrName>style.visibility</p:attrName>
-                                        </p:attrNameLst>
-                                      </p:cBhvr>
-                                      <p:to>
-                                        <p:strVal val="visible"/>
-                                      </p:to>
-                                    </p:set>
-                                    <p:animEffect transition="in" filter="fade">
-                                      <p:cBhvr>
-                                        <p:cTn id="15" dur="500"/>
                                         <p:tgtEl>
                                           <p:spTgt spid="4"/>
                                         </p:tgtEl>
@@ -11843,26 +9385,26 @@
                     </p:cTn>
                   </p:par>
                   <p:par>
-                    <p:cTn id="16" fill="hold">
+                    <p:cTn id="8" fill="hold">
                       <p:stCondLst>
                         <p:cond delay="indefinite"/>
                       </p:stCondLst>
                       <p:childTnLst>
                         <p:par>
-                          <p:cTn id="17" fill="hold">
+                          <p:cTn id="9" fill="hold">
                             <p:stCondLst>
                               <p:cond delay="0"/>
                             </p:stCondLst>
                             <p:childTnLst>
                               <p:par>
-                                <p:cTn id="18" presetID="10" presetClass="entr" presetSubtype="0" fill="hold" grpId="0" nodeType="clickEffect">
+                                <p:cTn id="10" presetID="10" presetClass="entr" presetSubtype="0" fill="hold" grpId="0" nodeType="clickEffect">
                                   <p:stCondLst>
                                     <p:cond delay="0"/>
                                   </p:stCondLst>
                                   <p:childTnLst>
                                     <p:set>
                                       <p:cBhvr>
-                                        <p:cTn id="19" dur="1" fill="hold">
+                                        <p:cTn id="11" dur="1" fill="hold">
                                           <p:stCondLst>
                                             <p:cond delay="0"/>
                                           </p:stCondLst>
@@ -11880,44 +9422,9 @@
                                     </p:set>
                                     <p:animEffect transition="in" filter="fade">
                                       <p:cBhvr>
-                                        <p:cTn id="20" dur="500"/>
+                                        <p:cTn id="12" dur="500"/>
                                         <p:tgtEl>
                                           <p:spTgt spid="25"/>
-                                        </p:tgtEl>
-                                      </p:cBhvr>
-                                    </p:animEffect>
-                                  </p:childTnLst>
-                                </p:cTn>
-                              </p:par>
-                              <p:par>
-                                <p:cTn id="21" presetID="10" presetClass="entr" presetSubtype="0" fill="hold" grpId="0" nodeType="withEffect">
-                                  <p:stCondLst>
-                                    <p:cond delay="0"/>
-                                  </p:stCondLst>
-                                  <p:childTnLst>
-                                    <p:set>
-                                      <p:cBhvr>
-                                        <p:cTn id="22" dur="1" fill="hold">
-                                          <p:stCondLst>
-                                            <p:cond delay="0"/>
-                                          </p:stCondLst>
-                                        </p:cTn>
-                                        <p:tgtEl>
-                                          <p:spTgt spid="28"/>
-                                        </p:tgtEl>
-                                        <p:attrNameLst>
-                                          <p:attrName>style.visibility</p:attrName>
-                                        </p:attrNameLst>
-                                      </p:cBhvr>
-                                      <p:to>
-                                        <p:strVal val="visible"/>
-                                      </p:to>
-                                    </p:set>
-                                    <p:animEffect transition="in" filter="fade">
-                                      <p:cBhvr>
-                                        <p:cTn id="23" dur="500"/>
-                                        <p:tgtEl>
-                                          <p:spTgt spid="28"/>
                                         </p:tgtEl>
                                       </p:cBhvr>
                                     </p:animEffect>
@@ -11931,26 +9438,26 @@
                     </p:cTn>
                   </p:par>
                   <p:par>
-                    <p:cTn id="24" fill="hold">
+                    <p:cTn id="13" fill="hold">
                       <p:stCondLst>
                         <p:cond delay="indefinite"/>
                       </p:stCondLst>
                       <p:childTnLst>
                         <p:par>
-                          <p:cTn id="25" fill="hold">
+                          <p:cTn id="14" fill="hold">
                             <p:stCondLst>
                               <p:cond delay="0"/>
                             </p:stCondLst>
                             <p:childTnLst>
                               <p:par>
-                                <p:cTn id="26" presetID="10" presetClass="entr" presetSubtype="0" fill="hold" grpId="0" nodeType="clickEffect">
+                                <p:cTn id="15" presetID="10" presetClass="entr" presetSubtype="0" fill="hold" grpId="0" nodeType="clickEffect">
                                   <p:stCondLst>
                                     <p:cond delay="0"/>
                                   </p:stCondLst>
                                   <p:childTnLst>
                                     <p:set>
                                       <p:cBhvr>
-                                        <p:cTn id="27" dur="1" fill="hold">
+                                        <p:cTn id="16" dur="1" fill="hold">
                                           <p:stCondLst>
                                             <p:cond delay="0"/>
                                           </p:stCondLst>
@@ -11968,7 +9475,7 @@
                                     </p:set>
                                     <p:animEffect transition="in" filter="fade">
                                       <p:cBhvr>
-                                        <p:cTn id="28" dur="500"/>
+                                        <p:cTn id="17" dur="500"/>
                                         <p:tgtEl>
                                           <p:spTgt spid="26"/>
                                         </p:tgtEl>
@@ -11984,26 +9491,26 @@
                     </p:cTn>
                   </p:par>
                   <p:par>
-                    <p:cTn id="29" fill="hold">
+                    <p:cTn id="18" fill="hold">
                       <p:stCondLst>
                         <p:cond delay="indefinite"/>
                       </p:stCondLst>
                       <p:childTnLst>
                         <p:par>
-                          <p:cTn id="30" fill="hold">
+                          <p:cTn id="19" fill="hold">
                             <p:stCondLst>
                               <p:cond delay="0"/>
                             </p:stCondLst>
                             <p:childTnLst>
                               <p:par>
-                                <p:cTn id="31" presetID="10" presetClass="entr" presetSubtype="0" fill="hold" grpId="0" nodeType="clickEffect">
+                                <p:cTn id="20" presetID="10" presetClass="entr" presetSubtype="0" fill="hold" grpId="0" nodeType="clickEffect">
                                   <p:stCondLst>
                                     <p:cond delay="0"/>
                                   </p:stCondLst>
                                   <p:childTnLst>
                                     <p:set>
                                       <p:cBhvr>
-                                        <p:cTn id="32" dur="1" fill="hold">
+                                        <p:cTn id="21" dur="1" fill="hold">
                                           <p:stCondLst>
                                             <p:cond delay="0"/>
                                           </p:stCondLst>
@@ -12021,7 +9528,7 @@
                                     </p:set>
                                     <p:animEffect transition="in" filter="fade">
                                       <p:cBhvr>
-                                        <p:cTn id="33" dur="500"/>
+                                        <p:cTn id="22" dur="500"/>
                                         <p:tgtEl>
                                           <p:spTgt spid="5"/>
                                         </p:tgtEl>
@@ -12059,11 +9566,8 @@
     </p:tnLst>
     <p:bldLst>
       <p:bldP spid="4" grpId="0" animBg="1"/>
-      <p:bldP spid="24" grpId="0"/>
       <p:bldP spid="25" grpId="0"/>
       <p:bldP spid="26" grpId="0" animBg="1"/>
-      <p:bldP spid="27" grpId="0"/>
-      <p:bldP spid="28" grpId="0"/>
       <p:bldP spid="5" grpId="0"/>
     </p:bldLst>
   </p:timing>
@@ -12287,105 +9791,6 @@
       </p:sp>
       <p:sp>
         <p:nvSpPr>
-          <p:cNvPr id="3" name="Rectangle 2"/>
-          <p:cNvSpPr/>
-          <p:nvPr/>
-        </p:nvSpPr>
-        <p:spPr>
-          <a:xfrm rot="16200000">
-            <a:off x="8861199" y="3384220"/>
-            <a:ext cx="5665506" cy="424207"/>
-          </a:xfrm>
-          <a:prstGeom prst="rect">
-            <a:avLst/>
-          </a:prstGeom>
-          <a:noFill/>
-          <a:ln>
-            <a:noFill/>
-          </a:ln>
-          <a:scene3d>
-            <a:camera prst="orthographicFront"/>
-            <a:lightRig rig="threePt" dir="t"/>
-          </a:scene3d>
-          <a:sp3d>
-            <a:bevelT prst="angle"/>
-          </a:sp3d>
-        </p:spPr>
-        <p:style>
-          <a:lnRef idx="2">
-            <a:schemeClr val="accent1">
-              <a:shade val="50000"/>
-            </a:schemeClr>
-          </a:lnRef>
-          <a:fillRef idx="1">
-            <a:schemeClr val="accent1"/>
-          </a:fillRef>
-          <a:effectRef idx="0">
-            <a:schemeClr val="accent1"/>
-          </a:effectRef>
-          <a:fontRef idx="minor">
-            <a:schemeClr val="lt1"/>
-          </a:fontRef>
-        </p:style>
-        <p:txBody>
-          <a:bodyPr rtlCol="0" anchor="ctr">
-            <a:sp3d extrusionH="57150">
-              <a:bevelT w="38100" h="38100" prst="angle"/>
-            </a:sp3d>
-          </a:bodyPr>
-          <a:lstStyle/>
-          <a:p>
-            <a:pPr algn="ctr"/>
-            <a:r>
-              <a:rPr lang="en-US" sz="7200" dirty="0" smtClean="0">
-                <a:solidFill>
-                  <a:schemeClr val="accent4"/>
-                </a:solidFill>
-              </a:rPr>
-              <a:t>-- - </a:t>
-            </a:r>
-            <a:r>
-              <a:rPr lang="en-US" sz="7200" dirty="0" smtClean="0">
-                <a:solidFill>
-                  <a:srgbClr val="00B050"/>
-                </a:solidFill>
-              </a:rPr>
-              <a:t>--</a:t>
-            </a:r>
-            <a:r>
-              <a:rPr lang="en-US" sz="7200" dirty="0" smtClean="0">
-                <a:solidFill>
-                  <a:schemeClr val="accent4"/>
-                </a:solidFill>
-              </a:rPr>
-              <a:t> - </a:t>
-            </a:r>
-            <a:r>
-              <a:rPr lang="en-US" sz="7200" dirty="0" smtClean="0">
-                <a:solidFill>
-                  <a:srgbClr val="00B050"/>
-                </a:solidFill>
-              </a:rPr>
-              <a:t>--</a:t>
-            </a:r>
-            <a:r>
-              <a:rPr lang="en-US" sz="7200" dirty="0" smtClean="0">
-                <a:solidFill>
-                  <a:schemeClr val="accent4"/>
-                </a:solidFill>
-              </a:rPr>
-              <a:t> - --</a:t>
-            </a:r>
-            <a:endParaRPr lang="en-US" sz="4400" dirty="0">
-              <a:solidFill>
-                <a:schemeClr val="accent4"/>
-              </a:solidFill>
-            </a:endParaRPr>
-          </a:p>
-        </p:txBody>
-      </p:sp>
-      <p:sp>
-        <p:nvSpPr>
           <p:cNvPr id="2" name="Rectangle 1"/>
           <p:cNvSpPr/>
           <p:nvPr/>
@@ -12548,164 +9953,6 @@
           <a:prstGeom prst="ellipse">
             <a:avLst/>
           </a:prstGeom>
-          <a:scene3d>
-            <a:camera prst="orthographicFront"/>
-            <a:lightRig rig="threePt" dir="t"/>
-          </a:scene3d>
-          <a:sp3d>
-            <a:bevelT prst="angle"/>
-          </a:sp3d>
-        </p:spPr>
-        <p:style>
-          <a:lnRef idx="2">
-            <a:schemeClr val="accent1">
-              <a:shade val="50000"/>
-            </a:schemeClr>
-          </a:lnRef>
-          <a:fillRef idx="1">
-            <a:schemeClr val="accent1"/>
-          </a:fillRef>
-          <a:effectRef idx="0">
-            <a:schemeClr val="accent1"/>
-          </a:effectRef>
-          <a:fontRef idx="minor">
-            <a:schemeClr val="lt1"/>
-          </a:fontRef>
-        </p:style>
-        <p:txBody>
-          <a:bodyPr rtlCol="0" anchor="ctr">
-            <a:sp3d extrusionH="57150">
-              <a:bevelT w="38100" h="38100" prst="angle"/>
-            </a:sp3d>
-          </a:bodyPr>
-          <a:lstStyle/>
-          <a:p>
-            <a:pPr algn="ctr"/>
-            <a:endParaRPr lang="en-US"/>
-          </a:p>
-        </p:txBody>
-      </p:sp>
-      <p:sp>
-        <p:nvSpPr>
-          <p:cNvPr id="15" name="Oval 14"/>
-          <p:cNvSpPr/>
-          <p:nvPr/>
-        </p:nvSpPr>
-        <p:spPr>
-          <a:xfrm>
-            <a:off x="11566300" y="4656837"/>
-            <a:ext cx="414779" cy="414780"/>
-          </a:xfrm>
-          <a:prstGeom prst="ellipse">
-            <a:avLst/>
-          </a:prstGeom>
-          <a:scene3d>
-            <a:camera prst="orthographicFront"/>
-            <a:lightRig rig="threePt" dir="t"/>
-          </a:scene3d>
-          <a:sp3d>
-            <a:bevelT prst="angle"/>
-          </a:sp3d>
-        </p:spPr>
-        <p:style>
-          <a:lnRef idx="2">
-            <a:schemeClr val="accent1">
-              <a:shade val="50000"/>
-            </a:schemeClr>
-          </a:lnRef>
-          <a:fillRef idx="1">
-            <a:schemeClr val="accent1"/>
-          </a:fillRef>
-          <a:effectRef idx="0">
-            <a:schemeClr val="accent1"/>
-          </a:effectRef>
-          <a:fontRef idx="minor">
-            <a:schemeClr val="lt1"/>
-          </a:fontRef>
-        </p:style>
-        <p:txBody>
-          <a:bodyPr rtlCol="0" anchor="ctr">
-            <a:sp3d extrusionH="57150">
-              <a:bevelT w="38100" h="38100" prst="angle"/>
-            </a:sp3d>
-          </a:bodyPr>
-          <a:lstStyle/>
-          <a:p>
-            <a:pPr algn="ctr"/>
-            <a:endParaRPr lang="en-US"/>
-          </a:p>
-        </p:txBody>
-      </p:sp>
-      <p:sp>
-        <p:nvSpPr>
-          <p:cNvPr id="13" name="Oval 12"/>
-          <p:cNvSpPr/>
-          <p:nvPr/>
-        </p:nvSpPr>
-        <p:spPr>
-          <a:xfrm>
-            <a:off x="11584763" y="2149310"/>
-            <a:ext cx="377856" cy="386499"/>
-          </a:xfrm>
-          <a:prstGeom prst="ellipse">
-            <a:avLst/>
-          </a:prstGeom>
-          <a:scene3d>
-            <a:camera prst="orthographicFront"/>
-            <a:lightRig rig="threePt" dir="t"/>
-          </a:scene3d>
-          <a:sp3d>
-            <a:bevelT prst="angle"/>
-          </a:sp3d>
-        </p:spPr>
-        <p:style>
-          <a:lnRef idx="2">
-            <a:schemeClr val="accent1">
-              <a:shade val="50000"/>
-            </a:schemeClr>
-          </a:lnRef>
-          <a:fillRef idx="1">
-            <a:schemeClr val="accent1"/>
-          </a:fillRef>
-          <a:effectRef idx="0">
-            <a:schemeClr val="accent1"/>
-          </a:effectRef>
-          <a:fontRef idx="minor">
-            <a:schemeClr val="lt1"/>
-          </a:fontRef>
-        </p:style>
-        <p:txBody>
-          <a:bodyPr rtlCol="0" anchor="ctr">
-            <a:sp3d extrusionH="57150">
-              <a:bevelT w="38100" h="38100" prst="angle"/>
-            </a:sp3d>
-          </a:bodyPr>
-          <a:lstStyle/>
-          <a:p>
-            <a:pPr algn="ctr"/>
-            <a:endParaRPr lang="en-US"/>
-          </a:p>
-        </p:txBody>
-      </p:sp>
-      <p:sp>
-        <p:nvSpPr>
-          <p:cNvPr id="12" name="Oval 11"/>
-          <p:cNvSpPr/>
-          <p:nvPr/>
-        </p:nvSpPr>
-        <p:spPr>
-          <a:xfrm>
-            <a:off x="11584762" y="3405429"/>
-            <a:ext cx="377857" cy="381788"/>
-          </a:xfrm>
-          <a:prstGeom prst="ellipse">
-            <a:avLst/>
-          </a:prstGeom>
-          <a:solidFill>
-            <a:schemeClr val="accent2">
-              <a:lumMod val="75000"/>
-            </a:schemeClr>
-          </a:solidFill>
           <a:scene3d>
             <a:camera prst="orthographicFront"/>
             <a:lightRig rig="threePt" dir="t"/>
@@ -12801,216 +10048,6 @@
       </p:sp>
       <p:sp>
         <p:nvSpPr>
-          <p:cNvPr id="9" name="Rectangle 8"/>
-          <p:cNvSpPr/>
-          <p:nvPr/>
-        </p:nvSpPr>
-        <p:spPr>
-          <a:xfrm>
-            <a:off x="2092751" y="282804"/>
-            <a:ext cx="8371002" cy="556182"/>
-          </a:xfrm>
-          <a:prstGeom prst="rect">
-            <a:avLst/>
-          </a:prstGeom>
-          <a:noFill/>
-          <a:ln>
-            <a:noFill/>
-          </a:ln>
-          <a:scene3d>
-            <a:camera prst="orthographicFront"/>
-            <a:lightRig rig="threePt" dir="t"/>
-          </a:scene3d>
-          <a:sp3d>
-            <a:bevelT prst="angle"/>
-          </a:sp3d>
-        </p:spPr>
-        <p:style>
-          <a:lnRef idx="2">
-            <a:schemeClr val="accent1">
-              <a:shade val="50000"/>
-            </a:schemeClr>
-          </a:lnRef>
-          <a:fillRef idx="1">
-            <a:schemeClr val="accent1"/>
-          </a:fillRef>
-          <a:effectRef idx="0">
-            <a:schemeClr val="accent1"/>
-          </a:effectRef>
-          <a:fontRef idx="minor">
-            <a:schemeClr val="lt1"/>
-          </a:fontRef>
-        </p:style>
-        <p:txBody>
-          <a:bodyPr rtlCol="0" anchor="ctr">
-            <a:sp3d extrusionH="57150">
-              <a:bevelT w="38100" h="38100" prst="angle"/>
-            </a:sp3d>
-          </a:bodyPr>
-          <a:lstStyle/>
-          <a:p>
-            <a:pPr algn="ctr"/>
-            <a:r>
-              <a:rPr lang="en-US" sz="3600" b="1" dirty="0" smtClean="0">
-                <a:solidFill>
-                  <a:srgbClr val="00B050"/>
-                </a:solidFill>
-                <a:sym typeface="Wingdings" panose="05000000000000000000" pitchFamily="2" charset="2"/>
-              </a:rPr>
-              <a:t>&lt;</a:t>
-            </a:r>
-            <a:r>
-              <a:rPr lang="en-US" sz="3600" b="1" dirty="0" smtClean="0">
-                <a:solidFill>
-                  <a:schemeClr val="accent4"/>
-                </a:solidFill>
-                <a:sym typeface="Wingdings" panose="05000000000000000000" pitchFamily="2" charset="2"/>
-              </a:rPr>
-              <a:t>\</a:t>
-            </a:r>
-            <a:r>
-              <a:rPr lang="en-US" sz="3600" b="1" dirty="0" smtClean="0">
-                <a:solidFill>
-                  <a:srgbClr val="00B050"/>
-                </a:solidFill>
-                <a:sym typeface="Wingdings" panose="05000000000000000000" pitchFamily="2" charset="2"/>
-              </a:rPr>
-              <a:t>--</a:t>
-            </a:r>
-            <a:r>
-              <a:rPr lang="en-US" sz="3600" b="1" dirty="0" smtClean="0">
-                <a:solidFill>
-                  <a:schemeClr val="accent4"/>
-                </a:solidFill>
-                <a:sym typeface="Wingdings" panose="05000000000000000000" pitchFamily="2" charset="2"/>
-              </a:rPr>
-              <a:t>    </a:t>
-            </a:r>
-            <a:r>
-              <a:rPr lang="en-US" sz="3600" b="1" dirty="0" smtClean="0">
-                <a:solidFill>
-                  <a:schemeClr val="accent4"/>
-                </a:solidFill>
-              </a:rPr>
-              <a:t>CONTROL STRUCTURE  </a:t>
-            </a:r>
-            <a:r>
-              <a:rPr lang="en-US" sz="3600" b="1" dirty="0" err="1" smtClean="0">
-                <a:solidFill>
-                  <a:schemeClr val="accent4"/>
-                </a:solidFill>
-              </a:rPr>
-              <a:t>Cont</a:t>
-            </a:r>
-            <a:r>
-              <a:rPr lang="en-US" sz="3600" b="1" dirty="0" smtClean="0">
-                <a:solidFill>
-                  <a:schemeClr val="accent4"/>
-                </a:solidFill>
-              </a:rPr>
-              <a:t>…   </a:t>
-            </a:r>
-            <a:r>
-              <a:rPr lang="en-US" sz="3600" b="1" dirty="0" smtClean="0">
-                <a:solidFill>
-                  <a:srgbClr val="00B050"/>
-                </a:solidFill>
-              </a:rPr>
-              <a:t>--</a:t>
-            </a:r>
-            <a:r>
-              <a:rPr lang="en-US" sz="3600" b="1" dirty="0" smtClean="0">
-                <a:solidFill>
-                  <a:schemeClr val="accent4"/>
-                </a:solidFill>
-              </a:rPr>
-              <a:t>/</a:t>
-            </a:r>
-            <a:r>
-              <a:rPr lang="en-US" sz="3600" b="1" dirty="0" smtClean="0">
-                <a:solidFill>
-                  <a:srgbClr val="00B050"/>
-                </a:solidFill>
-              </a:rPr>
-              <a:t>&gt;</a:t>
-            </a:r>
-            <a:endParaRPr lang="en-US" sz="3600" b="1" dirty="0">
-              <a:solidFill>
-                <a:srgbClr val="00B050"/>
-              </a:solidFill>
-            </a:endParaRPr>
-          </a:p>
-        </p:txBody>
-      </p:sp>
-      <p:sp>
-        <p:nvSpPr>
-          <p:cNvPr id="10" name="Rectangle 9"/>
-          <p:cNvSpPr/>
-          <p:nvPr/>
-        </p:nvSpPr>
-        <p:spPr>
-          <a:xfrm flipV="1">
-            <a:off x="3477706" y="932463"/>
-            <a:ext cx="5601092" cy="469770"/>
-          </a:xfrm>
-          <a:prstGeom prst="rect">
-            <a:avLst/>
-          </a:prstGeom>
-          <a:noFill/>
-          <a:ln>
-            <a:noFill/>
-          </a:ln>
-          <a:scene3d>
-            <a:camera prst="orthographicFront"/>
-            <a:lightRig rig="threePt" dir="t"/>
-          </a:scene3d>
-          <a:sp3d>
-            <a:bevelT prst="angle"/>
-          </a:sp3d>
-        </p:spPr>
-        <p:style>
-          <a:lnRef idx="2">
-            <a:schemeClr val="accent1">
-              <a:shade val="50000"/>
-            </a:schemeClr>
-          </a:lnRef>
-          <a:fillRef idx="1">
-            <a:schemeClr val="accent1"/>
-          </a:fillRef>
-          <a:effectRef idx="0">
-            <a:schemeClr val="accent1"/>
-          </a:effectRef>
-          <a:fontRef idx="minor">
-            <a:schemeClr val="lt1"/>
-          </a:fontRef>
-        </p:style>
-        <p:txBody>
-          <a:bodyPr rtlCol="0" anchor="ctr">
-            <a:sp3d extrusionH="57150">
-              <a:bevelT w="38100" h="38100" prst="angle"/>
-            </a:sp3d>
-          </a:bodyPr>
-          <a:lstStyle/>
-          <a:p>
-            <a:pPr algn="ctr"/>
-            <a:r>
-              <a:rPr lang="en-US" sz="7200" dirty="0" smtClean="0">
-                <a:solidFill>
-                  <a:srgbClr val="00B050"/>
-                </a:solidFill>
-              </a:rPr>
-              <a:t>-- - -- - -- - --</a:t>
-            </a:r>
-            <a:endParaRPr lang="en-US" sz="4400" dirty="0">
-              <a:solidFill>
-                <a:srgbClr val="00B050"/>
-              </a:solidFill>
-            </a:endParaRPr>
-          </a:p>
-        </p:txBody>
-      </p:sp>
-      <p:sp>
-        <p:nvSpPr>
           <p:cNvPr id="17" name="Oval 16"/>
           <p:cNvSpPr/>
           <p:nvPr/>
@@ -13072,114 +10109,6 @@
         <p:spPr>
           <a:xfrm>
             <a:off x="406731" y="6053579"/>
-            <a:ext cx="112336" cy="113123"/>
-          </a:xfrm>
-          <a:prstGeom prst="ellipse">
-            <a:avLst/>
-          </a:prstGeom>
-          <a:solidFill>
-            <a:srgbClr val="00B0F0"/>
-          </a:solidFill>
-          <a:scene3d>
-            <a:camera prst="orthographicFront"/>
-            <a:lightRig rig="threePt" dir="t"/>
-          </a:scene3d>
-          <a:sp3d>
-            <a:bevelT prst="angle"/>
-          </a:sp3d>
-        </p:spPr>
-        <p:style>
-          <a:lnRef idx="2">
-            <a:schemeClr val="accent1">
-              <a:shade val="50000"/>
-            </a:schemeClr>
-          </a:lnRef>
-          <a:fillRef idx="1">
-            <a:schemeClr val="accent1"/>
-          </a:fillRef>
-          <a:effectRef idx="0">
-            <a:schemeClr val="accent1"/>
-          </a:effectRef>
-          <a:fontRef idx="minor">
-            <a:schemeClr val="lt1"/>
-          </a:fontRef>
-        </p:style>
-        <p:txBody>
-          <a:bodyPr rtlCol="0" anchor="ctr">
-            <a:sp3d extrusionH="57150">
-              <a:bevelT w="38100" h="38100" prst="angle"/>
-            </a:sp3d>
-          </a:bodyPr>
-          <a:lstStyle/>
-          <a:p>
-            <a:pPr algn="ctr"/>
-            <a:endParaRPr lang="en-US"/>
-          </a:p>
-        </p:txBody>
-      </p:sp>
-      <p:sp>
-        <p:nvSpPr>
-          <p:cNvPr id="19" name="Oval 18"/>
-          <p:cNvSpPr/>
-          <p:nvPr/>
-        </p:nvSpPr>
-        <p:spPr>
-          <a:xfrm>
-            <a:off x="11693952" y="6166702"/>
-            <a:ext cx="112336" cy="113123"/>
-          </a:xfrm>
-          <a:prstGeom prst="ellipse">
-            <a:avLst/>
-          </a:prstGeom>
-          <a:solidFill>
-            <a:srgbClr val="00B0F0"/>
-          </a:solidFill>
-          <a:scene3d>
-            <a:camera prst="orthographicFront"/>
-            <a:lightRig rig="threePt" dir="t"/>
-          </a:scene3d>
-          <a:sp3d>
-            <a:bevelT prst="angle"/>
-          </a:sp3d>
-        </p:spPr>
-        <p:style>
-          <a:lnRef idx="2">
-            <a:schemeClr val="accent1">
-              <a:shade val="50000"/>
-            </a:schemeClr>
-          </a:lnRef>
-          <a:fillRef idx="1">
-            <a:schemeClr val="accent1"/>
-          </a:fillRef>
-          <a:effectRef idx="0">
-            <a:schemeClr val="accent1"/>
-          </a:effectRef>
-          <a:fontRef idx="minor">
-            <a:schemeClr val="lt1"/>
-          </a:fontRef>
-        </p:style>
-        <p:txBody>
-          <a:bodyPr rtlCol="0" anchor="ctr">
-            <a:sp3d extrusionH="57150">
-              <a:bevelT w="38100" h="38100" prst="angle"/>
-            </a:sp3d>
-          </a:bodyPr>
-          <a:lstStyle/>
-          <a:p>
-            <a:pPr algn="ctr"/>
-            <a:endParaRPr lang="en-US"/>
-          </a:p>
-        </p:txBody>
-      </p:sp>
-      <p:sp>
-        <p:nvSpPr>
-          <p:cNvPr id="20" name="Oval 19"/>
-          <p:cNvSpPr/>
-          <p:nvPr/>
-        </p:nvSpPr>
-        <p:spPr>
-          <a:xfrm>
-            <a:off x="11707701" y="1056581"/>
             <a:ext cx="112336" cy="113123"/>
           </a:xfrm>
           <a:prstGeom prst="ellipse">
@@ -13278,7 +10207,7 @@
         <p:txBody>
           <a:bodyPr rtlCol="0" anchor="ctr">
             <a:sp3d extrusionH="57150">
-              <a:bevelT w="38100" h="38100" prst="angle"/>
+              <a:bevelT h="25400" prst="softRound"/>
             </a:sp3d>
           </a:bodyPr>
           <a:lstStyle/>
@@ -13452,7 +10381,15 @@
                   <a:schemeClr val="accent4"/>
                 </a:solidFill>
               </a:rPr>
-              <a:t>Iteration Control Structure</a:t>
+              <a:t>3. Iteration </a:t>
+            </a:r>
+            <a:r>
+              <a:rPr lang="en-US" dirty="0" smtClean="0">
+                <a:solidFill>
+                  <a:schemeClr val="accent4"/>
+                </a:solidFill>
+              </a:rPr>
+              <a:t>Control Structure</a:t>
             </a:r>
             <a:endParaRPr lang="en-US" dirty="0">
               <a:solidFill>
@@ -13687,24 +10624,82 @@
           <a:p>
             <a:endParaRPr lang="en-US" dirty="0" smtClean="0"/>
           </a:p>
-          <a:p>
-            <a:r>
-              <a:rPr lang="en-US" dirty="0" smtClean="0"/>
-              <a:t>This will keep printing that message for infinite while true! unless you add break under the print function to make it print once and stop!</a:t>
-            </a:r>
-          </a:p>
-        </p:txBody>
-      </p:sp>
-      <p:sp>
-        <p:nvSpPr>
-          <p:cNvPr id="27" name="Rectangle 26"/>
+        </p:txBody>
+      </p:sp>
+      <p:sp>
+        <p:nvSpPr>
+          <p:cNvPr id="29" name="Rectangle 28"/>
           <p:cNvSpPr/>
           <p:nvPr/>
         </p:nvSpPr>
         <p:spPr>
-          <a:xfrm flipV="1">
-            <a:off x="1686560" y="2243055"/>
-            <a:ext cx="3861936" cy="227290"/>
+          <a:xfrm>
+            <a:off x="5336476" y="6279825"/>
+            <a:ext cx="1645920" cy="162560"/>
+          </a:xfrm>
+          <a:prstGeom prst="rect">
+            <a:avLst/>
+          </a:prstGeom>
+          <a:noFill/>
+          <a:ln>
+            <a:noFill/>
+          </a:ln>
+        </p:spPr>
+        <p:style>
+          <a:lnRef idx="2">
+            <a:schemeClr val="accent1">
+              <a:shade val="50000"/>
+            </a:schemeClr>
+          </a:lnRef>
+          <a:fillRef idx="1">
+            <a:schemeClr val="accent1"/>
+          </a:fillRef>
+          <a:effectRef idx="0">
+            <a:schemeClr val="accent1"/>
+          </a:effectRef>
+          <a:fontRef idx="minor">
+            <a:schemeClr val="lt1"/>
+          </a:fontRef>
+        </p:style>
+        <p:txBody>
+          <a:bodyPr rtlCol="0" anchor="ctr">
+            <a:scene3d>
+              <a:camera prst="orthographicFront"/>
+              <a:lightRig rig="threePt" dir="t"/>
+            </a:scene3d>
+            <a:sp3d extrusionH="57150">
+              <a:bevelT w="38100" h="38100" prst="angle"/>
+            </a:sp3d>
+          </a:bodyPr>
+          <a:lstStyle/>
+          <a:p>
+            <a:pPr algn="ctr"/>
+            <a:r>
+              <a:rPr lang="en-US" b="1" dirty="0" smtClean="0">
+                <a:solidFill>
+                  <a:schemeClr val="accent4"/>
+                </a:solidFill>
+              </a:rPr>
+              <a:t>{}</a:t>
+            </a:r>
+            <a:endParaRPr lang="en-US" b="1" dirty="0">
+              <a:solidFill>
+                <a:schemeClr val="accent4"/>
+              </a:solidFill>
+            </a:endParaRPr>
+          </a:p>
+        </p:txBody>
+      </p:sp>
+      <p:sp>
+        <p:nvSpPr>
+          <p:cNvPr id="30" name="Rectangle 29"/>
+          <p:cNvSpPr/>
+          <p:nvPr/>
+        </p:nvSpPr>
+        <p:spPr>
+          <a:xfrm rot="5400000">
+            <a:off x="8921497" y="3518630"/>
+            <a:ext cx="5612998" cy="424207"/>
           </a:xfrm>
           <a:prstGeom prst="rect">
             <a:avLst/>
@@ -13747,32 +10742,32 @@
           <a:p>
             <a:pPr algn="ctr"/>
             <a:r>
-              <a:rPr lang="en-US" sz="7200" dirty="0" smtClean="0">
-                <a:solidFill>
-                  <a:srgbClr val="00B050"/>
-                </a:solidFill>
-              </a:rPr>
-              <a:t>-- - </a:t>
-            </a:r>
-            <a:r>
-              <a:rPr lang="en-US" sz="7200" dirty="0" smtClean="0">
-                <a:solidFill>
-                  <a:schemeClr val="accent4"/>
-                </a:solidFill>
-              </a:rPr>
-              <a:t>--</a:t>
-            </a:r>
-            <a:r>
-              <a:rPr lang="en-US" sz="7200" dirty="0" smtClean="0">
-                <a:solidFill>
-                  <a:srgbClr val="00B050"/>
-                </a:solidFill>
-              </a:rPr>
-              <a:t> - --</a:t>
-            </a:r>
-            <a:endParaRPr lang="en-US" sz="4400" dirty="0">
+              <a:rPr lang="en-US" sz="1600" b="1" dirty="0" smtClean="0">
+                <a:solidFill>
+                  <a:schemeClr val="accent4"/>
+                </a:solidFill>
+              </a:rPr>
+              <a:t>[ </a:t>
+            </a:r>
+            <a:r>
+              <a:rPr lang="en-US" sz="1600" b="1" dirty="0">
+                <a:solidFill>
+                  <a:schemeClr val="accent4"/>
+                </a:solidFill>
+              </a:rPr>
+              <a:t>INTRO </a:t>
+            </a:r>
+            <a:r>
+              <a:rPr lang="en-US" sz="1600" b="1" dirty="0" smtClean="0">
+                <a:solidFill>
+                  <a:schemeClr val="accent4"/>
+                </a:solidFill>
+              </a:rPr>
+              <a:t> TO   COMPUTER  PROGRAMMING  ]</a:t>
+            </a:r>
+            <a:endParaRPr lang="en-US" sz="1600" b="1" dirty="0">
               <a:solidFill>
-                <a:srgbClr val="00B050"/>
+                <a:schemeClr val="accent4"/>
               </a:solidFill>
             </a:endParaRPr>
           </a:p>
@@ -13780,14 +10775,14 @@
       </p:sp>
       <p:sp>
         <p:nvSpPr>
-          <p:cNvPr id="28" name="Rectangle 27"/>
+          <p:cNvPr id="32" name="Rectangle 31"/>
           <p:cNvSpPr/>
           <p:nvPr/>
         </p:nvSpPr>
         <p:spPr>
-          <a:xfrm flipV="1">
-            <a:off x="7240562" y="2149310"/>
-            <a:ext cx="3861936" cy="291447"/>
+          <a:xfrm>
+            <a:off x="2102870" y="228291"/>
+            <a:ext cx="8371002" cy="556182"/>
           </a:xfrm>
           <a:prstGeom prst="rect">
             <a:avLst/>
@@ -13830,112 +10825,48 @@
           <a:p>
             <a:pPr algn="ctr"/>
             <a:r>
-              <a:rPr lang="en-US" sz="7200" dirty="0" smtClean="0">
-                <a:solidFill>
-                  <a:srgbClr val="00B050"/>
-                </a:solidFill>
-              </a:rPr>
-              <a:t> -- - </a:t>
-            </a:r>
-            <a:r>
-              <a:rPr lang="en-US" sz="7200" dirty="0" smtClean="0">
-                <a:solidFill>
-                  <a:schemeClr val="accent4"/>
-                </a:solidFill>
-              </a:rPr>
-              <a:t>--</a:t>
-            </a:r>
-            <a:r>
-              <a:rPr lang="en-US" sz="7200" dirty="0" smtClean="0">
-                <a:solidFill>
-                  <a:srgbClr val="00B050"/>
-                </a:solidFill>
-              </a:rPr>
-              <a:t> - --</a:t>
-            </a:r>
-            <a:endParaRPr lang="en-US" sz="4400" dirty="0">
+              <a:rPr lang="en-US" sz="3600" b="1" dirty="0" smtClean="0">
+                <a:solidFill>
+                  <a:schemeClr val="accent4"/>
+                </a:solidFill>
+              </a:rPr>
+              <a:t>{  C</a:t>
+            </a:r>
+            <a:r>
+              <a:rPr lang="en-US" sz="3600" b="1" dirty="0" smtClean="0">
+                <a:solidFill>
+                  <a:schemeClr val="accent4"/>
+                </a:solidFill>
+              </a:rPr>
+              <a:t>ONTROL </a:t>
+            </a:r>
+            <a:r>
+              <a:rPr lang="en-US" sz="3600" b="1" dirty="0" smtClean="0">
+                <a:solidFill>
+                  <a:schemeClr val="accent4"/>
+                </a:solidFill>
+              </a:rPr>
+              <a:t>STRUCTURE  </a:t>
+            </a:r>
+            <a:r>
+              <a:rPr lang="en-US" sz="3600" b="1" dirty="0" err="1" smtClean="0">
+                <a:solidFill>
+                  <a:schemeClr val="accent4"/>
+                </a:solidFill>
+              </a:rPr>
+              <a:t>Cont</a:t>
+            </a:r>
+            <a:r>
+              <a:rPr lang="en-US" sz="3600" b="1" dirty="0" smtClean="0">
+                <a:solidFill>
+                  <a:schemeClr val="accent4"/>
+                </a:solidFill>
+              </a:rPr>
+              <a:t>… }</a:t>
+            </a:r>
+            <a:endParaRPr lang="en-US" sz="3600" b="1" dirty="0">
               <a:solidFill>
                 <a:srgbClr val="00B050"/>
-              </a:solidFill>
-            </a:endParaRPr>
-          </a:p>
-        </p:txBody>
-      </p:sp>
-      <p:sp>
-        <p:nvSpPr>
-          <p:cNvPr id="29" name="Rectangle 28"/>
-          <p:cNvSpPr/>
-          <p:nvPr/>
-        </p:nvSpPr>
-        <p:spPr>
-          <a:xfrm>
-            <a:off x="5336476" y="6279825"/>
-            <a:ext cx="1645920" cy="162560"/>
-          </a:xfrm>
-          <a:prstGeom prst="rect">
-            <a:avLst/>
-          </a:prstGeom>
-          <a:noFill/>
-          <a:ln>
-            <a:noFill/>
-          </a:ln>
-        </p:spPr>
-        <p:style>
-          <a:lnRef idx="2">
-            <a:schemeClr val="accent1">
-              <a:shade val="50000"/>
-            </a:schemeClr>
-          </a:lnRef>
-          <a:fillRef idx="1">
-            <a:schemeClr val="accent1"/>
-          </a:fillRef>
-          <a:effectRef idx="0">
-            <a:schemeClr val="accent1"/>
-          </a:effectRef>
-          <a:fontRef idx="minor">
-            <a:schemeClr val="lt1"/>
-          </a:fontRef>
-        </p:style>
-        <p:txBody>
-          <a:bodyPr rtlCol="0" anchor="ctr">
-            <a:scene3d>
-              <a:camera prst="orthographicFront"/>
-              <a:lightRig rig="threePt" dir="t"/>
-            </a:scene3d>
-            <a:sp3d extrusionH="57150">
-              <a:bevelT w="38100" h="38100" prst="angle"/>
-            </a:sp3d>
-          </a:bodyPr>
-          <a:lstStyle/>
-          <a:p>
-            <a:pPr algn="ctr"/>
-            <a:r>
-              <a:rPr lang="en-US" b="1" dirty="0" smtClean="0">
-                <a:solidFill>
-                  <a:schemeClr val="accent4"/>
-                </a:solidFill>
-              </a:rPr>
-              <a:t>&lt;</a:t>
-            </a:r>
-            <a:r>
-              <a:rPr lang="en-US" b="1" dirty="0" smtClean="0">
-                <a:solidFill>
-                  <a:schemeClr val="accent5"/>
-                </a:solidFill>
-              </a:rPr>
-              <a:t>/</a:t>
-            </a:r>
-            <a:r>
-              <a:rPr lang="en-US" b="1" dirty="0" smtClean="0">
-                <a:solidFill>
-                  <a:schemeClr val="accent4"/>
-                </a:solidFill>
-              </a:rPr>
-              <a:t>&gt;</a:t>
-            </a:r>
-            <a:endParaRPr lang="en-US" b="1" dirty="0">
-              <a:solidFill>
-                <a:schemeClr val="accent4"/>
               </a:solidFill>
             </a:endParaRPr>
           </a:p>
@@ -13985,7 +10916,7 @@
                                           </p:stCondLst>
                                         </p:cTn>
                                         <p:tgtEl>
-                                          <p:spTgt spid="24"/>
+                                          <p:spTgt spid="4"/>
                                         </p:tgtEl>
                                         <p:attrNameLst>
                                           <p:attrName>style.visibility</p:attrName>
@@ -13998,94 +10929,6 @@
                                     <p:animEffect transition="in" filter="fade">
                                       <p:cBhvr>
                                         <p:cTn id="7" dur="500"/>
-                                        <p:tgtEl>
-                                          <p:spTgt spid="24"/>
-                                        </p:tgtEl>
-                                      </p:cBhvr>
-                                    </p:animEffect>
-                                  </p:childTnLst>
-                                </p:cTn>
-                              </p:par>
-                              <p:par>
-                                <p:cTn id="8" presetID="10" presetClass="entr" presetSubtype="0" fill="hold" grpId="0" nodeType="withEffect">
-                                  <p:stCondLst>
-                                    <p:cond delay="0"/>
-                                  </p:stCondLst>
-                                  <p:childTnLst>
-                                    <p:set>
-                                      <p:cBhvr>
-                                        <p:cTn id="9" dur="1" fill="hold">
-                                          <p:stCondLst>
-                                            <p:cond delay="0"/>
-                                          </p:stCondLst>
-                                        </p:cTn>
-                                        <p:tgtEl>
-                                          <p:spTgt spid="27"/>
-                                        </p:tgtEl>
-                                        <p:attrNameLst>
-                                          <p:attrName>style.visibility</p:attrName>
-                                        </p:attrNameLst>
-                                      </p:cBhvr>
-                                      <p:to>
-                                        <p:strVal val="visible"/>
-                                      </p:to>
-                                    </p:set>
-                                    <p:animEffect transition="in" filter="fade">
-                                      <p:cBhvr>
-                                        <p:cTn id="10" dur="500"/>
-                                        <p:tgtEl>
-                                          <p:spTgt spid="27"/>
-                                        </p:tgtEl>
-                                      </p:cBhvr>
-                                    </p:animEffect>
-                                  </p:childTnLst>
-                                </p:cTn>
-                              </p:par>
-                            </p:childTnLst>
-                          </p:cTn>
-                        </p:par>
-                      </p:childTnLst>
-                    </p:cTn>
-                  </p:par>
-                  <p:par>
-                    <p:cTn id="11" fill="hold">
-                      <p:stCondLst>
-                        <p:cond delay="indefinite"/>
-                      </p:stCondLst>
-                      <p:childTnLst>
-                        <p:par>
-                          <p:cTn id="12" fill="hold">
-                            <p:stCondLst>
-                              <p:cond delay="0"/>
-                            </p:stCondLst>
-                            <p:childTnLst>
-                              <p:par>
-                                <p:cTn id="13" presetID="10" presetClass="entr" presetSubtype="0" fill="hold" grpId="0" nodeType="clickEffect">
-                                  <p:stCondLst>
-                                    <p:cond delay="0"/>
-                                  </p:stCondLst>
-                                  <p:childTnLst>
-                                    <p:set>
-                                      <p:cBhvr>
-                                        <p:cTn id="14" dur="1" fill="hold">
-                                          <p:stCondLst>
-                                            <p:cond delay="0"/>
-                                          </p:stCondLst>
-                                        </p:cTn>
-                                        <p:tgtEl>
-                                          <p:spTgt spid="4"/>
-                                        </p:tgtEl>
-                                        <p:attrNameLst>
-                                          <p:attrName>style.visibility</p:attrName>
-                                        </p:attrNameLst>
-                                      </p:cBhvr>
-                                      <p:to>
-                                        <p:strVal val="visible"/>
-                                      </p:to>
-                                    </p:set>
-                                    <p:animEffect transition="in" filter="fade">
-                                      <p:cBhvr>
-                                        <p:cTn id="15" dur="500"/>
                                         <p:tgtEl>
                                           <p:spTgt spid="4"/>
                                         </p:tgtEl>
@@ -14101,26 +10944,26 @@
                     </p:cTn>
                   </p:par>
                   <p:par>
-                    <p:cTn id="16" fill="hold">
+                    <p:cTn id="8" fill="hold">
                       <p:stCondLst>
                         <p:cond delay="indefinite"/>
                       </p:stCondLst>
                       <p:childTnLst>
                         <p:par>
-                          <p:cTn id="17" fill="hold">
+                          <p:cTn id="9" fill="hold">
                             <p:stCondLst>
                               <p:cond delay="0"/>
                             </p:stCondLst>
                             <p:childTnLst>
                               <p:par>
-                                <p:cTn id="18" presetID="10" presetClass="entr" presetSubtype="0" fill="hold" grpId="0" nodeType="clickEffect">
+                                <p:cTn id="10" presetID="10" presetClass="entr" presetSubtype="0" fill="hold" grpId="0" nodeType="clickEffect">
                                   <p:stCondLst>
                                     <p:cond delay="0"/>
                                   </p:stCondLst>
                                   <p:childTnLst>
                                     <p:set>
                                       <p:cBhvr>
-                                        <p:cTn id="19" dur="1" fill="hold">
+                                        <p:cTn id="11" dur="1" fill="hold">
                                           <p:stCondLst>
                                             <p:cond delay="0"/>
                                           </p:stCondLst>
@@ -14138,44 +10981,9 @@
                                     </p:set>
                                     <p:animEffect transition="in" filter="fade">
                                       <p:cBhvr>
-                                        <p:cTn id="20" dur="500"/>
+                                        <p:cTn id="12" dur="500"/>
                                         <p:tgtEl>
                                           <p:spTgt spid="25"/>
-                                        </p:tgtEl>
-                                      </p:cBhvr>
-                                    </p:animEffect>
-                                  </p:childTnLst>
-                                </p:cTn>
-                              </p:par>
-                              <p:par>
-                                <p:cTn id="21" presetID="10" presetClass="entr" presetSubtype="0" fill="hold" grpId="0" nodeType="withEffect">
-                                  <p:stCondLst>
-                                    <p:cond delay="0"/>
-                                  </p:stCondLst>
-                                  <p:childTnLst>
-                                    <p:set>
-                                      <p:cBhvr>
-                                        <p:cTn id="22" dur="1" fill="hold">
-                                          <p:stCondLst>
-                                            <p:cond delay="0"/>
-                                          </p:stCondLst>
-                                        </p:cTn>
-                                        <p:tgtEl>
-                                          <p:spTgt spid="28"/>
-                                        </p:tgtEl>
-                                        <p:attrNameLst>
-                                          <p:attrName>style.visibility</p:attrName>
-                                        </p:attrNameLst>
-                                      </p:cBhvr>
-                                      <p:to>
-                                        <p:strVal val="visible"/>
-                                      </p:to>
-                                    </p:set>
-                                    <p:animEffect transition="in" filter="fade">
-                                      <p:cBhvr>
-                                        <p:cTn id="23" dur="500"/>
-                                        <p:tgtEl>
-                                          <p:spTgt spid="28"/>
                                         </p:tgtEl>
                                       </p:cBhvr>
                                     </p:animEffect>
@@ -14189,26 +10997,26 @@
                     </p:cTn>
                   </p:par>
                   <p:par>
-                    <p:cTn id="24" fill="hold">
+                    <p:cTn id="13" fill="hold">
                       <p:stCondLst>
                         <p:cond delay="indefinite"/>
                       </p:stCondLst>
                       <p:childTnLst>
                         <p:par>
-                          <p:cTn id="25" fill="hold">
+                          <p:cTn id="14" fill="hold">
                             <p:stCondLst>
                               <p:cond delay="0"/>
                             </p:stCondLst>
                             <p:childTnLst>
                               <p:par>
-                                <p:cTn id="26" presetID="10" presetClass="entr" presetSubtype="0" fill="hold" grpId="0" nodeType="clickEffect">
+                                <p:cTn id="15" presetID="10" presetClass="entr" presetSubtype="0" fill="hold" grpId="0" nodeType="clickEffect">
                                   <p:stCondLst>
                                     <p:cond delay="0"/>
                                   </p:stCondLst>
                                   <p:childTnLst>
                                     <p:set>
                                       <p:cBhvr>
-                                        <p:cTn id="27" dur="1" fill="hold">
+                                        <p:cTn id="16" dur="1" fill="hold">
                                           <p:stCondLst>
                                             <p:cond delay="0"/>
                                           </p:stCondLst>
@@ -14226,7 +11034,7 @@
                                     </p:set>
                                     <p:animEffect transition="in" filter="fade">
                                       <p:cBhvr>
-                                        <p:cTn id="28" dur="500"/>
+                                        <p:cTn id="17" dur="500"/>
                                         <p:tgtEl>
                                           <p:spTgt spid="26"/>
                                         </p:tgtEl>
@@ -14264,11 +11072,8 @@
     </p:tnLst>
     <p:bldLst>
       <p:bldP spid="4" grpId="0" animBg="1"/>
-      <p:bldP spid="24" grpId="0"/>
       <p:bldP spid="25" grpId="0"/>
       <p:bldP spid="26" grpId="0" animBg="1"/>
-      <p:bldP spid="27" grpId="0"/>
-      <p:bldP spid="28" grpId="0"/>
     </p:bldLst>
   </p:timing>
 </p:sld>
@@ -15104,11 +11909,11 @@
             <a:r>
               <a:rPr lang="en-US" sz="3600" b="1" dirty="0" smtClean="0">
                 <a:solidFill>
-                  <a:srgbClr val="00B050"/>
+                  <a:schemeClr val="accent4"/>
                 </a:solidFill>
                 <a:sym typeface="Wingdings" panose="05000000000000000000" pitchFamily="2" charset="2"/>
               </a:rPr>
-              <a:t>&lt;</a:t>
+              <a:t>{</a:t>
             </a:r>
             <a:r>
               <a:rPr lang="en-US" sz="3600" b="1" dirty="0" smtClean="0">
@@ -15117,25 +11922,23 @@
                 </a:solidFill>
                 <a:sym typeface="Wingdings" panose="05000000000000000000" pitchFamily="2" charset="2"/>
               </a:rPr>
-              <a:t>\</a:t>
+              <a:t>  </a:t>
             </a:r>
             <a:r>
               <a:rPr lang="en-US" sz="3600" b="1" dirty="0" smtClean="0">
                 <a:solidFill>
-                  <a:srgbClr val="00B050"/>
-                </a:solidFill>
-                <a:sym typeface="Wingdings" panose="05000000000000000000" pitchFamily="2" charset="2"/>
-              </a:rPr>
-              <a:t>--</a:t>
+                  <a:schemeClr val="accent4"/>
+                </a:solidFill>
+              </a:rPr>
+              <a:t>CONTROL </a:t>
             </a:r>
             <a:r>
               <a:rPr lang="en-US" sz="3600" b="1" dirty="0" smtClean="0">
                 <a:solidFill>
                   <a:schemeClr val="accent4"/>
                 </a:solidFill>
-                <a:sym typeface="Wingdings" panose="05000000000000000000" pitchFamily="2" charset="2"/>
-              </a:rPr>
-              <a:t>    </a:t>
+              </a:rPr>
+              <a:t>STRUCTURE  END  </a:t>
             </a:r>
             <a:r>
               <a:rPr lang="en-US" sz="3600" b="1" dirty="0" smtClean="0">
@@ -15143,166 +11946,11 @@
                   <a:schemeClr val="accent4"/>
                 </a:solidFill>
               </a:rPr>
-              <a:t>CONTROL STRUCTURE  END   </a:t>
-            </a:r>
-            <a:r>
-              <a:rPr lang="en-US" sz="3600" b="1" dirty="0" smtClean="0">
-                <a:solidFill>
-                  <a:srgbClr val="00B050"/>
-                </a:solidFill>
-              </a:rPr>
-              <a:t>--</a:t>
-            </a:r>
-            <a:r>
-              <a:rPr lang="en-US" sz="3600" b="1" dirty="0" smtClean="0">
-                <a:solidFill>
-                  <a:schemeClr val="accent4"/>
-                </a:solidFill>
-              </a:rPr>
-              <a:t>/</a:t>
-            </a:r>
-            <a:r>
-              <a:rPr lang="en-US" sz="3600" b="1" dirty="0" smtClean="0">
-                <a:solidFill>
-                  <a:srgbClr val="00B050"/>
-                </a:solidFill>
-              </a:rPr>
-              <a:t>&gt;</a:t>
+              <a:t>}</a:t>
             </a:r>
             <a:endParaRPr lang="en-US" sz="3600" b="1" dirty="0">
               <a:solidFill>
                 <a:srgbClr val="00B050"/>
-              </a:solidFill>
-            </a:endParaRPr>
-          </a:p>
-        </p:txBody>
-      </p:sp>
-      <p:sp>
-        <p:nvSpPr>
-          <p:cNvPr id="10" name="Rectangle 9"/>
-          <p:cNvSpPr/>
-          <p:nvPr/>
-        </p:nvSpPr>
-        <p:spPr>
-          <a:xfrm flipV="1">
-            <a:off x="3274834" y="932463"/>
-            <a:ext cx="5601092" cy="469770"/>
-          </a:xfrm>
-          <a:prstGeom prst="rect">
-            <a:avLst/>
-          </a:prstGeom>
-          <a:noFill/>
-          <a:ln>
-            <a:noFill/>
-          </a:ln>
-          <a:scene3d>
-            <a:camera prst="orthographicFront"/>
-            <a:lightRig rig="threePt" dir="t"/>
-          </a:scene3d>
-          <a:sp3d>
-            <a:bevelT prst="angle"/>
-          </a:sp3d>
-        </p:spPr>
-        <p:style>
-          <a:lnRef idx="2">
-            <a:schemeClr val="accent1">
-              <a:shade val="50000"/>
-            </a:schemeClr>
-          </a:lnRef>
-          <a:fillRef idx="1">
-            <a:schemeClr val="accent1"/>
-          </a:fillRef>
-          <a:effectRef idx="0">
-            <a:schemeClr val="accent1"/>
-          </a:effectRef>
-          <a:fontRef idx="minor">
-            <a:schemeClr val="lt1"/>
-          </a:fontRef>
-        </p:style>
-        <p:txBody>
-          <a:bodyPr rtlCol="0" anchor="ctr">
-            <a:sp3d extrusionH="57150">
-              <a:bevelT w="38100" h="38100" prst="angle"/>
-            </a:sp3d>
-          </a:bodyPr>
-          <a:lstStyle/>
-          <a:p>
-            <a:pPr algn="ctr"/>
-            <a:r>
-              <a:rPr lang="en-US" sz="7200" dirty="0" smtClean="0">
-                <a:solidFill>
-                  <a:schemeClr val="accent4"/>
-                </a:solidFill>
-              </a:rPr>
-              <a:t>-</a:t>
-            </a:r>
-            <a:r>
-              <a:rPr lang="en-US" sz="7200" dirty="0" smtClean="0">
-                <a:solidFill>
-                  <a:srgbClr val="00B050"/>
-                </a:solidFill>
-              </a:rPr>
-              <a:t>- </a:t>
-            </a:r>
-            <a:r>
-              <a:rPr lang="en-US" sz="7200" dirty="0" smtClean="0">
-                <a:solidFill>
-                  <a:schemeClr val="accent5"/>
-                </a:solidFill>
-              </a:rPr>
-              <a:t>-</a:t>
-            </a:r>
-            <a:r>
-              <a:rPr lang="en-US" sz="7200" dirty="0" smtClean="0">
-                <a:solidFill>
-                  <a:srgbClr val="00B050"/>
-                </a:solidFill>
-              </a:rPr>
-              <a:t> -- </a:t>
-            </a:r>
-            <a:r>
-              <a:rPr lang="en-US" sz="7200" dirty="0" smtClean="0">
-                <a:solidFill>
-                  <a:schemeClr val="accent4"/>
-                </a:solidFill>
-              </a:rPr>
-              <a:t>-</a:t>
-            </a:r>
-            <a:r>
-              <a:rPr lang="en-US" sz="7200" dirty="0" smtClean="0">
-                <a:solidFill>
-                  <a:srgbClr val="00B050"/>
-                </a:solidFill>
-              </a:rPr>
-              <a:t> -- </a:t>
-            </a:r>
-            <a:r>
-              <a:rPr lang="en-US" sz="7200" dirty="0" smtClean="0">
-                <a:solidFill>
-                  <a:schemeClr val="accent5"/>
-                </a:solidFill>
-              </a:rPr>
-              <a:t>-</a:t>
-            </a:r>
-            <a:r>
-              <a:rPr lang="en-US" sz="7200" dirty="0" smtClean="0">
-                <a:solidFill>
-                  <a:srgbClr val="00B050"/>
-                </a:solidFill>
-              </a:rPr>
-              <a:t> -</a:t>
-            </a:r>
-            <a:r>
-              <a:rPr lang="en-US" sz="7200" dirty="0" smtClean="0">
-                <a:solidFill>
-                  <a:schemeClr val="accent4"/>
-                </a:solidFill>
-              </a:rPr>
-              <a:t>-</a:t>
-            </a:r>
-            <a:endParaRPr lang="en-US" sz="4400" dirty="0">
-              <a:solidFill>
-                <a:schemeClr val="accent4"/>
               </a:solidFill>
             </a:endParaRPr>
           </a:p>
@@ -15562,7 +12210,7 @@
         </p:nvSpPr>
         <p:spPr>
           <a:xfrm>
-            <a:off x="5354320" y="6299199"/>
+            <a:off x="5340775" y="6285892"/>
             <a:ext cx="1628076" cy="143185"/>
           </a:xfrm>
           <a:prstGeom prst="rect">
@@ -15608,23 +12256,7 @@
                   <a:schemeClr val="accent4"/>
                 </a:solidFill>
               </a:rPr>
-              <a:t>&lt;</a:t>
-            </a:r>
-            <a:r>
-              <a:rPr lang="en-US" b="1" dirty="0" smtClean="0">
-                <a:solidFill>
-                  <a:schemeClr val="accent5"/>
-                </a:solidFill>
-              </a:rPr>
-              <a:t>/</a:t>
-            </a:r>
-            <a:r>
-              <a:rPr lang="en-US" b="1" dirty="0" smtClean="0">
-                <a:solidFill>
-                  <a:schemeClr val="accent4"/>
-                </a:solidFill>
-              </a:rPr>
-              <a:t>&gt;</a:t>
+              <a:t>{}</a:t>
             </a:r>
             <a:endParaRPr lang="en-US" b="1" dirty="0">
               <a:solidFill>
@@ -15735,7 +12367,23 @@
                   <a:schemeClr val="accent4"/>
                 </a:solidFill>
               </a:rPr>
-              <a:t>HAPPY PROGRAMMING !</a:t>
+              <a:t>HAPPY </a:t>
+            </a:r>
+            <a:r>
+              <a:rPr lang="en-US" sz="4400" b="1" dirty="0" smtClean="0">
+                <a:solidFill>
+                  <a:schemeClr val="accent4"/>
+                </a:solidFill>
+              </a:rPr>
+              <a:t>Pre-PROGRAMMING </a:t>
+            </a:r>
+            <a:r>
+              <a:rPr lang="en-US" sz="4400" b="1" dirty="0" smtClean="0">
+                <a:solidFill>
+                  <a:schemeClr val="accent4"/>
+                </a:solidFill>
+              </a:rPr>
+              <a:t>!</a:t>
             </a:r>
             <a:endParaRPr lang="en-US" sz="4400" b="1" dirty="0">
               <a:solidFill>
